--- a/bittalk_max.pptx
+++ b/bittalk_max.pptx
@@ -4,50 +4,71 @@
   <p:sldMasterIdLst>
     <p:sldMasterId id="2147483648" r:id="rId1"/>
   </p:sldMasterIdLst>
+  <p:notesMasterIdLst>
+    <p:notesMasterId r:id="rId63"/>
+  </p:notesMasterIdLst>
   <p:sldIdLst>
     <p:sldId id="256" r:id="rId2"/>
     <p:sldId id="263" r:id="rId3"/>
-    <p:sldId id="294" r:id="rId4"/>
-    <p:sldId id="295" r:id="rId5"/>
-    <p:sldId id="298" r:id="rId6"/>
-    <p:sldId id="297" r:id="rId7"/>
-    <p:sldId id="299" r:id="rId8"/>
-    <p:sldId id="296" r:id="rId9"/>
+    <p:sldId id="320" r:id="rId4"/>
+    <p:sldId id="294" r:id="rId5"/>
+    <p:sldId id="295" r:id="rId6"/>
+    <p:sldId id="298" r:id="rId7"/>
+    <p:sldId id="297" r:id="rId8"/>
+    <p:sldId id="299" r:id="rId9"/>
     <p:sldId id="293" r:id="rId10"/>
-    <p:sldId id="264" r:id="rId11"/>
-    <p:sldId id="265" r:id="rId12"/>
-    <p:sldId id="266" r:id="rId13"/>
-    <p:sldId id="267" r:id="rId14"/>
-    <p:sldId id="268" r:id="rId15"/>
-    <p:sldId id="269" r:id="rId16"/>
-    <p:sldId id="270" r:id="rId17"/>
-    <p:sldId id="271" r:id="rId18"/>
-    <p:sldId id="277" r:id="rId19"/>
-    <p:sldId id="290" r:id="rId20"/>
-    <p:sldId id="291" r:id="rId21"/>
-    <p:sldId id="292" r:id="rId22"/>
-    <p:sldId id="272" r:id="rId23"/>
-    <p:sldId id="280" r:id="rId24"/>
-    <p:sldId id="282" r:id="rId25"/>
-    <p:sldId id="283" r:id="rId26"/>
-    <p:sldId id="288" r:id="rId27"/>
-    <p:sldId id="289" r:id="rId28"/>
-    <p:sldId id="273" r:id="rId29"/>
-    <p:sldId id="274" r:id="rId30"/>
-    <p:sldId id="257" r:id="rId31"/>
-    <p:sldId id="258" r:id="rId32"/>
-    <p:sldId id="260" r:id="rId33"/>
-    <p:sldId id="259" r:id="rId34"/>
-    <p:sldId id="261" r:id="rId35"/>
-    <p:sldId id="276" r:id="rId36"/>
-    <p:sldId id="279" r:id="rId37"/>
-    <p:sldId id="281" r:id="rId38"/>
-    <p:sldId id="284" r:id="rId39"/>
-    <p:sldId id="287" r:id="rId40"/>
-    <p:sldId id="285" r:id="rId41"/>
-    <p:sldId id="262" r:id="rId42"/>
-    <p:sldId id="300" r:id="rId43"/>
-    <p:sldId id="286" r:id="rId44"/>
+    <p:sldId id="290" r:id="rId11"/>
+    <p:sldId id="264" r:id="rId12"/>
+    <p:sldId id="304" r:id="rId13"/>
+    <p:sldId id="265" r:id="rId14"/>
+    <p:sldId id="266" r:id="rId15"/>
+    <p:sldId id="267" r:id="rId16"/>
+    <p:sldId id="268" r:id="rId17"/>
+    <p:sldId id="301" r:id="rId18"/>
+    <p:sldId id="270" r:id="rId19"/>
+    <p:sldId id="271" r:id="rId20"/>
+    <p:sldId id="277" r:id="rId21"/>
+    <p:sldId id="291" r:id="rId22"/>
+    <p:sldId id="292" r:id="rId23"/>
+    <p:sldId id="272" r:id="rId24"/>
+    <p:sldId id="280" r:id="rId25"/>
+    <p:sldId id="282" r:id="rId26"/>
+    <p:sldId id="283" r:id="rId27"/>
+    <p:sldId id="308" r:id="rId28"/>
+    <p:sldId id="307" r:id="rId29"/>
+    <p:sldId id="309" r:id="rId30"/>
+    <p:sldId id="288" r:id="rId31"/>
+    <p:sldId id="289" r:id="rId32"/>
+    <p:sldId id="273" r:id="rId33"/>
+    <p:sldId id="274" r:id="rId34"/>
+    <p:sldId id="296" r:id="rId35"/>
+    <p:sldId id="302" r:id="rId36"/>
+    <p:sldId id="303" r:id="rId37"/>
+    <p:sldId id="310" r:id="rId38"/>
+    <p:sldId id="311" r:id="rId39"/>
+    <p:sldId id="257" r:id="rId40"/>
+    <p:sldId id="258" r:id="rId41"/>
+    <p:sldId id="260" r:id="rId42"/>
+    <p:sldId id="259" r:id="rId43"/>
+    <p:sldId id="261" r:id="rId44"/>
+    <p:sldId id="276" r:id="rId45"/>
+    <p:sldId id="279" r:id="rId46"/>
+    <p:sldId id="305" r:id="rId47"/>
+    <p:sldId id="306" r:id="rId48"/>
+    <p:sldId id="281" r:id="rId49"/>
+    <p:sldId id="284" r:id="rId50"/>
+    <p:sldId id="312" r:id="rId51"/>
+    <p:sldId id="287" r:id="rId52"/>
+    <p:sldId id="313" r:id="rId53"/>
+    <p:sldId id="314" r:id="rId54"/>
+    <p:sldId id="316" r:id="rId55"/>
+    <p:sldId id="315" r:id="rId56"/>
+    <p:sldId id="317" r:id="rId57"/>
+    <p:sldId id="319" r:id="rId58"/>
+    <p:sldId id="285" r:id="rId59"/>
+    <p:sldId id="262" r:id="rId60"/>
+    <p:sldId id="300" r:id="rId61"/>
+    <p:sldId id="286" r:id="rId62"/>
   </p:sldIdLst>
   <p:sldSz cx="12192000" cy="6858000"/>
   <p:notesSz cx="6858000" cy="9144000"/>
@@ -154,6 +175,442 @@
 </p:presentation>
 </file>
 
+<file path=ppt/notesMasters/notesMaster1.xml><?xml version="1.0" encoding="utf-8"?>
+<p:notesMaster xmlns:a="http://schemas.openxmlformats.org/drawingml/2006/main" xmlns:r="http://schemas.openxmlformats.org/officeDocument/2006/relationships" xmlns:p="http://schemas.openxmlformats.org/presentationml/2006/main">
+  <p:cSld>
+    <p:bg>
+      <p:bgRef idx="1001">
+        <a:schemeClr val="bg1"/>
+      </p:bgRef>
+    </p:bg>
+    <p:spTree>
+      <p:nvGrpSpPr>
+        <p:cNvPr id="1" name=""/>
+        <p:cNvGrpSpPr/>
+        <p:nvPr/>
+      </p:nvGrpSpPr>
+      <p:grpSpPr>
+        <a:xfrm>
+          <a:off x="0" y="0"/>
+          <a:ext cx="0" cy="0"/>
+          <a:chOff x="0" y="0"/>
+          <a:chExt cx="0" cy="0"/>
+        </a:xfrm>
+      </p:grpSpPr>
+      <p:sp>
+        <p:nvSpPr>
+          <p:cNvPr id="2" name="Верхний колонтитул 1"/>
+          <p:cNvSpPr>
+            <a:spLocks noGrp="1"/>
+          </p:cNvSpPr>
+          <p:nvPr>
+            <p:ph type="hdr" sz="quarter"/>
+          </p:nvPr>
+        </p:nvSpPr>
+        <p:spPr>
+          <a:xfrm>
+            <a:off x="0" y="0"/>
+            <a:ext cx="2971800" cy="458788"/>
+          </a:xfrm>
+          <a:prstGeom prst="rect">
+            <a:avLst/>
+          </a:prstGeom>
+        </p:spPr>
+        <p:txBody>
+          <a:bodyPr vert="horz" lIns="91440" tIns="45720" rIns="91440" bIns="45720" rtlCol="0"/>
+          <a:lstStyle>
+            <a:lvl1pPr algn="l">
+              <a:defRPr sz="1200"/>
+            </a:lvl1pPr>
+          </a:lstStyle>
+          <a:p>
+            <a:endParaRPr lang="ru-RU"/>
+          </a:p>
+        </p:txBody>
+      </p:sp>
+      <p:sp>
+        <p:nvSpPr>
+          <p:cNvPr id="3" name="Дата 2"/>
+          <p:cNvSpPr>
+            <a:spLocks noGrp="1"/>
+          </p:cNvSpPr>
+          <p:nvPr>
+            <p:ph type="dt" idx="1"/>
+          </p:nvPr>
+        </p:nvSpPr>
+        <p:spPr>
+          <a:xfrm>
+            <a:off x="3884613" y="0"/>
+            <a:ext cx="2971800" cy="458788"/>
+          </a:xfrm>
+          <a:prstGeom prst="rect">
+            <a:avLst/>
+          </a:prstGeom>
+        </p:spPr>
+        <p:txBody>
+          <a:bodyPr vert="horz" lIns="91440" tIns="45720" rIns="91440" bIns="45720" rtlCol="0"/>
+          <a:lstStyle>
+            <a:lvl1pPr algn="r">
+              <a:defRPr sz="1200"/>
+            </a:lvl1pPr>
+          </a:lstStyle>
+          <a:p>
+            <a:fld id="{F2FEAF69-4086-4939-A367-435298AD5861}" type="datetimeFigureOut">
+              <a:rPr lang="ru-RU" smtClean="0"/>
+              <a:t>03.05.2017</a:t>
+            </a:fld>
+            <a:endParaRPr lang="ru-RU"/>
+          </a:p>
+        </p:txBody>
+      </p:sp>
+      <p:sp>
+        <p:nvSpPr>
+          <p:cNvPr id="4" name="Образ слайда 3"/>
+          <p:cNvSpPr>
+            <a:spLocks noGrp="1" noRot="1" noChangeAspect="1"/>
+          </p:cNvSpPr>
+          <p:nvPr>
+            <p:ph type="sldImg" idx="2"/>
+          </p:nvPr>
+        </p:nvSpPr>
+        <p:spPr>
+          <a:xfrm>
+            <a:off x="685800" y="1143000"/>
+            <a:ext cx="5486400" cy="3086100"/>
+          </a:xfrm>
+          <a:prstGeom prst="rect">
+            <a:avLst/>
+          </a:prstGeom>
+          <a:noFill/>
+          <a:ln w="12700">
+            <a:solidFill>
+              <a:prstClr val="black"/>
+            </a:solidFill>
+          </a:ln>
+        </p:spPr>
+        <p:txBody>
+          <a:bodyPr vert="horz" lIns="91440" tIns="45720" rIns="91440" bIns="45720" rtlCol="0" anchor="ctr"/>
+          <a:lstStyle/>
+          <a:p>
+            <a:endParaRPr lang="ru-RU"/>
+          </a:p>
+        </p:txBody>
+      </p:sp>
+      <p:sp>
+        <p:nvSpPr>
+          <p:cNvPr id="5" name="Заметки 4"/>
+          <p:cNvSpPr>
+            <a:spLocks noGrp="1"/>
+          </p:cNvSpPr>
+          <p:nvPr>
+            <p:ph type="body" sz="quarter" idx="3"/>
+          </p:nvPr>
+        </p:nvSpPr>
+        <p:spPr>
+          <a:xfrm>
+            <a:off x="685800" y="4400550"/>
+            <a:ext cx="5486400" cy="3600450"/>
+          </a:xfrm>
+          <a:prstGeom prst="rect">
+            <a:avLst/>
+          </a:prstGeom>
+        </p:spPr>
+        <p:txBody>
+          <a:bodyPr vert="horz" lIns="91440" tIns="45720" rIns="91440" bIns="45720" rtlCol="0"/>
+          <a:lstStyle/>
+          <a:p>
+            <a:pPr lvl="0"/>
+            <a:r>
+              <a:rPr lang="ru-RU"/>
+              <a:t>Образец текста</a:t>
+            </a:r>
+          </a:p>
+          <a:p>
+            <a:pPr lvl="1"/>
+            <a:r>
+              <a:rPr lang="ru-RU"/>
+              <a:t>Второй уровень</a:t>
+            </a:r>
+          </a:p>
+          <a:p>
+            <a:pPr lvl="2"/>
+            <a:r>
+              <a:rPr lang="ru-RU"/>
+              <a:t>Третий уровень</a:t>
+            </a:r>
+          </a:p>
+          <a:p>
+            <a:pPr lvl="3"/>
+            <a:r>
+              <a:rPr lang="ru-RU"/>
+              <a:t>Четвертый уровень</a:t>
+            </a:r>
+          </a:p>
+          <a:p>
+            <a:pPr lvl="4"/>
+            <a:r>
+              <a:rPr lang="ru-RU"/>
+              <a:t>Пятый уровень</a:t>
+            </a:r>
+          </a:p>
+        </p:txBody>
+      </p:sp>
+      <p:sp>
+        <p:nvSpPr>
+          <p:cNvPr id="6" name="Нижний колонтитул 5"/>
+          <p:cNvSpPr>
+            <a:spLocks noGrp="1"/>
+          </p:cNvSpPr>
+          <p:nvPr>
+            <p:ph type="ftr" sz="quarter" idx="4"/>
+          </p:nvPr>
+        </p:nvSpPr>
+        <p:spPr>
+          <a:xfrm>
+            <a:off x="0" y="8685213"/>
+            <a:ext cx="2971800" cy="458787"/>
+          </a:xfrm>
+          <a:prstGeom prst="rect">
+            <a:avLst/>
+          </a:prstGeom>
+        </p:spPr>
+        <p:txBody>
+          <a:bodyPr vert="horz" lIns="91440" tIns="45720" rIns="91440" bIns="45720" rtlCol="0" anchor="b"/>
+          <a:lstStyle>
+            <a:lvl1pPr algn="l">
+              <a:defRPr sz="1200"/>
+            </a:lvl1pPr>
+          </a:lstStyle>
+          <a:p>
+            <a:endParaRPr lang="ru-RU"/>
+          </a:p>
+        </p:txBody>
+      </p:sp>
+      <p:sp>
+        <p:nvSpPr>
+          <p:cNvPr id="7" name="Номер слайда 6"/>
+          <p:cNvSpPr>
+            <a:spLocks noGrp="1"/>
+          </p:cNvSpPr>
+          <p:nvPr>
+            <p:ph type="sldNum" sz="quarter" idx="5"/>
+          </p:nvPr>
+        </p:nvSpPr>
+        <p:spPr>
+          <a:xfrm>
+            <a:off x="3884613" y="8685213"/>
+            <a:ext cx="2971800" cy="458787"/>
+          </a:xfrm>
+          <a:prstGeom prst="rect">
+            <a:avLst/>
+          </a:prstGeom>
+        </p:spPr>
+        <p:txBody>
+          <a:bodyPr vert="horz" lIns="91440" tIns="45720" rIns="91440" bIns="45720" rtlCol="0" anchor="b"/>
+          <a:lstStyle>
+            <a:lvl1pPr algn="r">
+              <a:defRPr sz="1200"/>
+            </a:lvl1pPr>
+          </a:lstStyle>
+          <a:p>
+            <a:fld id="{B3AB6D09-BB5E-4557-B5D1-94EDB874E759}" type="slidenum">
+              <a:rPr lang="ru-RU" smtClean="0"/>
+              <a:t>‹#›</a:t>
+            </a:fld>
+            <a:endParaRPr lang="ru-RU"/>
+          </a:p>
+        </p:txBody>
+      </p:sp>
+    </p:spTree>
+    <p:extLst>
+      <p:ext uri="{BB962C8B-B14F-4D97-AF65-F5344CB8AC3E}">
+        <p14:creationId xmlns:p14="http://schemas.microsoft.com/office/powerpoint/2010/main" val="1989255371"/>
+      </p:ext>
+    </p:extLst>
+  </p:cSld>
+  <p:clrMap bg1="lt1" tx1="dk1" bg2="lt2" tx2="dk2" accent1="accent1" accent2="accent2" accent3="accent3" accent4="accent4" accent5="accent5" accent6="accent6" hlink="hlink" folHlink="folHlink"/>
+  <p:notesStyle>
+    <a:lvl1pPr marL="0" algn="l" defTabSz="914400" rtl="0" eaLnBrk="1" latinLnBrk="0" hangingPunct="1">
+      <a:defRPr sz="1200" kern="1200">
+        <a:solidFill>
+          <a:schemeClr val="tx1"/>
+        </a:solidFill>
+        <a:latin typeface="+mn-lt"/>
+        <a:ea typeface="+mn-ea"/>
+        <a:cs typeface="+mn-cs"/>
+      </a:defRPr>
+    </a:lvl1pPr>
+    <a:lvl2pPr marL="457200" algn="l" defTabSz="914400" rtl="0" eaLnBrk="1" latinLnBrk="0" hangingPunct="1">
+      <a:defRPr sz="1200" kern="1200">
+        <a:solidFill>
+          <a:schemeClr val="tx1"/>
+        </a:solidFill>
+        <a:latin typeface="+mn-lt"/>
+        <a:ea typeface="+mn-ea"/>
+        <a:cs typeface="+mn-cs"/>
+      </a:defRPr>
+    </a:lvl2pPr>
+    <a:lvl3pPr marL="914400" algn="l" defTabSz="914400" rtl="0" eaLnBrk="1" latinLnBrk="0" hangingPunct="1">
+      <a:defRPr sz="1200" kern="1200">
+        <a:solidFill>
+          <a:schemeClr val="tx1"/>
+        </a:solidFill>
+        <a:latin typeface="+mn-lt"/>
+        <a:ea typeface="+mn-ea"/>
+        <a:cs typeface="+mn-cs"/>
+      </a:defRPr>
+    </a:lvl3pPr>
+    <a:lvl4pPr marL="1371600" algn="l" defTabSz="914400" rtl="0" eaLnBrk="1" latinLnBrk="0" hangingPunct="1">
+      <a:defRPr sz="1200" kern="1200">
+        <a:solidFill>
+          <a:schemeClr val="tx1"/>
+        </a:solidFill>
+        <a:latin typeface="+mn-lt"/>
+        <a:ea typeface="+mn-ea"/>
+        <a:cs typeface="+mn-cs"/>
+      </a:defRPr>
+    </a:lvl4pPr>
+    <a:lvl5pPr marL="1828800" algn="l" defTabSz="914400" rtl="0" eaLnBrk="1" latinLnBrk="0" hangingPunct="1">
+      <a:defRPr sz="1200" kern="1200">
+        <a:solidFill>
+          <a:schemeClr val="tx1"/>
+        </a:solidFill>
+        <a:latin typeface="+mn-lt"/>
+        <a:ea typeface="+mn-ea"/>
+        <a:cs typeface="+mn-cs"/>
+      </a:defRPr>
+    </a:lvl5pPr>
+    <a:lvl6pPr marL="2286000" algn="l" defTabSz="914400" rtl="0" eaLnBrk="1" latinLnBrk="0" hangingPunct="1">
+      <a:defRPr sz="1200" kern="1200">
+        <a:solidFill>
+          <a:schemeClr val="tx1"/>
+        </a:solidFill>
+        <a:latin typeface="+mn-lt"/>
+        <a:ea typeface="+mn-ea"/>
+        <a:cs typeface="+mn-cs"/>
+      </a:defRPr>
+    </a:lvl6pPr>
+    <a:lvl7pPr marL="2743200" algn="l" defTabSz="914400" rtl="0" eaLnBrk="1" latinLnBrk="0" hangingPunct="1">
+      <a:defRPr sz="1200" kern="1200">
+        <a:solidFill>
+          <a:schemeClr val="tx1"/>
+        </a:solidFill>
+        <a:latin typeface="+mn-lt"/>
+        <a:ea typeface="+mn-ea"/>
+        <a:cs typeface="+mn-cs"/>
+      </a:defRPr>
+    </a:lvl7pPr>
+    <a:lvl8pPr marL="3200400" algn="l" defTabSz="914400" rtl="0" eaLnBrk="1" latinLnBrk="0" hangingPunct="1">
+      <a:defRPr sz="1200" kern="1200">
+        <a:solidFill>
+          <a:schemeClr val="tx1"/>
+        </a:solidFill>
+        <a:latin typeface="+mn-lt"/>
+        <a:ea typeface="+mn-ea"/>
+        <a:cs typeface="+mn-cs"/>
+      </a:defRPr>
+    </a:lvl8pPr>
+    <a:lvl9pPr marL="3657600" algn="l" defTabSz="914400" rtl="0" eaLnBrk="1" latinLnBrk="0" hangingPunct="1">
+      <a:defRPr sz="1200" kern="1200">
+        <a:solidFill>
+          <a:schemeClr val="tx1"/>
+        </a:solidFill>
+        <a:latin typeface="+mn-lt"/>
+        <a:ea typeface="+mn-ea"/>
+        <a:cs typeface="+mn-cs"/>
+      </a:defRPr>
+    </a:lvl9pPr>
+  </p:notesStyle>
+</p:notesMaster>
+</file>
+
+<file path=ppt/notesSlides/notesSlide1.xml><?xml version="1.0" encoding="utf-8"?>
+<p:notes xmlns:a="http://schemas.openxmlformats.org/drawingml/2006/main" xmlns:r="http://schemas.openxmlformats.org/officeDocument/2006/relationships" xmlns:p="http://schemas.openxmlformats.org/presentationml/2006/main">
+  <p:cSld>
+    <p:spTree>
+      <p:nvGrpSpPr>
+        <p:cNvPr id="1" name=""/>
+        <p:cNvGrpSpPr/>
+        <p:nvPr/>
+      </p:nvGrpSpPr>
+      <p:grpSpPr>
+        <a:xfrm>
+          <a:off x="0" y="0"/>
+          <a:ext cx="0" cy="0"/>
+          <a:chOff x="0" y="0"/>
+          <a:chExt cx="0" cy="0"/>
+        </a:xfrm>
+      </p:grpSpPr>
+      <p:sp>
+        <p:nvSpPr>
+          <p:cNvPr id="2" name="Образ слайда 1"/>
+          <p:cNvSpPr>
+            <a:spLocks noGrp="1" noRot="1" noChangeAspect="1"/>
+          </p:cNvSpPr>
+          <p:nvPr>
+            <p:ph type="sldImg"/>
+          </p:nvPr>
+        </p:nvSpPr>
+        <p:spPr/>
+      </p:sp>
+      <p:sp>
+        <p:nvSpPr>
+          <p:cNvPr id="3" name="Заметки 2"/>
+          <p:cNvSpPr>
+            <a:spLocks noGrp="1"/>
+          </p:cNvSpPr>
+          <p:nvPr>
+            <p:ph type="body" idx="1"/>
+          </p:nvPr>
+        </p:nvSpPr>
+        <p:spPr/>
+        <p:txBody>
+          <a:bodyPr/>
+          <a:lstStyle/>
+          <a:p>
+            <a:r>
+              <a:rPr lang="ru-RU" dirty="0"/>
+              <a:t>Например, в Японии биткоин стал официальной валютой.</a:t>
+            </a:r>
+          </a:p>
+        </p:txBody>
+      </p:sp>
+      <p:sp>
+        <p:nvSpPr>
+          <p:cNvPr id="4" name="Номер слайда 3"/>
+          <p:cNvSpPr>
+            <a:spLocks noGrp="1"/>
+          </p:cNvSpPr>
+          <p:nvPr>
+            <p:ph type="sldNum" sz="quarter" idx="10"/>
+          </p:nvPr>
+        </p:nvSpPr>
+        <p:spPr/>
+        <p:txBody>
+          <a:bodyPr/>
+          <a:lstStyle/>
+          <a:p>
+            <a:fld id="{B3AB6D09-BB5E-4557-B5D1-94EDB874E759}" type="slidenum">
+              <a:rPr lang="ru-RU" smtClean="0"/>
+              <a:t>17</a:t>
+            </a:fld>
+            <a:endParaRPr lang="ru-RU"/>
+          </a:p>
+        </p:txBody>
+      </p:sp>
+    </p:spTree>
+    <p:extLst>
+      <p:ext uri="{BB962C8B-B14F-4D97-AF65-F5344CB8AC3E}">
+        <p14:creationId xmlns:p14="http://schemas.microsoft.com/office/powerpoint/2010/main" val="681652132"/>
+      </p:ext>
+    </p:extLst>
+  </p:cSld>
+  <p:clrMapOvr>
+    <a:masterClrMapping/>
+  </p:clrMapOvr>
+</p:notes>
+</file>
+
 <file path=ppt/slideLayouts/slideLayout1.xml><?xml version="1.0" encoding="utf-8"?>
 <p:sldLayout xmlns:a="http://schemas.openxmlformats.org/drawingml/2006/main" xmlns:r="http://schemas.openxmlformats.org/officeDocument/2006/relationships" xmlns:p="http://schemas.openxmlformats.org/presentationml/2006/main" type="title" preserve="1">
   <p:cSld name="Титульный слайд">
@@ -283,7 +740,7 @@
           <a:p>
             <a:fld id="{6F2B30B8-AF5E-4811-AFB7-DFBD47950AF1}" type="datetimeFigureOut">
               <a:rPr lang="ru-RU" smtClean="0"/>
-              <a:t>02.05.2017</a:t>
+              <a:t>03.05.2017</a:t>
             </a:fld>
             <a:endParaRPr lang="ru-RU"/>
           </a:p>
@@ -451,7 +908,7 @@
           <a:p>
             <a:fld id="{6F2B30B8-AF5E-4811-AFB7-DFBD47950AF1}" type="datetimeFigureOut">
               <a:rPr lang="ru-RU" smtClean="0"/>
-              <a:t>02.05.2017</a:t>
+              <a:t>03.05.2017</a:t>
             </a:fld>
             <a:endParaRPr lang="ru-RU"/>
           </a:p>
@@ -629,7 +1086,7 @@
           <a:p>
             <a:fld id="{6F2B30B8-AF5E-4811-AFB7-DFBD47950AF1}" type="datetimeFigureOut">
               <a:rPr lang="ru-RU" smtClean="0"/>
-              <a:t>02.05.2017</a:t>
+              <a:t>03.05.2017</a:t>
             </a:fld>
             <a:endParaRPr lang="ru-RU"/>
           </a:p>
@@ -797,7 +1254,7 @@
           <a:p>
             <a:fld id="{6F2B30B8-AF5E-4811-AFB7-DFBD47950AF1}" type="datetimeFigureOut">
               <a:rPr lang="ru-RU" smtClean="0"/>
-              <a:t>02.05.2017</a:t>
+              <a:t>03.05.2017</a:t>
             </a:fld>
             <a:endParaRPr lang="ru-RU"/>
           </a:p>
@@ -1042,7 +1499,7 @@
           <a:p>
             <a:fld id="{6F2B30B8-AF5E-4811-AFB7-DFBD47950AF1}" type="datetimeFigureOut">
               <a:rPr lang="ru-RU" smtClean="0"/>
-              <a:t>02.05.2017</a:t>
+              <a:t>03.05.2017</a:t>
             </a:fld>
             <a:endParaRPr lang="ru-RU"/>
           </a:p>
@@ -1271,7 +1728,7 @@
           <a:p>
             <a:fld id="{6F2B30B8-AF5E-4811-AFB7-DFBD47950AF1}" type="datetimeFigureOut">
               <a:rPr lang="ru-RU" smtClean="0"/>
-              <a:t>02.05.2017</a:t>
+              <a:t>03.05.2017</a:t>
             </a:fld>
             <a:endParaRPr lang="ru-RU"/>
           </a:p>
@@ -1635,7 +2092,7 @@
           <a:p>
             <a:fld id="{6F2B30B8-AF5E-4811-AFB7-DFBD47950AF1}" type="datetimeFigureOut">
               <a:rPr lang="ru-RU" smtClean="0"/>
-              <a:t>02.05.2017</a:t>
+              <a:t>03.05.2017</a:t>
             </a:fld>
             <a:endParaRPr lang="ru-RU"/>
           </a:p>
@@ -1752,7 +2209,7 @@
           <a:p>
             <a:fld id="{6F2B30B8-AF5E-4811-AFB7-DFBD47950AF1}" type="datetimeFigureOut">
               <a:rPr lang="ru-RU" smtClean="0"/>
-              <a:t>02.05.2017</a:t>
+              <a:t>03.05.2017</a:t>
             </a:fld>
             <a:endParaRPr lang="ru-RU"/>
           </a:p>
@@ -1847,7 +2304,7 @@
           <a:p>
             <a:fld id="{6F2B30B8-AF5E-4811-AFB7-DFBD47950AF1}" type="datetimeFigureOut">
               <a:rPr lang="ru-RU" smtClean="0"/>
-              <a:t>02.05.2017</a:t>
+              <a:t>03.05.2017</a:t>
             </a:fld>
             <a:endParaRPr lang="ru-RU"/>
           </a:p>
@@ -2122,7 +2579,7 @@
           <a:p>
             <a:fld id="{6F2B30B8-AF5E-4811-AFB7-DFBD47950AF1}" type="datetimeFigureOut">
               <a:rPr lang="ru-RU" smtClean="0"/>
-              <a:t>02.05.2017</a:t>
+              <a:t>03.05.2017</a:t>
             </a:fld>
             <a:endParaRPr lang="ru-RU"/>
           </a:p>
@@ -2374,7 +2831,7 @@
           <a:p>
             <a:fld id="{6F2B30B8-AF5E-4811-AFB7-DFBD47950AF1}" type="datetimeFigureOut">
               <a:rPr lang="ru-RU" smtClean="0"/>
-              <a:t>02.05.2017</a:t>
+              <a:t>03.05.2017</a:t>
             </a:fld>
             <a:endParaRPr lang="ru-RU"/>
           </a:p>
@@ -2585,7 +3042,7 @@
           <a:p>
             <a:fld id="{6F2B30B8-AF5E-4811-AFB7-DFBD47950AF1}" type="datetimeFigureOut">
               <a:rPr lang="ru-RU" smtClean="0"/>
-              <a:t>02.05.2017</a:t>
+              <a:t>03.05.2017</a:t>
             </a:fld>
             <a:endParaRPr lang="ru-RU"/>
           </a:p>
@@ -3002,7 +3459,7 @@
         </p:nvSpPr>
         <p:spPr>
           <a:xfrm>
-            <a:off x="1524000" y="1714501"/>
+            <a:off x="1295400" y="1714501"/>
             <a:ext cx="9601200" cy="2743200"/>
           </a:xfrm>
         </p:spPr>
@@ -3054,7 +3511,7 @@
         </p:nvSpPr>
         <p:spPr>
           <a:xfrm>
-            <a:off x="1752600" y="3629820"/>
+            <a:off x="1524000" y="3629820"/>
             <a:ext cx="9144000" cy="1655762"/>
           </a:xfrm>
         </p:spPr>
@@ -3127,16 +3584,21 @@
         </p:nvSpPr>
         <p:spPr/>
         <p:txBody>
-          <a:bodyPr/>
+          <a:bodyPr>
+            <a:normAutofit/>
+          </a:bodyPr>
           <a:lstStyle/>
           <a:p>
             <a:r>
               <a:rPr lang="ru-RU" dirty="0">
                 <a:latin typeface="Oswald Regular" panose="02000503000000000000" pitchFamily="2" charset="-52"/>
-                <a:cs typeface="Helvetica" panose="020B0604020202020204" pitchFamily="34" charset="0"/>
-              </a:rPr>
-              <a:t>Об авторе</a:t>
-            </a:r>
+                <a:cs typeface="Helvetica Neue"/>
+              </a:rPr>
+              <a:t>Чем биткойны удобнее обычных денег?</a:t>
+            </a:r>
+            <a:endParaRPr lang="ru-RU" dirty="0">
+              <a:latin typeface="Oswald Regular" panose="02000503000000000000" pitchFamily="2" charset="-52"/>
+            </a:endParaRPr>
           </a:p>
         </p:txBody>
       </p:sp>
@@ -3163,119 +3625,39 @@
                 <a:latin typeface="Helvetica" panose="020B0604020202020204" pitchFamily="34" charset="0"/>
                 <a:cs typeface="Helvetica" panose="020B0604020202020204" pitchFamily="34" charset="0"/>
               </a:rPr>
-              <a:t>Автор системы Биткойн называл себя </a:t>
+              <a:t>Вы много знаете способов перевести </a:t>
             </a:r>
             <a:r>
               <a:rPr lang="en-US" dirty="0">
                 <a:latin typeface="Helvetica" panose="020B0604020202020204" pitchFamily="34" charset="0"/>
                 <a:cs typeface="Helvetica" panose="020B0604020202020204" pitchFamily="34" charset="0"/>
               </a:rPr>
-              <a:t>Satoshi </a:t>
-            </a:r>
-            <a:r>
-              <a:rPr lang="en-US" dirty="0" err="1">
-                <a:latin typeface="Helvetica" panose="020B0604020202020204" pitchFamily="34" charset="0"/>
-                <a:cs typeface="Helvetica" panose="020B0604020202020204" pitchFamily="34" charset="0"/>
-              </a:rPr>
-              <a:t>Nakamoto</a:t>
-            </a:r>
-            <a:r>
-              <a:rPr lang="ru-RU" dirty="0">
-                <a:latin typeface="Helvetica" panose="020B0604020202020204" pitchFamily="34" charset="0"/>
-                <a:cs typeface="Helvetica" panose="020B0604020202020204" pitchFamily="34" charset="0"/>
-              </a:rPr>
-              <a:t>. </a:t>
-            </a:r>
-            <a:endParaRPr lang="en-US" dirty="0">
-              <a:latin typeface="Helvetica" panose="020B0604020202020204" pitchFamily="34" charset="0"/>
-              <a:cs typeface="Helvetica" panose="020B0604020202020204" pitchFamily="34" charset="0"/>
-            </a:endParaRPr>
+              <a:t>16</a:t>
+            </a:r>
+            <a:r>
+              <a:rPr lang="ru-RU" dirty="0">
+                <a:latin typeface="Helvetica" panose="020B0604020202020204" pitchFamily="34" charset="0"/>
+                <a:cs typeface="Helvetica" panose="020B0604020202020204" pitchFamily="34" charset="0"/>
+              </a:rPr>
+              <a:t>0 миллионов долларов из произвольной точки Земли в произвольную точку Земли за 10 минут без комиссии?</a:t>
+            </a:r>
           </a:p>
           <a:p>
             <a:pPr marL="0" indent="0">
-              <a:lnSpc>
-                <a:spcPct val="100000"/>
-              </a:lnSpc>
-              <a:buNone/>
-            </a:pPr>
-            <a:r>
-              <a:rPr lang="ru-RU" dirty="0">
-                <a:latin typeface="Helvetica" panose="020B0604020202020204" pitchFamily="34" charset="0"/>
-                <a:cs typeface="Helvetica" panose="020B0604020202020204" pitchFamily="34" charset="0"/>
-              </a:rPr>
-              <a:t>Имя </a:t>
-            </a:r>
-            <a:r>
-              <a:rPr lang="en-US" dirty="0">
-                <a:latin typeface="Helvetica" panose="020B0604020202020204" pitchFamily="34" charset="0"/>
-                <a:cs typeface="Helvetica" panose="020B0604020202020204" pitchFamily="34" charset="0"/>
-              </a:rPr>
-              <a:t>Satoshi </a:t>
-            </a:r>
-            <a:r>
-              <a:rPr lang="ru-RU" dirty="0">
-                <a:latin typeface="Helvetica" panose="020B0604020202020204" pitchFamily="34" charset="0"/>
-                <a:cs typeface="Helvetica" panose="020B0604020202020204" pitchFamily="34" charset="0"/>
-              </a:rPr>
-              <a:t>переводится с японского как «мудрый». </a:t>
-            </a:r>
-            <a:endParaRPr lang="en-US" dirty="0">
-              <a:latin typeface="Helvetica" panose="020B0604020202020204" pitchFamily="34" charset="0"/>
-              <a:cs typeface="Helvetica" panose="020B0604020202020204" pitchFamily="34" charset="0"/>
-            </a:endParaRPr>
+              <a:buNone/>
+            </a:pPr>
+            <a:r>
+              <a:rPr lang="ru-RU" dirty="0">
+                <a:latin typeface="Helvetica" panose="020B0604020202020204" pitchFamily="34" charset="0"/>
+                <a:cs typeface="Helvetica" panose="020B0604020202020204" pitchFamily="34" charset="0"/>
+              </a:rPr>
+              <a:t>Вы много знаете способов перевести друг другу средства, при которых вас не попросят предъявить паспорт? При которых об этом вообще никто не узнает, кроме вас двоих?</a:t>
+            </a:r>
           </a:p>
           <a:p>
             <a:pPr marL="0" indent="0">
               <a:buNone/>
             </a:pPr>
-            <a:r>
-              <a:rPr lang="ru-RU" dirty="0">
-                <a:latin typeface="Helvetica" panose="020B0604020202020204" pitchFamily="34" charset="0"/>
-                <a:cs typeface="Helvetica" panose="020B0604020202020204" pitchFamily="34" charset="0"/>
-              </a:rPr>
-              <a:t>Фамилия </a:t>
-            </a:r>
-            <a:r>
-              <a:rPr lang="en-US" dirty="0" err="1">
-                <a:latin typeface="Helvetica" panose="020B0604020202020204" pitchFamily="34" charset="0"/>
-                <a:cs typeface="Helvetica" panose="020B0604020202020204" pitchFamily="34" charset="0"/>
-              </a:rPr>
-              <a:t>Nakamoto</a:t>
-            </a:r>
-            <a:r>
-              <a:rPr lang="en-US" dirty="0">
-                <a:latin typeface="Helvetica" panose="020B0604020202020204" pitchFamily="34" charset="0"/>
-                <a:cs typeface="Helvetica" panose="020B0604020202020204" pitchFamily="34" charset="0"/>
-              </a:rPr>
-              <a:t> </a:t>
-            </a:r>
-            <a:r>
-              <a:rPr lang="ru-RU" dirty="0">
-                <a:latin typeface="Helvetica" panose="020B0604020202020204" pitchFamily="34" charset="0"/>
-                <a:cs typeface="Helvetica" panose="020B0604020202020204" pitchFamily="34" charset="0"/>
-              </a:rPr>
-              <a:t>–</a:t>
-            </a:r>
-            <a:r>
-              <a:rPr lang="en-US" dirty="0">
-                <a:latin typeface="Helvetica" panose="020B0604020202020204" pitchFamily="34" charset="0"/>
-                <a:cs typeface="Helvetica" panose="020B0604020202020204" pitchFamily="34" charset="0"/>
-              </a:rPr>
-              <a:t> </a:t>
-            </a:r>
-            <a:r>
-              <a:rPr lang="ru-RU" dirty="0">
-                <a:latin typeface="Helvetica" panose="020B0604020202020204" pitchFamily="34" charset="0"/>
-                <a:cs typeface="Helvetica" panose="020B0604020202020204" pitchFamily="34" charset="0"/>
-              </a:rPr>
-              <a:t>как «находящийся внутри сложной (закрытой) системы».</a:t>
-            </a:r>
-            <a:endParaRPr lang="en-US" dirty="0">
-              <a:latin typeface="Helvetica" panose="020B0604020202020204" pitchFamily="34" charset="0"/>
-              <a:cs typeface="Helvetica" panose="020B0604020202020204" pitchFamily="34" charset="0"/>
-            </a:endParaRPr>
-          </a:p>
-          <a:p>
             <a:endParaRPr lang="ru-RU" dirty="0"/>
           </a:p>
         </p:txBody>
@@ -3283,7 +3665,7 @@
     </p:spTree>
     <p:extLst>
       <p:ext uri="{BB962C8B-B14F-4D97-AF65-F5344CB8AC3E}">
-        <p14:creationId xmlns:p14="http://schemas.microsoft.com/office/powerpoint/2010/main" val="3418213967"/>
+        <p14:creationId xmlns:p14="http://schemas.microsoft.com/office/powerpoint/2010/main" val="1846233160"/>
       </p:ext>
     </p:extLst>
   </p:cSld>
@@ -3320,12 +3702,7 @@
             <p:ph type="title"/>
           </p:nvPr>
         </p:nvSpPr>
-        <p:spPr>
-          <a:xfrm>
-            <a:off x="838200" y="530225"/>
-            <a:ext cx="11239500" cy="1325563"/>
-          </a:xfrm>
-        </p:spPr>
+        <p:spPr/>
         <p:txBody>
           <a:bodyPr/>
           <a:lstStyle/>
@@ -3333,8 +3710,9 @@
             <a:r>
               <a:rPr lang="ru-RU" dirty="0">
                 <a:latin typeface="Oswald Regular" panose="02000503000000000000" pitchFamily="2" charset="-52"/>
-              </a:rPr>
-              <a:t>Получается, что печать биткоины можно бесконечно?</a:t>
+                <a:cs typeface="Helvetica" panose="020B0604020202020204" pitchFamily="34" charset="0"/>
+              </a:rPr>
+              <a:t>Об авторе</a:t>
             </a:r>
           </a:p>
         </p:txBody>
@@ -3349,12 +3727,7 @@
             <p:ph idx="1"/>
           </p:nvPr>
         </p:nvSpPr>
-        <p:spPr>
-          <a:xfrm>
-            <a:off x="838200" y="1965325"/>
-            <a:ext cx="10515600" cy="4351338"/>
-          </a:xfrm>
-        </p:spPr>
+        <p:spPr/>
         <p:txBody>
           <a:bodyPr/>
           <a:lstStyle/>
@@ -3367,75 +3740,63 @@
                 <a:latin typeface="Helvetica" panose="020B0604020202020204" pitchFamily="34" charset="0"/>
                 <a:cs typeface="Helvetica" panose="020B0604020202020204" pitchFamily="34" charset="0"/>
               </a:rPr>
-              <a:t>Почти.</a:t>
-            </a:r>
-          </a:p>
-          <a:p>
-            <a:pPr marL="0" indent="0">
-              <a:buNone/>
-            </a:pPr>
-            <a:endParaRPr lang="ru-RU" dirty="0">
+              <a:t>Автор системы Биткойн называл себя </a:t>
+            </a:r>
+            <a:r>
+              <a:rPr lang="en-US" dirty="0">
+                <a:latin typeface="Helvetica" panose="020B0604020202020204" pitchFamily="34" charset="0"/>
+                <a:cs typeface="Helvetica" panose="020B0604020202020204" pitchFamily="34" charset="0"/>
+              </a:rPr>
+              <a:t>Satoshi </a:t>
+            </a:r>
+            <a:r>
+              <a:rPr lang="en-US" dirty="0" err="1">
+                <a:latin typeface="Helvetica" panose="020B0604020202020204" pitchFamily="34" charset="0"/>
+                <a:cs typeface="Helvetica" panose="020B0604020202020204" pitchFamily="34" charset="0"/>
+              </a:rPr>
+              <a:t>Nakamoto</a:t>
+            </a:r>
+            <a:r>
+              <a:rPr lang="ru-RU" dirty="0">
+                <a:latin typeface="Helvetica" panose="020B0604020202020204" pitchFamily="34" charset="0"/>
+                <a:cs typeface="Helvetica" panose="020B0604020202020204" pitchFamily="34" charset="0"/>
+              </a:rPr>
+              <a:t>. </a:t>
+            </a:r>
+            <a:endParaRPr lang="en-US" dirty="0">
               <a:latin typeface="Helvetica" panose="020B0604020202020204" pitchFamily="34" charset="0"/>
               <a:cs typeface="Helvetica" panose="020B0604020202020204" pitchFamily="34" charset="0"/>
             </a:endParaRPr>
           </a:p>
           <a:p>
             <a:pPr marL="0" indent="0">
-              <a:buNone/>
-            </a:pPr>
-            <a:r>
-              <a:rPr lang="ru-RU" dirty="0">
-                <a:latin typeface="Helvetica" panose="020B0604020202020204" pitchFamily="34" charset="0"/>
-                <a:cs typeface="Helvetica" panose="020B0604020202020204" pitchFamily="34" charset="0"/>
-              </a:rPr>
-              <a:t>Сейчас какой-то счастливчик раз в 10 минут добывает </a:t>
-            </a:r>
-          </a:p>
-          <a:p>
-            <a:pPr marL="0" indent="0">
-              <a:buNone/>
-            </a:pPr>
-            <a:r>
-              <a:rPr lang="ru-RU" dirty="0">
-                <a:latin typeface="Helvetica" panose="020B0604020202020204" pitchFamily="34" charset="0"/>
-                <a:cs typeface="Helvetica" panose="020B0604020202020204" pitchFamily="34" charset="0"/>
-              </a:rPr>
-              <a:t>12,5 </a:t>
+              <a:lnSpc>
+                <a:spcPct val="100000"/>
+              </a:lnSpc>
+              <a:buNone/>
+            </a:pPr>
+            <a:r>
+              <a:rPr lang="ru-RU" dirty="0">
+                <a:latin typeface="Helvetica" panose="020B0604020202020204" pitchFamily="34" charset="0"/>
+                <a:cs typeface="Helvetica" panose="020B0604020202020204" pitchFamily="34" charset="0"/>
+              </a:rPr>
+              <a:t>Имя </a:t>
             </a:r>
             <a:r>
               <a:rPr lang="en-US" dirty="0">
                 <a:latin typeface="Helvetica" panose="020B0604020202020204" pitchFamily="34" charset="0"/>
                 <a:cs typeface="Helvetica" panose="020B0604020202020204" pitchFamily="34" charset="0"/>
               </a:rPr>
-              <a:t>BTC. </a:t>
-            </a:r>
-            <a:r>
-              <a:rPr lang="ru-RU" dirty="0">
-                <a:latin typeface="Helvetica" panose="020B0604020202020204" pitchFamily="34" charset="0"/>
-                <a:cs typeface="Helvetica" panose="020B0604020202020204" pitchFamily="34" charset="0"/>
-              </a:rPr>
-              <a:t>Протокол устроен так, что «награда за нахождение блока» раз в 4 года </a:t>
-            </a:r>
-            <a:r>
-              <a:rPr lang="ru-RU" dirty="0" err="1">
-                <a:latin typeface="Helvetica" panose="020B0604020202020204" pitchFamily="34" charset="0"/>
-                <a:cs typeface="Helvetica" panose="020B0604020202020204" pitchFamily="34" charset="0"/>
-              </a:rPr>
-              <a:t>уполовинивается</a:t>
-            </a:r>
-            <a:r>
-              <a:rPr lang="ru-RU" dirty="0">
-                <a:latin typeface="Helvetica" panose="020B0604020202020204" pitchFamily="34" charset="0"/>
-                <a:cs typeface="Helvetica" panose="020B0604020202020204" pitchFamily="34" charset="0"/>
-              </a:rPr>
-              <a:t>.</a:t>
-            </a:r>
-          </a:p>
-          <a:p>
-            <a:pPr marL="0" indent="0">
-              <a:buNone/>
-            </a:pPr>
-            <a:endParaRPr lang="ru-RU" dirty="0">
+              <a:t>Satoshi </a:t>
+            </a:r>
+            <a:r>
+              <a:rPr lang="ru-RU" dirty="0">
+                <a:latin typeface="Helvetica" panose="020B0604020202020204" pitchFamily="34" charset="0"/>
+                <a:cs typeface="Helvetica" panose="020B0604020202020204" pitchFamily="34" charset="0"/>
+              </a:rPr>
+              <a:t>переводится с японского как «мудрый». </a:t>
+            </a:r>
+            <a:endParaRPr lang="en-US" dirty="0">
               <a:latin typeface="Helvetica" panose="020B0604020202020204" pitchFamily="34" charset="0"/>
               <a:cs typeface="Helvetica" panose="020B0604020202020204" pitchFamily="34" charset="0"/>
             </a:endParaRPr>
@@ -3449,27 +3810,49 @@
                 <a:latin typeface="Helvetica" panose="020B0604020202020204" pitchFamily="34" charset="0"/>
                 <a:cs typeface="Helvetica" panose="020B0604020202020204" pitchFamily="34" charset="0"/>
               </a:rPr>
-              <a:t>Первые 4 года (янв. 2009 – янв. 2013) награда составляла 50 </a:t>
+              <a:t>Фамилия </a:t>
+            </a:r>
+            <a:r>
+              <a:rPr lang="en-US" dirty="0" err="1">
+                <a:latin typeface="Helvetica" panose="020B0604020202020204" pitchFamily="34" charset="0"/>
+                <a:cs typeface="Helvetica" panose="020B0604020202020204" pitchFamily="34" charset="0"/>
+              </a:rPr>
+              <a:t>Nakamoto</a:t>
             </a:r>
             <a:r>
               <a:rPr lang="en-US" dirty="0">
                 <a:latin typeface="Helvetica" panose="020B0604020202020204" pitchFamily="34" charset="0"/>
                 <a:cs typeface="Helvetica" panose="020B0604020202020204" pitchFamily="34" charset="0"/>
               </a:rPr>
-              <a:t>BTC. </a:t>
-            </a:r>
-            <a:r>
-              <a:rPr lang="ru-RU" dirty="0">
-                <a:latin typeface="Helvetica" panose="020B0604020202020204" pitchFamily="34" charset="0"/>
-                <a:cs typeface="Helvetica" panose="020B0604020202020204" pitchFamily="34" charset="0"/>
-              </a:rPr>
               <a:t> </a:t>
             </a:r>
-          </a:p>
-          <a:p>
-            <a:pPr marL="0" indent="0">
-              <a:buNone/>
-            </a:pPr>
+            <a:r>
+              <a:rPr lang="ru-RU" dirty="0">
+                <a:latin typeface="Helvetica" panose="020B0604020202020204" pitchFamily="34" charset="0"/>
+                <a:cs typeface="Helvetica" panose="020B0604020202020204" pitchFamily="34" charset="0"/>
+              </a:rPr>
+              <a:t>–</a:t>
+            </a:r>
+            <a:r>
+              <a:rPr lang="en-US" dirty="0">
+                <a:latin typeface="Helvetica" panose="020B0604020202020204" pitchFamily="34" charset="0"/>
+                <a:cs typeface="Helvetica" panose="020B0604020202020204" pitchFamily="34" charset="0"/>
+              </a:rPr>
+              <a:t> </a:t>
+            </a:r>
+            <a:r>
+              <a:rPr lang="ru-RU" dirty="0">
+                <a:latin typeface="Helvetica" panose="020B0604020202020204" pitchFamily="34" charset="0"/>
+                <a:cs typeface="Helvetica" panose="020B0604020202020204" pitchFamily="34" charset="0"/>
+              </a:rPr>
+              <a:t>как «находящийся внутри сложной (закрытой) системы».</a:t>
+            </a:r>
+            <a:endParaRPr lang="en-US" dirty="0">
+              <a:latin typeface="Helvetica" panose="020B0604020202020204" pitchFamily="34" charset="0"/>
+              <a:cs typeface="Helvetica" panose="020B0604020202020204" pitchFamily="34" charset="0"/>
+            </a:endParaRPr>
+          </a:p>
+          <a:p>
             <a:endParaRPr lang="ru-RU" dirty="0"/>
           </a:p>
         </p:txBody>
@@ -3477,7 +3860,7 @@
     </p:spTree>
     <p:extLst>
       <p:ext uri="{BB962C8B-B14F-4D97-AF65-F5344CB8AC3E}">
-        <p14:creationId xmlns:p14="http://schemas.microsoft.com/office/powerpoint/2010/main" val="4271052014"/>
+        <p14:creationId xmlns:p14="http://schemas.microsoft.com/office/powerpoint/2010/main" val="3418213967"/>
       </p:ext>
     </p:extLst>
   </p:cSld>
@@ -3519,117 +3902,43 @@
           <a:bodyPr/>
           <a:lstStyle/>
           <a:p>
-            <a:r>
-              <a:rPr lang="ru-RU" dirty="0">
-                <a:latin typeface="Oswald Regular" panose="02000503000000000000" pitchFamily="2" charset="-52"/>
-              </a:rPr>
-              <a:t>Получается, что печать биткоины можно бесконечно?</a:t>
-            </a:r>
-            <a:endParaRPr lang="ru-RU" dirty="0"/>
-          </a:p>
-        </p:txBody>
-      </p:sp>
-      <p:sp>
-        <p:nvSpPr>
-          <p:cNvPr id="3" name="Объект 2"/>
-          <p:cNvSpPr>
-            <a:spLocks noGrp="1"/>
-          </p:cNvSpPr>
+            <a:endParaRPr lang="ru-RU"/>
+          </a:p>
+        </p:txBody>
+      </p:sp>
+      <p:pic>
+        <p:nvPicPr>
+          <p:cNvPr id="4" name="Объект 3"/>
+          <p:cNvPicPr>
+            <a:picLocks noGrp="1" noChangeAspect="1"/>
+          </p:cNvPicPr>
           <p:nvPr>
             <p:ph idx="1"/>
           </p:nvPr>
-        </p:nvSpPr>
-        <p:spPr/>
-        <p:txBody>
-          <a:bodyPr/>
-          <a:lstStyle/>
-          <a:p>
-            <a:pPr marL="0" indent="0">
-              <a:buNone/>
-            </a:pPr>
-            <a:r>
-              <a:rPr lang="ru-RU" dirty="0">
-                <a:latin typeface="Helvetica" panose="020B0604020202020204" pitchFamily="34" charset="0"/>
-                <a:cs typeface="Helvetica" panose="020B0604020202020204" pitchFamily="34" charset="0"/>
-              </a:rPr>
-              <a:t>В действительности всё не так, как на самом деле. </a:t>
-            </a:r>
-            <a:r>
-              <a:rPr lang="ru-RU" dirty="0" err="1">
-                <a:latin typeface="Helvetica" panose="020B0604020202020204" pitchFamily="34" charset="0"/>
-                <a:cs typeface="Helvetica" panose="020B0604020202020204" pitchFamily="34" charset="0"/>
-              </a:rPr>
-              <a:t>Уполовинивание</a:t>
-            </a:r>
-            <a:r>
-              <a:rPr lang="ru-RU" dirty="0">
-                <a:latin typeface="Helvetica" panose="020B0604020202020204" pitchFamily="34" charset="0"/>
-                <a:cs typeface="Helvetica" panose="020B0604020202020204" pitchFamily="34" charset="0"/>
-              </a:rPr>
-              <a:t> награды происходит не раз в 4 года, а спустя каждые 210</a:t>
-            </a:r>
-            <a:r>
-              <a:rPr lang="en-US" dirty="0">
-                <a:latin typeface="Helvetica" panose="020B0604020202020204" pitchFamily="34" charset="0"/>
-                <a:cs typeface="Helvetica" panose="020B0604020202020204" pitchFamily="34" charset="0"/>
-              </a:rPr>
-              <a:t> </a:t>
-            </a:r>
-            <a:r>
-              <a:rPr lang="ru-RU" dirty="0">
-                <a:latin typeface="Helvetica" panose="020B0604020202020204" pitchFamily="34" charset="0"/>
-                <a:cs typeface="Helvetica" panose="020B0604020202020204" pitchFamily="34" charset="0"/>
-              </a:rPr>
-              <a:t>000 блоков.  </a:t>
-            </a:r>
-          </a:p>
-          <a:p>
-            <a:pPr marL="0" indent="0">
-              <a:buNone/>
-            </a:pPr>
-            <a:endParaRPr lang="ru-RU" dirty="0">
-              <a:latin typeface="Helvetica" panose="020B0604020202020204" pitchFamily="34" charset="0"/>
-              <a:cs typeface="Helvetica" panose="020B0604020202020204" pitchFamily="34" charset="0"/>
-            </a:endParaRPr>
-          </a:p>
-          <a:p>
-            <a:pPr marL="0" indent="0">
-              <a:buNone/>
-            </a:pPr>
-            <a:r>
-              <a:rPr lang="ru-RU" dirty="0">
-                <a:latin typeface="Helvetica" panose="020B0604020202020204" pitchFamily="34" charset="0"/>
-                <a:cs typeface="Helvetica" panose="020B0604020202020204" pitchFamily="34" charset="0"/>
-              </a:rPr>
-              <a:t>Это, если мощность </a:t>
-            </a:r>
-            <a:r>
-              <a:rPr lang="ru-RU" dirty="0" err="1">
-                <a:latin typeface="Helvetica" panose="020B0604020202020204" pitchFamily="34" charset="0"/>
-                <a:cs typeface="Helvetica" panose="020B0604020202020204" pitchFamily="34" charset="0"/>
-              </a:rPr>
-              <a:t>майнеров</a:t>
-            </a:r>
-            <a:r>
-              <a:rPr lang="ru-RU" dirty="0">
-                <a:latin typeface="Helvetica" panose="020B0604020202020204" pitchFamily="34" charset="0"/>
-                <a:cs typeface="Helvetica" panose="020B0604020202020204" pitchFamily="34" charset="0"/>
-              </a:rPr>
-              <a:t> сильно не растёт, почти одно и то же (блоки добываются в среднем раз в 10 минут, а 4 года разделить на 10 минут равно 210384).</a:t>
-            </a:r>
-          </a:p>
-          <a:p>
-            <a:pPr marL="0" indent="0">
-              <a:buNone/>
-            </a:pPr>
-            <a:endParaRPr lang="ru-RU" dirty="0"/>
-          </a:p>
-        </p:txBody>
-      </p:sp>
+        </p:nvPicPr>
+        <p:blipFill>
+          <a:blip r:embed="rId2">
+            <a:extLst>
+              <a:ext uri="{28A0092B-C50C-407E-A947-70E740481C1C}">
+                <a14:useLocalDpi xmlns:a14="http://schemas.microsoft.com/office/drawing/2010/main" val="0"/>
+              </a:ext>
+            </a:extLst>
+          </a:blip>
+          <a:stretch>
+            <a:fillRect/>
+          </a:stretch>
+        </p:blipFill>
+        <p:spPr>
+          <a:xfrm>
+            <a:off x="1922584" y="0"/>
+            <a:ext cx="8518357" cy="6858000"/>
+          </a:xfrm>
+        </p:spPr>
+      </p:pic>
     </p:spTree>
     <p:extLst>
       <p:ext uri="{BB962C8B-B14F-4D97-AF65-F5344CB8AC3E}">
-        <p14:creationId xmlns:p14="http://schemas.microsoft.com/office/powerpoint/2010/main" val="1811917974"/>
+        <p14:creationId xmlns:p14="http://schemas.microsoft.com/office/powerpoint/2010/main" val="1484766642"/>
       </p:ext>
     </p:extLst>
   </p:cSld>
@@ -3666,37 +3975,38 @@
             <p:ph type="title"/>
           </p:nvPr>
         </p:nvSpPr>
-        <p:spPr/>
-        <p:txBody>
-          <a:bodyPr/>
-          <a:lstStyle/>
-          <a:p>
-            <a:r>
-              <a:rPr lang="ru-RU" dirty="0">
-                <a:latin typeface="Oswald Regular" panose="02000503000000000000" pitchFamily="2" charset="-52"/>
-                <a:cs typeface="Helvetica Neue"/>
-              </a:rPr>
-              <a:t>Кто умеет суммировать геометрическую прогрессию?</a:t>
-            </a:r>
-            <a:endParaRPr lang="ru-RU" dirty="0">
-              <a:latin typeface="Oswald Regular" panose="02000503000000000000" pitchFamily="2" charset="-52"/>
-            </a:endParaRPr>
-          </a:p>
-        </p:txBody>
-      </p:sp>
-      <p:sp>
-        <p:nvSpPr>
-          <p:cNvPr id="3" name="Объект 2"/>
-          <p:cNvSpPr>
-            <a:spLocks noGrp="1"/>
-          </p:cNvSpPr>
-          <p:nvPr>
-            <p:ph idx="1"/>
-          </p:nvPr>
-        </p:nvSpPr>
         <p:spPr>
           <a:xfrm>
-            <a:off x="838200" y="3108325"/>
+            <a:off x="838200" y="530225"/>
+            <a:ext cx="11239500" cy="1325563"/>
+          </a:xfrm>
+        </p:spPr>
+        <p:txBody>
+          <a:bodyPr/>
+          <a:lstStyle/>
+          <a:p>
+            <a:r>
+              <a:rPr lang="ru-RU" dirty="0">
+                <a:latin typeface="Oswald Regular" panose="02000503000000000000" pitchFamily="2" charset="-52"/>
+              </a:rPr>
+              <a:t>Получается, что печать биткоины можно бесконечно?</a:t>
+            </a:r>
+          </a:p>
+        </p:txBody>
+      </p:sp>
+      <p:sp>
+        <p:nvSpPr>
+          <p:cNvPr id="3" name="Объект 2"/>
+          <p:cNvSpPr>
+            <a:spLocks noGrp="1"/>
+          </p:cNvSpPr>
+          <p:nvPr>
+            <p:ph idx="1"/>
+          </p:nvPr>
+        </p:nvSpPr>
+        <p:spPr>
+          <a:xfrm>
+            <a:off x="838200" y="1965325"/>
             <a:ext cx="10515600" cy="4351338"/>
           </a:xfrm>
         </p:spPr>
@@ -3704,27 +4014,112 @@
           <a:bodyPr/>
           <a:lstStyle/>
           <a:p>
-            <a:pPr marL="0" indent="0" algn="ctr">
-              <a:buNone/>
-            </a:pPr>
-            <a:r>
-              <a:rPr lang="ru-RU" dirty="0">
-                <a:latin typeface="Helvetica Neue Medium"/>
-                <a:cs typeface="Helvetica Neue Medium"/>
-              </a:rPr>
-              <a:t>50 ⋅ 210000 + 25 ⋅ 210000 + 12,5 ⋅ 210000 + </a:t>
-            </a:r>
-            <a:r>
-              <a:rPr lang="is-IS" dirty="0">
-                <a:latin typeface="Helvetica Neue Medium"/>
-                <a:cs typeface="Helvetica Neue Medium"/>
-              </a:rPr>
-              <a:t>…</a:t>
-            </a:r>
+            <a:pPr marL="0" indent="0">
+              <a:buNone/>
+            </a:pPr>
+            <a:r>
+              <a:rPr lang="ru-RU" dirty="0">
+                <a:latin typeface="Helvetica" panose="020B0604020202020204" pitchFamily="34" charset="0"/>
+                <a:cs typeface="Helvetica" panose="020B0604020202020204" pitchFamily="34" charset="0"/>
+              </a:rPr>
+              <a:t>Почти.</a:t>
+            </a:r>
+          </a:p>
+          <a:p>
+            <a:pPr marL="0" indent="0">
+              <a:buNone/>
+            </a:pPr>
             <a:endParaRPr lang="ru-RU" dirty="0">
-              <a:latin typeface="Helvetica Neue Medium"/>
-              <a:cs typeface="Helvetica Neue Medium"/>
+              <a:latin typeface="Helvetica" panose="020B0604020202020204" pitchFamily="34" charset="0"/>
+              <a:cs typeface="Helvetica" panose="020B0604020202020204" pitchFamily="34" charset="0"/>
             </a:endParaRPr>
+          </a:p>
+          <a:p>
+            <a:pPr marL="0" indent="0">
+              <a:buNone/>
+            </a:pPr>
+            <a:r>
+              <a:rPr lang="ru-RU" dirty="0">
+                <a:latin typeface="Helvetica" panose="020B0604020202020204" pitchFamily="34" charset="0"/>
+                <a:cs typeface="Helvetica" panose="020B0604020202020204" pitchFamily="34" charset="0"/>
+              </a:rPr>
+              <a:t>Сейчас какой-то счастливчик раз в 10 минут добывает </a:t>
+            </a:r>
+          </a:p>
+          <a:p>
+            <a:pPr marL="0" indent="0">
+              <a:buNone/>
+            </a:pPr>
+            <a:r>
+              <a:rPr lang="ru-RU" dirty="0">
+                <a:latin typeface="Helvetica" panose="020B0604020202020204" pitchFamily="34" charset="0"/>
+                <a:cs typeface="Helvetica" panose="020B0604020202020204" pitchFamily="34" charset="0"/>
+              </a:rPr>
+              <a:t>12,5 </a:t>
+            </a:r>
+            <a:r>
+              <a:rPr lang="en-US" dirty="0">
+                <a:latin typeface="Helvetica" panose="020B0604020202020204" pitchFamily="34" charset="0"/>
+                <a:cs typeface="Helvetica" panose="020B0604020202020204" pitchFamily="34" charset="0"/>
+              </a:rPr>
+              <a:t>BTC. </a:t>
+            </a:r>
+            <a:r>
+              <a:rPr lang="ru-RU" dirty="0">
+                <a:latin typeface="Helvetica" panose="020B0604020202020204" pitchFamily="34" charset="0"/>
+                <a:cs typeface="Helvetica" panose="020B0604020202020204" pitchFamily="34" charset="0"/>
+              </a:rPr>
+              <a:t>Протокол устроен так, что «награда за нахождение блока» раз в 4 года </a:t>
+            </a:r>
+            <a:r>
+              <a:rPr lang="ru-RU" dirty="0" err="1">
+                <a:latin typeface="Helvetica" panose="020B0604020202020204" pitchFamily="34" charset="0"/>
+                <a:cs typeface="Helvetica" panose="020B0604020202020204" pitchFamily="34" charset="0"/>
+              </a:rPr>
+              <a:t>уполовинивается</a:t>
+            </a:r>
+            <a:r>
+              <a:rPr lang="ru-RU" dirty="0">
+                <a:latin typeface="Helvetica" panose="020B0604020202020204" pitchFamily="34" charset="0"/>
+                <a:cs typeface="Helvetica" panose="020B0604020202020204" pitchFamily="34" charset="0"/>
+              </a:rPr>
+              <a:t>.</a:t>
+            </a:r>
+          </a:p>
+          <a:p>
+            <a:pPr marL="0" indent="0">
+              <a:buNone/>
+            </a:pPr>
+            <a:endParaRPr lang="ru-RU" dirty="0">
+              <a:latin typeface="Helvetica" panose="020B0604020202020204" pitchFamily="34" charset="0"/>
+              <a:cs typeface="Helvetica" panose="020B0604020202020204" pitchFamily="34" charset="0"/>
+            </a:endParaRPr>
+          </a:p>
+          <a:p>
+            <a:pPr marL="0" indent="0">
+              <a:buNone/>
+            </a:pPr>
+            <a:r>
+              <a:rPr lang="ru-RU" dirty="0">
+                <a:latin typeface="Helvetica" panose="020B0604020202020204" pitchFamily="34" charset="0"/>
+                <a:cs typeface="Helvetica" panose="020B0604020202020204" pitchFamily="34" charset="0"/>
+              </a:rPr>
+              <a:t>Первые 4 года (янв. 2009 – янв. 2013) награда составляла 50 </a:t>
+            </a:r>
+            <a:r>
+              <a:rPr lang="en-US" dirty="0">
+                <a:latin typeface="Helvetica" panose="020B0604020202020204" pitchFamily="34" charset="0"/>
+                <a:cs typeface="Helvetica" panose="020B0604020202020204" pitchFamily="34" charset="0"/>
+              </a:rPr>
+              <a:t>BTC. </a:t>
+            </a:r>
+            <a:r>
+              <a:rPr lang="ru-RU" dirty="0">
+                <a:latin typeface="Helvetica" panose="020B0604020202020204" pitchFamily="34" charset="0"/>
+                <a:cs typeface="Helvetica" panose="020B0604020202020204" pitchFamily="34" charset="0"/>
+              </a:rPr>
+              <a:t> </a:t>
+            </a:r>
           </a:p>
           <a:p>
             <a:pPr marL="0" indent="0">
@@ -3737,7 +4132,7 @@
     </p:spTree>
     <p:extLst>
       <p:ext uri="{BB962C8B-B14F-4D97-AF65-F5344CB8AC3E}">
-        <p14:creationId xmlns:p14="http://schemas.microsoft.com/office/powerpoint/2010/main" val="3330158100"/>
+        <p14:creationId xmlns:p14="http://schemas.microsoft.com/office/powerpoint/2010/main" val="4271052014"/>
       </p:ext>
     </p:extLst>
   </p:cSld>
@@ -3782,10 +4177,10 @@
             <a:r>
               <a:rPr lang="ru-RU" dirty="0">
                 <a:latin typeface="Oswald Regular" panose="02000503000000000000" pitchFamily="2" charset="-52"/>
-                <a:cs typeface="Helvetica" panose="020B0604020202020204" pitchFamily="34" charset="0"/>
-              </a:rPr>
-              <a:t>Да, детка!</a:t>
-            </a:r>
+              </a:rPr>
+              <a:t>Получается, что печать биткоины можно бесконечно?</a:t>
+            </a:r>
+            <a:endParaRPr lang="ru-RU" dirty="0"/>
           </a:p>
         </p:txBody>
       </p:sp>
@@ -3799,11 +4194,7 @@
             <p:ph idx="1"/>
           </p:nvPr>
         </p:nvSpPr>
-        <p:spPr>
-          <a:solidFill>
-            <a:srgbClr val="FFC000"/>
-          </a:solidFill>
-        </p:spPr>
+        <p:spPr/>
         <p:txBody>
           <a:bodyPr/>
           <a:lstStyle/>
@@ -3812,25 +4203,46 @@
               <a:buNone/>
             </a:pPr>
             <a:r>
+              <a:rPr lang="ru-RU" dirty="0">
+                <a:latin typeface="Helvetica" panose="020B0604020202020204" pitchFamily="34" charset="0"/>
+                <a:cs typeface="Helvetica" panose="020B0604020202020204" pitchFamily="34" charset="0"/>
+              </a:rPr>
+              <a:t>В действительности всё не так, как на самом деле. </a:t>
+            </a:r>
+            <a:r>
+              <a:rPr lang="ru-RU" dirty="0" err="1">
+                <a:latin typeface="Helvetica" panose="020B0604020202020204" pitchFamily="34" charset="0"/>
+                <a:cs typeface="Helvetica" panose="020B0604020202020204" pitchFamily="34" charset="0"/>
+              </a:rPr>
+              <a:t>Уполовинивание</a:t>
+            </a:r>
+            <a:r>
+              <a:rPr lang="ru-RU" dirty="0">
+                <a:latin typeface="Helvetica" panose="020B0604020202020204" pitchFamily="34" charset="0"/>
+                <a:cs typeface="Helvetica" panose="020B0604020202020204" pitchFamily="34" charset="0"/>
+              </a:rPr>
+              <a:t> награды происходит не раз в 4 года, а спустя каждые 210</a:t>
+            </a:r>
+            <a:r>
               <a:rPr lang="en-US" dirty="0">
                 <a:latin typeface="Helvetica" panose="020B0604020202020204" pitchFamily="34" charset="0"/>
                 <a:cs typeface="Helvetica" panose="020B0604020202020204" pitchFamily="34" charset="0"/>
               </a:rPr>
-              <a:t>S = 210000 * 100 = 21 000 000</a:t>
+              <a:t> </a:t>
+            </a:r>
+            <a:r>
+              <a:rPr lang="ru-RU" dirty="0">
+                <a:latin typeface="Helvetica" panose="020B0604020202020204" pitchFamily="34" charset="0"/>
+                <a:cs typeface="Helvetica" panose="020B0604020202020204" pitchFamily="34" charset="0"/>
+              </a:rPr>
+              <a:t>000 блоков.  </a:t>
             </a:r>
           </a:p>
           <a:p>
             <a:pPr marL="0" indent="0">
               <a:buNone/>
             </a:pPr>
-            <a:r>
-              <a:rPr lang="ru-RU" dirty="0">
-                <a:latin typeface="Helvetica" panose="020B0604020202020204" pitchFamily="34" charset="0"/>
-                <a:cs typeface="Helvetica" panose="020B0604020202020204" pitchFamily="34" charset="0"/>
-              </a:rPr>
-              <a:t>Суммарно будет добыто 21 миллион биткойнов. Больше добыто не будет. Протокол неизменяем.</a:t>
-            </a:r>
-            <a:endParaRPr lang="en-US" dirty="0">
+            <a:endParaRPr lang="ru-RU" dirty="0">
               <a:latin typeface="Helvetica" panose="020B0604020202020204" pitchFamily="34" charset="0"/>
               <a:cs typeface="Helvetica" panose="020B0604020202020204" pitchFamily="34" charset="0"/>
             </a:endParaRPr>
@@ -3839,43 +4251,40 @@
             <a:pPr marL="0" indent="0">
               <a:buNone/>
             </a:pPr>
-            <a:endParaRPr lang="en-US" dirty="0">
-              <a:latin typeface="Helvetica" panose="020B0604020202020204" pitchFamily="34" charset="0"/>
-              <a:cs typeface="Helvetica" panose="020B0604020202020204" pitchFamily="34" charset="0"/>
-            </a:endParaRPr>
+            <a:r>
+              <a:rPr lang="ru-RU" dirty="0">
+                <a:latin typeface="Helvetica" panose="020B0604020202020204" pitchFamily="34" charset="0"/>
+                <a:cs typeface="Helvetica" panose="020B0604020202020204" pitchFamily="34" charset="0"/>
+              </a:rPr>
+              <a:t>Это, если мощность </a:t>
+            </a:r>
+            <a:r>
+              <a:rPr lang="ru-RU" dirty="0" err="1">
+                <a:latin typeface="Helvetica" panose="020B0604020202020204" pitchFamily="34" charset="0"/>
+                <a:cs typeface="Helvetica" panose="020B0604020202020204" pitchFamily="34" charset="0"/>
+              </a:rPr>
+              <a:t>майнеров</a:t>
+            </a:r>
+            <a:r>
+              <a:rPr lang="ru-RU" dirty="0">
+                <a:latin typeface="Helvetica" panose="020B0604020202020204" pitchFamily="34" charset="0"/>
+                <a:cs typeface="Helvetica" panose="020B0604020202020204" pitchFamily="34" charset="0"/>
+              </a:rPr>
+              <a:t> сильно не растёт, почти одно и то же (блоки добываются в среднем раз в 10 минут, а 4 года разделить на 10 минут равно 210384).</a:t>
+            </a:r>
           </a:p>
           <a:p>
             <a:pPr marL="0" indent="0">
               <a:buNone/>
             </a:pPr>
-            <a:r>
-              <a:rPr lang="ru-RU" dirty="0">
-                <a:solidFill>
-                  <a:schemeClr val="accent6">
-                    <a:lumMod val="50000"/>
-                  </a:schemeClr>
-                </a:solidFill>
-                <a:latin typeface="Helvetica" panose="020B0604020202020204" pitchFamily="34" charset="0"/>
-                <a:cs typeface="Helvetica" panose="020B0604020202020204" pitchFamily="34" charset="0"/>
-              </a:rPr>
-              <a:t>Биткоин и золото, золото конечно</a:t>
-            </a:r>
-            <a:endParaRPr lang="en-US" dirty="0">
-              <a:solidFill>
-                <a:schemeClr val="accent6">
-                  <a:lumMod val="50000"/>
-                </a:schemeClr>
-              </a:solidFill>
-              <a:latin typeface="Helvetica" panose="020B0604020202020204" pitchFamily="34" charset="0"/>
-              <a:cs typeface="Helvetica" panose="020B0604020202020204" pitchFamily="34" charset="0"/>
-            </a:endParaRPr>
+            <a:endParaRPr lang="ru-RU" dirty="0"/>
           </a:p>
         </p:txBody>
       </p:sp>
     </p:spTree>
     <p:extLst>
       <p:ext uri="{BB962C8B-B14F-4D97-AF65-F5344CB8AC3E}">
-        <p14:creationId xmlns:p14="http://schemas.microsoft.com/office/powerpoint/2010/main" val="1958490813"/>
+        <p14:creationId xmlns:p14="http://schemas.microsoft.com/office/powerpoint/2010/main" val="1811917974"/>
       </p:ext>
     </p:extLst>
   </p:cSld>
@@ -3918,10 +4327,11 @@
           <a:lstStyle/>
           <a:p>
             <a:r>
-              <a:rPr lang="en-US" dirty="0">
+              <a:rPr lang="ru-RU" dirty="0">
                 <a:latin typeface="Oswald Regular" panose="02000503000000000000" pitchFamily="2" charset="-52"/>
-              </a:rPr>
-              <a:t>21 000 000!</a:t>
+                <a:cs typeface="Helvetica Neue"/>
+              </a:rPr>
+              <a:t>Кто умеет суммировать геометрическую прогрессию?</a:t>
             </a:r>
             <a:endParaRPr lang="ru-RU" dirty="0">
               <a:latin typeface="Oswald Regular" panose="02000503000000000000" pitchFamily="2" charset="-52"/>
@@ -3941,114 +4351,35 @@
         </p:nvSpPr>
         <p:spPr>
           <a:xfrm>
-            <a:off x="838200" y="1825625"/>
-            <a:ext cx="11150600" cy="4351338"/>
+            <a:off x="838200" y="3108325"/>
+            <a:ext cx="10515600" cy="4351338"/>
           </a:xfrm>
         </p:spPr>
         <p:txBody>
           <a:bodyPr/>
           <a:lstStyle/>
           <a:p>
-            <a:pPr>
-              <a:buFontTx/>
-              <a:buChar char="–"/>
-            </a:pPr>
-            <a:r>
-              <a:rPr lang="ru-RU" dirty="0">
-                <a:latin typeface="Helvetica" panose="020B0604020202020204" pitchFamily="34" charset="0"/>
-                <a:cs typeface="Helvetica" panose="020B0604020202020204" pitchFamily="34" charset="0"/>
-              </a:rPr>
-              <a:t>Для нас это сейчас означает, что в </a:t>
-            </a:r>
-            <a:r>
-              <a:rPr lang="ru-RU" b="1" dirty="0">
-                <a:latin typeface="Helvetica" panose="020B0604020202020204" pitchFamily="34" charset="0"/>
-                <a:cs typeface="Helvetica" panose="020B0604020202020204" pitchFamily="34" charset="0"/>
-              </a:rPr>
-              <a:t>2136</a:t>
-            </a:r>
-            <a:r>
-              <a:rPr lang="ru-RU" dirty="0">
-                <a:latin typeface="Helvetica" panose="020B0604020202020204" pitchFamily="34" charset="0"/>
-                <a:cs typeface="Helvetica" panose="020B0604020202020204" pitchFamily="34" charset="0"/>
-              </a:rPr>
-              <a:t> году выплаты полностью прекратятся.</a:t>
-            </a:r>
-            <a:endParaRPr lang="en-US" dirty="0">
-              <a:latin typeface="Helvetica" panose="020B0604020202020204" pitchFamily="34" charset="0"/>
-              <a:cs typeface="Helvetica" panose="020B0604020202020204" pitchFamily="34" charset="0"/>
+            <a:pPr marL="0" indent="0" algn="ctr">
+              <a:buNone/>
+            </a:pPr>
+            <a:r>
+              <a:rPr lang="ru-RU" dirty="0">
+                <a:latin typeface="Helvetica Neue Medium"/>
+                <a:cs typeface="Helvetica Neue Medium"/>
+              </a:rPr>
+              <a:t>50 ⋅ 210000 + 25 ⋅ 210000 + 12,5 ⋅ 210000 + </a:t>
+            </a:r>
+            <a:r>
+              <a:rPr lang="is-IS" dirty="0">
+                <a:latin typeface="Helvetica Neue Medium"/>
+                <a:cs typeface="Helvetica Neue Medium"/>
+              </a:rPr>
+              <a:t>…</a:t>
+            </a:r>
+            <a:endParaRPr lang="ru-RU" dirty="0">
+              <a:latin typeface="Helvetica Neue Medium"/>
+              <a:cs typeface="Helvetica Neue Medium"/>
             </a:endParaRPr>
-          </a:p>
-          <a:p>
-            <a:pPr>
-              <a:buFontTx/>
-              <a:buChar char="–"/>
-            </a:pPr>
-            <a:r>
-              <a:rPr lang="ru-RU" dirty="0">
-                <a:latin typeface="Helvetica" panose="020B0604020202020204" pitchFamily="34" charset="0"/>
-                <a:cs typeface="Helvetica" panose="020B0604020202020204" pitchFamily="34" charset="0"/>
-              </a:rPr>
-              <a:t>Округление идёт вниз.</a:t>
-            </a:r>
-            <a:endParaRPr lang="en-US" dirty="0">
-              <a:latin typeface="Helvetica" panose="020B0604020202020204" pitchFamily="34" charset="0"/>
-              <a:cs typeface="Helvetica" panose="020B0604020202020204" pitchFamily="34" charset="0"/>
-            </a:endParaRPr>
-          </a:p>
-          <a:p>
-            <a:pPr>
-              <a:buFontTx/>
-              <a:buChar char="–"/>
-            </a:pPr>
-            <a:r>
-              <a:rPr lang="ru-RU" dirty="0">
-                <a:latin typeface="Helvetica" panose="020B0604020202020204" pitchFamily="34" charset="0"/>
-                <a:cs typeface="Helvetica" panose="020B0604020202020204" pitchFamily="34" charset="0"/>
-              </a:rPr>
-              <a:t>Поэтому на самом деле выплачено будет</a:t>
-            </a:r>
-            <a:r>
-              <a:rPr lang="en-US" dirty="0">
-                <a:latin typeface="Helvetica" panose="020B0604020202020204" pitchFamily="34" charset="0"/>
-                <a:cs typeface="Helvetica" panose="020B0604020202020204" pitchFamily="34" charset="0"/>
-              </a:rPr>
-              <a:t> </a:t>
-            </a:r>
-            <a:r>
-              <a:rPr lang="is-IS" b="1" dirty="0">
-                <a:latin typeface="Helvetica" panose="020B0604020202020204" pitchFamily="34" charset="0"/>
-                <a:cs typeface="Helvetica" panose="020B0604020202020204" pitchFamily="34" charset="0"/>
-              </a:rPr>
-              <a:t>20999999.99511055</a:t>
-            </a:r>
-            <a:r>
-              <a:rPr lang="is-IS" dirty="0">
-                <a:latin typeface="Helvetica" panose="020B0604020202020204" pitchFamily="34" charset="0"/>
-                <a:cs typeface="Helvetica" panose="020B0604020202020204" pitchFamily="34" charset="0"/>
-              </a:rPr>
-              <a:t> </a:t>
-            </a:r>
-            <a:r>
-              <a:rPr lang="ru-RU" dirty="0">
-                <a:latin typeface="Helvetica" panose="020B0604020202020204" pitchFamily="34" charset="0"/>
-                <a:cs typeface="Helvetica" panose="020B0604020202020204" pitchFamily="34" charset="0"/>
-              </a:rPr>
-              <a:t>биткойнов.</a:t>
-            </a:r>
-          </a:p>
-          <a:p>
-            <a:pPr>
-              <a:buFontTx/>
-              <a:buChar char="–"/>
-            </a:pPr>
-            <a:r>
-              <a:rPr lang="ru-RU" dirty="0">
-                <a:latin typeface="Helvetica" panose="020B0604020202020204" pitchFamily="34" charset="0"/>
-                <a:cs typeface="Helvetica" panose="020B0604020202020204" pitchFamily="34" charset="0"/>
-              </a:rPr>
-              <a:t>На практике это не имеет никакого значения хотя бы потому, что люди постепенно теряют биткойны.</a:t>
-            </a:r>
           </a:p>
           <a:p>
             <a:pPr marL="0" indent="0">
@@ -4061,7 +4392,7 @@
     </p:spTree>
     <p:extLst>
       <p:ext uri="{BB962C8B-B14F-4D97-AF65-F5344CB8AC3E}">
-        <p14:creationId xmlns:p14="http://schemas.microsoft.com/office/powerpoint/2010/main" val="1753077922"/>
+        <p14:creationId xmlns:p14="http://schemas.microsoft.com/office/powerpoint/2010/main" val="3330158100"/>
       </p:ext>
     </p:extLst>
   </p:cSld>
@@ -4106,113 +4437,83 @@
             <a:r>
               <a:rPr lang="ru-RU" dirty="0">
                 <a:latin typeface="Oswald Regular" panose="02000503000000000000" pitchFamily="2" charset="-52"/>
-                <a:cs typeface="Helvetica Neue"/>
-              </a:rPr>
-              <a:t>Как устроен обычный платёж?</a:t>
-            </a:r>
-            <a:endParaRPr lang="ru-RU" dirty="0">
-              <a:latin typeface="Oswald Regular" panose="02000503000000000000" pitchFamily="2" charset="-52"/>
+                <a:cs typeface="Helvetica" panose="020B0604020202020204" pitchFamily="34" charset="0"/>
+              </a:rPr>
+              <a:t>Да, детка!</a:t>
+            </a:r>
+          </a:p>
+        </p:txBody>
+      </p:sp>
+      <p:sp>
+        <p:nvSpPr>
+          <p:cNvPr id="3" name="Объект 2"/>
+          <p:cNvSpPr>
+            <a:spLocks noGrp="1"/>
+          </p:cNvSpPr>
+          <p:nvPr>
+            <p:ph idx="1"/>
+          </p:nvPr>
+        </p:nvSpPr>
+        <p:spPr>
+          <a:solidFill>
+            <a:schemeClr val="bg1"/>
+          </a:solidFill>
+        </p:spPr>
+        <p:txBody>
+          <a:bodyPr/>
+          <a:lstStyle/>
+          <a:p>
+            <a:pPr marL="0" indent="0">
+              <a:buNone/>
+            </a:pPr>
+            <a:r>
+              <a:rPr lang="en-US" dirty="0">
+                <a:latin typeface="Helvetica" panose="020B0604020202020204" pitchFamily="34" charset="0"/>
+                <a:cs typeface="Helvetica" panose="020B0604020202020204" pitchFamily="34" charset="0"/>
+              </a:rPr>
+              <a:t>S = 210000 * 100 = 21 000 000</a:t>
+            </a:r>
+          </a:p>
+          <a:p>
+            <a:pPr marL="0" indent="0">
+              <a:buNone/>
+            </a:pPr>
+            <a:r>
+              <a:rPr lang="ru-RU" dirty="0">
+                <a:latin typeface="Helvetica" panose="020B0604020202020204" pitchFamily="34" charset="0"/>
+                <a:cs typeface="Helvetica" panose="020B0604020202020204" pitchFamily="34" charset="0"/>
+              </a:rPr>
+              <a:t>Суммарно будет добыто 21 миллион биткойнов. Больше добыто не будет. Протокол неизменяем.</a:t>
+            </a:r>
+            <a:endParaRPr lang="en-US" dirty="0">
+              <a:latin typeface="Helvetica" panose="020B0604020202020204" pitchFamily="34" charset="0"/>
+              <a:cs typeface="Helvetica" panose="020B0604020202020204" pitchFamily="34" charset="0"/>
             </a:endParaRPr>
           </a:p>
-        </p:txBody>
-      </p:sp>
-      <p:sp>
-        <p:nvSpPr>
-          <p:cNvPr id="3" name="Объект 2"/>
-          <p:cNvSpPr>
-            <a:spLocks noGrp="1"/>
-          </p:cNvSpPr>
-          <p:nvPr>
-            <p:ph idx="1"/>
-          </p:nvPr>
-        </p:nvSpPr>
-        <p:spPr/>
-        <p:txBody>
-          <a:bodyPr/>
-          <a:lstStyle/>
-          <a:p>
-            <a:r>
-              <a:rPr lang="ru-RU" dirty="0">
-                <a:latin typeface="Helvetica" panose="020B0604020202020204" pitchFamily="34" charset="0"/>
-                <a:cs typeface="Helvetica" panose="020B0604020202020204" pitchFamily="34" charset="0"/>
-              </a:rPr>
-              <a:t>Переводишь деньги с адреса</a:t>
-            </a:r>
-            <a:r>
-              <a:rPr lang="en-US" dirty="0">
-                <a:latin typeface="Helvetica" panose="020B0604020202020204" pitchFamily="34" charset="0"/>
-                <a:cs typeface="Helvetica" panose="020B0604020202020204" pitchFamily="34" charset="0"/>
-              </a:rPr>
-              <a:t> </a:t>
-            </a:r>
-            <a:r>
-              <a:rPr lang="nl-NL" dirty="0">
-                <a:latin typeface="Helvetica" panose="020B0604020202020204" pitchFamily="34" charset="0"/>
-                <a:cs typeface="Helvetica" panose="020B0604020202020204" pitchFamily="34" charset="0"/>
-              </a:rPr>
-              <a:t>1KeatDCtrEnzaR42B2eUduYXmcM4U9jphB</a:t>
-            </a:r>
-            <a:r>
-              <a:rPr lang="en-US" dirty="0">
-                <a:latin typeface="Helvetica" panose="020B0604020202020204" pitchFamily="34" charset="0"/>
-                <a:cs typeface="Helvetica" panose="020B0604020202020204" pitchFamily="34" charset="0"/>
-              </a:rPr>
-              <a:t> </a:t>
-            </a:r>
-            <a:r>
-              <a:rPr lang="ru-RU" dirty="0">
-                <a:latin typeface="Helvetica" panose="020B0604020202020204" pitchFamily="34" charset="0"/>
-                <a:cs typeface="Helvetica" panose="020B0604020202020204" pitchFamily="34" charset="0"/>
-              </a:rPr>
-              <a:t>на адрес </a:t>
-            </a:r>
-            <a:r>
-              <a:rPr lang="tr-TR" dirty="0">
-                <a:latin typeface="Helvetica" panose="020B0604020202020204" pitchFamily="34" charset="0"/>
-                <a:cs typeface="Helvetica" panose="020B0604020202020204" pitchFamily="34" charset="0"/>
-              </a:rPr>
-              <a:t>1FTgzPJCbpCWYfF6VxPdmCMPUDBfygut2h</a:t>
-            </a:r>
+          <a:p>
+            <a:pPr marL="0" indent="0">
+              <a:buNone/>
+            </a:pPr>
             <a:endParaRPr lang="ru-RU" dirty="0">
               <a:latin typeface="Helvetica" panose="020B0604020202020204" pitchFamily="34" charset="0"/>
               <a:cs typeface="Helvetica" panose="020B0604020202020204" pitchFamily="34" charset="0"/>
             </a:endParaRPr>
           </a:p>
           <a:p>
-            <a:r>
-              <a:rPr lang="ru-RU" dirty="0">
-                <a:latin typeface="Helvetica" panose="020B0604020202020204" pitchFamily="34" charset="0"/>
-                <a:cs typeface="Helvetica" panose="020B0604020202020204" pitchFamily="34" charset="0"/>
-              </a:rPr>
-              <a:t>Продавец спустя некоторое время соглашается с тем, что платёж произошёл, и предоставляет тебе услугу. Принято дожидаться </a:t>
-            </a:r>
-            <a:r>
-              <a:rPr lang="ru-RU" b="1" dirty="0">
-                <a:latin typeface="Helvetica" panose="020B0604020202020204" pitchFamily="34" charset="0"/>
-                <a:cs typeface="Helvetica" panose="020B0604020202020204" pitchFamily="34" charset="0"/>
-              </a:rPr>
-              <a:t>шести</a:t>
-            </a:r>
-            <a:r>
-              <a:rPr lang="ru-RU" dirty="0">
-                <a:latin typeface="Helvetica" panose="020B0604020202020204" pitchFamily="34" charset="0"/>
-                <a:cs typeface="Helvetica" panose="020B0604020202020204" pitchFamily="34" charset="0"/>
-              </a:rPr>
-              <a:t> подтверждений.</a:t>
-            </a:r>
-          </a:p>
-          <a:p>
             <a:pPr marL="0" indent="0">
               <a:buNone/>
             </a:pPr>
-            <a:endParaRPr lang="ru-RU" dirty="0"/>
+            <a:endParaRPr lang="en-US" dirty="0">
+              <a:latin typeface="Helvetica" panose="020B0604020202020204" pitchFamily="34" charset="0"/>
+              <a:cs typeface="Helvetica" panose="020B0604020202020204" pitchFamily="34" charset="0"/>
+            </a:endParaRPr>
           </a:p>
         </p:txBody>
       </p:sp>
     </p:spTree>
     <p:extLst>
       <p:ext uri="{BB962C8B-B14F-4D97-AF65-F5344CB8AC3E}">
-        <p14:creationId xmlns:p14="http://schemas.microsoft.com/office/powerpoint/2010/main" val="1826007746"/>
+        <p14:creationId xmlns:p14="http://schemas.microsoft.com/office/powerpoint/2010/main" val="1958490813"/>
       </p:ext>
     </p:extLst>
   </p:cSld>
@@ -4257,9 +4558,8 @@
             <a:r>
               <a:rPr lang="ru-RU" dirty="0">
                 <a:latin typeface="Oswald Regular" panose="02000503000000000000" pitchFamily="2" charset="-52"/>
-                <a:cs typeface="Helvetica Neue"/>
-              </a:rPr>
-              <a:t>Как устроен обычный платёж?</a:t>
+              </a:rPr>
+              <a:t>Дефляция и инфляция</a:t>
             </a:r>
             <a:endParaRPr lang="ru-RU" dirty="0"/>
           </a:p>
@@ -4277,60 +4577,80 @@
         </p:nvSpPr>
         <p:spPr/>
         <p:txBody>
-          <a:bodyPr/>
-          <a:lstStyle/>
-          <a:p>
-            <a:pPr marL="0" indent="0">
-              <a:buNone/>
-            </a:pPr>
-            <a:r>
-              <a:rPr lang="ru-RU" dirty="0">
-                <a:latin typeface="Helvetica Neue Medium"/>
-                <a:cs typeface="Helvetica Neue Medium"/>
-              </a:rPr>
-              <a:t>Каждый конкретный продавец решает сам, какого количества подтверждений ему ждать.</a:t>
-            </a:r>
-            <a:r>
-              <a:rPr lang="en-US" dirty="0">
-                <a:latin typeface="Helvetica Neue Medium"/>
-                <a:cs typeface="Helvetica Neue Medium"/>
-              </a:rPr>
-              <a:t> </a:t>
-            </a:r>
-            <a:r>
-              <a:rPr lang="ru-RU" dirty="0">
-                <a:latin typeface="Helvetica Neue Medium"/>
-                <a:cs typeface="Helvetica Neue Medium"/>
-              </a:rPr>
-              <a:t>Некоторые биржи считают биткойны зачисленными после </a:t>
-            </a:r>
-            <a:r>
-              <a:rPr lang="ru-RU" b="1" dirty="0">
-                <a:latin typeface="Helvetica Neue Medium"/>
-                <a:cs typeface="Helvetica Neue Medium"/>
-              </a:rPr>
-              <a:t>трёх</a:t>
-            </a:r>
-            <a:r>
-              <a:rPr lang="ru-RU" dirty="0">
-                <a:latin typeface="Helvetica Neue Medium"/>
-                <a:cs typeface="Helvetica Neue Medium"/>
-              </a:rPr>
-              <a:t> подтверждений.</a:t>
-            </a:r>
-          </a:p>
-          <a:p>
-            <a:pPr marL="0" indent="0">
-              <a:buNone/>
-            </a:pPr>
-            <a:endParaRPr lang="ru-RU" dirty="0"/>
+          <a:bodyPr>
+            <a:normAutofit/>
+          </a:bodyPr>
+          <a:lstStyle/>
+          <a:p>
+            <a:pPr>
+              <a:buFont typeface="Helvetica" panose="020B0604020202020204" pitchFamily="34" charset="0"/>
+              <a:buChar char="–"/>
+            </a:pPr>
+            <a:r>
+              <a:rPr lang="ru-RU" dirty="0">
+                <a:latin typeface="Helvetica" panose="020B0604020202020204" pitchFamily="34" charset="0"/>
+                <a:cs typeface="Helvetica" panose="020B0604020202020204" pitchFamily="34" charset="0"/>
+              </a:rPr>
+              <a:t> Количество биткоинов, как и золота ограничено</a:t>
+            </a:r>
+          </a:p>
+          <a:p>
+            <a:pPr>
+              <a:buFont typeface="Helvetica" panose="020B0604020202020204" pitchFamily="34" charset="0"/>
+              <a:buChar char="–"/>
+            </a:pPr>
+            <a:r>
+              <a:rPr lang="ru-RU" dirty="0">
+                <a:latin typeface="Helvetica" panose="020B0604020202020204" pitchFamily="34" charset="0"/>
+                <a:cs typeface="Helvetica" panose="020B0604020202020204" pitchFamily="34" charset="0"/>
+              </a:rPr>
+              <a:t> Цена биткоина зависит только от внешних событий</a:t>
+            </a:r>
+          </a:p>
+          <a:p>
+            <a:pPr>
+              <a:buFont typeface="Helvetica" panose="020B0604020202020204" pitchFamily="34" charset="0"/>
+              <a:buChar char="–"/>
+            </a:pPr>
+            <a:r>
+              <a:rPr lang="ru-RU" dirty="0">
+                <a:latin typeface="Helvetica" panose="020B0604020202020204" pitchFamily="34" charset="0"/>
+                <a:cs typeface="Helvetica" panose="020B0604020202020204" pitchFamily="34" charset="0"/>
+              </a:rPr>
+              <a:t> Сейчас доллар не подкреплён золотом</a:t>
+            </a:r>
+          </a:p>
+          <a:p>
+            <a:pPr>
+              <a:buFont typeface="Helvetica" panose="020B0604020202020204" pitchFamily="34" charset="0"/>
+              <a:buChar char="–"/>
+            </a:pPr>
+            <a:r>
+              <a:rPr lang="ru-RU" dirty="0">
+                <a:latin typeface="Helvetica" panose="020B0604020202020204" pitchFamily="34" charset="0"/>
+                <a:cs typeface="Helvetica" panose="020B0604020202020204" pitchFamily="34" charset="0"/>
+              </a:rPr>
+              <a:t> Инфляция может привести к ситуации в </a:t>
+            </a:r>
+            <a:r>
+              <a:rPr lang="ru-RU" dirty="0">
+                <a:latin typeface="Helvetica" panose="020B0604020202020204" pitchFamily="34" charset="0"/>
+                <a:cs typeface="Helvetica" panose="020B0604020202020204" pitchFamily="34" charset="0"/>
+                <a:hlinkClick r:id="rId3"/>
+              </a:rPr>
+              <a:t>Зимбабве</a:t>
+            </a:r>
+            <a:endParaRPr lang="ru-RU" dirty="0">
+              <a:latin typeface="Helvetica" panose="020B0604020202020204" pitchFamily="34" charset="0"/>
+              <a:cs typeface="Helvetica" panose="020B0604020202020204" pitchFamily="34" charset="0"/>
+            </a:endParaRPr>
           </a:p>
         </p:txBody>
       </p:sp>
     </p:spTree>
     <p:extLst>
       <p:ext uri="{BB962C8B-B14F-4D97-AF65-F5344CB8AC3E}">
-        <p14:creationId xmlns:p14="http://schemas.microsoft.com/office/powerpoint/2010/main" val="2881961628"/>
+        <p14:creationId xmlns:p14="http://schemas.microsoft.com/office/powerpoint/2010/main" val="2391292163"/>
       </p:ext>
     </p:extLst>
   </p:cSld>
@@ -4377,21 +4697,7 @@
                 <a:latin typeface="Oswald Regular" panose="02000503000000000000" pitchFamily="2" charset="-52"/>
                 <a:cs typeface="Helvetica Neue"/>
               </a:rPr>
-              <a:t>Сколько всего людей держат полную </a:t>
-            </a:r>
-            <a:r>
-              <a:rPr lang="ru-RU" dirty="0" err="1">
-                <a:latin typeface="Oswald Regular" panose="02000503000000000000" pitchFamily="2" charset="-52"/>
-                <a:cs typeface="Helvetica Neue"/>
-              </a:rPr>
-              <a:t>ноду</a:t>
-            </a:r>
-            <a:r>
-              <a:rPr lang="ru-RU" dirty="0">
-                <a:latin typeface="Oswald Regular" panose="02000503000000000000" pitchFamily="2" charset="-52"/>
-                <a:cs typeface="Helvetica Neue"/>
-              </a:rPr>
-              <a:t>?</a:t>
+              <a:t>Как устроен обычный платёж?</a:t>
             </a:r>
             <a:endParaRPr lang="ru-RU" dirty="0">
               <a:latin typeface="Oswald Regular" panose="02000503000000000000" pitchFamily="2" charset="-52"/>
@@ -4414,78 +4720,82 @@
           <a:bodyPr/>
           <a:lstStyle/>
           <a:p>
-            <a:pPr marL="0" indent="0">
-              <a:buNone/>
-            </a:pPr>
-            <a:r>
-              <a:rPr lang="ru-RU" dirty="0">
-                <a:latin typeface="Helvetica Neue Medium"/>
-                <a:cs typeface="Helvetica Neue Medium"/>
-              </a:rPr>
-              <a:t>Веб-сайт </a:t>
+            <a:pPr>
+              <a:buFont typeface="Helvetica" panose="020B0604020202020204" pitchFamily="34" charset="0"/>
+              <a:buChar char="–"/>
+            </a:pPr>
+            <a:r>
+              <a:rPr lang="ru-RU" dirty="0">
+                <a:latin typeface="Helvetica" panose="020B0604020202020204" pitchFamily="34" charset="0"/>
+                <a:cs typeface="Helvetica" panose="020B0604020202020204" pitchFamily="34" charset="0"/>
+              </a:rPr>
+              <a:t> Переводишь деньги с адреса</a:t>
             </a:r>
             <a:r>
               <a:rPr lang="en-US" dirty="0">
-                <a:latin typeface="Helvetica Neue Medium"/>
-                <a:cs typeface="Helvetica Neue Medium"/>
-              </a:rPr>
-              <a:t>bitnodes.21.co </a:t>
-            </a:r>
-            <a:r>
-              <a:rPr lang="ru-RU" dirty="0">
-                <a:latin typeface="Helvetica Neue Medium"/>
-                <a:cs typeface="Helvetica Neue Medium"/>
-              </a:rPr>
-              <a:t>сообщает нам, что на момент написания этой презентации активных полных </a:t>
-            </a:r>
-            <a:r>
-              <a:rPr lang="ru-RU" dirty="0" err="1">
-                <a:latin typeface="Helvetica Neue Medium"/>
-                <a:cs typeface="Helvetica Neue Medium"/>
-              </a:rPr>
-              <a:t>нод</a:t>
-            </a:r>
-            <a:r>
-              <a:rPr lang="ru-RU" dirty="0">
-                <a:latin typeface="Helvetica Neue Medium"/>
-                <a:cs typeface="Helvetica Neue Medium"/>
-              </a:rPr>
-              <a:t> было 6153.</a:t>
-            </a:r>
-          </a:p>
-          <a:p>
-            <a:pPr marL="0" indent="0">
-              <a:buNone/>
-            </a:pPr>
+                <a:latin typeface="Helvetica" panose="020B0604020202020204" pitchFamily="34" charset="0"/>
+                <a:cs typeface="Helvetica" panose="020B0604020202020204" pitchFamily="34" charset="0"/>
+              </a:rPr>
+              <a:t> </a:t>
+            </a:r>
+            <a:r>
+              <a:rPr lang="nl-NL" dirty="0">
+                <a:latin typeface="Helvetica" panose="020B0604020202020204" pitchFamily="34" charset="0"/>
+                <a:cs typeface="Helvetica" panose="020B0604020202020204" pitchFamily="34" charset="0"/>
+              </a:rPr>
+              <a:t>1KeatDCtrEnzaR42B2eUduYXmcM4U9jphB</a:t>
+            </a:r>
+            <a:r>
+              <a:rPr lang="en-US" dirty="0">
+                <a:latin typeface="Helvetica" panose="020B0604020202020204" pitchFamily="34" charset="0"/>
+                <a:cs typeface="Helvetica" panose="020B0604020202020204" pitchFamily="34" charset="0"/>
+              </a:rPr>
+              <a:t> </a:t>
+            </a:r>
+            <a:r>
+              <a:rPr lang="ru-RU" dirty="0">
+                <a:latin typeface="Helvetica" panose="020B0604020202020204" pitchFamily="34" charset="0"/>
+                <a:cs typeface="Helvetica" panose="020B0604020202020204" pitchFamily="34" charset="0"/>
+              </a:rPr>
+              <a:t>на адрес </a:t>
+            </a:r>
+            <a:r>
+              <a:rPr lang="tr-TR" dirty="0">
+                <a:latin typeface="Helvetica" panose="020B0604020202020204" pitchFamily="34" charset="0"/>
+                <a:cs typeface="Helvetica" panose="020B0604020202020204" pitchFamily="34" charset="0"/>
+              </a:rPr>
+              <a:t>1FTgzPJCbpCWYfF6VxPdmCMPUDBfygut2h</a:t>
+            </a:r>
             <a:endParaRPr lang="ru-RU" dirty="0">
-              <a:latin typeface="Helvetica Neue Medium"/>
-              <a:cs typeface="Helvetica Neue Medium"/>
+              <a:latin typeface="Helvetica" panose="020B0604020202020204" pitchFamily="34" charset="0"/>
+              <a:cs typeface="Helvetica" panose="020B0604020202020204" pitchFamily="34" charset="0"/>
             </a:endParaRPr>
           </a:p>
           <a:p>
-            <a:pPr marL="0" indent="0">
-              <a:buNone/>
-            </a:pPr>
-            <a:r>
-              <a:rPr lang="ru-RU" dirty="0">
-                <a:latin typeface="Helvetica Neue Medium"/>
-                <a:cs typeface="Helvetica Neue Medium"/>
-              </a:rPr>
-              <a:t>То есть полная копия всего </a:t>
-            </a:r>
-            <a:r>
-              <a:rPr lang="ru-RU" dirty="0" err="1">
-                <a:latin typeface="Helvetica Neue Medium"/>
-                <a:cs typeface="Helvetica Neue Medium"/>
-              </a:rPr>
-              <a:t>блокчейна</a:t>
-            </a:r>
-            <a:r>
-              <a:rPr lang="ru-RU" dirty="0">
-                <a:latin typeface="Helvetica Neue Medium"/>
-                <a:cs typeface="Helvetica Neue Medium"/>
-              </a:rPr>
-              <a:t> хранится как минимум в 6153 местах на планете Земля.</a:t>
+            <a:pPr>
+              <a:buFont typeface="Helvetica" panose="020B0604020202020204" pitchFamily="34" charset="0"/>
+              <a:buChar char="–"/>
+            </a:pPr>
+            <a:r>
+              <a:rPr lang="ru-RU" dirty="0">
+                <a:latin typeface="Helvetica" panose="020B0604020202020204" pitchFamily="34" charset="0"/>
+                <a:cs typeface="Helvetica" panose="020B0604020202020204" pitchFamily="34" charset="0"/>
+              </a:rPr>
+              <a:t> Продавец спустя некоторое время соглашается с тем, что  платёж произошёл, и предоставляет тебе услугу. Принято дожидаться </a:t>
+            </a:r>
+            <a:r>
+              <a:rPr lang="ru-RU" b="1" dirty="0">
+                <a:latin typeface="Helvetica" panose="020B0604020202020204" pitchFamily="34" charset="0"/>
+                <a:cs typeface="Helvetica" panose="020B0604020202020204" pitchFamily="34" charset="0"/>
+              </a:rPr>
+              <a:t>6 </a:t>
+            </a:r>
+            <a:r>
+              <a:rPr lang="ru-RU" dirty="0">
+                <a:latin typeface="Helvetica" panose="020B0604020202020204" pitchFamily="34" charset="0"/>
+                <a:cs typeface="Helvetica" panose="020B0604020202020204" pitchFamily="34" charset="0"/>
+              </a:rPr>
+              <a:t>подтверждений.</a:t>
             </a:r>
           </a:p>
           <a:p>
@@ -4499,7 +4809,7 @@
     </p:spTree>
     <p:extLst>
       <p:ext uri="{BB962C8B-B14F-4D97-AF65-F5344CB8AC3E}">
-        <p14:creationId xmlns:p14="http://schemas.microsoft.com/office/powerpoint/2010/main" val="957609951"/>
+        <p14:creationId xmlns:p14="http://schemas.microsoft.com/office/powerpoint/2010/main" val="1826007746"/>
       </p:ext>
     </p:extLst>
   </p:cSld>
@@ -4538,9 +4848,7 @@
         </p:nvSpPr>
         <p:spPr/>
         <p:txBody>
-          <a:bodyPr>
-            <a:normAutofit/>
-          </a:bodyPr>
+          <a:bodyPr/>
           <a:lstStyle/>
           <a:p>
             <a:r>
@@ -4548,11 +4856,9 @@
                 <a:latin typeface="Oswald Regular" panose="02000503000000000000" pitchFamily="2" charset="-52"/>
                 <a:cs typeface="Helvetica Neue"/>
               </a:rPr>
-              <a:t>Чем биткойны удобнее обычных денег?</a:t>
-            </a:r>
-            <a:endParaRPr lang="ru-RU" dirty="0">
-              <a:latin typeface="Oswald Regular" panose="02000503000000000000" pitchFamily="2" charset="-52"/>
-            </a:endParaRPr>
+              <a:t>Как устроен обычный платёж?</a:t>
+            </a:r>
+            <a:endParaRPr lang="ru-RU" dirty="0"/>
           </a:p>
         </p:txBody>
       </p:sp>
@@ -4576,36 +4882,38 @@
             </a:pPr>
             <a:r>
               <a:rPr lang="ru-RU" dirty="0">
-                <a:latin typeface="Helvetica" panose="020B0604020202020204" pitchFamily="34" charset="0"/>
-                <a:cs typeface="Helvetica" panose="020B0604020202020204" pitchFamily="34" charset="0"/>
-              </a:rPr>
-              <a:t>Вы много знаете способов перевести </a:t>
+                <a:latin typeface="Helvetica Neue Medium"/>
+                <a:cs typeface="Helvetica Neue Medium"/>
+              </a:rPr>
+              <a:t>Каждый конкретный продавец решает сам, какого количества подтверждений ему ждать.</a:t>
             </a:r>
             <a:r>
               <a:rPr lang="en-US" dirty="0">
-                <a:latin typeface="Helvetica" panose="020B0604020202020204" pitchFamily="34" charset="0"/>
-                <a:cs typeface="Helvetica" panose="020B0604020202020204" pitchFamily="34" charset="0"/>
-              </a:rPr>
-              <a:t>16</a:t>
-            </a:r>
-            <a:r>
-              <a:rPr lang="ru-RU" dirty="0">
-                <a:latin typeface="Helvetica" panose="020B0604020202020204" pitchFamily="34" charset="0"/>
-                <a:cs typeface="Helvetica" panose="020B0604020202020204" pitchFamily="34" charset="0"/>
-              </a:rPr>
-              <a:t>0 миллионов долларов из произвольной точки Земли в произвольную точку Земли за 10 минут без комиссии?</a:t>
-            </a:r>
-          </a:p>
-          <a:p>
-            <a:pPr marL="0" indent="0">
-              <a:buNone/>
-            </a:pPr>
-            <a:r>
-              <a:rPr lang="ru-RU" dirty="0">
-                <a:latin typeface="Helvetica" panose="020B0604020202020204" pitchFamily="34" charset="0"/>
-                <a:cs typeface="Helvetica" panose="020B0604020202020204" pitchFamily="34" charset="0"/>
-              </a:rPr>
-              <a:t>Вы много знаете способов перевести друг другу средства, при которых вас не попросят предъявить паспорт? При которых об этом вообще никто не узнает, кроме вас двоих?</a:t>
+                <a:latin typeface="Helvetica Neue Medium"/>
+                <a:cs typeface="Helvetica Neue Medium"/>
+              </a:rPr>
+              <a:t> </a:t>
+            </a:r>
+            <a:r>
+              <a:rPr lang="ru-RU" dirty="0">
+                <a:latin typeface="Helvetica Neue Medium"/>
+                <a:cs typeface="Helvetica Neue Medium"/>
+              </a:rPr>
+              <a:t>Некоторые биржи считают биткойны зачисленными после </a:t>
+            </a:r>
+            <a:r>
+              <a:rPr lang="ru-RU" b="1" dirty="0">
+                <a:latin typeface="Helvetica Neue Medium"/>
+                <a:cs typeface="Helvetica Neue Medium"/>
+              </a:rPr>
+              <a:t>трёх</a:t>
+            </a:r>
+            <a:r>
+              <a:rPr lang="ru-RU" dirty="0">
+                <a:latin typeface="Helvetica Neue Medium"/>
+                <a:cs typeface="Helvetica Neue Medium"/>
+              </a:rPr>
+              <a:t> подтверждений.</a:t>
             </a:r>
           </a:p>
           <a:p>
@@ -4619,7 +4927,7 @@
     </p:spTree>
     <p:extLst>
       <p:ext uri="{BB962C8B-B14F-4D97-AF65-F5344CB8AC3E}">
-        <p14:creationId xmlns:p14="http://schemas.microsoft.com/office/powerpoint/2010/main" val="1846233160"/>
+        <p14:creationId xmlns:p14="http://schemas.microsoft.com/office/powerpoint/2010/main" val="2881961628"/>
       </p:ext>
     </p:extLst>
   </p:cSld>
@@ -4690,18 +4998,11 @@
               <a:buChar char="–"/>
             </a:pPr>
             <a:r>
-              <a:rPr lang="en-US" dirty="0">
-                <a:latin typeface="Helvetica" panose="020B0604020202020204" pitchFamily="34" charset="0"/>
-                <a:cs typeface="Helvetica" panose="020B0604020202020204" pitchFamily="34" charset="0"/>
-              </a:rPr>
-              <a:t> </a:t>
-            </a:r>
-            <a:r>
-              <a:rPr lang="ru-RU" dirty="0">
-                <a:latin typeface="Helvetica" panose="020B0604020202020204" pitchFamily="34" charset="0"/>
-                <a:cs typeface="Helvetica" panose="020B0604020202020204" pitchFamily="34" charset="0"/>
-              </a:rPr>
-              <a:t>Делаю </a:t>
+              <a:rPr lang="ru-RU" dirty="0">
+                <a:latin typeface="Helvetica" panose="020B0604020202020204" pitchFamily="34" charset="0"/>
+                <a:cs typeface="Helvetica" panose="020B0604020202020204" pitchFamily="34" charset="0"/>
+              </a:rPr>
+              <a:t> Делаю </a:t>
             </a:r>
             <a:r>
               <a:rPr lang="ru-RU" dirty="0" err="1">
@@ -4766,23 +5067,17 @@
               <a:buChar char="–"/>
             </a:pPr>
             <a:r>
-              <a:rPr lang="en-US" dirty="0">
-                <a:latin typeface="Helvetica" panose="020B0604020202020204" pitchFamily="34" charset="0"/>
-                <a:cs typeface="Helvetica" panose="020B0604020202020204" pitchFamily="34" charset="0"/>
-              </a:rPr>
-              <a:t> </a:t>
-            </a:r>
-            <a:r>
-              <a:rPr lang="ru-RU" dirty="0">
-                <a:latin typeface="Helvetica" panose="020B0604020202020204" pitchFamily="34" charset="0"/>
-                <a:cs typeface="Helvetica" panose="020B0604020202020204" pitchFamily="34" charset="0"/>
-              </a:rPr>
-              <a:t>Разработчик в </a:t>
+              <a:rPr lang="ru-RU" dirty="0">
+                <a:latin typeface="Helvetica" panose="020B0604020202020204" pitchFamily="34" charset="0"/>
+                <a:cs typeface="Helvetica" panose="020B0604020202020204" pitchFamily="34" charset="0"/>
+              </a:rPr>
+              <a:t> Разработчик в </a:t>
             </a:r>
             <a:r>
               <a:rPr lang="en-US" dirty="0" err="1">
                 <a:latin typeface="Helvetica" panose="020B0604020202020204" pitchFamily="34" charset="0"/>
                 <a:cs typeface="Helvetica" panose="020B0604020202020204" pitchFamily="34" charset="0"/>
+                <a:hlinkClick r:id="rId2"/>
               </a:rPr>
               <a:t>EtherionLab</a:t>
             </a:r>
@@ -4833,16 +5128,9 @@
             <p:ph type="title"/>
           </p:nvPr>
         </p:nvSpPr>
-        <p:spPr>
-          <a:xfrm>
-            <a:off x="838200" y="711199"/>
-            <a:ext cx="10515600" cy="1114425"/>
-          </a:xfrm>
-        </p:spPr>
-        <p:txBody>
-          <a:bodyPr>
-            <a:noAutofit/>
-          </a:bodyPr>
+        <p:spPr/>
+        <p:txBody>
+          <a:bodyPr/>
           <a:lstStyle/>
           <a:p>
             <a:r>
@@ -4850,15 +5138,25 @@
                 <a:latin typeface="Oswald Regular" panose="02000503000000000000" pitchFamily="2" charset="-52"/>
                 <a:cs typeface="Helvetica Neue"/>
               </a:rPr>
-              <a:t>Чему равна комиссия в сети Биткойн?</a:t>
-            </a:r>
-            <a:br>
-              <a:rPr lang="ru-RU" dirty="0">
-                <a:latin typeface="Helvetica Neue Light"/>
-                <a:cs typeface="Helvetica Neue Light"/>
-              </a:rPr>
-            </a:br>
-            <a:endParaRPr lang="ru-RU" dirty="0"/>
+              <a:t>Сколько всего людей держат полную </a:t>
+            </a:r>
+            <a:r>
+              <a:rPr lang="ru-RU" dirty="0" err="1">
+                <a:latin typeface="Oswald Regular" panose="02000503000000000000" pitchFamily="2" charset="-52"/>
+                <a:cs typeface="Helvetica Neue"/>
+              </a:rPr>
+              <a:t>ноду</a:t>
+            </a:r>
+            <a:r>
+              <a:rPr lang="ru-RU" dirty="0">
+                <a:latin typeface="Oswald Regular" panose="02000503000000000000" pitchFamily="2" charset="-52"/>
+                <a:cs typeface="Helvetica Neue"/>
+              </a:rPr>
+              <a:t>?</a:t>
+            </a:r>
+            <a:endParaRPr lang="ru-RU" dirty="0">
+              <a:latin typeface="Oswald Regular" panose="02000503000000000000" pitchFamily="2" charset="-52"/>
+            </a:endParaRPr>
           </a:p>
         </p:txBody>
       </p:sp>
@@ -4882,58 +5180,48 @@
             </a:pPr>
             <a:r>
               <a:rPr lang="ru-RU" dirty="0">
-                <a:latin typeface="Helvetica" panose="020B0604020202020204" pitchFamily="34" charset="0"/>
-                <a:cs typeface="Helvetica" panose="020B0604020202020204" pitchFamily="34" charset="0"/>
-              </a:rPr>
-              <a:t>Либо </a:t>
+                <a:latin typeface="Helvetica Neue Medium"/>
+                <a:cs typeface="Helvetica Neue Medium"/>
+              </a:rPr>
+              <a:t>Веб-сайт </a:t>
             </a:r>
             <a:r>
               <a:rPr lang="en-US" dirty="0">
-                <a:latin typeface="Helvetica" panose="020B0604020202020204" pitchFamily="34" charset="0"/>
-                <a:cs typeface="Helvetica" panose="020B0604020202020204" pitchFamily="34" charset="0"/>
-              </a:rPr>
-              <a:t>0 BTC, </a:t>
-            </a:r>
-            <a:r>
-              <a:rPr lang="ru-RU" dirty="0">
-                <a:latin typeface="Helvetica" panose="020B0604020202020204" pitchFamily="34" charset="0"/>
-                <a:cs typeface="Helvetica" panose="020B0604020202020204" pitchFamily="34" charset="0"/>
-              </a:rPr>
-              <a:t>либо </a:t>
-            </a:r>
-            <a:r>
-              <a:rPr lang="en-US" dirty="0">
-                <a:latin typeface="Helvetica" panose="020B0604020202020204" pitchFamily="34" charset="0"/>
-                <a:cs typeface="Helvetica" panose="020B0604020202020204" pitchFamily="34" charset="0"/>
-              </a:rPr>
-              <a:t>0.0001 BTC.</a:t>
+                <a:latin typeface="Helvetica Neue Medium"/>
+                <a:cs typeface="Helvetica Neue Medium"/>
+              </a:rPr>
+              <a:t>bitnodes.21.co </a:t>
+            </a:r>
+            <a:r>
+              <a:rPr lang="ru-RU" dirty="0">
+                <a:latin typeface="Helvetica Neue Medium"/>
+                <a:cs typeface="Helvetica Neue Medium"/>
+              </a:rPr>
+              <a:t>сообщает нам, что на момент написания этой презентации активных полных </a:t>
+            </a:r>
+            <a:r>
+              <a:rPr lang="ru-RU" dirty="0" err="1">
+                <a:latin typeface="Helvetica Neue Medium"/>
+                <a:cs typeface="Helvetica Neue Medium"/>
+              </a:rPr>
+              <a:t>нод</a:t>
+            </a:r>
+            <a:r>
+              <a:rPr lang="ru-RU" dirty="0">
+                <a:latin typeface="Helvetica Neue Medium"/>
+                <a:cs typeface="Helvetica Neue Medium"/>
+              </a:rPr>
+              <a:t> было 6153.</a:t>
             </a:r>
           </a:p>
           <a:p>
             <a:pPr marL="0" indent="0">
               <a:buNone/>
             </a:pPr>
-            <a:r>
-              <a:rPr lang="ru-RU" dirty="0">
-                <a:latin typeface="Helvetica" panose="020B0604020202020204" pitchFamily="34" charset="0"/>
-                <a:cs typeface="Helvetica" panose="020B0604020202020204" pitchFamily="34" charset="0"/>
-              </a:rPr>
-              <a:t>В переводе на российские реалии: либо 0 рублей, либо примерно </a:t>
-            </a:r>
-            <a:r>
-              <a:rPr lang="en-US" dirty="0">
-                <a:latin typeface="Helvetica" panose="020B0604020202020204" pitchFamily="34" charset="0"/>
-                <a:cs typeface="Helvetica" panose="020B0604020202020204" pitchFamily="34" charset="0"/>
-              </a:rPr>
-              <a:t>5</a:t>
-            </a:r>
-            <a:r>
-              <a:rPr lang="ru-RU" dirty="0">
-                <a:latin typeface="Helvetica" panose="020B0604020202020204" pitchFamily="34" charset="0"/>
-                <a:cs typeface="Helvetica" panose="020B0604020202020204" pitchFamily="34" charset="0"/>
-              </a:rPr>
-              <a:t> рублей.</a:t>
-            </a:r>
+            <a:endParaRPr lang="ru-RU" dirty="0">
+              <a:latin typeface="Helvetica Neue Medium"/>
+              <a:cs typeface="Helvetica Neue Medium"/>
+            </a:endParaRPr>
           </a:p>
           <a:p>
             <a:pPr marL="0" indent="0">
@@ -4941,13 +5229,30 @@
             </a:pPr>
             <a:r>
               <a:rPr lang="ru-RU" dirty="0">
-                <a:latin typeface="Helvetica" panose="020B0604020202020204" pitchFamily="34" charset="0"/>
-                <a:cs typeface="Helvetica" panose="020B0604020202020204" pitchFamily="34" charset="0"/>
-              </a:rPr>
-              <a:t>Чем больше сумма перевода и чем более давно с этой суммой ничего не происходило, тем выше вероятность того, что комиссия составит 0 рублей.</a:t>
-            </a:r>
-          </a:p>
-          <a:p>
+                <a:latin typeface="Helvetica Neue Medium"/>
+                <a:cs typeface="Helvetica Neue Medium"/>
+              </a:rPr>
+              <a:t>То есть полная копия всего </a:t>
+            </a:r>
+            <a:r>
+              <a:rPr lang="ru-RU" dirty="0" err="1">
+                <a:latin typeface="Helvetica Neue Medium"/>
+                <a:cs typeface="Helvetica Neue Medium"/>
+              </a:rPr>
+              <a:t>блокчейна</a:t>
+            </a:r>
+            <a:r>
+              <a:rPr lang="ru-RU" dirty="0">
+                <a:latin typeface="Helvetica Neue Medium"/>
+                <a:cs typeface="Helvetica Neue Medium"/>
+              </a:rPr>
+              <a:t> хранится как минимум в 6153 местах на планете Земля.</a:t>
+            </a:r>
+          </a:p>
+          <a:p>
+            <a:pPr marL="0" indent="0">
+              <a:buNone/>
+            </a:pPr>
             <a:endParaRPr lang="ru-RU" dirty="0"/>
           </a:p>
         </p:txBody>
@@ -4955,7 +5260,7 @@
     </p:spTree>
     <p:extLst>
       <p:ext uri="{BB962C8B-B14F-4D97-AF65-F5344CB8AC3E}">
-        <p14:creationId xmlns:p14="http://schemas.microsoft.com/office/powerpoint/2010/main" val="4236105271"/>
+        <p14:creationId xmlns:p14="http://schemas.microsoft.com/office/powerpoint/2010/main" val="957609951"/>
       </p:ext>
     </p:extLst>
   </p:cSld>
@@ -4992,9 +5297,16 @@
             <p:ph type="title"/>
           </p:nvPr>
         </p:nvSpPr>
-        <p:spPr/>
-        <p:txBody>
-          <a:bodyPr/>
+        <p:spPr>
+          <a:xfrm>
+            <a:off x="838200" y="711199"/>
+            <a:ext cx="10515600" cy="1114425"/>
+          </a:xfrm>
+        </p:spPr>
+        <p:txBody>
+          <a:bodyPr>
+            <a:noAutofit/>
+          </a:bodyPr>
           <a:lstStyle/>
           <a:p>
             <a:r>
@@ -5002,11 +5314,15 @@
                 <a:latin typeface="Oswald Regular" panose="02000503000000000000" pitchFamily="2" charset="-52"/>
                 <a:cs typeface="Helvetica Neue"/>
               </a:rPr>
-              <a:t>Зачем нужна комиссия? </a:t>
-            </a:r>
-            <a:endParaRPr lang="ru-RU" dirty="0">
-              <a:latin typeface="Oswald Regular" panose="02000503000000000000" pitchFamily="2" charset="-52"/>
-            </a:endParaRPr>
+              <a:t>Чему равна комиссия в сети Биткойн?</a:t>
+            </a:r>
+            <a:br>
+              <a:rPr lang="ru-RU" dirty="0">
+                <a:latin typeface="Helvetica Neue Light"/>
+                <a:cs typeface="Helvetica Neue Light"/>
+              </a:rPr>
+            </a:br>
+            <a:endParaRPr lang="ru-RU" dirty="0"/>
           </a:p>
         </p:txBody>
       </p:sp>
@@ -5030,20 +5346,58 @@
             </a:pPr>
             <a:r>
               <a:rPr lang="ru-RU" dirty="0">
-                <a:latin typeface="Helvetica Neue Medium"/>
-                <a:cs typeface="Helvetica Neue Medium"/>
-              </a:rPr>
-              <a:t>Комиссия нужна для того, чтобы мы с вами не хулиганили: чтобы, гоняя одни и те же монеты по кругу, не забивали сеть.</a:t>
+                <a:latin typeface="Helvetica" panose="020B0604020202020204" pitchFamily="34" charset="0"/>
+                <a:cs typeface="Helvetica" panose="020B0604020202020204" pitchFamily="34" charset="0"/>
+              </a:rPr>
+              <a:t>Либо </a:t>
+            </a:r>
+            <a:r>
+              <a:rPr lang="en-US" dirty="0">
+                <a:latin typeface="Helvetica" panose="020B0604020202020204" pitchFamily="34" charset="0"/>
+                <a:cs typeface="Helvetica" panose="020B0604020202020204" pitchFamily="34" charset="0"/>
+              </a:rPr>
+              <a:t>0 BTC, </a:t>
+            </a:r>
+            <a:r>
+              <a:rPr lang="ru-RU" dirty="0">
+                <a:latin typeface="Helvetica" panose="020B0604020202020204" pitchFamily="34" charset="0"/>
+                <a:cs typeface="Helvetica" panose="020B0604020202020204" pitchFamily="34" charset="0"/>
+              </a:rPr>
+              <a:t>либо </a:t>
+            </a:r>
+            <a:r>
+              <a:rPr lang="en-US" dirty="0">
+                <a:latin typeface="Helvetica" panose="020B0604020202020204" pitchFamily="34" charset="0"/>
+                <a:cs typeface="Helvetica" panose="020B0604020202020204" pitchFamily="34" charset="0"/>
+              </a:rPr>
+              <a:t>0.0001 BTC.</a:t>
             </a:r>
           </a:p>
           <a:p>
             <a:pPr marL="0" indent="0">
               <a:buNone/>
             </a:pPr>
-            <a:endParaRPr lang="ru-RU" dirty="0">
-              <a:latin typeface="Helvetica Neue Medium"/>
-              <a:cs typeface="Helvetica Neue Medium"/>
-            </a:endParaRPr>
+            <a:r>
+              <a:rPr lang="ru-RU" dirty="0">
+                <a:latin typeface="Helvetica" panose="020B0604020202020204" pitchFamily="34" charset="0"/>
+                <a:cs typeface="Helvetica" panose="020B0604020202020204" pitchFamily="34" charset="0"/>
+              </a:rPr>
+              <a:t>В переводе на российские реалии: либо 0 рублей, либо примерно </a:t>
+            </a:r>
+            <a:r>
+              <a:rPr lang="en-US" dirty="0">
+                <a:latin typeface="Helvetica" panose="020B0604020202020204" pitchFamily="34" charset="0"/>
+                <a:cs typeface="Helvetica" panose="020B0604020202020204" pitchFamily="34" charset="0"/>
+              </a:rPr>
+              <a:t>5</a:t>
+            </a:r>
+            <a:r>
+              <a:rPr lang="ru-RU" dirty="0">
+                <a:latin typeface="Helvetica" panose="020B0604020202020204" pitchFamily="34" charset="0"/>
+                <a:cs typeface="Helvetica" panose="020B0604020202020204" pitchFamily="34" charset="0"/>
+              </a:rPr>
+              <a:t> рублей.</a:t>
+            </a:r>
           </a:p>
           <a:p>
             <a:pPr marL="0" indent="0">
@@ -5051,58 +5405,13 @@
             </a:pPr>
             <a:r>
               <a:rPr lang="ru-RU" dirty="0">
-                <a:latin typeface="Helvetica Neue Medium"/>
-                <a:cs typeface="Helvetica Neue Medium"/>
-              </a:rPr>
-              <a:t>Достаётся она </a:t>
-            </a:r>
-            <a:r>
-              <a:rPr lang="ru-RU" dirty="0" err="1">
-                <a:latin typeface="Helvetica Neue Medium"/>
-                <a:cs typeface="Helvetica Neue Medium"/>
-              </a:rPr>
-              <a:t>майнерам</a:t>
-            </a:r>
-            <a:r>
-              <a:rPr lang="ru-RU" dirty="0">
-                <a:latin typeface="Helvetica Neue Medium"/>
-                <a:cs typeface="Helvetica Neue Medium"/>
-              </a:rPr>
-              <a:t>. </a:t>
-            </a:r>
-            <a:r>
-              <a:rPr lang="ru-RU" dirty="0" err="1">
-                <a:latin typeface="Helvetica Neue Medium"/>
-                <a:cs typeface="Helvetica Neue Medium"/>
-              </a:rPr>
-              <a:t>Майнеры</a:t>
-            </a:r>
-            <a:r>
-              <a:rPr lang="ru-RU" dirty="0">
-                <a:latin typeface="Helvetica Neue Medium"/>
-                <a:cs typeface="Helvetica Neue Medium"/>
-              </a:rPr>
-              <a:t> – это те, кто занимается майнингом. Каждый может стать </a:t>
-            </a:r>
-            <a:r>
-              <a:rPr lang="ru-RU" dirty="0" err="1">
-                <a:latin typeface="Helvetica Neue Medium"/>
-                <a:cs typeface="Helvetica Neue Medium"/>
-              </a:rPr>
-              <a:t>майнером</a:t>
-            </a:r>
-            <a:r>
-              <a:rPr lang="ru-RU" dirty="0">
-                <a:latin typeface="Helvetica Neue Medium"/>
-                <a:cs typeface="Helvetica Neue Medium"/>
-              </a:rPr>
-              <a:t>.</a:t>
-            </a:r>
-          </a:p>
-          <a:p>
-            <a:pPr marL="0" indent="0">
-              <a:buNone/>
-            </a:pPr>
+                <a:latin typeface="Helvetica" panose="020B0604020202020204" pitchFamily="34" charset="0"/>
+                <a:cs typeface="Helvetica" panose="020B0604020202020204" pitchFamily="34" charset="0"/>
+              </a:rPr>
+              <a:t>Чем больше сумма перевода и чем более давно с этой суммой ничего не происходило, тем выше вероятность того, что комиссия составит 0 рублей.</a:t>
+            </a:r>
+          </a:p>
+          <a:p>
             <a:endParaRPr lang="ru-RU" dirty="0"/>
           </a:p>
         </p:txBody>
@@ -5110,7 +5419,7 @@
     </p:spTree>
     <p:extLst>
       <p:ext uri="{BB962C8B-B14F-4D97-AF65-F5344CB8AC3E}">
-        <p14:creationId xmlns:p14="http://schemas.microsoft.com/office/powerpoint/2010/main" val="3640486850"/>
+        <p14:creationId xmlns:p14="http://schemas.microsoft.com/office/powerpoint/2010/main" val="4236105271"/>
       </p:ext>
     </p:extLst>
   </p:cSld>
@@ -5155,9 +5464,13 @@
             <a:r>
               <a:rPr lang="ru-RU" dirty="0">
                 <a:latin typeface="Oswald Regular" panose="02000503000000000000" pitchFamily="2" charset="-52"/>
-              </a:rPr>
-              <a:t>Истории</a:t>
-            </a:r>
+                <a:cs typeface="Helvetica Neue"/>
+              </a:rPr>
+              <a:t>Зачем нужна комиссия? </a:t>
+            </a:r>
+            <a:endParaRPr lang="ru-RU" dirty="0">
+              <a:latin typeface="Oswald Regular" panose="02000503000000000000" pitchFamily="2" charset="-52"/>
+            </a:endParaRPr>
           </a:p>
         </p:txBody>
       </p:sp>
@@ -5176,56 +5489,78 @@
           <a:bodyPr/>
           <a:lstStyle/>
           <a:p>
-            <a:pPr>
-              <a:buFont typeface="Times New Roman" panose="02020603050405020304" pitchFamily="18" charset="0"/>
-              <a:buChar char="–"/>
-            </a:pPr>
-            <a:r>
-              <a:rPr lang="ru-RU" dirty="0">
-                <a:latin typeface="Helvetica" panose="020B0604020202020204" pitchFamily="34" charset="0"/>
-                <a:cs typeface="Helvetica" panose="020B0604020202020204" pitchFamily="34" charset="0"/>
-              </a:rPr>
-              <a:t>Пицца стоимостью 12 миллионов долларов</a:t>
-            </a:r>
-          </a:p>
-          <a:p>
-            <a:pPr>
-              <a:buFont typeface="Times New Roman" panose="02020603050405020304" pitchFamily="18" charset="0"/>
-              <a:buChar char="–"/>
-            </a:pPr>
-            <a:r>
-              <a:rPr lang="ru-RU" dirty="0">
-                <a:latin typeface="Helvetica" panose="020B0604020202020204" pitchFamily="34" charset="0"/>
-                <a:cs typeface="Helvetica" panose="020B0604020202020204" pitchFamily="34" charset="0"/>
-              </a:rPr>
-              <a:t>Писавший в 2009 </a:t>
+            <a:pPr marL="0" indent="0">
+              <a:buNone/>
+            </a:pPr>
+            <a:r>
+              <a:rPr lang="ru-RU" dirty="0">
+                <a:latin typeface="Helvetica Neue Medium"/>
+                <a:cs typeface="Helvetica Neue Medium"/>
+              </a:rPr>
+              <a:t>Комиссия нужна для того, чтобы мы с вами не хулиганили: чтобы, гоняя одни и те же монеты по кругу, не забивали сеть.</a:t>
+            </a:r>
+          </a:p>
+          <a:p>
+            <a:pPr marL="0" indent="0">
+              <a:buNone/>
+            </a:pPr>
+            <a:endParaRPr lang="ru-RU" dirty="0">
+              <a:latin typeface="Helvetica Neue Medium"/>
+              <a:cs typeface="Helvetica Neue Medium"/>
+            </a:endParaRPr>
+          </a:p>
+          <a:p>
+            <a:pPr marL="0" indent="0">
+              <a:buNone/>
+            </a:pPr>
+            <a:r>
+              <a:rPr lang="ru-RU" dirty="0">
+                <a:latin typeface="Helvetica Neue Medium"/>
+                <a:cs typeface="Helvetica Neue Medium"/>
+              </a:rPr>
+              <a:t>Достаётся она </a:t>
             </a:r>
             <a:r>
               <a:rPr lang="ru-RU" dirty="0" err="1">
-                <a:latin typeface="Helvetica" panose="020B0604020202020204" pitchFamily="34" charset="0"/>
-                <a:cs typeface="Helvetica" panose="020B0604020202020204" pitchFamily="34" charset="0"/>
-              </a:rPr>
-              <a:t>курсач</a:t>
-            </a:r>
-            <a:r>
-              <a:rPr lang="ru-RU" dirty="0">
-                <a:latin typeface="Helvetica" panose="020B0604020202020204" pitchFamily="34" charset="0"/>
-                <a:cs typeface="Helvetica" panose="020B0604020202020204" pitchFamily="34" charset="0"/>
-              </a:rPr>
-              <a:t> в универе по электронным валютам норвежский счастливчик</a:t>
-            </a:r>
-          </a:p>
-          <a:p>
-            <a:pPr>
-              <a:buFont typeface="Times New Roman" panose="02020603050405020304" pitchFamily="18" charset="0"/>
-              <a:buChar char="–"/>
-            </a:pPr>
-            <a:r>
-              <a:rPr lang="ru-RU" dirty="0">
-                <a:latin typeface="Helvetica" panose="020B0604020202020204" pitchFamily="34" charset="0"/>
-                <a:cs typeface="Helvetica" panose="020B0604020202020204" pitchFamily="34" charset="0"/>
-              </a:rPr>
-              <a:t>Выброшенный на помойку жёсткий диск в Лондоне</a:t>
+                <a:latin typeface="Helvetica Neue Medium"/>
+                <a:cs typeface="Helvetica Neue Medium"/>
+              </a:rPr>
+              <a:t>майнерам</a:t>
+            </a:r>
+            <a:r>
+              <a:rPr lang="ru-RU" dirty="0">
+                <a:latin typeface="Helvetica Neue Medium"/>
+                <a:cs typeface="Helvetica Neue Medium"/>
+              </a:rPr>
+              <a:t>. </a:t>
+            </a:r>
+            <a:r>
+              <a:rPr lang="ru-RU" dirty="0" err="1">
+                <a:latin typeface="Helvetica Neue Medium"/>
+                <a:cs typeface="Helvetica Neue Medium"/>
+              </a:rPr>
+              <a:t>Майнеры</a:t>
+            </a:r>
+            <a:r>
+              <a:rPr lang="ru-RU" dirty="0">
+                <a:latin typeface="Helvetica Neue Medium"/>
+                <a:cs typeface="Helvetica Neue Medium"/>
+              </a:rPr>
+              <a:t> – это те, кто занимается майнингом. Каждый может стать </a:t>
+            </a:r>
+            <a:r>
+              <a:rPr lang="ru-RU" dirty="0" err="1">
+                <a:latin typeface="Helvetica Neue Medium"/>
+                <a:cs typeface="Helvetica Neue Medium"/>
+              </a:rPr>
+              <a:t>майнером</a:t>
+            </a:r>
+            <a:r>
+              <a:rPr lang="ru-RU" dirty="0">
+                <a:latin typeface="Helvetica Neue Medium"/>
+                <a:cs typeface="Helvetica Neue Medium"/>
+              </a:rPr>
+              <a:t>.</a:t>
             </a:r>
           </a:p>
           <a:p>
@@ -5239,7 +5574,7 @@
     </p:spTree>
     <p:extLst>
       <p:ext uri="{BB962C8B-B14F-4D97-AF65-F5344CB8AC3E}">
-        <p14:creationId xmlns:p14="http://schemas.microsoft.com/office/powerpoint/2010/main" val="2968359268"/>
+        <p14:creationId xmlns:p14="http://schemas.microsoft.com/office/powerpoint/2010/main" val="3640486850"/>
       </p:ext>
     </p:extLst>
   </p:cSld>
@@ -5284,6 +5619,135 @@
             <a:r>
               <a:rPr lang="ru-RU" dirty="0">
                 <a:latin typeface="Oswald Regular" panose="02000503000000000000" pitchFamily="2" charset="-52"/>
+              </a:rPr>
+              <a:t>Истории</a:t>
+            </a:r>
+          </a:p>
+        </p:txBody>
+      </p:sp>
+      <p:sp>
+        <p:nvSpPr>
+          <p:cNvPr id="3" name="Объект 2"/>
+          <p:cNvSpPr>
+            <a:spLocks noGrp="1"/>
+          </p:cNvSpPr>
+          <p:nvPr>
+            <p:ph idx="1"/>
+          </p:nvPr>
+        </p:nvSpPr>
+        <p:spPr/>
+        <p:txBody>
+          <a:bodyPr/>
+          <a:lstStyle/>
+          <a:p>
+            <a:pPr>
+              <a:buFont typeface="Times New Roman" panose="02020603050405020304" pitchFamily="18" charset="0"/>
+              <a:buChar char="–"/>
+            </a:pPr>
+            <a:r>
+              <a:rPr lang="ru-RU" dirty="0">
+                <a:latin typeface="Helvetica" panose="020B0604020202020204" pitchFamily="34" charset="0"/>
+                <a:cs typeface="Helvetica" panose="020B0604020202020204" pitchFamily="34" charset="0"/>
+              </a:rPr>
+              <a:t>Пицца стоимостью 12 миллионов долларов</a:t>
+            </a:r>
+          </a:p>
+          <a:p>
+            <a:pPr>
+              <a:buFont typeface="Times New Roman" panose="02020603050405020304" pitchFamily="18" charset="0"/>
+              <a:buChar char="–"/>
+            </a:pPr>
+            <a:r>
+              <a:rPr lang="ru-RU" dirty="0">
+                <a:latin typeface="Helvetica" panose="020B0604020202020204" pitchFamily="34" charset="0"/>
+                <a:cs typeface="Helvetica" panose="020B0604020202020204" pitchFamily="34" charset="0"/>
+              </a:rPr>
+              <a:t>Писавший в 2009 </a:t>
+            </a:r>
+            <a:r>
+              <a:rPr lang="ru-RU" dirty="0" err="1">
+                <a:latin typeface="Helvetica" panose="020B0604020202020204" pitchFamily="34" charset="0"/>
+                <a:cs typeface="Helvetica" panose="020B0604020202020204" pitchFamily="34" charset="0"/>
+              </a:rPr>
+              <a:t>курсач</a:t>
+            </a:r>
+            <a:r>
+              <a:rPr lang="ru-RU" dirty="0">
+                <a:latin typeface="Helvetica" panose="020B0604020202020204" pitchFamily="34" charset="0"/>
+                <a:cs typeface="Helvetica" panose="020B0604020202020204" pitchFamily="34" charset="0"/>
+              </a:rPr>
+              <a:t> в универе по электронным валютам норвежский счастливчик</a:t>
+            </a:r>
+          </a:p>
+          <a:p>
+            <a:pPr>
+              <a:buFont typeface="Times New Roman" panose="02020603050405020304" pitchFamily="18" charset="0"/>
+              <a:buChar char="–"/>
+            </a:pPr>
+            <a:r>
+              <a:rPr lang="ru-RU" dirty="0">
+                <a:latin typeface="Helvetica" panose="020B0604020202020204" pitchFamily="34" charset="0"/>
+                <a:cs typeface="Helvetica" panose="020B0604020202020204" pitchFamily="34" charset="0"/>
+              </a:rPr>
+              <a:t>Выброшенный на помойку жёсткий диск в Лондоне</a:t>
+            </a:r>
+          </a:p>
+          <a:p>
+            <a:pPr marL="0" indent="0">
+              <a:buNone/>
+            </a:pPr>
+            <a:endParaRPr lang="ru-RU" dirty="0"/>
+          </a:p>
+        </p:txBody>
+      </p:sp>
+    </p:spTree>
+    <p:extLst>
+      <p:ext uri="{BB962C8B-B14F-4D97-AF65-F5344CB8AC3E}">
+        <p14:creationId xmlns:p14="http://schemas.microsoft.com/office/powerpoint/2010/main" val="2968359268"/>
+      </p:ext>
+    </p:extLst>
+  </p:cSld>
+  <p:clrMapOvr>
+    <a:masterClrMapping/>
+  </p:clrMapOvr>
+</p:sld>
+</file>
+
+<file path=ppt/slides/slide24.xml><?xml version="1.0" encoding="utf-8"?>
+<p:sld xmlns:a="http://schemas.openxmlformats.org/drawingml/2006/main" xmlns:r="http://schemas.openxmlformats.org/officeDocument/2006/relationships" xmlns:p="http://schemas.openxmlformats.org/presentationml/2006/main">
+  <p:cSld>
+    <p:spTree>
+      <p:nvGrpSpPr>
+        <p:cNvPr id="1" name=""/>
+        <p:cNvGrpSpPr/>
+        <p:nvPr/>
+      </p:nvGrpSpPr>
+      <p:grpSpPr>
+        <a:xfrm>
+          <a:off x="0" y="0"/>
+          <a:ext cx="0" cy="0"/>
+          <a:chOff x="0" y="0"/>
+          <a:chExt cx="0" cy="0"/>
+        </a:xfrm>
+      </p:grpSpPr>
+      <p:sp>
+        <p:nvSpPr>
+          <p:cNvPr id="2" name="Заголовок 1"/>
+          <p:cNvSpPr>
+            <a:spLocks noGrp="1"/>
+          </p:cNvSpPr>
+          <p:nvPr>
+            <p:ph type="title"/>
+          </p:nvPr>
+        </p:nvSpPr>
+        <p:spPr/>
+        <p:txBody>
+          <a:bodyPr/>
+          <a:lstStyle/>
+          <a:p>
+            <a:r>
+              <a:rPr lang="ru-RU" dirty="0">
+                <a:latin typeface="Oswald Regular" panose="02000503000000000000" pitchFamily="2" charset="-52"/>
                 <a:cs typeface="Helvetica Neue"/>
               </a:rPr>
               <a:t>Из чего состоит биткойн-кошелёк?</a:t>
@@ -5393,7 +5857,7 @@
 </p:sld>
 </file>
 
-<file path=ppt/slides/slide24.xml><?xml version="1.0" encoding="utf-8"?>
+<file path=ppt/slides/slide25.xml><?xml version="1.0" encoding="utf-8"?>
 <p:sld xmlns:a="http://schemas.openxmlformats.org/drawingml/2006/main" xmlns:r="http://schemas.openxmlformats.org/officeDocument/2006/relationships" xmlns:p="http://schemas.openxmlformats.org/presentationml/2006/main">
   <p:cSld>
     <p:spTree>
@@ -5480,140 +5944,6 @@
 </p:sld>
 </file>
 
-<file path=ppt/slides/slide25.xml><?xml version="1.0" encoding="utf-8"?>
-<p:sld xmlns:a="http://schemas.openxmlformats.org/drawingml/2006/main" xmlns:r="http://schemas.openxmlformats.org/officeDocument/2006/relationships" xmlns:p="http://schemas.openxmlformats.org/presentationml/2006/main">
-  <p:cSld>
-    <p:spTree>
-      <p:nvGrpSpPr>
-        <p:cNvPr id="1" name=""/>
-        <p:cNvGrpSpPr/>
-        <p:nvPr/>
-      </p:nvGrpSpPr>
-      <p:grpSpPr>
-        <a:xfrm>
-          <a:off x="0" y="0"/>
-          <a:ext cx="0" cy="0"/>
-          <a:chOff x="0" y="0"/>
-          <a:chExt cx="0" cy="0"/>
-        </a:xfrm>
-      </p:grpSpPr>
-      <p:sp>
-        <p:nvSpPr>
-          <p:cNvPr id="2" name="Заголовок 1"/>
-          <p:cNvSpPr>
-            <a:spLocks noGrp="1"/>
-          </p:cNvSpPr>
-          <p:nvPr>
-            <p:ph type="title"/>
-          </p:nvPr>
-        </p:nvSpPr>
-        <p:spPr/>
-        <p:txBody>
-          <a:bodyPr/>
-          <a:lstStyle/>
-          <a:p>
-            <a:r>
-              <a:rPr lang="ru-RU" dirty="0">
-                <a:latin typeface="Oswald Regular" panose="02000503000000000000" pitchFamily="2" charset="-52"/>
-                <a:cs typeface="Helvetica Neue"/>
-              </a:rPr>
-              <a:t>Как обзавестись биткойнами?</a:t>
-            </a:r>
-            <a:endParaRPr lang="ru-RU" dirty="0">
-              <a:latin typeface="Oswald Regular" panose="02000503000000000000" pitchFamily="2" charset="-52"/>
-            </a:endParaRPr>
-          </a:p>
-        </p:txBody>
-      </p:sp>
-      <p:sp>
-        <p:nvSpPr>
-          <p:cNvPr id="3" name="Объект 2"/>
-          <p:cNvSpPr>
-            <a:spLocks noGrp="1"/>
-          </p:cNvSpPr>
-          <p:nvPr>
-            <p:ph idx="1"/>
-          </p:nvPr>
-        </p:nvSpPr>
-        <p:spPr>
-          <a:xfrm>
-            <a:off x="838200" y="1825625"/>
-            <a:ext cx="10871200" cy="4351338"/>
-          </a:xfrm>
-        </p:spPr>
-        <p:txBody>
-          <a:bodyPr/>
-          <a:lstStyle/>
-          <a:p>
-            <a:pPr>
-              <a:buFont typeface="Helvetica" panose="020B0604020202020204" pitchFamily="34" charset="0"/>
-              <a:buChar char="–"/>
-            </a:pPr>
-            <a:r>
-              <a:rPr lang="ru-RU" dirty="0">
-                <a:latin typeface="Helvetica" panose="020B0604020202020204" pitchFamily="34" charset="0"/>
-                <a:cs typeface="Helvetica" panose="020B0604020202020204" pitchFamily="34" charset="0"/>
-              </a:rPr>
-              <a:t>Принимать в дар (обнародовать свой публичный ключ и сказать людям «пересылайте деньги по этому адресу»)</a:t>
-            </a:r>
-          </a:p>
-          <a:p>
-            <a:pPr>
-              <a:buFont typeface="Helvetica" panose="020B0604020202020204" pitchFamily="34" charset="0"/>
-              <a:buChar char="–"/>
-            </a:pPr>
-            <a:r>
-              <a:rPr lang="ru-RU" dirty="0">
-                <a:latin typeface="Helvetica" panose="020B0604020202020204" pitchFamily="34" charset="0"/>
-                <a:cs typeface="Helvetica" panose="020B0604020202020204" pitchFamily="34" charset="0"/>
-              </a:rPr>
-              <a:t>Принимать в качестве оплаты за услуги</a:t>
-            </a:r>
-          </a:p>
-          <a:p>
-            <a:pPr>
-              <a:buFont typeface="Helvetica" panose="020B0604020202020204" pitchFamily="34" charset="0"/>
-              <a:buChar char="–"/>
-            </a:pPr>
-            <a:r>
-              <a:rPr lang="ru-RU" dirty="0">
-                <a:latin typeface="Helvetica" panose="020B0604020202020204" pitchFamily="34" charset="0"/>
-                <a:cs typeface="Helvetica" panose="020B0604020202020204" pitchFamily="34" charset="0"/>
-              </a:rPr>
-              <a:t>Заняться майнингом (нереально в 2017 году)</a:t>
-            </a:r>
-          </a:p>
-          <a:p>
-            <a:pPr>
-              <a:buFont typeface="Helvetica" panose="020B0604020202020204" pitchFamily="34" charset="0"/>
-              <a:buChar char="–"/>
-            </a:pPr>
-            <a:r>
-              <a:rPr lang="ru-RU" dirty="0">
-                <a:latin typeface="Helvetica" panose="020B0604020202020204" pitchFamily="34" charset="0"/>
-                <a:cs typeface="Helvetica" panose="020B0604020202020204" pitchFamily="34" charset="0"/>
-              </a:rPr>
-              <a:t>Открыть сайт любой биржи и купить</a:t>
-            </a:r>
-          </a:p>
-          <a:p>
-            <a:endParaRPr lang="ru-RU" dirty="0"/>
-          </a:p>
-        </p:txBody>
-      </p:sp>
-    </p:spTree>
-    <p:extLst>
-      <p:ext uri="{BB962C8B-B14F-4D97-AF65-F5344CB8AC3E}">
-        <p14:creationId xmlns:p14="http://schemas.microsoft.com/office/powerpoint/2010/main" val="2035976866"/>
-      </p:ext>
-    </p:extLst>
-  </p:cSld>
-  <p:clrMapOvr>
-    <a:masterClrMapping/>
-  </p:clrMapOvr>
-</p:sld>
-</file>
-
 <file path=ppt/slides/slide26.xml><?xml version="1.0" encoding="utf-8"?>
 <p:sld xmlns:a="http://schemas.openxmlformats.org/drawingml/2006/main" xmlns:r="http://schemas.openxmlformats.org/officeDocument/2006/relationships" xmlns:p="http://schemas.openxmlformats.org/presentationml/2006/main">
   <p:cSld>
@@ -5651,7 +5981,7 @@
                 <a:latin typeface="Oswald Regular" panose="02000503000000000000" pitchFamily="2" charset="-52"/>
                 <a:cs typeface="Helvetica Neue"/>
               </a:rPr>
-              <a:t>Немного про хэш-функции</a:t>
+              <a:t>Как обзавестись биткойнами?</a:t>
             </a:r>
             <a:endParaRPr lang="ru-RU" dirty="0">
               <a:latin typeface="Oswald Regular" panose="02000503000000000000" pitchFamily="2" charset="-52"/>
@@ -5669,135 +5999,68 @@
             <p:ph idx="1"/>
           </p:nvPr>
         </p:nvSpPr>
-        <p:spPr/>
-        <p:txBody>
-          <a:bodyPr/>
-          <a:lstStyle/>
-          <a:p>
-            <a:pPr marL="0" indent="0">
-              <a:buNone/>
-            </a:pPr>
-            <a:r>
-              <a:rPr lang="ru-RU" dirty="0">
-                <a:latin typeface="Helvetica" panose="020B0604020202020204" pitchFamily="34" charset="0"/>
-                <a:cs typeface="Helvetica" panose="020B0604020202020204" pitchFamily="34" charset="0"/>
-              </a:rPr>
-              <a:t>Хэш-функцией называется функция, берущая на вход строку произвольной длины и возвращающая строку фиксированной длины, удовлетворяющая трём свойствам:</a:t>
-            </a:r>
-          </a:p>
-          <a:p>
-            <a:pPr lvl="1">
+        <p:spPr>
+          <a:xfrm>
+            <a:off x="838200" y="1825625"/>
+            <a:ext cx="10871200" cy="4351338"/>
+          </a:xfrm>
+        </p:spPr>
+        <p:txBody>
+          <a:bodyPr/>
+          <a:lstStyle/>
+          <a:p>
+            <a:pPr>
               <a:buFont typeface="Helvetica" panose="020B0604020202020204" pitchFamily="34" charset="0"/>
               <a:buChar char="–"/>
             </a:pPr>
             <a:r>
-              <a:rPr lang="ru-RU" sz="2800" dirty="0">
-                <a:latin typeface="Helvetica" panose="020B0604020202020204" pitchFamily="34" charset="0"/>
-                <a:cs typeface="Helvetica" panose="020B0604020202020204" pitchFamily="34" charset="0"/>
-              </a:rPr>
-              <a:t>Невозможность восстановить </a:t>
-            </a:r>
-            <a:r>
-              <a:rPr lang="en-US" sz="2800" dirty="0">
-                <a:latin typeface="Helvetica" panose="020B0604020202020204" pitchFamily="34" charset="0"/>
-                <a:cs typeface="Helvetica" panose="020B0604020202020204" pitchFamily="34" charset="0"/>
-              </a:rPr>
-              <a:t>input (</a:t>
-            </a:r>
-            <a:r>
-              <a:rPr lang="ru-RU" sz="2800" dirty="0">
-                <a:latin typeface="Helvetica" panose="020B0604020202020204" pitchFamily="34" charset="0"/>
-                <a:cs typeface="Helvetica" panose="020B0604020202020204" pitchFamily="34" charset="0"/>
-              </a:rPr>
-              <a:t>исходную строку</a:t>
-            </a:r>
-            <a:r>
-              <a:rPr lang="en-US" sz="2800" dirty="0">
-                <a:latin typeface="Helvetica" panose="020B0604020202020204" pitchFamily="34" charset="0"/>
-                <a:cs typeface="Helvetica" panose="020B0604020202020204" pitchFamily="34" charset="0"/>
-              </a:rPr>
-              <a:t>, </a:t>
-            </a:r>
-            <a:r>
-              <a:rPr lang="ru-RU" sz="2800" dirty="0">
-                <a:latin typeface="Helvetica" panose="020B0604020202020204" pitchFamily="34" charset="0"/>
-                <a:cs typeface="Helvetica" panose="020B0604020202020204" pitchFamily="34" charset="0"/>
-              </a:rPr>
-              <a:t>исходный файл) по </a:t>
-            </a:r>
-            <a:r>
-              <a:rPr lang="en-US" sz="2800" dirty="0">
-                <a:latin typeface="Helvetica" panose="020B0604020202020204" pitchFamily="34" charset="0"/>
-                <a:cs typeface="Helvetica" panose="020B0604020202020204" pitchFamily="34" charset="0"/>
-              </a:rPr>
-              <a:t>output’</a:t>
-            </a:r>
-            <a:r>
-              <a:rPr lang="ru-RU" sz="2800" dirty="0">
-                <a:latin typeface="Helvetica" panose="020B0604020202020204" pitchFamily="34" charset="0"/>
-                <a:cs typeface="Helvetica" panose="020B0604020202020204" pitchFamily="34" charset="0"/>
-              </a:rPr>
-              <a:t>у.</a:t>
-            </a:r>
-          </a:p>
-          <a:p>
-            <a:pPr lvl="1">
+              <a:rPr lang="ru-RU" dirty="0">
+                <a:latin typeface="Helvetica" panose="020B0604020202020204" pitchFamily="34" charset="0"/>
+                <a:cs typeface="Helvetica" panose="020B0604020202020204" pitchFamily="34" charset="0"/>
+              </a:rPr>
+              <a:t> Принимать в дар (обнародовать свой публичный ключ и сказать людям «пересылайте деньги по этому адресу»)</a:t>
+            </a:r>
+          </a:p>
+          <a:p>
+            <a:pPr>
               <a:buFont typeface="Helvetica" panose="020B0604020202020204" pitchFamily="34" charset="0"/>
               <a:buChar char="–"/>
             </a:pPr>
             <a:r>
-              <a:rPr lang="ru-RU" sz="2800" dirty="0">
-                <a:latin typeface="Helvetica" panose="020B0604020202020204" pitchFamily="34" charset="0"/>
-                <a:cs typeface="Helvetica" panose="020B0604020202020204" pitchFamily="34" charset="0"/>
-              </a:rPr>
-              <a:t>При незначительно отличающемся </a:t>
-            </a:r>
-            <a:r>
-              <a:rPr lang="en-US" sz="2800" dirty="0">
-                <a:latin typeface="Helvetica" panose="020B0604020202020204" pitchFamily="34" charset="0"/>
-                <a:cs typeface="Helvetica" panose="020B0604020202020204" pitchFamily="34" charset="0"/>
-              </a:rPr>
-              <a:t>input’</a:t>
-            </a:r>
-            <a:r>
-              <a:rPr lang="ru-RU" sz="2800" dirty="0">
-                <a:latin typeface="Helvetica" panose="020B0604020202020204" pitchFamily="34" charset="0"/>
-                <a:cs typeface="Helvetica" panose="020B0604020202020204" pitchFamily="34" charset="0"/>
-              </a:rPr>
-              <a:t>е совершенно разный </a:t>
-            </a:r>
-            <a:r>
-              <a:rPr lang="en-US" sz="2800" dirty="0">
-                <a:latin typeface="Helvetica" panose="020B0604020202020204" pitchFamily="34" charset="0"/>
-                <a:cs typeface="Helvetica" panose="020B0604020202020204" pitchFamily="34" charset="0"/>
-              </a:rPr>
-              <a:t>output</a:t>
-            </a:r>
-            <a:r>
-              <a:rPr lang="ru-RU" sz="2800" dirty="0">
-                <a:latin typeface="Helvetica" panose="020B0604020202020204" pitchFamily="34" charset="0"/>
-                <a:cs typeface="Helvetica" panose="020B0604020202020204" pitchFamily="34" charset="0"/>
-              </a:rPr>
-              <a:t>.</a:t>
-            </a:r>
-          </a:p>
-          <a:p>
-            <a:pPr lvl="1">
+              <a:rPr lang="ru-RU" dirty="0">
+                <a:latin typeface="Helvetica" panose="020B0604020202020204" pitchFamily="34" charset="0"/>
+                <a:cs typeface="Helvetica" panose="020B0604020202020204" pitchFamily="34" charset="0"/>
+              </a:rPr>
+              <a:t> Принимать в качестве оплаты за услуги</a:t>
+            </a:r>
+          </a:p>
+          <a:p>
+            <a:pPr>
               <a:buFont typeface="Helvetica" panose="020B0604020202020204" pitchFamily="34" charset="0"/>
               <a:buChar char="–"/>
             </a:pPr>
             <a:r>
-              <a:rPr lang="ru-RU" sz="2800" dirty="0">
-                <a:latin typeface="Helvetica" panose="020B0604020202020204" pitchFamily="34" charset="0"/>
-                <a:cs typeface="Helvetica" panose="020B0604020202020204" pitchFamily="34" charset="0"/>
-              </a:rPr>
-              <a:t>Отсутствие коллизий.</a:t>
-            </a:r>
-          </a:p>
-          <a:p>
-            <a:pPr marL="0" indent="0">
-              <a:buNone/>
-            </a:pPr>
+              <a:rPr lang="ru-RU" dirty="0">
+                <a:latin typeface="Helvetica" panose="020B0604020202020204" pitchFamily="34" charset="0"/>
+                <a:cs typeface="Helvetica" panose="020B0604020202020204" pitchFamily="34" charset="0"/>
+              </a:rPr>
+              <a:t> Заняться майнингом (нереально в 2017 году)</a:t>
+            </a:r>
+          </a:p>
+          <a:p>
+            <a:pPr>
+              <a:buFont typeface="Helvetica" panose="020B0604020202020204" pitchFamily="34" charset="0"/>
+              <a:buChar char="–"/>
+            </a:pPr>
+            <a:r>
+              <a:rPr lang="ru-RU" dirty="0">
+                <a:latin typeface="Helvetica" panose="020B0604020202020204" pitchFamily="34" charset="0"/>
+                <a:cs typeface="Helvetica" panose="020B0604020202020204" pitchFamily="34" charset="0"/>
+              </a:rPr>
+              <a:t> Открыть сайт любой биржи и купить</a:t>
+            </a:r>
+          </a:p>
+          <a:p>
             <a:endParaRPr lang="ru-RU" dirty="0"/>
           </a:p>
         </p:txBody>
@@ -5805,7 +6068,7 @@
     </p:spTree>
     <p:extLst>
       <p:ext uri="{BB962C8B-B14F-4D97-AF65-F5344CB8AC3E}">
-        <p14:creationId xmlns:p14="http://schemas.microsoft.com/office/powerpoint/2010/main" val="3428257397"/>
+        <p14:creationId xmlns:p14="http://schemas.microsoft.com/office/powerpoint/2010/main" val="2035976866"/>
       </p:ext>
     </p:extLst>
   </p:cSld>
@@ -5851,7 +6114,7 @@
               <a:rPr lang="ru-RU" dirty="0">
                 <a:latin typeface="Oswald Regular" panose="02000503000000000000" pitchFamily="2" charset="-52"/>
               </a:rPr>
-              <a:t>Немного про хэш-функции</a:t>
+              <a:t>Как оповестить сеть о новой транзакции?</a:t>
             </a:r>
           </a:p>
         </p:txBody>
@@ -5866,274 +6129,110 @@
             <p:ph idx="1"/>
           </p:nvPr>
         </p:nvSpPr>
-        <p:spPr>
-          <a:xfrm>
-            <a:off x="838200" y="1825625"/>
-            <a:ext cx="11353800" cy="4351338"/>
-          </a:xfrm>
-        </p:spPr>
-        <p:txBody>
-          <a:bodyPr/>
-          <a:lstStyle/>
-          <a:p>
-            <a:pPr marL="0" indent="0">
-              <a:buNone/>
-            </a:pPr>
-            <a:r>
-              <a:rPr lang="ru-RU" dirty="0">
-                <a:latin typeface="Helvetica" panose="020B0604020202020204" pitchFamily="34" charset="0"/>
-                <a:cs typeface="Helvetica" panose="020B0604020202020204" pitchFamily="34" charset="0"/>
-              </a:rPr>
-              <a:t>К</a:t>
-            </a:r>
-            <a:r>
-              <a:rPr lang="en-US" dirty="0">
-                <a:latin typeface="Helvetica" panose="020B0604020202020204" pitchFamily="34" charset="0"/>
-                <a:cs typeface="Helvetica" panose="020B0604020202020204" pitchFamily="34" charset="0"/>
-              </a:rPr>
-              <a:t> </a:t>
-            </a:r>
-            <a:r>
-              <a:rPr lang="en-US" dirty="0" err="1">
-                <a:latin typeface="Helvetica" panose="020B0604020202020204" pitchFamily="34" charset="0"/>
-                <a:cs typeface="Helvetica" panose="020B0604020202020204" pitchFamily="34" charset="0"/>
-              </a:rPr>
-              <a:t>пример</a:t>
-            </a:r>
-            <a:r>
-              <a:rPr lang="ru-RU" dirty="0">
-                <a:latin typeface="Helvetica" panose="020B0604020202020204" pitchFamily="34" charset="0"/>
-                <a:cs typeface="Helvetica" panose="020B0604020202020204" pitchFamily="34" charset="0"/>
-              </a:rPr>
-              <a:t>у</a:t>
-            </a:r>
-            <a:r>
-              <a:rPr lang="en-US" dirty="0">
-                <a:latin typeface="Helvetica" panose="020B0604020202020204" pitchFamily="34" charset="0"/>
-                <a:cs typeface="Helvetica" panose="020B0604020202020204" pitchFamily="34" charset="0"/>
-              </a:rPr>
-              <a:t>, SHA3-хэш </a:t>
-            </a:r>
-            <a:r>
-              <a:rPr lang="en-US" dirty="0" err="1">
-                <a:latin typeface="Helvetica" panose="020B0604020202020204" pitchFamily="34" charset="0"/>
-                <a:cs typeface="Helvetica" panose="020B0604020202020204" pitchFamily="34" charset="0"/>
-              </a:rPr>
-              <a:t>от</a:t>
-            </a:r>
-            <a:r>
-              <a:rPr lang="en-US" dirty="0">
-                <a:latin typeface="Helvetica" panose="020B0604020202020204" pitchFamily="34" charset="0"/>
-                <a:cs typeface="Helvetica" panose="020B0604020202020204" pitchFamily="34" charset="0"/>
-              </a:rPr>
-              <a:t> "Saturday" </a:t>
-            </a:r>
-            <a:r>
-              <a:rPr lang="en-US" dirty="0" err="1">
-                <a:latin typeface="Helvetica" panose="020B0604020202020204" pitchFamily="34" charset="0"/>
-                <a:cs typeface="Helvetica" panose="020B0604020202020204" pitchFamily="34" charset="0"/>
-              </a:rPr>
-              <a:t>даёт</a:t>
-            </a:r>
-            <a:r>
-              <a:rPr lang="en-US" dirty="0">
-                <a:latin typeface="Helvetica" panose="020B0604020202020204" pitchFamily="34" charset="0"/>
-                <a:cs typeface="Helvetica" panose="020B0604020202020204" pitchFamily="34" charset="0"/>
-              </a:rPr>
-              <a:t> c38bbc8e93c09f6ed3fe39b5135da91ad1a99d397ef16948606cdcbd14929f9d</a:t>
-            </a:r>
-            <a:r>
-              <a:rPr lang="ru-RU" dirty="0">
-                <a:latin typeface="Helvetica" panose="020B0604020202020204" pitchFamily="34" charset="0"/>
-                <a:cs typeface="Helvetica" panose="020B0604020202020204" pitchFamily="34" charset="0"/>
-              </a:rPr>
-              <a:t>.</a:t>
-            </a:r>
-          </a:p>
-          <a:p>
-            <a:pPr marL="0" indent="0">
-              <a:buNone/>
-            </a:pPr>
-            <a:r>
-              <a:rPr lang="ru-RU" dirty="0">
-                <a:latin typeface="Helvetica" panose="020B0604020202020204" pitchFamily="34" charset="0"/>
-                <a:cs typeface="Helvetica" panose="020B0604020202020204" pitchFamily="34" charset="0"/>
-              </a:rPr>
-              <a:t>В</a:t>
-            </a:r>
-            <a:r>
-              <a:rPr lang="en-US" dirty="0">
-                <a:latin typeface="Helvetica" panose="020B0604020202020204" pitchFamily="34" charset="0"/>
-                <a:cs typeface="Helvetica" panose="020B0604020202020204" pitchFamily="34" charset="0"/>
-              </a:rPr>
-              <a:t> </a:t>
-            </a:r>
-            <a:r>
-              <a:rPr lang="en-US" dirty="0" err="1">
-                <a:latin typeface="Helvetica" panose="020B0604020202020204" pitchFamily="34" charset="0"/>
-                <a:cs typeface="Helvetica" panose="020B0604020202020204" pitchFamily="34" charset="0"/>
-              </a:rPr>
-              <a:t>то</a:t>
-            </a:r>
-            <a:r>
-              <a:rPr lang="en-US" dirty="0">
-                <a:latin typeface="Helvetica" panose="020B0604020202020204" pitchFamily="34" charset="0"/>
-                <a:cs typeface="Helvetica" panose="020B0604020202020204" pitchFamily="34" charset="0"/>
-              </a:rPr>
-              <a:t> </a:t>
-            </a:r>
-            <a:r>
-              <a:rPr lang="en-US" dirty="0" err="1">
-                <a:latin typeface="Helvetica" panose="020B0604020202020204" pitchFamily="34" charset="0"/>
-                <a:cs typeface="Helvetica" panose="020B0604020202020204" pitchFamily="34" charset="0"/>
-              </a:rPr>
-              <a:t>время</a:t>
-            </a:r>
-            <a:r>
-              <a:rPr lang="en-US" dirty="0">
-                <a:latin typeface="Helvetica" panose="020B0604020202020204" pitchFamily="34" charset="0"/>
-                <a:cs typeface="Helvetica" panose="020B0604020202020204" pitchFamily="34" charset="0"/>
-              </a:rPr>
-              <a:t> </a:t>
-            </a:r>
-            <a:r>
-              <a:rPr lang="en-US" dirty="0" err="1">
-                <a:latin typeface="Helvetica" panose="020B0604020202020204" pitchFamily="34" charset="0"/>
-                <a:cs typeface="Helvetica" panose="020B0604020202020204" pitchFamily="34" charset="0"/>
-              </a:rPr>
-              <a:t>как</a:t>
-            </a:r>
-            <a:r>
-              <a:rPr lang="en-US" dirty="0">
-                <a:latin typeface="Helvetica" panose="020B0604020202020204" pitchFamily="34" charset="0"/>
-                <a:cs typeface="Helvetica" panose="020B0604020202020204" pitchFamily="34" charset="0"/>
-              </a:rPr>
-              <a:t> </a:t>
-            </a:r>
-            <a:r>
-              <a:rPr lang="en-US" dirty="0" err="1">
-                <a:latin typeface="Helvetica" panose="020B0604020202020204" pitchFamily="34" charset="0"/>
-                <a:cs typeface="Helvetica" panose="020B0604020202020204" pitchFamily="34" charset="0"/>
-              </a:rPr>
-              <a:t>та</a:t>
-            </a:r>
-            <a:r>
-              <a:rPr lang="en-US" dirty="0">
-                <a:latin typeface="Helvetica" panose="020B0604020202020204" pitchFamily="34" charset="0"/>
-                <a:cs typeface="Helvetica" panose="020B0604020202020204" pitchFamily="34" charset="0"/>
-              </a:rPr>
-              <a:t> </a:t>
-            </a:r>
-            <a:r>
-              <a:rPr lang="en-US" dirty="0" err="1">
-                <a:latin typeface="Helvetica" panose="020B0604020202020204" pitchFamily="34" charset="0"/>
-                <a:cs typeface="Helvetica" panose="020B0604020202020204" pitchFamily="34" charset="0"/>
-              </a:rPr>
-              <a:t>же</a:t>
-            </a:r>
-            <a:r>
-              <a:rPr lang="en-US" dirty="0">
-                <a:latin typeface="Helvetica" panose="020B0604020202020204" pitchFamily="34" charset="0"/>
-                <a:cs typeface="Helvetica" panose="020B0604020202020204" pitchFamily="34" charset="0"/>
-              </a:rPr>
-              <a:t> </a:t>
-            </a:r>
-            <a:r>
-              <a:rPr lang="en-US" dirty="0" err="1">
-                <a:latin typeface="Helvetica" panose="020B0604020202020204" pitchFamily="34" charset="0"/>
-                <a:cs typeface="Helvetica" panose="020B0604020202020204" pitchFamily="34" charset="0"/>
-              </a:rPr>
-              <a:t>хэш-функция</a:t>
-            </a:r>
-            <a:r>
-              <a:rPr lang="en-US" dirty="0">
-                <a:latin typeface="Helvetica" panose="020B0604020202020204" pitchFamily="34" charset="0"/>
-                <a:cs typeface="Helvetica" panose="020B0604020202020204" pitchFamily="34" charset="0"/>
-              </a:rPr>
-              <a:t> SHA3, </a:t>
-            </a:r>
-            <a:r>
-              <a:rPr lang="en-US" dirty="0" err="1">
-                <a:latin typeface="Helvetica" panose="020B0604020202020204" pitchFamily="34" charset="0"/>
-                <a:cs typeface="Helvetica" panose="020B0604020202020204" pitchFamily="34" charset="0"/>
-              </a:rPr>
-              <a:t>взятая</a:t>
-            </a:r>
-            <a:r>
-              <a:rPr lang="en-US" dirty="0">
-                <a:latin typeface="Helvetica" panose="020B0604020202020204" pitchFamily="34" charset="0"/>
-                <a:cs typeface="Helvetica" panose="020B0604020202020204" pitchFamily="34" charset="0"/>
-              </a:rPr>
-              <a:t> </a:t>
-            </a:r>
-            <a:r>
-              <a:rPr lang="en-US" dirty="0" err="1">
-                <a:latin typeface="Helvetica" panose="020B0604020202020204" pitchFamily="34" charset="0"/>
-                <a:cs typeface="Helvetica" panose="020B0604020202020204" pitchFamily="34" charset="0"/>
-              </a:rPr>
-              <a:t>от</a:t>
-            </a:r>
-            <a:r>
-              <a:rPr lang="en-US" dirty="0">
-                <a:latin typeface="Helvetica" panose="020B0604020202020204" pitchFamily="34" charset="0"/>
-                <a:cs typeface="Helvetica" panose="020B0604020202020204" pitchFamily="34" charset="0"/>
-              </a:rPr>
-              <a:t> "</a:t>
-            </a:r>
-            <a:r>
-              <a:rPr lang="en-US" dirty="0" err="1">
-                <a:latin typeface="Helvetica" panose="020B0604020202020204" pitchFamily="34" charset="0"/>
-                <a:cs typeface="Helvetica" panose="020B0604020202020204" pitchFamily="34" charset="0"/>
-              </a:rPr>
-              <a:t>Caturday</a:t>
-            </a:r>
-            <a:r>
-              <a:rPr lang="en-US" dirty="0">
-                <a:latin typeface="Helvetica" panose="020B0604020202020204" pitchFamily="34" charset="0"/>
-                <a:cs typeface="Helvetica" panose="020B0604020202020204" pitchFamily="34" charset="0"/>
-              </a:rPr>
-              <a:t>", </a:t>
-            </a:r>
-            <a:r>
-              <a:rPr lang="en-US" dirty="0" err="1">
-                <a:latin typeface="Helvetica" panose="020B0604020202020204" pitchFamily="34" charset="0"/>
-                <a:cs typeface="Helvetica" panose="020B0604020202020204" pitchFamily="34" charset="0"/>
-              </a:rPr>
-              <a:t>приводит</a:t>
-            </a:r>
-            <a:r>
-              <a:rPr lang="en-US" dirty="0">
-                <a:latin typeface="Helvetica" panose="020B0604020202020204" pitchFamily="34" charset="0"/>
-                <a:cs typeface="Helvetica" panose="020B0604020202020204" pitchFamily="34" charset="0"/>
-              </a:rPr>
-              <a:t> к </a:t>
-            </a:r>
-            <a:r>
-              <a:rPr lang="en-US" dirty="0" err="1">
-                <a:latin typeface="Helvetica" panose="020B0604020202020204" pitchFamily="34" charset="0"/>
-                <a:cs typeface="Helvetica" panose="020B0604020202020204" pitchFamily="34" charset="0"/>
-              </a:rPr>
-              <a:t>результату</a:t>
-            </a:r>
-            <a:r>
-              <a:rPr lang="en-US" dirty="0">
-                <a:latin typeface="Helvetica" panose="020B0604020202020204" pitchFamily="34" charset="0"/>
-                <a:cs typeface="Helvetica" panose="020B0604020202020204" pitchFamily="34" charset="0"/>
-              </a:rPr>
-              <a:t> b4013c0eed56d5a0b448b02ec1d10dd18c1b3832068fbbdc65b98fa9b14b6dbf</a:t>
-            </a:r>
-            <a:r>
-              <a:rPr lang="ru-RU" dirty="0">
-                <a:latin typeface="Helvetica" panose="020B0604020202020204" pitchFamily="34" charset="0"/>
-                <a:cs typeface="Helvetica" panose="020B0604020202020204" pitchFamily="34" charset="0"/>
-              </a:rPr>
-              <a:t>.</a:t>
-            </a:r>
-          </a:p>
-          <a:p>
-            <a:pPr marL="0" indent="0">
-              <a:buNone/>
-            </a:pPr>
+        <p:spPr/>
+        <p:txBody>
+          <a:bodyPr/>
+          <a:lstStyle/>
+          <a:p>
+            <a:pPr>
+              <a:buFont typeface="Helvetica" panose="020B0604020202020204" pitchFamily="34" charset="0"/>
+              <a:buChar char="–"/>
+            </a:pPr>
+            <a:r>
+              <a:rPr lang="ru-RU" dirty="0">
+                <a:latin typeface="Helvetica" panose="020B0604020202020204" pitchFamily="34" charset="0"/>
+                <a:cs typeface="Helvetica" panose="020B0604020202020204" pitchFamily="34" charset="0"/>
+              </a:rPr>
+              <a:t> Децентрализованного способа нет</a:t>
+            </a:r>
+          </a:p>
+          <a:p>
+            <a:pPr>
+              <a:buFont typeface="Helvetica" panose="020B0604020202020204" pitchFamily="34" charset="0"/>
+              <a:buChar char="–"/>
+            </a:pPr>
+            <a:r>
+              <a:rPr lang="ru-RU" dirty="0">
+                <a:latin typeface="Helvetica" panose="020B0604020202020204" pitchFamily="34" charset="0"/>
+                <a:cs typeface="Helvetica" panose="020B0604020202020204" pitchFamily="34" charset="0"/>
+              </a:rPr>
+              <a:t> Есть доверенные адреса:</a:t>
+            </a:r>
+          </a:p>
+          <a:p>
+            <a:pPr marL="800100" lvl="2" indent="-342900">
+              <a:spcBef>
+                <a:spcPts val="1000"/>
+              </a:spcBef>
+            </a:pPr>
+            <a:r>
+              <a:rPr lang="en-US" sz="2400" dirty="0">
+                <a:latin typeface="Helvetica" panose="020B0604020202020204" pitchFamily="34" charset="0"/>
+                <a:cs typeface="Helvetica" panose="020B0604020202020204" pitchFamily="34" charset="0"/>
+              </a:rPr>
+              <a:t>bitseed.xf2.org</a:t>
+            </a:r>
+          </a:p>
+          <a:p>
+            <a:pPr marL="800100" lvl="2" indent="-342900">
+              <a:spcBef>
+                <a:spcPts val="1000"/>
+              </a:spcBef>
+            </a:pPr>
+            <a:r>
+              <a:rPr lang="en-US" sz="2400" dirty="0">
+                <a:latin typeface="Helvetica" panose="020B0604020202020204" pitchFamily="34" charset="0"/>
+                <a:cs typeface="Helvetica" panose="020B0604020202020204" pitchFamily="34" charset="0"/>
+              </a:rPr>
+              <a:t>dnsseed.bluematt.me</a:t>
+            </a:r>
+          </a:p>
+          <a:p>
+            <a:pPr marL="800100" lvl="2" indent="-342900">
+              <a:spcBef>
+                <a:spcPts val="1000"/>
+              </a:spcBef>
+            </a:pPr>
+            <a:r>
+              <a:rPr lang="en-US" sz="2400" dirty="0">
+                <a:latin typeface="Helvetica" panose="020B0604020202020204" pitchFamily="34" charset="0"/>
+                <a:cs typeface="Helvetica" panose="020B0604020202020204" pitchFamily="34" charset="0"/>
+              </a:rPr>
+              <a:t>seed.bitcoin.sipa.be</a:t>
+            </a:r>
+          </a:p>
+          <a:p>
+            <a:pPr marL="800100" lvl="2" indent="-342900">
+              <a:spcBef>
+                <a:spcPts val="1000"/>
+              </a:spcBef>
+            </a:pPr>
+            <a:r>
+              <a:rPr lang="en-US" sz="2400" dirty="0">
+                <a:latin typeface="Helvetica" panose="020B0604020202020204" pitchFamily="34" charset="0"/>
+                <a:cs typeface="Helvetica" panose="020B0604020202020204" pitchFamily="34" charset="0"/>
+              </a:rPr>
+              <a:t>dnsseed.bitcoin.dashjr.org</a:t>
+            </a:r>
+          </a:p>
+          <a:p>
+            <a:pPr marL="800100" lvl="2" indent="-342900">
+              <a:spcBef>
+                <a:spcPts val="1000"/>
+              </a:spcBef>
+            </a:pPr>
+            <a:r>
+              <a:rPr lang="en-US" sz="2400" dirty="0">
+                <a:latin typeface="Helvetica" panose="020B0604020202020204" pitchFamily="34" charset="0"/>
+                <a:cs typeface="Helvetica" panose="020B0604020202020204" pitchFamily="34" charset="0"/>
+              </a:rPr>
+              <a:t>seed.bitcoinstats.com</a:t>
+            </a:r>
+          </a:p>
+          <a:p>
+            <a:endParaRPr lang="ru-RU" dirty="0"/>
+          </a:p>
+          <a:p>
             <a:endParaRPr lang="ru-RU" dirty="0"/>
           </a:p>
         </p:txBody>
@@ -6141,7 +6240,7 @@
     </p:spTree>
     <p:extLst>
       <p:ext uri="{BB962C8B-B14F-4D97-AF65-F5344CB8AC3E}">
-        <p14:creationId xmlns:p14="http://schemas.microsoft.com/office/powerpoint/2010/main" val="2041218826"/>
+        <p14:creationId xmlns:p14="http://schemas.microsoft.com/office/powerpoint/2010/main" val="473962764"/>
       </p:ext>
     </p:extLst>
   </p:cSld>
@@ -6187,113 +6286,44 @@
               <a:rPr lang="ru-RU" dirty="0">
                 <a:latin typeface="Oswald Regular" panose="02000503000000000000" pitchFamily="2" charset="-52"/>
               </a:rPr>
-              <a:t>Майнинг	</a:t>
-            </a:r>
-          </a:p>
-        </p:txBody>
-      </p:sp>
-      <p:sp>
-        <p:nvSpPr>
-          <p:cNvPr id="3" name="Объект 2"/>
-          <p:cNvSpPr>
-            <a:spLocks noGrp="1"/>
-          </p:cNvSpPr>
+              <a:t>Электронная подпись</a:t>
+            </a:r>
+          </a:p>
+        </p:txBody>
+      </p:sp>
+      <p:pic>
+        <p:nvPicPr>
+          <p:cNvPr id="4" name="Объект 3"/>
+          <p:cNvPicPr>
+            <a:picLocks noGrp="1" noChangeAspect="1"/>
+          </p:cNvPicPr>
           <p:nvPr>
             <p:ph idx="1"/>
           </p:nvPr>
-        </p:nvSpPr>
-        <p:spPr/>
-        <p:txBody>
-          <a:bodyPr>
-            <a:normAutofit/>
-          </a:bodyPr>
-          <a:lstStyle/>
-          <a:p>
-            <a:pPr marL="0" indent="0">
-              <a:buNone/>
-            </a:pPr>
-            <a:r>
-              <a:rPr lang="ru-RU" dirty="0">
-                <a:latin typeface="Helvetica" panose="020B0604020202020204" pitchFamily="34" charset="0"/>
-                <a:cs typeface="Helvetica" panose="020B0604020202020204" pitchFamily="34" charset="0"/>
-              </a:rPr>
-              <a:t>Майнер перебором ищет такое число </a:t>
-            </a:r>
-            <a:r>
-              <a:rPr lang="en-US" dirty="0">
-                <a:latin typeface="Helvetica" panose="020B0604020202020204" pitchFamily="34" charset="0"/>
-                <a:cs typeface="Helvetica" panose="020B0604020202020204" pitchFamily="34" charset="0"/>
-              </a:rPr>
-              <a:t>nonce (</a:t>
-            </a:r>
-            <a:r>
-              <a:rPr lang="ru-RU" dirty="0">
-                <a:latin typeface="Helvetica" panose="020B0604020202020204" pitchFamily="34" charset="0"/>
-                <a:cs typeface="Helvetica" panose="020B0604020202020204" pitchFamily="34" charset="0"/>
-              </a:rPr>
-              <a:t>от английского «</a:t>
-            </a:r>
-            <a:r>
-              <a:rPr lang="en-US" dirty="0">
-                <a:latin typeface="Helvetica" panose="020B0604020202020204" pitchFamily="34" charset="0"/>
-                <a:cs typeface="Helvetica" panose="020B0604020202020204" pitchFamily="34" charset="0"/>
-              </a:rPr>
-              <a:t>number used once</a:t>
-            </a:r>
-            <a:r>
-              <a:rPr lang="ru-RU" dirty="0">
-                <a:latin typeface="Helvetica" panose="020B0604020202020204" pitchFamily="34" charset="0"/>
-                <a:cs typeface="Helvetica" panose="020B0604020202020204" pitchFamily="34" charset="0"/>
-              </a:rPr>
-              <a:t>»</a:t>
-            </a:r>
-            <a:r>
-              <a:rPr lang="en-US" dirty="0">
-                <a:latin typeface="Helvetica" panose="020B0604020202020204" pitchFamily="34" charset="0"/>
-                <a:cs typeface="Helvetica" panose="020B0604020202020204" pitchFamily="34" charset="0"/>
-              </a:rPr>
-              <a:t>), </a:t>
-            </a:r>
-            <a:r>
-              <a:rPr lang="ru-RU" dirty="0">
-                <a:latin typeface="Helvetica" panose="020B0604020202020204" pitchFamily="34" charset="0"/>
-                <a:cs typeface="Helvetica" panose="020B0604020202020204" pitchFamily="34" charset="0"/>
-              </a:rPr>
-              <a:t>что </a:t>
-            </a:r>
-            <a:endParaRPr lang="en-US" dirty="0">
-              <a:latin typeface="Helvetica" panose="020B0604020202020204" pitchFamily="34" charset="0"/>
-              <a:cs typeface="Helvetica" panose="020B0604020202020204" pitchFamily="34" charset="0"/>
-            </a:endParaRPr>
-          </a:p>
-          <a:p>
-            <a:pPr marL="0" indent="0" algn="ctr">
-              <a:buNone/>
-            </a:pPr>
-            <a:r>
-              <a:rPr lang="en-US" b="1" dirty="0">
-                <a:latin typeface="Helvetica" panose="020B0604020202020204" pitchFamily="34" charset="0"/>
-                <a:cs typeface="Helvetica" panose="020B0604020202020204" pitchFamily="34" charset="0"/>
-              </a:rPr>
-              <a:t>hash(nonce)  &lt;  target</a:t>
-            </a:r>
-            <a:endParaRPr lang="ru-RU" b="1" dirty="0">
-              <a:latin typeface="Helvetica" panose="020B0604020202020204" pitchFamily="34" charset="0"/>
-              <a:cs typeface="Helvetica" panose="020B0604020202020204" pitchFamily="34" charset="0"/>
-            </a:endParaRPr>
-          </a:p>
-          <a:p>
-            <a:pPr marL="0" indent="0">
-              <a:buNone/>
-            </a:pPr>
-            <a:endParaRPr lang="ru-RU" dirty="0"/>
-          </a:p>
-        </p:txBody>
-      </p:sp>
+        </p:nvPicPr>
+        <p:blipFill>
+          <a:blip r:embed="rId2">
+            <a:extLst>
+              <a:ext uri="{28A0092B-C50C-407E-A947-70E740481C1C}">
+                <a14:useLocalDpi xmlns:a14="http://schemas.microsoft.com/office/drawing/2010/main" val="0"/>
+              </a:ext>
+            </a:extLst>
+          </a:blip>
+          <a:stretch>
+            <a:fillRect/>
+          </a:stretch>
+        </p:blipFill>
+        <p:spPr>
+          <a:xfrm>
+            <a:off x="838200" y="1415211"/>
+            <a:ext cx="9759043" cy="4885010"/>
+          </a:xfrm>
+        </p:spPr>
+      </p:pic>
     </p:spTree>
     <p:extLst>
       <p:ext uri="{BB962C8B-B14F-4D97-AF65-F5344CB8AC3E}">
-        <p14:creationId xmlns:p14="http://schemas.microsoft.com/office/powerpoint/2010/main" val="1176494170"/>
+        <p14:creationId xmlns:p14="http://schemas.microsoft.com/office/powerpoint/2010/main" val="665169472"/>
       </p:ext>
     </p:extLst>
   </p:cSld>
@@ -6339,151 +6369,44 @@
               <a:rPr lang="ru-RU" dirty="0">
                 <a:latin typeface="Oswald Regular" panose="02000503000000000000" pitchFamily="2" charset="-52"/>
               </a:rPr>
-              <a:t>Майнинг (на самом деле)</a:t>
-            </a:r>
-          </a:p>
-        </p:txBody>
-      </p:sp>
-      <p:sp>
-        <p:nvSpPr>
-          <p:cNvPr id="3" name="Объект 2"/>
-          <p:cNvSpPr>
-            <a:spLocks noGrp="1"/>
-          </p:cNvSpPr>
+              <a:t>О шифровании</a:t>
+            </a:r>
+          </a:p>
+        </p:txBody>
+      </p:sp>
+      <p:pic>
+        <p:nvPicPr>
+          <p:cNvPr id="4" name="Объект 3"/>
+          <p:cNvPicPr>
+            <a:picLocks noGrp="1" noChangeAspect="1"/>
+          </p:cNvPicPr>
           <p:nvPr>
             <p:ph idx="1"/>
           </p:nvPr>
-        </p:nvSpPr>
-        <p:spPr/>
-        <p:txBody>
-          <a:bodyPr/>
-          <a:lstStyle/>
-          <a:p>
-            <a:pPr marL="0" indent="0">
-              <a:buNone/>
-            </a:pPr>
-            <a:r>
-              <a:rPr lang="ru-RU" dirty="0">
-                <a:latin typeface="Helvetica" panose="020B0604020202020204" pitchFamily="34" charset="0"/>
-                <a:cs typeface="Helvetica" panose="020B0604020202020204" pitchFamily="34" charset="0"/>
-              </a:rPr>
-              <a:t>Майнер перебором ищет такое число </a:t>
-            </a:r>
-            <a:r>
-              <a:rPr lang="en-US" dirty="0">
-                <a:latin typeface="Helvetica" panose="020B0604020202020204" pitchFamily="34" charset="0"/>
-                <a:cs typeface="Helvetica" panose="020B0604020202020204" pitchFamily="34" charset="0"/>
-              </a:rPr>
-              <a:t>nonce          (</a:t>
-            </a:r>
-            <a:r>
-              <a:rPr lang="ru-RU" dirty="0">
-                <a:latin typeface="Helvetica" panose="020B0604020202020204" pitchFamily="34" charset="0"/>
-                <a:cs typeface="Helvetica" panose="020B0604020202020204" pitchFamily="34" charset="0"/>
-              </a:rPr>
-              <a:t>от английского «</a:t>
-            </a:r>
-            <a:r>
-              <a:rPr lang="en-US" dirty="0">
-                <a:latin typeface="Helvetica" panose="020B0604020202020204" pitchFamily="34" charset="0"/>
-                <a:cs typeface="Helvetica" panose="020B0604020202020204" pitchFamily="34" charset="0"/>
-              </a:rPr>
-              <a:t>number used once</a:t>
-            </a:r>
-            <a:r>
-              <a:rPr lang="ru-RU" dirty="0">
-                <a:latin typeface="Helvetica" panose="020B0604020202020204" pitchFamily="34" charset="0"/>
-                <a:cs typeface="Helvetica" panose="020B0604020202020204" pitchFamily="34" charset="0"/>
-              </a:rPr>
-              <a:t>»</a:t>
-            </a:r>
-            <a:r>
-              <a:rPr lang="en-US" dirty="0">
-                <a:latin typeface="Helvetica" panose="020B0604020202020204" pitchFamily="34" charset="0"/>
-                <a:cs typeface="Helvetica" panose="020B0604020202020204" pitchFamily="34" charset="0"/>
-              </a:rPr>
-              <a:t>), </a:t>
-            </a:r>
-            <a:r>
-              <a:rPr lang="ru-RU" dirty="0">
-                <a:latin typeface="Helvetica" panose="020B0604020202020204" pitchFamily="34" charset="0"/>
-                <a:cs typeface="Helvetica" panose="020B0604020202020204" pitchFamily="34" charset="0"/>
-              </a:rPr>
-              <a:t>что </a:t>
-            </a:r>
-            <a:endParaRPr lang="en-US" dirty="0">
-              <a:latin typeface="Helvetica" panose="020B0604020202020204" pitchFamily="34" charset="0"/>
-              <a:cs typeface="Helvetica" panose="020B0604020202020204" pitchFamily="34" charset="0"/>
-            </a:endParaRPr>
-          </a:p>
-          <a:p>
-            <a:pPr marL="0" indent="0" algn="ctr">
-              <a:buNone/>
-            </a:pPr>
-            <a:r>
-              <a:rPr lang="en-US" b="1" dirty="0">
-                <a:latin typeface="Helvetica" panose="020B0604020202020204" pitchFamily="34" charset="0"/>
-                <a:cs typeface="Helvetica" panose="020B0604020202020204" pitchFamily="34" charset="0"/>
-              </a:rPr>
-              <a:t>sha256(sha256(</a:t>
-            </a:r>
-            <a:r>
-              <a:rPr lang="en-US" b="1" dirty="0" err="1">
-                <a:latin typeface="Helvetica" panose="020B0604020202020204" pitchFamily="34" charset="0"/>
-                <a:cs typeface="Helvetica" panose="020B0604020202020204" pitchFamily="34" charset="0"/>
-              </a:rPr>
-              <a:t>version|hash_prev|merkle_root_hash|timestamp|bits|nonce</a:t>
-            </a:r>
-            <a:r>
-              <a:rPr lang="en-US" b="1" dirty="0">
-                <a:latin typeface="Helvetica" panose="020B0604020202020204" pitchFamily="34" charset="0"/>
-                <a:cs typeface="Helvetica" panose="020B0604020202020204" pitchFamily="34" charset="0"/>
-              </a:rPr>
-              <a:t>))  &lt;  target</a:t>
-            </a:r>
-            <a:endParaRPr lang="ru-RU" b="1" dirty="0">
-              <a:latin typeface="Helvetica" panose="020B0604020202020204" pitchFamily="34" charset="0"/>
-              <a:cs typeface="Helvetica" panose="020B0604020202020204" pitchFamily="34" charset="0"/>
-            </a:endParaRPr>
-          </a:p>
-          <a:p>
-            <a:pPr marL="0" indent="0">
-              <a:buNone/>
-            </a:pPr>
-            <a:r>
-              <a:rPr lang="ru-RU" dirty="0">
-                <a:latin typeface="Helvetica" panose="020B0604020202020204" pitchFamily="34" charset="0"/>
-                <a:cs typeface="Helvetica" panose="020B0604020202020204" pitchFamily="34" charset="0"/>
-              </a:rPr>
-              <a:t>где </a:t>
-            </a:r>
-            <a:r>
-              <a:rPr lang="en-US" dirty="0">
-                <a:latin typeface="Helvetica" panose="020B0604020202020204" pitchFamily="34" charset="0"/>
-                <a:cs typeface="Helvetica" panose="020B0604020202020204" pitchFamily="34" charset="0"/>
-              </a:rPr>
-              <a:t>| </a:t>
-            </a:r>
-            <a:r>
-              <a:rPr lang="ru-RU" dirty="0">
-                <a:latin typeface="Helvetica" panose="020B0604020202020204" pitchFamily="34" charset="0"/>
-                <a:cs typeface="Helvetica" panose="020B0604020202020204" pitchFamily="34" charset="0"/>
-              </a:rPr>
-              <a:t>обозначает оператор конкатенации</a:t>
-            </a:r>
-          </a:p>
-          <a:p>
-            <a:pPr marL="0" indent="0">
-              <a:buNone/>
-            </a:pPr>
-            <a:endParaRPr lang="ru-RU" dirty="0"/>
-          </a:p>
-        </p:txBody>
-      </p:sp>
+        </p:nvPicPr>
+        <p:blipFill>
+          <a:blip r:embed="rId2">
+            <a:extLst>
+              <a:ext uri="{28A0092B-C50C-407E-A947-70E740481C1C}">
+                <a14:useLocalDpi xmlns:a14="http://schemas.microsoft.com/office/drawing/2010/main" val="0"/>
+              </a:ext>
+            </a:extLst>
+          </a:blip>
+          <a:stretch>
+            <a:fillRect/>
+          </a:stretch>
+        </p:blipFill>
+        <p:spPr>
+          <a:xfrm>
+            <a:off x="838200" y="2596243"/>
+            <a:ext cx="11021378" cy="2686803"/>
+          </a:xfrm>
+        </p:spPr>
+      </p:pic>
     </p:spTree>
     <p:extLst>
       <p:ext uri="{BB962C8B-B14F-4D97-AF65-F5344CB8AC3E}">
-        <p14:creationId xmlns:p14="http://schemas.microsoft.com/office/powerpoint/2010/main" val="2539263153"/>
+        <p14:creationId xmlns:p14="http://schemas.microsoft.com/office/powerpoint/2010/main" val="438412210"/>
       </p:ext>
     </p:extLst>
   </p:cSld>
@@ -6529,19 +6452,7 @@
               <a:rPr lang="ru-RU" dirty="0">
                 <a:latin typeface="Oswald Regular" panose="02000503000000000000" pitchFamily="2" charset="-52"/>
               </a:rPr>
-              <a:t>Что сулит </a:t>
-            </a:r>
-            <a:r>
-              <a:rPr lang="ru-RU" dirty="0" err="1">
-                <a:latin typeface="Oswald Regular" panose="02000503000000000000" pitchFamily="2" charset="-52"/>
-              </a:rPr>
-              <a:t>криптоэкономика</a:t>
-            </a:r>
-            <a:r>
-              <a:rPr lang="ru-RU" dirty="0">
-                <a:latin typeface="Oswald Regular" panose="02000503000000000000" pitchFamily="2" charset="-52"/>
-              </a:rPr>
-              <a:t>?</a:t>
+              <a:t>Проблемы централизации</a:t>
             </a:r>
           </a:p>
         </p:txBody>
@@ -6556,84 +6467,60 @@
             <p:ph idx="1"/>
           </p:nvPr>
         </p:nvSpPr>
-        <p:spPr/>
+        <p:spPr>
+          <a:xfrm>
+            <a:off x="838200" y="1825625"/>
+            <a:ext cx="11353800" cy="4351338"/>
+          </a:xfrm>
+        </p:spPr>
         <p:txBody>
           <a:bodyPr/>
           <a:lstStyle/>
           <a:p>
             <a:pPr>
-              <a:buFontTx/>
+              <a:buFont typeface="Helvetica" panose="020B0604020202020204" pitchFamily="34" charset="0"/>
               <a:buChar char="–"/>
             </a:pPr>
             <a:r>
               <a:rPr lang="ru-RU" dirty="0">
-                <a:latin typeface="Helvetica Neue Medium"/>
-                <a:cs typeface="Helvetica Neue Medium"/>
-              </a:rPr>
-              <a:t>Уничтожение нотариата</a:t>
+                <a:latin typeface="Helvetica" panose="020B0604020202020204" pitchFamily="34" charset="0"/>
+                <a:cs typeface="Helvetica" panose="020B0604020202020204" pitchFamily="34" charset="0"/>
+              </a:rPr>
+              <a:t> Один сервер - слишком много власти в руках одной организации</a:t>
             </a:r>
           </a:p>
           <a:p>
             <a:pPr>
-              <a:buFontTx/>
+              <a:buFont typeface="Helvetica" panose="020B0604020202020204" pitchFamily="34" charset="0"/>
               <a:buChar char="–"/>
             </a:pPr>
             <a:r>
               <a:rPr lang="ru-RU" dirty="0">
-                <a:latin typeface="Helvetica Neue Medium"/>
-                <a:cs typeface="Helvetica Neue Medium"/>
-              </a:rPr>
-              <a:t>Отказ от использования бумаги при документообороте</a:t>
+                <a:latin typeface="Helvetica" panose="020B0604020202020204" pitchFamily="34" charset="0"/>
+                <a:cs typeface="Helvetica" panose="020B0604020202020204" pitchFamily="34" charset="0"/>
+              </a:rPr>
+              <a:t> Велик риск взлома и кражи данных</a:t>
             </a:r>
           </a:p>
           <a:p>
             <a:pPr>
-              <a:buFontTx/>
+              <a:buFont typeface="Helvetica" panose="020B0604020202020204" pitchFamily="34" charset="0"/>
               <a:buChar char="–"/>
             </a:pPr>
             <a:r>
               <a:rPr lang="ru-RU" dirty="0">
-                <a:latin typeface="Helvetica Neue Medium"/>
-                <a:cs typeface="Helvetica Neue Medium"/>
-              </a:rPr>
-              <a:t>Адвокаты останутся, а юристы вымрут</a:t>
-            </a:r>
-          </a:p>
-          <a:p>
-            <a:pPr>
-              <a:buFontTx/>
-              <a:buChar char="–"/>
-            </a:pPr>
-            <a:r>
-              <a:rPr lang="ru-RU" dirty="0">
-                <a:latin typeface="Helvetica Neue Medium"/>
-                <a:cs typeface="Helvetica Neue Medium"/>
-              </a:rPr>
-              <a:t>Нагрузка на судей сократится</a:t>
-            </a:r>
-          </a:p>
-          <a:p>
-            <a:pPr>
-              <a:buFontTx/>
-              <a:buChar char="–"/>
-            </a:pPr>
-            <a:r>
-              <a:rPr lang="ru-RU" dirty="0">
-                <a:latin typeface="Helvetica Neue Medium"/>
-                <a:cs typeface="Helvetica Neue Medium"/>
-              </a:rPr>
-              <a:t>Все бизнес-процессы, не связанные с творчеством, станут автоматизированными</a:t>
-            </a:r>
-          </a:p>
-          <a:p>
-            <a:endParaRPr lang="ru-RU" dirty="0"/>
+                <a:latin typeface="Helvetica" panose="020B0604020202020204" pitchFamily="34" charset="0"/>
+                <a:cs typeface="Helvetica" panose="020B0604020202020204" pitchFamily="34" charset="0"/>
+              </a:rPr>
+              <a:t> Нужно доверять управляющей организации</a:t>
+            </a:r>
           </a:p>
         </p:txBody>
       </p:sp>
     </p:spTree>
     <p:extLst>
       <p:ext uri="{BB962C8B-B14F-4D97-AF65-F5344CB8AC3E}">
-        <p14:creationId xmlns:p14="http://schemas.microsoft.com/office/powerpoint/2010/main" val="1068306449"/>
+        <p14:creationId xmlns:p14="http://schemas.microsoft.com/office/powerpoint/2010/main" val="922823611"/>
       </p:ext>
     </p:extLst>
   </p:cSld>
@@ -6646,14 +6533,6 @@
 <file path=ppt/slides/slide30.xml><?xml version="1.0" encoding="utf-8"?>
 <p:sld xmlns:a="http://schemas.openxmlformats.org/drawingml/2006/main" xmlns:r="http://schemas.openxmlformats.org/officeDocument/2006/relationships" xmlns:p="http://schemas.openxmlformats.org/presentationml/2006/main">
   <p:cSld>
-    <p:bg>
-      <p:bgPr>
-        <a:solidFill>
-          <a:schemeClr val="tx1"/>
-        </a:solidFill>
-        <a:effectLst/>
-      </p:bgPr>
-    </p:bg>
     <p:spTree>
       <p:nvGrpSpPr>
         <p:cNvPr id="1" name=""/>
@@ -6685,8 +6564,1542 @@
           <a:p>
             <a:r>
               <a:rPr lang="ru-RU" dirty="0">
+                <a:latin typeface="Oswald Regular" panose="02000503000000000000" pitchFamily="2" charset="-52"/>
+                <a:cs typeface="Helvetica Neue"/>
+              </a:rPr>
+              <a:t>Немного про хэш-функции</a:t>
+            </a:r>
+            <a:endParaRPr lang="ru-RU" dirty="0">
+              <a:latin typeface="Oswald Regular" panose="02000503000000000000" pitchFamily="2" charset="-52"/>
+            </a:endParaRPr>
+          </a:p>
+        </p:txBody>
+      </p:sp>
+      <p:sp>
+        <p:nvSpPr>
+          <p:cNvPr id="3" name="Объект 2"/>
+          <p:cNvSpPr>
+            <a:spLocks noGrp="1"/>
+          </p:cNvSpPr>
+          <p:nvPr>
+            <p:ph idx="1"/>
+          </p:nvPr>
+        </p:nvSpPr>
+        <p:spPr/>
+        <p:txBody>
+          <a:bodyPr/>
+          <a:lstStyle/>
+          <a:p>
+            <a:pPr marL="0" indent="0">
+              <a:buNone/>
+            </a:pPr>
+            <a:r>
+              <a:rPr lang="ru-RU" dirty="0">
+                <a:latin typeface="Helvetica" panose="020B0604020202020204" pitchFamily="34" charset="0"/>
+                <a:cs typeface="Helvetica" panose="020B0604020202020204" pitchFamily="34" charset="0"/>
+              </a:rPr>
+              <a:t>Хэш-функцией называется функция, берущая на вход строку произвольной длины и возвращающая строку фиксированной длины, удовлетворяющая трём свойствам:</a:t>
+            </a:r>
+          </a:p>
+          <a:p>
+            <a:pPr lvl="1">
+              <a:buFont typeface="Helvetica" panose="020B0604020202020204" pitchFamily="34" charset="0"/>
+              <a:buChar char="–"/>
+            </a:pPr>
+            <a:r>
+              <a:rPr lang="ru-RU" sz="2800" dirty="0">
+                <a:latin typeface="Helvetica" panose="020B0604020202020204" pitchFamily="34" charset="0"/>
+                <a:cs typeface="Helvetica" panose="020B0604020202020204" pitchFamily="34" charset="0"/>
+              </a:rPr>
+              <a:t>Невозможность восстановить </a:t>
+            </a:r>
+            <a:r>
+              <a:rPr lang="en-US" sz="2800" dirty="0">
+                <a:latin typeface="Helvetica" panose="020B0604020202020204" pitchFamily="34" charset="0"/>
+                <a:cs typeface="Helvetica" panose="020B0604020202020204" pitchFamily="34" charset="0"/>
+              </a:rPr>
+              <a:t>input (</a:t>
+            </a:r>
+            <a:r>
+              <a:rPr lang="ru-RU" sz="2800" dirty="0">
+                <a:latin typeface="Helvetica" panose="020B0604020202020204" pitchFamily="34" charset="0"/>
+                <a:cs typeface="Helvetica" panose="020B0604020202020204" pitchFamily="34" charset="0"/>
+              </a:rPr>
+              <a:t>исходную строку</a:t>
+            </a:r>
+            <a:r>
+              <a:rPr lang="en-US" sz="2800" dirty="0">
+                <a:latin typeface="Helvetica" panose="020B0604020202020204" pitchFamily="34" charset="0"/>
+                <a:cs typeface="Helvetica" panose="020B0604020202020204" pitchFamily="34" charset="0"/>
+              </a:rPr>
+              <a:t>, </a:t>
+            </a:r>
+            <a:r>
+              <a:rPr lang="ru-RU" sz="2800" dirty="0">
+                <a:latin typeface="Helvetica" panose="020B0604020202020204" pitchFamily="34" charset="0"/>
+                <a:cs typeface="Helvetica" panose="020B0604020202020204" pitchFamily="34" charset="0"/>
+              </a:rPr>
+              <a:t>исходный файл) по </a:t>
+            </a:r>
+            <a:r>
+              <a:rPr lang="en-US" sz="2800" dirty="0">
+                <a:latin typeface="Helvetica" panose="020B0604020202020204" pitchFamily="34" charset="0"/>
+                <a:cs typeface="Helvetica" panose="020B0604020202020204" pitchFamily="34" charset="0"/>
+              </a:rPr>
+              <a:t>output’</a:t>
+            </a:r>
+            <a:r>
+              <a:rPr lang="ru-RU" sz="2800" dirty="0">
+                <a:latin typeface="Helvetica" panose="020B0604020202020204" pitchFamily="34" charset="0"/>
+                <a:cs typeface="Helvetica" panose="020B0604020202020204" pitchFamily="34" charset="0"/>
+              </a:rPr>
+              <a:t>у</a:t>
+            </a:r>
+          </a:p>
+          <a:p>
+            <a:pPr lvl="1">
+              <a:buFont typeface="Helvetica" panose="020B0604020202020204" pitchFamily="34" charset="0"/>
+              <a:buChar char="–"/>
+            </a:pPr>
+            <a:r>
+              <a:rPr lang="ru-RU" sz="2800" dirty="0">
+                <a:latin typeface="Helvetica" panose="020B0604020202020204" pitchFamily="34" charset="0"/>
+                <a:cs typeface="Helvetica" panose="020B0604020202020204" pitchFamily="34" charset="0"/>
+              </a:rPr>
+              <a:t>При незначительно отличающемся </a:t>
+            </a:r>
+            <a:r>
+              <a:rPr lang="en-US" sz="2800" dirty="0">
+                <a:latin typeface="Helvetica" panose="020B0604020202020204" pitchFamily="34" charset="0"/>
+                <a:cs typeface="Helvetica" panose="020B0604020202020204" pitchFamily="34" charset="0"/>
+              </a:rPr>
+              <a:t>input’</a:t>
+            </a:r>
+            <a:r>
+              <a:rPr lang="ru-RU" sz="2800" dirty="0">
+                <a:latin typeface="Helvetica" panose="020B0604020202020204" pitchFamily="34" charset="0"/>
+                <a:cs typeface="Helvetica" panose="020B0604020202020204" pitchFamily="34" charset="0"/>
+              </a:rPr>
+              <a:t>е совершенно разный </a:t>
+            </a:r>
+            <a:r>
+              <a:rPr lang="en-US" sz="2800" dirty="0">
+                <a:latin typeface="Helvetica" panose="020B0604020202020204" pitchFamily="34" charset="0"/>
+                <a:cs typeface="Helvetica" panose="020B0604020202020204" pitchFamily="34" charset="0"/>
+              </a:rPr>
+              <a:t>output</a:t>
+            </a:r>
+            <a:endParaRPr lang="ru-RU" sz="2800" dirty="0">
+              <a:latin typeface="Helvetica" panose="020B0604020202020204" pitchFamily="34" charset="0"/>
+              <a:cs typeface="Helvetica" panose="020B0604020202020204" pitchFamily="34" charset="0"/>
+            </a:endParaRPr>
+          </a:p>
+          <a:p>
+            <a:pPr lvl="1">
+              <a:buFont typeface="Helvetica" panose="020B0604020202020204" pitchFamily="34" charset="0"/>
+              <a:buChar char="–"/>
+            </a:pPr>
+            <a:r>
+              <a:rPr lang="ru-RU" sz="2800" dirty="0">
+                <a:latin typeface="Helvetica" panose="020B0604020202020204" pitchFamily="34" charset="0"/>
+                <a:cs typeface="Helvetica" panose="020B0604020202020204" pitchFamily="34" charset="0"/>
+              </a:rPr>
+              <a:t>Отсутствие коллизий</a:t>
+            </a:r>
+          </a:p>
+          <a:p>
+            <a:pPr marL="0" indent="0">
+              <a:buNone/>
+            </a:pPr>
+            <a:endParaRPr lang="ru-RU" dirty="0"/>
+          </a:p>
+        </p:txBody>
+      </p:sp>
+    </p:spTree>
+    <p:extLst>
+      <p:ext uri="{BB962C8B-B14F-4D97-AF65-F5344CB8AC3E}">
+        <p14:creationId xmlns:p14="http://schemas.microsoft.com/office/powerpoint/2010/main" val="3428257397"/>
+      </p:ext>
+    </p:extLst>
+  </p:cSld>
+  <p:clrMapOvr>
+    <a:masterClrMapping/>
+  </p:clrMapOvr>
+</p:sld>
+</file>
+
+<file path=ppt/slides/slide31.xml><?xml version="1.0" encoding="utf-8"?>
+<p:sld xmlns:a="http://schemas.openxmlformats.org/drawingml/2006/main" xmlns:r="http://schemas.openxmlformats.org/officeDocument/2006/relationships" xmlns:p="http://schemas.openxmlformats.org/presentationml/2006/main">
+  <p:cSld>
+    <p:spTree>
+      <p:nvGrpSpPr>
+        <p:cNvPr id="1" name=""/>
+        <p:cNvGrpSpPr/>
+        <p:nvPr/>
+      </p:nvGrpSpPr>
+      <p:grpSpPr>
+        <a:xfrm>
+          <a:off x="0" y="0"/>
+          <a:ext cx="0" cy="0"/>
+          <a:chOff x="0" y="0"/>
+          <a:chExt cx="0" cy="0"/>
+        </a:xfrm>
+      </p:grpSpPr>
+      <p:sp>
+        <p:nvSpPr>
+          <p:cNvPr id="2" name="Заголовок 1"/>
+          <p:cNvSpPr>
+            <a:spLocks noGrp="1"/>
+          </p:cNvSpPr>
+          <p:nvPr>
+            <p:ph type="title"/>
+          </p:nvPr>
+        </p:nvSpPr>
+        <p:spPr/>
+        <p:txBody>
+          <a:bodyPr/>
+          <a:lstStyle/>
+          <a:p>
+            <a:r>
+              <a:rPr lang="ru-RU" dirty="0">
+                <a:latin typeface="Oswald Regular" panose="02000503000000000000" pitchFamily="2" charset="-52"/>
+              </a:rPr>
+              <a:t>Немного про хэш-функции</a:t>
+            </a:r>
+          </a:p>
+        </p:txBody>
+      </p:sp>
+      <p:sp>
+        <p:nvSpPr>
+          <p:cNvPr id="3" name="Объект 2"/>
+          <p:cNvSpPr>
+            <a:spLocks noGrp="1"/>
+          </p:cNvSpPr>
+          <p:nvPr>
+            <p:ph idx="1"/>
+          </p:nvPr>
+        </p:nvSpPr>
+        <p:spPr>
+          <a:xfrm>
+            <a:off x="838200" y="1825625"/>
+            <a:ext cx="11353800" cy="4351338"/>
+          </a:xfrm>
+        </p:spPr>
+        <p:txBody>
+          <a:bodyPr/>
+          <a:lstStyle/>
+          <a:p>
+            <a:pPr marL="0" indent="0">
+              <a:buNone/>
+            </a:pPr>
+            <a:r>
+              <a:rPr lang="ru-RU" dirty="0">
+                <a:latin typeface="Helvetica" panose="020B0604020202020204" pitchFamily="34" charset="0"/>
+                <a:cs typeface="Helvetica" panose="020B0604020202020204" pitchFamily="34" charset="0"/>
+              </a:rPr>
+              <a:t>К</a:t>
+            </a:r>
+            <a:r>
+              <a:rPr lang="en-US" dirty="0">
+                <a:latin typeface="Helvetica" panose="020B0604020202020204" pitchFamily="34" charset="0"/>
+                <a:cs typeface="Helvetica" panose="020B0604020202020204" pitchFamily="34" charset="0"/>
+              </a:rPr>
+              <a:t> </a:t>
+            </a:r>
+            <a:r>
+              <a:rPr lang="en-US" dirty="0" err="1">
+                <a:latin typeface="Helvetica" panose="020B0604020202020204" pitchFamily="34" charset="0"/>
+                <a:cs typeface="Helvetica" panose="020B0604020202020204" pitchFamily="34" charset="0"/>
+              </a:rPr>
+              <a:t>пример</a:t>
+            </a:r>
+            <a:r>
+              <a:rPr lang="ru-RU" dirty="0">
+                <a:latin typeface="Helvetica" panose="020B0604020202020204" pitchFamily="34" charset="0"/>
+                <a:cs typeface="Helvetica" panose="020B0604020202020204" pitchFamily="34" charset="0"/>
+              </a:rPr>
+              <a:t>у</a:t>
+            </a:r>
+            <a:r>
+              <a:rPr lang="en-US" dirty="0">
+                <a:latin typeface="Helvetica" panose="020B0604020202020204" pitchFamily="34" charset="0"/>
+                <a:cs typeface="Helvetica" panose="020B0604020202020204" pitchFamily="34" charset="0"/>
+              </a:rPr>
+              <a:t>, SHA3-хэш </a:t>
+            </a:r>
+            <a:r>
+              <a:rPr lang="en-US" dirty="0" err="1">
+                <a:latin typeface="Helvetica" panose="020B0604020202020204" pitchFamily="34" charset="0"/>
+                <a:cs typeface="Helvetica" panose="020B0604020202020204" pitchFamily="34" charset="0"/>
+              </a:rPr>
+              <a:t>от</a:t>
+            </a:r>
+            <a:r>
+              <a:rPr lang="en-US" dirty="0">
+                <a:latin typeface="Helvetica" panose="020B0604020202020204" pitchFamily="34" charset="0"/>
+                <a:cs typeface="Helvetica" panose="020B0604020202020204" pitchFamily="34" charset="0"/>
+              </a:rPr>
+              <a:t> "Saturday" </a:t>
+            </a:r>
+            <a:r>
+              <a:rPr lang="en-US" dirty="0" err="1">
+                <a:latin typeface="Helvetica" panose="020B0604020202020204" pitchFamily="34" charset="0"/>
+                <a:cs typeface="Helvetica" panose="020B0604020202020204" pitchFamily="34" charset="0"/>
+              </a:rPr>
+              <a:t>даёт</a:t>
+            </a:r>
+            <a:r>
+              <a:rPr lang="en-US" dirty="0">
+                <a:latin typeface="Helvetica" panose="020B0604020202020204" pitchFamily="34" charset="0"/>
+                <a:cs typeface="Helvetica" panose="020B0604020202020204" pitchFamily="34" charset="0"/>
+              </a:rPr>
+              <a:t> c38bbc8e93c09f6ed3fe39b5135da91ad1a99d397ef16948606cdcbd14929f9d</a:t>
+            </a:r>
+            <a:r>
+              <a:rPr lang="ru-RU" dirty="0">
+                <a:latin typeface="Helvetica" panose="020B0604020202020204" pitchFamily="34" charset="0"/>
+                <a:cs typeface="Helvetica" panose="020B0604020202020204" pitchFamily="34" charset="0"/>
+              </a:rPr>
+              <a:t>.</a:t>
+            </a:r>
+          </a:p>
+          <a:p>
+            <a:pPr marL="0" indent="0">
+              <a:buNone/>
+            </a:pPr>
+            <a:r>
+              <a:rPr lang="ru-RU" dirty="0">
+                <a:latin typeface="Helvetica" panose="020B0604020202020204" pitchFamily="34" charset="0"/>
+                <a:cs typeface="Helvetica" panose="020B0604020202020204" pitchFamily="34" charset="0"/>
+              </a:rPr>
+              <a:t>В</a:t>
+            </a:r>
+            <a:r>
+              <a:rPr lang="en-US" dirty="0">
+                <a:latin typeface="Helvetica" panose="020B0604020202020204" pitchFamily="34" charset="0"/>
+                <a:cs typeface="Helvetica" panose="020B0604020202020204" pitchFamily="34" charset="0"/>
+              </a:rPr>
+              <a:t> </a:t>
+            </a:r>
+            <a:r>
+              <a:rPr lang="en-US" dirty="0" err="1">
+                <a:latin typeface="Helvetica" panose="020B0604020202020204" pitchFamily="34" charset="0"/>
+                <a:cs typeface="Helvetica" panose="020B0604020202020204" pitchFamily="34" charset="0"/>
+              </a:rPr>
+              <a:t>то</a:t>
+            </a:r>
+            <a:r>
+              <a:rPr lang="en-US" dirty="0">
+                <a:latin typeface="Helvetica" panose="020B0604020202020204" pitchFamily="34" charset="0"/>
+                <a:cs typeface="Helvetica" panose="020B0604020202020204" pitchFamily="34" charset="0"/>
+              </a:rPr>
+              <a:t> </a:t>
+            </a:r>
+            <a:r>
+              <a:rPr lang="en-US" dirty="0" err="1">
+                <a:latin typeface="Helvetica" panose="020B0604020202020204" pitchFamily="34" charset="0"/>
+                <a:cs typeface="Helvetica" panose="020B0604020202020204" pitchFamily="34" charset="0"/>
+              </a:rPr>
+              <a:t>время</a:t>
+            </a:r>
+            <a:r>
+              <a:rPr lang="en-US" dirty="0">
+                <a:latin typeface="Helvetica" panose="020B0604020202020204" pitchFamily="34" charset="0"/>
+                <a:cs typeface="Helvetica" panose="020B0604020202020204" pitchFamily="34" charset="0"/>
+              </a:rPr>
+              <a:t> </a:t>
+            </a:r>
+            <a:r>
+              <a:rPr lang="en-US" dirty="0" err="1">
+                <a:latin typeface="Helvetica" panose="020B0604020202020204" pitchFamily="34" charset="0"/>
+                <a:cs typeface="Helvetica" panose="020B0604020202020204" pitchFamily="34" charset="0"/>
+              </a:rPr>
+              <a:t>как</a:t>
+            </a:r>
+            <a:r>
+              <a:rPr lang="en-US" dirty="0">
+                <a:latin typeface="Helvetica" panose="020B0604020202020204" pitchFamily="34" charset="0"/>
+                <a:cs typeface="Helvetica" panose="020B0604020202020204" pitchFamily="34" charset="0"/>
+              </a:rPr>
+              <a:t> </a:t>
+            </a:r>
+            <a:r>
+              <a:rPr lang="en-US" dirty="0" err="1">
+                <a:latin typeface="Helvetica" panose="020B0604020202020204" pitchFamily="34" charset="0"/>
+                <a:cs typeface="Helvetica" panose="020B0604020202020204" pitchFamily="34" charset="0"/>
+              </a:rPr>
+              <a:t>та</a:t>
+            </a:r>
+            <a:r>
+              <a:rPr lang="en-US" dirty="0">
+                <a:latin typeface="Helvetica" panose="020B0604020202020204" pitchFamily="34" charset="0"/>
+                <a:cs typeface="Helvetica" panose="020B0604020202020204" pitchFamily="34" charset="0"/>
+              </a:rPr>
+              <a:t> </a:t>
+            </a:r>
+            <a:r>
+              <a:rPr lang="en-US" dirty="0" err="1">
+                <a:latin typeface="Helvetica" panose="020B0604020202020204" pitchFamily="34" charset="0"/>
+                <a:cs typeface="Helvetica" panose="020B0604020202020204" pitchFamily="34" charset="0"/>
+              </a:rPr>
+              <a:t>же</a:t>
+            </a:r>
+            <a:r>
+              <a:rPr lang="en-US" dirty="0">
+                <a:latin typeface="Helvetica" panose="020B0604020202020204" pitchFamily="34" charset="0"/>
+                <a:cs typeface="Helvetica" panose="020B0604020202020204" pitchFamily="34" charset="0"/>
+              </a:rPr>
+              <a:t> </a:t>
+            </a:r>
+            <a:r>
+              <a:rPr lang="en-US" dirty="0" err="1">
+                <a:latin typeface="Helvetica" panose="020B0604020202020204" pitchFamily="34" charset="0"/>
+                <a:cs typeface="Helvetica" panose="020B0604020202020204" pitchFamily="34" charset="0"/>
+              </a:rPr>
+              <a:t>хэш-функция</a:t>
+            </a:r>
+            <a:r>
+              <a:rPr lang="en-US" dirty="0">
+                <a:latin typeface="Helvetica" panose="020B0604020202020204" pitchFamily="34" charset="0"/>
+                <a:cs typeface="Helvetica" panose="020B0604020202020204" pitchFamily="34" charset="0"/>
+              </a:rPr>
+              <a:t> SHA3, </a:t>
+            </a:r>
+            <a:r>
+              <a:rPr lang="en-US" dirty="0" err="1">
+                <a:latin typeface="Helvetica" panose="020B0604020202020204" pitchFamily="34" charset="0"/>
+                <a:cs typeface="Helvetica" panose="020B0604020202020204" pitchFamily="34" charset="0"/>
+              </a:rPr>
+              <a:t>взятая</a:t>
+            </a:r>
+            <a:r>
+              <a:rPr lang="en-US" dirty="0">
+                <a:latin typeface="Helvetica" panose="020B0604020202020204" pitchFamily="34" charset="0"/>
+                <a:cs typeface="Helvetica" panose="020B0604020202020204" pitchFamily="34" charset="0"/>
+              </a:rPr>
+              <a:t> </a:t>
+            </a:r>
+            <a:r>
+              <a:rPr lang="en-US" dirty="0" err="1">
+                <a:latin typeface="Helvetica" panose="020B0604020202020204" pitchFamily="34" charset="0"/>
+                <a:cs typeface="Helvetica" panose="020B0604020202020204" pitchFamily="34" charset="0"/>
+              </a:rPr>
+              <a:t>от</a:t>
+            </a:r>
+            <a:r>
+              <a:rPr lang="en-US" dirty="0">
+                <a:latin typeface="Helvetica" panose="020B0604020202020204" pitchFamily="34" charset="0"/>
+                <a:cs typeface="Helvetica" panose="020B0604020202020204" pitchFamily="34" charset="0"/>
+              </a:rPr>
+              <a:t> "</a:t>
+            </a:r>
+            <a:r>
+              <a:rPr lang="en-US" dirty="0" err="1">
+                <a:latin typeface="Helvetica" panose="020B0604020202020204" pitchFamily="34" charset="0"/>
+                <a:cs typeface="Helvetica" panose="020B0604020202020204" pitchFamily="34" charset="0"/>
+              </a:rPr>
+              <a:t>Caturday</a:t>
+            </a:r>
+            <a:r>
+              <a:rPr lang="en-US" dirty="0">
+                <a:latin typeface="Helvetica" panose="020B0604020202020204" pitchFamily="34" charset="0"/>
+                <a:cs typeface="Helvetica" panose="020B0604020202020204" pitchFamily="34" charset="0"/>
+              </a:rPr>
+              <a:t>", </a:t>
+            </a:r>
+            <a:r>
+              <a:rPr lang="en-US" dirty="0" err="1">
+                <a:latin typeface="Helvetica" panose="020B0604020202020204" pitchFamily="34" charset="0"/>
+                <a:cs typeface="Helvetica" panose="020B0604020202020204" pitchFamily="34" charset="0"/>
+              </a:rPr>
+              <a:t>приводит</a:t>
+            </a:r>
+            <a:r>
+              <a:rPr lang="en-US" dirty="0">
+                <a:latin typeface="Helvetica" panose="020B0604020202020204" pitchFamily="34" charset="0"/>
+                <a:cs typeface="Helvetica" panose="020B0604020202020204" pitchFamily="34" charset="0"/>
+              </a:rPr>
+              <a:t> к </a:t>
+            </a:r>
+            <a:r>
+              <a:rPr lang="en-US" dirty="0" err="1">
+                <a:latin typeface="Helvetica" panose="020B0604020202020204" pitchFamily="34" charset="0"/>
+                <a:cs typeface="Helvetica" panose="020B0604020202020204" pitchFamily="34" charset="0"/>
+              </a:rPr>
+              <a:t>результату</a:t>
+            </a:r>
+            <a:r>
+              <a:rPr lang="en-US" dirty="0">
+                <a:latin typeface="Helvetica" panose="020B0604020202020204" pitchFamily="34" charset="0"/>
+                <a:cs typeface="Helvetica" panose="020B0604020202020204" pitchFamily="34" charset="0"/>
+              </a:rPr>
+              <a:t> b4013c0eed56d5a0b448b02ec1d10dd18c1b3832068fbbdc65b98fa9b14b6dbf</a:t>
+            </a:r>
+            <a:r>
+              <a:rPr lang="ru-RU" dirty="0">
+                <a:latin typeface="Helvetica" panose="020B0604020202020204" pitchFamily="34" charset="0"/>
+                <a:cs typeface="Helvetica" panose="020B0604020202020204" pitchFamily="34" charset="0"/>
+              </a:rPr>
+              <a:t>.</a:t>
+            </a:r>
+          </a:p>
+          <a:p>
+            <a:pPr marL="0" indent="0">
+              <a:buNone/>
+            </a:pPr>
+            <a:endParaRPr lang="ru-RU" dirty="0"/>
+          </a:p>
+        </p:txBody>
+      </p:sp>
+    </p:spTree>
+    <p:extLst>
+      <p:ext uri="{BB962C8B-B14F-4D97-AF65-F5344CB8AC3E}">
+        <p14:creationId xmlns:p14="http://schemas.microsoft.com/office/powerpoint/2010/main" val="2041218826"/>
+      </p:ext>
+    </p:extLst>
+  </p:cSld>
+  <p:clrMapOvr>
+    <a:masterClrMapping/>
+  </p:clrMapOvr>
+</p:sld>
+</file>
+
+<file path=ppt/slides/slide32.xml><?xml version="1.0" encoding="utf-8"?>
+<p:sld xmlns:a="http://schemas.openxmlformats.org/drawingml/2006/main" xmlns:r="http://schemas.openxmlformats.org/officeDocument/2006/relationships" xmlns:p="http://schemas.openxmlformats.org/presentationml/2006/main">
+  <p:cSld>
+    <p:spTree>
+      <p:nvGrpSpPr>
+        <p:cNvPr id="1" name=""/>
+        <p:cNvGrpSpPr/>
+        <p:nvPr/>
+      </p:nvGrpSpPr>
+      <p:grpSpPr>
+        <a:xfrm>
+          <a:off x="0" y="0"/>
+          <a:ext cx="0" cy="0"/>
+          <a:chOff x="0" y="0"/>
+          <a:chExt cx="0" cy="0"/>
+        </a:xfrm>
+      </p:grpSpPr>
+      <p:sp>
+        <p:nvSpPr>
+          <p:cNvPr id="2" name="Заголовок 1"/>
+          <p:cNvSpPr>
+            <a:spLocks noGrp="1"/>
+          </p:cNvSpPr>
+          <p:nvPr>
+            <p:ph type="title"/>
+          </p:nvPr>
+        </p:nvSpPr>
+        <p:spPr/>
+        <p:txBody>
+          <a:bodyPr/>
+          <a:lstStyle/>
+          <a:p>
+            <a:r>
+              <a:rPr lang="ru-RU" dirty="0">
+                <a:latin typeface="Oswald Regular" panose="02000503000000000000" pitchFamily="2" charset="-52"/>
+              </a:rPr>
+              <a:t>Майнинг	</a:t>
+            </a:r>
+          </a:p>
+        </p:txBody>
+      </p:sp>
+      <p:sp>
+        <p:nvSpPr>
+          <p:cNvPr id="3" name="Объект 2"/>
+          <p:cNvSpPr>
+            <a:spLocks noGrp="1"/>
+          </p:cNvSpPr>
+          <p:nvPr>
+            <p:ph idx="1"/>
+          </p:nvPr>
+        </p:nvSpPr>
+        <p:spPr/>
+        <p:txBody>
+          <a:bodyPr>
+            <a:normAutofit/>
+          </a:bodyPr>
+          <a:lstStyle/>
+          <a:p>
+            <a:pPr marL="0" indent="0">
+              <a:buNone/>
+            </a:pPr>
+            <a:r>
+              <a:rPr lang="ru-RU" dirty="0">
+                <a:latin typeface="Helvetica" panose="020B0604020202020204" pitchFamily="34" charset="0"/>
+                <a:cs typeface="Helvetica" panose="020B0604020202020204" pitchFamily="34" charset="0"/>
+              </a:rPr>
+              <a:t>Майнер перебором ищет такое число </a:t>
+            </a:r>
+            <a:r>
+              <a:rPr lang="en-US" dirty="0">
+                <a:latin typeface="Helvetica" panose="020B0604020202020204" pitchFamily="34" charset="0"/>
+                <a:cs typeface="Helvetica" panose="020B0604020202020204" pitchFamily="34" charset="0"/>
+              </a:rPr>
+              <a:t>nonce (</a:t>
+            </a:r>
+            <a:r>
+              <a:rPr lang="ru-RU" dirty="0">
+                <a:latin typeface="Helvetica" panose="020B0604020202020204" pitchFamily="34" charset="0"/>
+                <a:cs typeface="Helvetica" panose="020B0604020202020204" pitchFamily="34" charset="0"/>
+              </a:rPr>
+              <a:t>от английского «</a:t>
+            </a:r>
+            <a:r>
+              <a:rPr lang="en-US" dirty="0">
+                <a:latin typeface="Helvetica" panose="020B0604020202020204" pitchFamily="34" charset="0"/>
+                <a:cs typeface="Helvetica" panose="020B0604020202020204" pitchFamily="34" charset="0"/>
+              </a:rPr>
+              <a:t>number used once</a:t>
+            </a:r>
+            <a:r>
+              <a:rPr lang="ru-RU" dirty="0">
+                <a:latin typeface="Helvetica" panose="020B0604020202020204" pitchFamily="34" charset="0"/>
+                <a:cs typeface="Helvetica" panose="020B0604020202020204" pitchFamily="34" charset="0"/>
+              </a:rPr>
+              <a:t>»</a:t>
+            </a:r>
+            <a:r>
+              <a:rPr lang="en-US" dirty="0">
+                <a:latin typeface="Helvetica" panose="020B0604020202020204" pitchFamily="34" charset="0"/>
+                <a:cs typeface="Helvetica" panose="020B0604020202020204" pitchFamily="34" charset="0"/>
+              </a:rPr>
+              <a:t>), </a:t>
+            </a:r>
+            <a:r>
+              <a:rPr lang="ru-RU" dirty="0">
+                <a:latin typeface="Helvetica" panose="020B0604020202020204" pitchFamily="34" charset="0"/>
+                <a:cs typeface="Helvetica" panose="020B0604020202020204" pitchFamily="34" charset="0"/>
+              </a:rPr>
+              <a:t>что </a:t>
+            </a:r>
+            <a:endParaRPr lang="en-US" dirty="0">
+              <a:latin typeface="Helvetica" panose="020B0604020202020204" pitchFamily="34" charset="0"/>
+              <a:cs typeface="Helvetica" panose="020B0604020202020204" pitchFamily="34" charset="0"/>
+            </a:endParaRPr>
+          </a:p>
+          <a:p>
+            <a:pPr marL="0" indent="0" algn="ctr">
+              <a:buNone/>
+            </a:pPr>
+            <a:r>
+              <a:rPr lang="en-US" b="1" dirty="0">
+                <a:latin typeface="Helvetica" panose="020B0604020202020204" pitchFamily="34" charset="0"/>
+                <a:cs typeface="Helvetica" panose="020B0604020202020204" pitchFamily="34" charset="0"/>
+              </a:rPr>
+              <a:t>hash(nonce)  &lt;  target</a:t>
+            </a:r>
+            <a:endParaRPr lang="ru-RU" b="1" dirty="0">
+              <a:latin typeface="Helvetica" panose="020B0604020202020204" pitchFamily="34" charset="0"/>
+              <a:cs typeface="Helvetica" panose="020B0604020202020204" pitchFamily="34" charset="0"/>
+            </a:endParaRPr>
+          </a:p>
+          <a:p>
+            <a:pPr marL="0" indent="0">
+              <a:buNone/>
+            </a:pPr>
+            <a:r>
+              <a:rPr lang="en-US" dirty="0">
+                <a:latin typeface="Helvetica" panose="020B0604020202020204" pitchFamily="34" charset="0"/>
+                <a:cs typeface="Helvetica" panose="020B0604020202020204" pitchFamily="34" charset="0"/>
+              </a:rPr>
+              <a:t>nonce </a:t>
+            </a:r>
+            <a:r>
+              <a:rPr lang="ru-RU" dirty="0">
+                <a:latin typeface="Helvetica" panose="020B0604020202020204" pitchFamily="34" charset="0"/>
+                <a:cs typeface="Helvetica" panose="020B0604020202020204" pitchFamily="34" charset="0"/>
+              </a:rPr>
+              <a:t>– случайное число</a:t>
+            </a:r>
+          </a:p>
+          <a:p>
+            <a:pPr marL="0" indent="0">
+              <a:buNone/>
+            </a:pPr>
+            <a:r>
+              <a:rPr lang="en-US" dirty="0">
+                <a:latin typeface="Helvetica" panose="020B0604020202020204" pitchFamily="34" charset="0"/>
+                <a:cs typeface="Helvetica" panose="020B0604020202020204" pitchFamily="34" charset="0"/>
+              </a:rPr>
+              <a:t>target – </a:t>
+            </a:r>
+            <a:r>
+              <a:rPr lang="ru-RU" dirty="0">
+                <a:latin typeface="Helvetica" panose="020B0604020202020204" pitchFamily="34" charset="0"/>
+                <a:cs typeface="Helvetica" panose="020B0604020202020204" pitchFamily="34" charset="0"/>
+              </a:rPr>
+              <a:t>256-битное число, начинающееся с очень большого количества нулей, прямо связанное со сложностью</a:t>
+            </a:r>
+            <a:r>
+              <a:rPr lang="en-US" dirty="0">
+                <a:latin typeface="Helvetica" panose="020B0604020202020204" pitchFamily="34" charset="0"/>
+                <a:cs typeface="Helvetica" panose="020B0604020202020204" pitchFamily="34" charset="0"/>
+              </a:rPr>
+              <a:t> </a:t>
+            </a:r>
+            <a:r>
+              <a:rPr lang="ru-RU" dirty="0">
+                <a:latin typeface="Helvetica" panose="020B0604020202020204" pitchFamily="34" charset="0"/>
+                <a:cs typeface="Helvetica" panose="020B0604020202020204" pitchFamily="34" charset="0"/>
+              </a:rPr>
+              <a:t>майнинга (</a:t>
+            </a:r>
+            <a:r>
+              <a:rPr lang="ru-RU" dirty="0" err="1">
+                <a:latin typeface="Helvetica" panose="020B0604020202020204" pitchFamily="34" charset="0"/>
+                <a:cs typeface="Helvetica" panose="020B0604020202020204" pitchFamily="34" charset="0"/>
+              </a:rPr>
+              <a:t>target</a:t>
+            </a:r>
+            <a:r>
+              <a:rPr lang="ru-RU" dirty="0">
+                <a:latin typeface="Helvetica" panose="020B0604020202020204" pitchFamily="34" charset="0"/>
+                <a:cs typeface="Helvetica" panose="020B0604020202020204" pitchFamily="34" charset="0"/>
+              </a:rPr>
+              <a:t> = </a:t>
+            </a:r>
+            <a:r>
+              <a:rPr lang="ru-RU" dirty="0" err="1">
+                <a:latin typeface="Helvetica" panose="020B0604020202020204" pitchFamily="34" charset="0"/>
+                <a:cs typeface="Helvetica" panose="020B0604020202020204" pitchFamily="34" charset="0"/>
+              </a:rPr>
+              <a:t>const</a:t>
+            </a:r>
+            <a:r>
+              <a:rPr lang="ru-RU" dirty="0">
+                <a:latin typeface="Helvetica" panose="020B0604020202020204" pitchFamily="34" charset="0"/>
+                <a:cs typeface="Helvetica" panose="020B0604020202020204" pitchFamily="34" charset="0"/>
+              </a:rPr>
+              <a:t>/</a:t>
+            </a:r>
+            <a:r>
+              <a:rPr lang="ru-RU" dirty="0" err="1">
+                <a:latin typeface="Helvetica" panose="020B0604020202020204" pitchFamily="34" charset="0"/>
+                <a:cs typeface="Helvetica" panose="020B0604020202020204" pitchFamily="34" charset="0"/>
+              </a:rPr>
+              <a:t>difficulty</a:t>
+            </a:r>
+            <a:r>
+              <a:rPr lang="ru-RU" dirty="0">
+                <a:latin typeface="Helvetica" panose="020B0604020202020204" pitchFamily="34" charset="0"/>
+                <a:cs typeface="Helvetica" panose="020B0604020202020204" pitchFamily="34" charset="0"/>
+              </a:rPr>
+              <a:t>) </a:t>
+            </a:r>
+          </a:p>
+          <a:p>
+            <a:pPr marL="0" indent="0">
+              <a:buNone/>
+            </a:pPr>
+            <a:endParaRPr lang="ru-RU" dirty="0"/>
+          </a:p>
+        </p:txBody>
+      </p:sp>
+    </p:spTree>
+    <p:extLst>
+      <p:ext uri="{BB962C8B-B14F-4D97-AF65-F5344CB8AC3E}">
+        <p14:creationId xmlns:p14="http://schemas.microsoft.com/office/powerpoint/2010/main" val="1176494170"/>
+      </p:ext>
+    </p:extLst>
+  </p:cSld>
+  <p:clrMapOvr>
+    <a:masterClrMapping/>
+  </p:clrMapOvr>
+</p:sld>
+</file>
+
+<file path=ppt/slides/slide33.xml><?xml version="1.0" encoding="utf-8"?>
+<p:sld xmlns:a="http://schemas.openxmlformats.org/drawingml/2006/main" xmlns:r="http://schemas.openxmlformats.org/officeDocument/2006/relationships" xmlns:p="http://schemas.openxmlformats.org/presentationml/2006/main">
+  <p:cSld>
+    <p:spTree>
+      <p:nvGrpSpPr>
+        <p:cNvPr id="1" name=""/>
+        <p:cNvGrpSpPr/>
+        <p:nvPr/>
+      </p:nvGrpSpPr>
+      <p:grpSpPr>
+        <a:xfrm>
+          <a:off x="0" y="0"/>
+          <a:ext cx="0" cy="0"/>
+          <a:chOff x="0" y="0"/>
+          <a:chExt cx="0" cy="0"/>
+        </a:xfrm>
+      </p:grpSpPr>
+      <p:sp>
+        <p:nvSpPr>
+          <p:cNvPr id="2" name="Заголовок 1"/>
+          <p:cNvSpPr>
+            <a:spLocks noGrp="1"/>
+          </p:cNvSpPr>
+          <p:nvPr>
+            <p:ph type="title"/>
+          </p:nvPr>
+        </p:nvSpPr>
+        <p:spPr/>
+        <p:txBody>
+          <a:bodyPr/>
+          <a:lstStyle/>
+          <a:p>
+            <a:r>
+              <a:rPr lang="ru-RU" dirty="0">
+                <a:latin typeface="Oswald Regular" panose="02000503000000000000" pitchFamily="2" charset="-52"/>
+              </a:rPr>
+              <a:t>Майнинг (на самом деле)</a:t>
+            </a:r>
+          </a:p>
+        </p:txBody>
+      </p:sp>
+      <p:sp>
+        <p:nvSpPr>
+          <p:cNvPr id="3" name="Объект 2"/>
+          <p:cNvSpPr>
+            <a:spLocks noGrp="1"/>
+          </p:cNvSpPr>
+          <p:nvPr>
+            <p:ph idx="1"/>
+          </p:nvPr>
+        </p:nvSpPr>
+        <p:spPr/>
+        <p:txBody>
+          <a:bodyPr/>
+          <a:lstStyle/>
+          <a:p>
+            <a:pPr marL="0" indent="0">
+              <a:buNone/>
+            </a:pPr>
+            <a:r>
+              <a:rPr lang="ru-RU" dirty="0">
+                <a:latin typeface="Helvetica" panose="020B0604020202020204" pitchFamily="34" charset="0"/>
+                <a:cs typeface="Helvetica" panose="020B0604020202020204" pitchFamily="34" charset="0"/>
+              </a:rPr>
+              <a:t>Майнер перебором ищет такое число </a:t>
+            </a:r>
+            <a:r>
+              <a:rPr lang="en-US" dirty="0">
+                <a:latin typeface="Helvetica" panose="020B0604020202020204" pitchFamily="34" charset="0"/>
+                <a:cs typeface="Helvetica" panose="020B0604020202020204" pitchFamily="34" charset="0"/>
+              </a:rPr>
+              <a:t>nonce (</a:t>
+            </a:r>
+            <a:r>
+              <a:rPr lang="ru-RU" dirty="0">
+                <a:latin typeface="Helvetica" panose="020B0604020202020204" pitchFamily="34" charset="0"/>
+                <a:cs typeface="Helvetica" panose="020B0604020202020204" pitchFamily="34" charset="0"/>
+              </a:rPr>
+              <a:t>от английского «</a:t>
+            </a:r>
+            <a:r>
+              <a:rPr lang="en-US" dirty="0">
+                <a:latin typeface="Helvetica" panose="020B0604020202020204" pitchFamily="34" charset="0"/>
+                <a:cs typeface="Helvetica" panose="020B0604020202020204" pitchFamily="34" charset="0"/>
+              </a:rPr>
+              <a:t>number used once</a:t>
+            </a:r>
+            <a:r>
+              <a:rPr lang="ru-RU" dirty="0">
+                <a:latin typeface="Helvetica" panose="020B0604020202020204" pitchFamily="34" charset="0"/>
+                <a:cs typeface="Helvetica" panose="020B0604020202020204" pitchFamily="34" charset="0"/>
+              </a:rPr>
+              <a:t>»</a:t>
+            </a:r>
+            <a:r>
+              <a:rPr lang="en-US" dirty="0">
+                <a:latin typeface="Helvetica" panose="020B0604020202020204" pitchFamily="34" charset="0"/>
+                <a:cs typeface="Helvetica" panose="020B0604020202020204" pitchFamily="34" charset="0"/>
+              </a:rPr>
+              <a:t>), </a:t>
+            </a:r>
+            <a:r>
+              <a:rPr lang="ru-RU" dirty="0">
+                <a:latin typeface="Helvetica" panose="020B0604020202020204" pitchFamily="34" charset="0"/>
+                <a:cs typeface="Helvetica" panose="020B0604020202020204" pitchFamily="34" charset="0"/>
+              </a:rPr>
+              <a:t>что </a:t>
+            </a:r>
+            <a:endParaRPr lang="en-US" dirty="0">
+              <a:latin typeface="Helvetica" panose="020B0604020202020204" pitchFamily="34" charset="0"/>
+              <a:cs typeface="Helvetica" panose="020B0604020202020204" pitchFamily="34" charset="0"/>
+            </a:endParaRPr>
+          </a:p>
+          <a:p>
+            <a:pPr marL="0" indent="0" algn="ctr">
+              <a:buNone/>
+            </a:pPr>
+            <a:r>
+              <a:rPr lang="en-US" b="1" dirty="0">
+                <a:latin typeface="Helvetica" panose="020B0604020202020204" pitchFamily="34" charset="0"/>
+                <a:cs typeface="Helvetica" panose="020B0604020202020204" pitchFamily="34" charset="0"/>
+              </a:rPr>
+              <a:t>sha256(sha256(</a:t>
+            </a:r>
+            <a:r>
+              <a:rPr lang="en-US" b="1" dirty="0" err="1">
+                <a:latin typeface="Helvetica" panose="020B0604020202020204" pitchFamily="34" charset="0"/>
+                <a:cs typeface="Helvetica" panose="020B0604020202020204" pitchFamily="34" charset="0"/>
+              </a:rPr>
+              <a:t>version|hash_prev|merkle_root_hash|timestamp|bits|nonce</a:t>
+            </a:r>
+            <a:r>
+              <a:rPr lang="en-US" b="1" dirty="0">
+                <a:latin typeface="Helvetica" panose="020B0604020202020204" pitchFamily="34" charset="0"/>
+                <a:cs typeface="Helvetica" panose="020B0604020202020204" pitchFamily="34" charset="0"/>
+              </a:rPr>
+              <a:t>))  &lt;  target</a:t>
+            </a:r>
+            <a:endParaRPr lang="ru-RU" b="1" dirty="0">
+              <a:latin typeface="Helvetica" panose="020B0604020202020204" pitchFamily="34" charset="0"/>
+              <a:cs typeface="Helvetica" panose="020B0604020202020204" pitchFamily="34" charset="0"/>
+            </a:endParaRPr>
+          </a:p>
+          <a:p>
+            <a:pPr marL="0" indent="0">
+              <a:buNone/>
+            </a:pPr>
+            <a:r>
+              <a:rPr lang="ru-RU" dirty="0">
+                <a:latin typeface="Helvetica" panose="020B0604020202020204" pitchFamily="34" charset="0"/>
+                <a:cs typeface="Helvetica" panose="020B0604020202020204" pitchFamily="34" charset="0"/>
+              </a:rPr>
+              <a:t>где </a:t>
+            </a:r>
+            <a:r>
+              <a:rPr lang="en-US" dirty="0">
+                <a:latin typeface="Helvetica" panose="020B0604020202020204" pitchFamily="34" charset="0"/>
+                <a:cs typeface="Helvetica" panose="020B0604020202020204" pitchFamily="34" charset="0"/>
+              </a:rPr>
+              <a:t>| </a:t>
+            </a:r>
+            <a:r>
+              <a:rPr lang="ru-RU" dirty="0">
+                <a:latin typeface="Helvetica" panose="020B0604020202020204" pitchFamily="34" charset="0"/>
+                <a:cs typeface="Helvetica" panose="020B0604020202020204" pitchFamily="34" charset="0"/>
+              </a:rPr>
+              <a:t>обозначает оператор конкатенации</a:t>
+            </a:r>
+          </a:p>
+          <a:p>
+            <a:pPr marL="0" indent="0">
+              <a:buNone/>
+            </a:pPr>
+            <a:endParaRPr lang="ru-RU" dirty="0"/>
+          </a:p>
+        </p:txBody>
+      </p:sp>
+    </p:spTree>
+    <p:extLst>
+      <p:ext uri="{BB962C8B-B14F-4D97-AF65-F5344CB8AC3E}">
+        <p14:creationId xmlns:p14="http://schemas.microsoft.com/office/powerpoint/2010/main" val="2539263153"/>
+      </p:ext>
+    </p:extLst>
+  </p:cSld>
+  <p:clrMapOvr>
+    <a:masterClrMapping/>
+  </p:clrMapOvr>
+</p:sld>
+</file>
+
+<file path=ppt/slides/slide34.xml><?xml version="1.0" encoding="utf-8"?>
+<p:sld xmlns:a="http://schemas.openxmlformats.org/drawingml/2006/main" xmlns:r="http://schemas.openxmlformats.org/officeDocument/2006/relationships" xmlns:p="http://schemas.openxmlformats.org/presentationml/2006/main">
+  <p:cSld>
+    <p:spTree>
+      <p:nvGrpSpPr>
+        <p:cNvPr id="1" name=""/>
+        <p:cNvGrpSpPr/>
+        <p:nvPr/>
+      </p:nvGrpSpPr>
+      <p:grpSpPr>
+        <a:xfrm>
+          <a:off x="0" y="0"/>
+          <a:ext cx="0" cy="0"/>
+          <a:chOff x="0" y="0"/>
+          <a:chExt cx="0" cy="0"/>
+        </a:xfrm>
+      </p:grpSpPr>
+      <p:sp>
+        <p:nvSpPr>
+          <p:cNvPr id="2" name="Заголовок 1"/>
+          <p:cNvSpPr>
+            <a:spLocks noGrp="1"/>
+          </p:cNvSpPr>
+          <p:nvPr>
+            <p:ph type="title"/>
+          </p:nvPr>
+        </p:nvSpPr>
+        <p:spPr/>
+        <p:txBody>
+          <a:bodyPr/>
+          <a:lstStyle/>
+          <a:p>
+            <a:r>
+              <a:rPr lang="ru-RU" dirty="0">
+                <a:latin typeface="Oswald Regular" panose="02000503000000000000" pitchFamily="2" charset="-52"/>
+                <a:cs typeface="Helvetica Neue"/>
+              </a:rPr>
+              <a:t>Сложность</a:t>
+            </a:r>
+            <a:endParaRPr lang="ru-RU" dirty="0">
+              <a:latin typeface="Oswald Regular" panose="02000503000000000000" pitchFamily="2" charset="-52"/>
+            </a:endParaRPr>
+          </a:p>
+        </p:txBody>
+      </p:sp>
+      <p:sp>
+        <p:nvSpPr>
+          <p:cNvPr id="3" name="Объект 2"/>
+          <p:cNvSpPr>
+            <a:spLocks noGrp="1"/>
+          </p:cNvSpPr>
+          <p:nvPr>
+            <p:ph idx="1"/>
+          </p:nvPr>
+        </p:nvSpPr>
+        <p:spPr/>
+        <p:txBody>
+          <a:bodyPr/>
+          <a:lstStyle/>
+          <a:p>
+            <a:pPr marL="0" indent="0">
+              <a:buNone/>
+            </a:pPr>
+            <a:r>
+              <a:rPr lang="ru-RU" dirty="0">
+                <a:latin typeface="Helvetica" panose="020B0604020202020204" pitchFamily="34" charset="0"/>
+                <a:cs typeface="Helvetica" panose="020B0604020202020204" pitchFamily="34" charset="0"/>
+              </a:rPr>
+              <a:t>Самое главное, что нужно знать – что сложность вычислений подстраивается так, чтобы какой-то счастливчик «находил блок» раз в 10 минут.</a:t>
+            </a:r>
+          </a:p>
+          <a:p>
+            <a:pPr marL="0" indent="0">
+              <a:buNone/>
+            </a:pPr>
+            <a:endParaRPr lang="ru-RU" dirty="0"/>
+          </a:p>
+        </p:txBody>
+      </p:sp>
+    </p:spTree>
+    <p:extLst>
+      <p:ext uri="{BB962C8B-B14F-4D97-AF65-F5344CB8AC3E}">
+        <p14:creationId xmlns:p14="http://schemas.microsoft.com/office/powerpoint/2010/main" val="2762381424"/>
+      </p:ext>
+    </p:extLst>
+  </p:cSld>
+  <p:clrMapOvr>
+    <a:masterClrMapping/>
+  </p:clrMapOvr>
+</p:sld>
+</file>
+
+<file path=ppt/slides/slide35.xml><?xml version="1.0" encoding="utf-8"?>
+<p:sld xmlns:a="http://schemas.openxmlformats.org/drawingml/2006/main" xmlns:r="http://schemas.openxmlformats.org/officeDocument/2006/relationships" xmlns:p="http://schemas.openxmlformats.org/presentationml/2006/main">
+  <p:cSld>
+    <p:spTree>
+      <p:nvGrpSpPr>
+        <p:cNvPr id="1" name=""/>
+        <p:cNvGrpSpPr/>
+        <p:nvPr/>
+      </p:nvGrpSpPr>
+      <p:grpSpPr>
+        <a:xfrm>
+          <a:off x="0" y="0"/>
+          <a:ext cx="0" cy="0"/>
+          <a:chOff x="0" y="0"/>
+          <a:chExt cx="0" cy="0"/>
+        </a:xfrm>
+      </p:grpSpPr>
+      <p:sp>
+        <p:nvSpPr>
+          <p:cNvPr id="2" name="Заголовок 1"/>
+          <p:cNvSpPr>
+            <a:spLocks noGrp="1"/>
+          </p:cNvSpPr>
+          <p:nvPr>
+            <p:ph type="title"/>
+          </p:nvPr>
+        </p:nvSpPr>
+        <p:spPr/>
+        <p:txBody>
+          <a:bodyPr/>
+          <a:lstStyle/>
+          <a:p>
+            <a:r>
+              <a:rPr lang="ru-RU" dirty="0">
+                <a:latin typeface="Oswald Regular" panose="02000503000000000000" pitchFamily="2" charset="-52"/>
+              </a:rPr>
+              <a:t>Заработок </a:t>
+            </a:r>
+            <a:r>
+              <a:rPr lang="ru-RU" dirty="0" err="1">
+                <a:latin typeface="Oswald Regular" panose="02000503000000000000" pitchFamily="2" charset="-52"/>
+              </a:rPr>
+              <a:t>майнера</a:t>
+            </a:r>
+            <a:endParaRPr lang="ru-RU" dirty="0">
+              <a:latin typeface="Oswald Regular" panose="02000503000000000000" pitchFamily="2" charset="-52"/>
+            </a:endParaRPr>
+          </a:p>
+        </p:txBody>
+      </p:sp>
+      <p:sp>
+        <p:nvSpPr>
+          <p:cNvPr id="3" name="Объект 2"/>
+          <p:cNvSpPr>
+            <a:spLocks noGrp="1"/>
+          </p:cNvSpPr>
+          <p:nvPr>
+            <p:ph idx="1"/>
+          </p:nvPr>
+        </p:nvSpPr>
+        <p:spPr/>
+        <p:txBody>
+          <a:bodyPr/>
+          <a:lstStyle/>
+          <a:p>
+            <a:pPr>
+              <a:buFont typeface="Helvetica" panose="020B0604020202020204" pitchFamily="34" charset="0"/>
+              <a:buChar char="–"/>
+            </a:pPr>
+            <a:r>
+              <a:rPr lang="ru-RU" dirty="0">
+                <a:latin typeface="Helvetica" panose="020B0604020202020204" pitchFamily="34" charset="0"/>
+                <a:cs typeface="Helvetica" panose="020B0604020202020204" pitchFamily="34" charset="0"/>
+              </a:rPr>
+              <a:t> Вознаграждение за блок</a:t>
+            </a:r>
+          </a:p>
+          <a:p>
+            <a:pPr>
+              <a:buFont typeface="Helvetica" panose="020B0604020202020204" pitchFamily="34" charset="0"/>
+              <a:buChar char="–"/>
+            </a:pPr>
+            <a:r>
+              <a:rPr lang="ru-RU" dirty="0">
+                <a:latin typeface="Helvetica" panose="020B0604020202020204" pitchFamily="34" charset="0"/>
+                <a:cs typeface="Helvetica" panose="020B0604020202020204" pitchFamily="34" charset="0"/>
+              </a:rPr>
+              <a:t> Комиссии</a:t>
+            </a:r>
+          </a:p>
+        </p:txBody>
+      </p:sp>
+    </p:spTree>
+    <p:extLst>
+      <p:ext uri="{BB962C8B-B14F-4D97-AF65-F5344CB8AC3E}">
+        <p14:creationId xmlns:p14="http://schemas.microsoft.com/office/powerpoint/2010/main" val="3456327145"/>
+      </p:ext>
+    </p:extLst>
+  </p:cSld>
+  <p:clrMapOvr>
+    <a:masterClrMapping/>
+  </p:clrMapOvr>
+</p:sld>
+</file>
+
+<file path=ppt/slides/slide36.xml><?xml version="1.0" encoding="utf-8"?>
+<p:sld xmlns:a="http://schemas.openxmlformats.org/drawingml/2006/main" xmlns:r="http://schemas.openxmlformats.org/officeDocument/2006/relationships" xmlns:p="http://schemas.openxmlformats.org/presentationml/2006/main">
+  <p:cSld>
+    <p:spTree>
+      <p:nvGrpSpPr>
+        <p:cNvPr id="1" name=""/>
+        <p:cNvGrpSpPr/>
+        <p:nvPr/>
+      </p:nvGrpSpPr>
+      <p:grpSpPr>
+        <a:xfrm>
+          <a:off x="0" y="0"/>
+          <a:ext cx="0" cy="0"/>
+          <a:chOff x="0" y="0"/>
+          <a:chExt cx="0" cy="0"/>
+        </a:xfrm>
+      </p:grpSpPr>
+      <p:sp>
+        <p:nvSpPr>
+          <p:cNvPr id="2" name="Заголовок 1"/>
+          <p:cNvSpPr>
+            <a:spLocks noGrp="1"/>
+          </p:cNvSpPr>
+          <p:nvPr>
+            <p:ph type="title"/>
+          </p:nvPr>
+        </p:nvSpPr>
+        <p:spPr/>
+        <p:txBody>
+          <a:bodyPr/>
+          <a:lstStyle/>
+          <a:p>
+            <a:r>
+              <a:rPr lang="ru-RU" dirty="0">
+                <a:latin typeface="Oswald Regular" panose="02000503000000000000" pitchFamily="2" charset="-52"/>
+              </a:rPr>
+              <a:t>Атака «двойная трата»</a:t>
+            </a:r>
+          </a:p>
+        </p:txBody>
+      </p:sp>
+      <p:pic>
+        <p:nvPicPr>
+          <p:cNvPr id="4" name="Объект 3"/>
+          <p:cNvPicPr>
+            <a:picLocks noGrp="1" noChangeAspect="1"/>
+          </p:cNvPicPr>
+          <p:nvPr>
+            <p:ph idx="1"/>
+          </p:nvPr>
+        </p:nvPicPr>
+        <p:blipFill>
+          <a:blip r:embed="rId2">
+            <a:extLst>
+              <a:ext uri="{28A0092B-C50C-407E-A947-70E740481C1C}">
+                <a14:useLocalDpi xmlns:a14="http://schemas.microsoft.com/office/drawing/2010/main" val="0"/>
+              </a:ext>
+            </a:extLst>
+          </a:blip>
+          <a:stretch>
+            <a:fillRect/>
+          </a:stretch>
+        </p:blipFill>
+        <p:spPr>
+          <a:xfrm>
+            <a:off x="1783132" y="1825625"/>
+            <a:ext cx="8625735" cy="4351338"/>
+          </a:xfrm>
+        </p:spPr>
+      </p:pic>
+    </p:spTree>
+    <p:extLst>
+      <p:ext uri="{BB962C8B-B14F-4D97-AF65-F5344CB8AC3E}">
+        <p14:creationId xmlns:p14="http://schemas.microsoft.com/office/powerpoint/2010/main" val="3885470382"/>
+      </p:ext>
+    </p:extLst>
+  </p:cSld>
+  <p:clrMapOvr>
+    <a:masterClrMapping/>
+  </p:clrMapOvr>
+</p:sld>
+</file>
+
+<file path=ppt/slides/slide37.xml><?xml version="1.0" encoding="utf-8"?>
+<p:sld xmlns:a="http://schemas.openxmlformats.org/drawingml/2006/main" xmlns:r="http://schemas.openxmlformats.org/officeDocument/2006/relationships" xmlns:p="http://schemas.openxmlformats.org/presentationml/2006/main">
+  <p:cSld>
+    <p:spTree>
+      <p:nvGrpSpPr>
+        <p:cNvPr id="1" name=""/>
+        <p:cNvGrpSpPr/>
+        <p:nvPr/>
+      </p:nvGrpSpPr>
+      <p:grpSpPr>
+        <a:xfrm>
+          <a:off x="0" y="0"/>
+          <a:ext cx="0" cy="0"/>
+          <a:chOff x="0" y="0"/>
+          <a:chExt cx="0" cy="0"/>
+        </a:xfrm>
+      </p:grpSpPr>
+      <p:sp>
+        <p:nvSpPr>
+          <p:cNvPr id="2" name="Заголовок 1"/>
+          <p:cNvSpPr>
+            <a:spLocks noGrp="1"/>
+          </p:cNvSpPr>
+          <p:nvPr>
+            <p:ph type="title"/>
+          </p:nvPr>
+        </p:nvSpPr>
+        <p:spPr/>
+        <p:txBody>
+          <a:bodyPr/>
+          <a:lstStyle/>
+          <a:p>
+            <a:r>
+              <a:rPr lang="ru-RU" dirty="0">
+                <a:latin typeface="Oswald Regular" panose="02000503000000000000" pitchFamily="2" charset="-52"/>
+              </a:rPr>
+              <a:t>Атака «двойная трата»</a:t>
+            </a:r>
+            <a:endParaRPr lang="ru-RU" dirty="0"/>
+          </a:p>
+        </p:txBody>
+      </p:sp>
+      <p:sp>
+        <p:nvSpPr>
+          <p:cNvPr id="3" name="Объект 2"/>
+          <p:cNvSpPr>
+            <a:spLocks noGrp="1"/>
+          </p:cNvSpPr>
+          <p:nvPr>
+            <p:ph idx="1"/>
+          </p:nvPr>
+        </p:nvSpPr>
+        <p:spPr/>
+        <p:txBody>
+          <a:bodyPr/>
+          <a:lstStyle/>
+          <a:p>
+            <a:pPr>
+              <a:buFont typeface="Helvetica" panose="020B0604020202020204" pitchFamily="34" charset="0"/>
+              <a:buChar char="–"/>
+            </a:pPr>
+            <a:r>
+              <a:rPr lang="ru-RU" dirty="0">
+                <a:latin typeface="Helvetica" panose="020B0604020202020204" pitchFamily="34" charset="0"/>
+                <a:cs typeface="Helvetica" panose="020B0604020202020204" pitchFamily="34" charset="0"/>
+              </a:rPr>
+              <a:t> Изменить размер вознаграждения за генерацию блока</a:t>
+            </a:r>
+          </a:p>
+          <a:p>
+            <a:pPr>
+              <a:buFont typeface="Helvetica" panose="020B0604020202020204" pitchFamily="34" charset="0"/>
+              <a:buChar char="–"/>
+            </a:pPr>
+            <a:r>
+              <a:rPr lang="ru-RU" dirty="0">
+                <a:latin typeface="Helvetica" panose="020B0604020202020204" pitchFamily="34" charset="0"/>
+                <a:cs typeface="Helvetica" panose="020B0604020202020204" pitchFamily="34" charset="0"/>
+              </a:rPr>
+              <a:t> Получить неограниченное количество биткойнов</a:t>
+            </a:r>
+          </a:p>
+          <a:p>
+            <a:pPr>
+              <a:buFont typeface="Helvetica" panose="020B0604020202020204" pitchFamily="34" charset="0"/>
+              <a:buChar char="–"/>
+            </a:pPr>
+            <a:r>
+              <a:rPr lang="ru-RU" dirty="0">
+                <a:latin typeface="Helvetica" panose="020B0604020202020204" pitchFamily="34" charset="0"/>
+                <a:cs typeface="Helvetica" panose="020B0604020202020204" pitchFamily="34" charset="0"/>
+              </a:rPr>
+              <a:t> Уничтожить сеть</a:t>
+            </a:r>
+          </a:p>
+          <a:p>
+            <a:pPr>
+              <a:buFont typeface="Helvetica" panose="020B0604020202020204" pitchFamily="34" charset="0"/>
+              <a:buChar char="–"/>
+            </a:pPr>
+            <a:r>
+              <a:rPr lang="ru-RU" dirty="0">
+                <a:latin typeface="Helvetica" panose="020B0604020202020204" pitchFamily="34" charset="0"/>
+                <a:cs typeface="Helvetica" panose="020B0604020202020204" pitchFamily="34" charset="0"/>
+              </a:rPr>
+              <a:t> Потратить биткойны, которые ранее не принадлежали злоумышленнику.</a:t>
+            </a:r>
+          </a:p>
+        </p:txBody>
+      </p:sp>
+    </p:spTree>
+    <p:extLst>
+      <p:ext uri="{BB962C8B-B14F-4D97-AF65-F5344CB8AC3E}">
+        <p14:creationId xmlns:p14="http://schemas.microsoft.com/office/powerpoint/2010/main" val="697699626"/>
+      </p:ext>
+    </p:extLst>
+  </p:cSld>
+  <p:clrMapOvr>
+    <a:masterClrMapping/>
+  </p:clrMapOvr>
+</p:sld>
+</file>
+
+<file path=ppt/slides/slide38.xml><?xml version="1.0" encoding="utf-8"?>
+<p:sld xmlns:a="http://schemas.openxmlformats.org/drawingml/2006/main" xmlns:r="http://schemas.openxmlformats.org/officeDocument/2006/relationships" xmlns:p="http://schemas.openxmlformats.org/presentationml/2006/main">
+  <p:cSld>
+    <p:spTree>
+      <p:nvGrpSpPr>
+        <p:cNvPr id="1" name=""/>
+        <p:cNvGrpSpPr/>
+        <p:nvPr/>
+      </p:nvGrpSpPr>
+      <p:grpSpPr>
+        <a:xfrm>
+          <a:off x="0" y="0"/>
+          <a:ext cx="0" cy="0"/>
+          <a:chOff x="0" y="0"/>
+          <a:chExt cx="0" cy="0"/>
+        </a:xfrm>
+      </p:grpSpPr>
+      <p:sp>
+        <p:nvSpPr>
+          <p:cNvPr id="2" name="Заголовок 1"/>
+          <p:cNvSpPr>
+            <a:spLocks noGrp="1"/>
+          </p:cNvSpPr>
+          <p:nvPr>
+            <p:ph type="title"/>
+          </p:nvPr>
+        </p:nvSpPr>
+        <p:spPr/>
+        <p:txBody>
+          <a:bodyPr/>
+          <a:lstStyle/>
+          <a:p>
+            <a:r>
+              <a:rPr lang="ru-RU" dirty="0">
+                <a:latin typeface="Oswald Regular" panose="02000503000000000000" pitchFamily="2" charset="-52"/>
+              </a:rPr>
+              <a:t>Раздвоение цепи</a:t>
+            </a:r>
+          </a:p>
+        </p:txBody>
+      </p:sp>
+      <p:sp>
+        <p:nvSpPr>
+          <p:cNvPr id="3" name="Объект 2"/>
+          <p:cNvSpPr>
+            <a:spLocks noGrp="1"/>
+          </p:cNvSpPr>
+          <p:nvPr>
+            <p:ph idx="1"/>
+          </p:nvPr>
+        </p:nvSpPr>
+        <p:spPr/>
+        <p:txBody>
+          <a:bodyPr>
+            <a:normAutofit/>
+          </a:bodyPr>
+          <a:lstStyle/>
+          <a:p>
+            <a:pPr>
+              <a:buFont typeface="Helvetica" panose="020B0604020202020204" pitchFamily="34" charset="0"/>
+              <a:buChar char="–"/>
+            </a:pPr>
+            <a:r>
+              <a:rPr lang="ru-RU" dirty="0">
+                <a:latin typeface="Helvetica" panose="020B0604020202020204" pitchFamily="34" charset="0"/>
+                <a:cs typeface="Helvetica" panose="020B0604020202020204" pitchFamily="34" charset="0"/>
+              </a:rPr>
+              <a:t> Сеть выбирает самую длинную цепочку</a:t>
+            </a:r>
+          </a:p>
+          <a:p>
+            <a:pPr>
+              <a:buFont typeface="Helvetica" panose="020B0604020202020204" pitchFamily="34" charset="0"/>
+              <a:buChar char="–"/>
+            </a:pPr>
+            <a:r>
+              <a:rPr lang="ru-RU" dirty="0">
+                <a:latin typeface="Helvetica" panose="020B0604020202020204" pitchFamily="34" charset="0"/>
+                <a:cs typeface="Helvetica" panose="020B0604020202020204" pitchFamily="34" charset="0"/>
+              </a:rPr>
+              <a:t> Можно считать транзакцию окончательной после 6 подтверждений (6 блоков над блоком с транзакцией) </a:t>
+            </a:r>
+          </a:p>
+          <a:p>
+            <a:pPr>
+              <a:buFont typeface="Helvetica" panose="020B0604020202020204" pitchFamily="34" charset="0"/>
+              <a:buChar char="–"/>
+            </a:pPr>
+            <a:r>
+              <a:rPr lang="ru-RU" dirty="0">
+                <a:latin typeface="Helvetica" panose="020B0604020202020204" pitchFamily="34" charset="0"/>
+                <a:cs typeface="Helvetica" panose="020B0604020202020204" pitchFamily="34" charset="0"/>
+              </a:rPr>
+              <a:t> </a:t>
+            </a:r>
+            <a:r>
+              <a:rPr lang="ru-RU" dirty="0" err="1">
+                <a:latin typeface="Helvetica" panose="020B0604020202020204" pitchFamily="34" charset="0"/>
+                <a:cs typeface="Helvetica" panose="020B0604020202020204" pitchFamily="34" charset="0"/>
+              </a:rPr>
+              <a:t>Майнеры</a:t>
+            </a:r>
+            <a:r>
+              <a:rPr lang="ru-RU" dirty="0">
+                <a:latin typeface="Helvetica" panose="020B0604020202020204" pitchFamily="34" charset="0"/>
+                <a:cs typeface="Helvetica" panose="020B0604020202020204" pitchFamily="34" charset="0"/>
+              </a:rPr>
+              <a:t> “голосуют” за правильный блок своей вычислительной мощностью</a:t>
+            </a:r>
+          </a:p>
+        </p:txBody>
+      </p:sp>
+      <p:pic>
+        <p:nvPicPr>
+          <p:cNvPr id="4" name="Рисунок 3"/>
+          <p:cNvPicPr>
+            <a:picLocks noChangeAspect="1"/>
+          </p:cNvPicPr>
+          <p:nvPr/>
+        </p:nvPicPr>
+        <p:blipFill>
+          <a:blip r:embed="rId2">
+            <a:extLst>
+              <a:ext uri="{28A0092B-C50C-407E-A947-70E740481C1C}">
+                <a14:useLocalDpi xmlns:a14="http://schemas.microsoft.com/office/drawing/2010/main" val="0"/>
+              </a:ext>
+            </a:extLst>
+          </a:blip>
+          <a:stretch>
+            <a:fillRect/>
+          </a:stretch>
+        </p:blipFill>
+        <p:spPr>
+          <a:xfrm>
+            <a:off x="10027616" y="593595"/>
+            <a:ext cx="2391109" cy="5115639"/>
+          </a:xfrm>
+          <a:prstGeom prst="rect">
+            <a:avLst/>
+          </a:prstGeom>
+        </p:spPr>
+      </p:pic>
+    </p:spTree>
+    <p:extLst>
+      <p:ext uri="{BB962C8B-B14F-4D97-AF65-F5344CB8AC3E}">
+        <p14:creationId xmlns:p14="http://schemas.microsoft.com/office/powerpoint/2010/main" val="3198673205"/>
+      </p:ext>
+    </p:extLst>
+  </p:cSld>
+  <p:clrMapOvr>
+    <a:masterClrMapping/>
+  </p:clrMapOvr>
+</p:sld>
+</file>
+
+<file path=ppt/slides/slide39.xml><?xml version="1.0" encoding="utf-8"?>
+<p:sld xmlns:a="http://schemas.openxmlformats.org/drawingml/2006/main" xmlns:r="http://schemas.openxmlformats.org/officeDocument/2006/relationships" xmlns:p="http://schemas.openxmlformats.org/presentationml/2006/main">
+  <p:cSld>
+    <p:spTree>
+      <p:nvGrpSpPr>
+        <p:cNvPr id="1" name=""/>
+        <p:cNvGrpSpPr/>
+        <p:nvPr/>
+      </p:nvGrpSpPr>
+      <p:grpSpPr>
+        <a:xfrm>
+          <a:off x="0" y="0"/>
+          <a:ext cx="0" cy="0"/>
+          <a:chOff x="0" y="0"/>
+          <a:chExt cx="0" cy="0"/>
+        </a:xfrm>
+      </p:grpSpPr>
+      <p:sp>
+        <p:nvSpPr>
+          <p:cNvPr id="2" name="Заголовок 1"/>
+          <p:cNvSpPr>
+            <a:spLocks noGrp="1"/>
+          </p:cNvSpPr>
+          <p:nvPr>
+            <p:ph type="title"/>
+          </p:nvPr>
+        </p:nvSpPr>
+        <p:spPr>
+          <a:solidFill>
+            <a:schemeClr val="bg1"/>
+          </a:solidFill>
+        </p:spPr>
+        <p:txBody>
+          <a:bodyPr/>
+          <a:lstStyle/>
+          <a:p>
+            <a:r>
+              <a:rPr lang="ru-RU" dirty="0">
                 <a:solidFill>
-                  <a:srgbClr val="FFFF00"/>
+                  <a:schemeClr val="accent4">
+                    <a:lumMod val="75000"/>
+                  </a:schemeClr>
                 </a:solidFill>
                 <a:latin typeface="Oswald Regular" panose="02000503000000000000" pitchFamily="2" charset="-52"/>
               </a:rPr>
@@ -6720,9 +8133,6 @@
             </a:pPr>
             <a:r>
               <a:rPr lang="ru-RU" dirty="0">
-                <a:solidFill>
-                  <a:schemeClr val="bg1"/>
-                </a:solidFill>
                 <a:latin typeface="Helvetica" panose="020B0604020202020204" pitchFamily="34" charset="0"/>
                 <a:cs typeface="Helvetica" panose="020B0604020202020204" pitchFamily="34" charset="0"/>
               </a:rPr>
@@ -6730,9 +8140,6 @@
             </a:r>
             <a:r>
               <a:rPr lang="ru-RU" b="1" dirty="0">
-                <a:solidFill>
-                  <a:schemeClr val="bg1"/>
-                </a:solidFill>
                 <a:latin typeface="Helvetica" panose="020B0604020202020204" pitchFamily="34" charset="0"/>
                 <a:cs typeface="Helvetica" panose="020B0604020202020204" pitchFamily="34" charset="0"/>
               </a:rPr>
@@ -6740,9 +8147,6 @@
             </a:r>
             <a:r>
               <a:rPr lang="ru-RU" dirty="0">
-                <a:solidFill>
-                  <a:schemeClr val="bg1"/>
-                </a:solidFill>
                 <a:latin typeface="Helvetica" panose="020B0604020202020204" pitchFamily="34" charset="0"/>
                 <a:cs typeface="Helvetica" panose="020B0604020202020204" pitchFamily="34" charset="0"/>
               </a:rPr>
@@ -6754,9 +8158,6 @@
               <a:buNone/>
             </a:pPr>
             <a:endParaRPr lang="ru-RU" b="0" dirty="0">
-              <a:solidFill>
-                <a:schemeClr val="bg1"/>
-              </a:solidFill>
               <a:effectLst/>
               <a:latin typeface="Helvetica" panose="020B0604020202020204" pitchFamily="34" charset="0"/>
               <a:cs typeface="Helvetica" panose="020B0604020202020204" pitchFamily="34" charset="0"/>
@@ -6768,18 +8169,12 @@
             </a:pPr>
             <a:r>
               <a:rPr lang="ru-RU" dirty="0">
-                <a:solidFill>
-                  <a:schemeClr val="bg1"/>
-                </a:solidFill>
                 <a:latin typeface="Helvetica" panose="020B0604020202020204" pitchFamily="34" charset="0"/>
                 <a:cs typeface="Helvetica" panose="020B0604020202020204" pitchFamily="34" charset="0"/>
               </a:rPr>
               <a:t>Сейчас майнинг конкурентный бизнес. Люди, которые начинают заниматься майнингом, закупают огромное количество специализированного оборудования, арендуют склад, следят за тем, чтобы не было перегрузки сети.</a:t>
             </a:r>
             <a:endParaRPr lang="ru-RU" b="0" dirty="0">
-              <a:solidFill>
-                <a:schemeClr val="bg1"/>
-              </a:solidFill>
               <a:effectLst/>
               <a:latin typeface="Helvetica" panose="020B0604020202020204" pitchFamily="34" charset="0"/>
               <a:cs typeface="Helvetica" panose="020B0604020202020204" pitchFamily="34" charset="0"/>
@@ -6819,7 +8214,157 @@
 </p:sld>
 </file>
 
-<file path=ppt/slides/slide31.xml><?xml version="1.0" encoding="utf-8"?>
+<file path=ppt/slides/slide4.xml><?xml version="1.0" encoding="utf-8"?>
+<p:sld xmlns:a="http://schemas.openxmlformats.org/drawingml/2006/main" xmlns:r="http://schemas.openxmlformats.org/officeDocument/2006/relationships" xmlns:p="http://schemas.openxmlformats.org/presentationml/2006/main">
+  <p:cSld>
+    <p:spTree>
+      <p:nvGrpSpPr>
+        <p:cNvPr id="1" name=""/>
+        <p:cNvGrpSpPr/>
+        <p:nvPr/>
+      </p:nvGrpSpPr>
+      <p:grpSpPr>
+        <a:xfrm>
+          <a:off x="0" y="0"/>
+          <a:ext cx="0" cy="0"/>
+          <a:chOff x="0" y="0"/>
+          <a:chExt cx="0" cy="0"/>
+        </a:xfrm>
+      </p:grpSpPr>
+      <p:sp>
+        <p:nvSpPr>
+          <p:cNvPr id="2" name="Заголовок 1"/>
+          <p:cNvSpPr>
+            <a:spLocks noGrp="1"/>
+          </p:cNvSpPr>
+          <p:nvPr>
+            <p:ph type="title"/>
+          </p:nvPr>
+        </p:nvSpPr>
+        <p:spPr/>
+        <p:txBody>
+          <a:bodyPr/>
+          <a:lstStyle/>
+          <a:p>
+            <a:r>
+              <a:rPr lang="ru-RU" dirty="0">
+                <a:latin typeface="Oswald Regular" panose="02000503000000000000" pitchFamily="2" charset="-52"/>
+              </a:rPr>
+              <a:t>Что сулит </a:t>
+            </a:r>
+            <a:r>
+              <a:rPr lang="ru-RU" dirty="0" err="1">
+                <a:latin typeface="Oswald Regular" panose="02000503000000000000" pitchFamily="2" charset="-52"/>
+              </a:rPr>
+              <a:t>криптоэкономика</a:t>
+            </a:r>
+            <a:r>
+              <a:rPr lang="ru-RU" dirty="0">
+                <a:latin typeface="Oswald Regular" panose="02000503000000000000" pitchFamily="2" charset="-52"/>
+              </a:rPr>
+              <a:t>?</a:t>
+            </a:r>
+          </a:p>
+        </p:txBody>
+      </p:sp>
+      <p:sp>
+        <p:nvSpPr>
+          <p:cNvPr id="3" name="Объект 2"/>
+          <p:cNvSpPr>
+            <a:spLocks noGrp="1"/>
+          </p:cNvSpPr>
+          <p:nvPr>
+            <p:ph idx="1"/>
+          </p:nvPr>
+        </p:nvSpPr>
+        <p:spPr/>
+        <p:txBody>
+          <a:bodyPr/>
+          <a:lstStyle/>
+          <a:p>
+            <a:pPr>
+              <a:buFontTx/>
+              <a:buChar char="–"/>
+            </a:pPr>
+            <a:r>
+              <a:rPr lang="ru-RU" dirty="0">
+                <a:latin typeface="Helvetica Neue Medium"/>
+                <a:cs typeface="Helvetica Neue Medium"/>
+              </a:rPr>
+              <a:t> Уничтожение нотариата</a:t>
+            </a:r>
+          </a:p>
+          <a:p>
+            <a:pPr>
+              <a:buFontTx/>
+              <a:buChar char="–"/>
+            </a:pPr>
+            <a:r>
+              <a:rPr lang="ru-RU" dirty="0">
+                <a:latin typeface="Helvetica Neue Medium"/>
+                <a:cs typeface="Helvetica Neue Medium"/>
+              </a:rPr>
+              <a:t> Отказ от использования бумаги при документообороте</a:t>
+            </a:r>
+          </a:p>
+          <a:p>
+            <a:pPr>
+              <a:buFontTx/>
+              <a:buChar char="–"/>
+            </a:pPr>
+            <a:r>
+              <a:rPr lang="ru-RU" dirty="0">
+                <a:latin typeface="Helvetica Neue Medium"/>
+                <a:cs typeface="Helvetica Neue Medium"/>
+              </a:rPr>
+              <a:t> Адвокаты останутся, а юристы вымрут</a:t>
+            </a:r>
+          </a:p>
+          <a:p>
+            <a:pPr>
+              <a:buFontTx/>
+              <a:buChar char="–"/>
+            </a:pPr>
+            <a:r>
+              <a:rPr lang="ru-RU" dirty="0">
+                <a:latin typeface="Helvetica Neue Medium"/>
+                <a:cs typeface="Helvetica Neue Medium"/>
+              </a:rPr>
+              <a:t> Нагрузка на судей сократится</a:t>
+            </a:r>
+          </a:p>
+          <a:p>
+            <a:pPr>
+              <a:buFontTx/>
+              <a:buChar char="–"/>
+            </a:pPr>
+            <a:r>
+              <a:rPr lang="ru-RU" dirty="0">
+                <a:latin typeface="Helvetica Neue Medium"/>
+                <a:cs typeface="Helvetica Neue Medium"/>
+              </a:rPr>
+              <a:t> Все бизнес-процессы, не связанные с творчеством, станут      автоматизированными</a:t>
+            </a:r>
+          </a:p>
+          <a:p>
+            <a:endParaRPr lang="ru-RU" dirty="0"/>
+          </a:p>
+        </p:txBody>
+      </p:sp>
+    </p:spTree>
+    <p:extLst>
+      <p:ext uri="{BB962C8B-B14F-4D97-AF65-F5344CB8AC3E}">
+        <p14:creationId xmlns:p14="http://schemas.microsoft.com/office/powerpoint/2010/main" val="1068306449"/>
+      </p:ext>
+    </p:extLst>
+  </p:cSld>
+  <p:clrMapOvr>
+    <a:masterClrMapping/>
+  </p:clrMapOvr>
+</p:sld>
+</file>
+
+<file path=ppt/slides/slide40.xml><?xml version="1.0" encoding="utf-8"?>
 <p:sld xmlns:a="http://schemas.openxmlformats.org/drawingml/2006/main" xmlns:r="http://schemas.openxmlformats.org/officeDocument/2006/relationships" xmlns:p="http://schemas.openxmlformats.org/presentationml/2006/main">
   <p:cSld>
     <p:spTree>
@@ -6916,7 +8461,7 @@
 </p:sld>
 </file>
 
-<file path=ppt/slides/slide32.xml><?xml version="1.0" encoding="utf-8"?>
+<file path=ppt/slides/slide41.xml><?xml version="1.0" encoding="utf-8"?>
 <p:sld xmlns:a="http://schemas.openxmlformats.org/drawingml/2006/main" xmlns:r="http://schemas.openxmlformats.org/officeDocument/2006/relationships" xmlns:p="http://schemas.openxmlformats.org/presentationml/2006/main">
   <p:cSld>
     <p:spTree>
@@ -6994,7 +8539,7 @@
 </p:sld>
 </file>
 
-<file path=ppt/slides/slide33.xml><?xml version="1.0" encoding="utf-8"?>
+<file path=ppt/slides/slide42.xml><?xml version="1.0" encoding="utf-8"?>
 <p:sld xmlns:a="http://schemas.openxmlformats.org/drawingml/2006/main" xmlns:r="http://schemas.openxmlformats.org/officeDocument/2006/relationships" xmlns:p="http://schemas.openxmlformats.org/presentationml/2006/main">
   <p:cSld>
     <p:spTree>
@@ -7072,7 +8617,7 @@
 </p:sld>
 </file>
 
-<file path=ppt/slides/slide34.xml><?xml version="1.0" encoding="utf-8"?>
+<file path=ppt/slides/slide43.xml><?xml version="1.0" encoding="utf-8"?>
 <p:sld xmlns:a="http://schemas.openxmlformats.org/drawingml/2006/main" xmlns:r="http://schemas.openxmlformats.org/officeDocument/2006/relationships" xmlns:p="http://schemas.openxmlformats.org/presentationml/2006/main">
   <p:cSld>
     <p:spTree>
@@ -7168,7 +8713,7 @@
 </p:sld>
 </file>
 
-<file path=ppt/slides/slide35.xml><?xml version="1.0" encoding="utf-8"?>
+<file path=ppt/slides/slide44.xml><?xml version="1.0" encoding="utf-8"?>
 <p:sld xmlns:a="http://schemas.openxmlformats.org/drawingml/2006/main" xmlns:r="http://schemas.openxmlformats.org/officeDocument/2006/relationships" xmlns:p="http://schemas.openxmlformats.org/presentationml/2006/main">
   <p:cSld>
     <p:spTree>
@@ -7246,7 +8791,7 @@
 </p:sld>
 </file>
 
-<file path=ppt/slides/slide36.xml><?xml version="1.0" encoding="utf-8"?>
+<file path=ppt/slides/slide45.xml><?xml version="1.0" encoding="utf-8"?>
 <p:sld xmlns:a="http://schemas.openxmlformats.org/drawingml/2006/main" xmlns:r="http://schemas.openxmlformats.org/officeDocument/2006/relationships" xmlns:p="http://schemas.openxmlformats.org/presentationml/2006/main">
   <p:cSld>
     <p:spTree>
@@ -7318,8 +8863,8 @@
             </a:pPr>
             <a:r>
               <a:rPr lang="en-US" dirty="0">
-                <a:latin typeface="Helvetica Neue Medium"/>
-                <a:cs typeface="Helvetica Neue Medium"/>
+                <a:latin typeface="Helvetica" panose="020B0604020202020204" pitchFamily="34" charset="0"/>
+                <a:cs typeface="Helvetica" panose="020B0604020202020204" pitchFamily="34" charset="0"/>
               </a:rPr>
               <a:t>Application-specific integrating circuit (ASIC).</a:t>
             </a:r>
@@ -7329,8 +8874,8 @@
               <a:buNone/>
             </a:pPr>
             <a:endParaRPr lang="en-US" dirty="0">
-              <a:latin typeface="Helvetica Neue Medium"/>
-              <a:cs typeface="Helvetica Neue Medium"/>
+              <a:latin typeface="Helvetica" panose="020B0604020202020204" pitchFamily="34" charset="0"/>
+              <a:cs typeface="Helvetica" panose="020B0604020202020204" pitchFamily="34" charset="0"/>
             </a:endParaRPr>
           </a:p>
           <a:p>
@@ -7339,42 +8884,42 @@
             </a:pPr>
             <a:r>
               <a:rPr lang="en-US" dirty="0">
-                <a:latin typeface="Helvetica Neue Medium"/>
-                <a:cs typeface="Helvetica Neue Medium"/>
+                <a:latin typeface="Helvetica" panose="020B0604020202020204" pitchFamily="34" charset="0"/>
+                <a:cs typeface="Helvetica" panose="020B0604020202020204" pitchFamily="34" charset="0"/>
               </a:rPr>
               <a:t>CPU </a:t>
             </a:r>
             <a:r>
               <a:rPr lang="is-IS" dirty="0">
-                <a:latin typeface="Helvetica Neue Medium"/>
-                <a:cs typeface="Helvetica Neue Medium"/>
+                <a:latin typeface="Helvetica" panose="020B0604020202020204" pitchFamily="34" charset="0"/>
+                <a:cs typeface="Helvetica" panose="020B0604020202020204" pitchFamily="34" charset="0"/>
               </a:rPr>
               <a:t>→ GPU → </a:t>
             </a:r>
             <a:r>
               <a:rPr lang="en-US" dirty="0">
-                <a:latin typeface="Helvetica Neue Medium"/>
-                <a:cs typeface="Helvetica Neue Medium"/>
+                <a:latin typeface="Helvetica" panose="020B0604020202020204" pitchFamily="34" charset="0"/>
+                <a:cs typeface="Helvetica" panose="020B0604020202020204" pitchFamily="34" charset="0"/>
               </a:rPr>
               <a:t>FPGA </a:t>
             </a:r>
             <a:r>
               <a:rPr lang="is-IS" dirty="0">
-                <a:latin typeface="Helvetica Neue Medium"/>
-                <a:cs typeface="Helvetica Neue Medium"/>
+                <a:latin typeface="Helvetica" panose="020B0604020202020204" pitchFamily="34" charset="0"/>
+                <a:cs typeface="Helvetica" panose="020B0604020202020204" pitchFamily="34" charset="0"/>
               </a:rPr>
               <a:t>→ </a:t>
             </a:r>
             <a:r>
               <a:rPr lang="en-US" dirty="0">
-                <a:latin typeface="Helvetica Neue Medium"/>
-                <a:cs typeface="Helvetica Neue Medium"/>
+                <a:latin typeface="Helvetica" panose="020B0604020202020204" pitchFamily="34" charset="0"/>
+                <a:cs typeface="Helvetica" panose="020B0604020202020204" pitchFamily="34" charset="0"/>
               </a:rPr>
               <a:t>ASIC</a:t>
             </a:r>
             <a:endParaRPr lang="ru-RU" dirty="0">
-              <a:latin typeface="Helvetica Neue Medium"/>
-              <a:cs typeface="Helvetica Neue Medium"/>
+              <a:latin typeface="Helvetica" panose="020B0604020202020204" pitchFamily="34" charset="0"/>
+              <a:cs typeface="Helvetica" panose="020B0604020202020204" pitchFamily="34" charset="0"/>
             </a:endParaRPr>
           </a:p>
           <a:p>
@@ -7398,7 +8943,7 @@
 </p:sld>
 </file>
 
-<file path=ppt/slides/slide37.xml><?xml version="1.0" encoding="utf-8"?>
+<file path=ppt/slides/slide46.xml><?xml version="1.0" encoding="utf-8"?>
 <p:sld xmlns:a="http://schemas.openxmlformats.org/drawingml/2006/main" xmlns:r="http://schemas.openxmlformats.org/officeDocument/2006/relationships" xmlns:p="http://schemas.openxmlformats.org/presentationml/2006/main">
   <p:cSld>
     <p:spTree>
@@ -7434,17 +8979,8 @@
               <a:rPr lang="ru-RU" dirty="0">
                 <a:latin typeface="Oswald Regular" panose="02000503000000000000" pitchFamily="2" charset="-52"/>
               </a:rPr>
-              <a:t>Альтернативы </a:t>
-            </a:r>
-            <a:r>
-              <a:rPr lang="en-US" dirty="0">
-                <a:latin typeface="Oswald Regular" panose="02000503000000000000" pitchFamily="2" charset="-52"/>
-              </a:rPr>
-              <a:t>Bitcoin</a:t>
-            </a:r>
-            <a:endParaRPr lang="ru-RU" dirty="0">
-              <a:latin typeface="Oswald Regular" panose="02000503000000000000" pitchFamily="2" charset="-52"/>
-            </a:endParaRPr>
+              <a:t>Майнинг пул</a:t>
+            </a:r>
           </a:p>
         </p:txBody>
       </p:sp>
@@ -7460,7 +8996,9 @@
         </p:nvSpPr>
         <p:spPr/>
         <p:txBody>
-          <a:bodyPr/>
+          <a:bodyPr>
+            <a:normAutofit/>
+          </a:bodyPr>
           <a:lstStyle/>
           <a:p>
             <a:pPr>
@@ -7468,11 +9006,11 @@
               <a:buChar char="–"/>
             </a:pPr>
             <a:r>
-              <a:rPr lang="en-US" dirty="0">
-                <a:latin typeface="Helvetica" panose="020B0604020202020204" pitchFamily="34" charset="0"/>
-                <a:cs typeface="Helvetica" panose="020B0604020202020204" pitchFamily="34" charset="0"/>
-              </a:rPr>
-              <a:t> Dash</a:t>
+              <a:rPr lang="ru-RU" dirty="0">
+                <a:latin typeface="Helvetica" panose="020B0604020202020204" pitchFamily="34" charset="0"/>
+                <a:cs typeface="Helvetica" panose="020B0604020202020204" pitchFamily="34" charset="0"/>
+              </a:rPr>
+              <a:t> Распределение награды за блок.</a:t>
             </a:r>
           </a:p>
           <a:p>
@@ -7481,23 +9019,26 @@
               <a:buChar char="–"/>
             </a:pPr>
             <a:r>
+              <a:rPr lang="ru-RU" dirty="0">
+                <a:latin typeface="Helvetica" panose="020B0604020202020204" pitchFamily="34" charset="0"/>
+                <a:cs typeface="Helvetica" panose="020B0604020202020204" pitchFamily="34" charset="0"/>
+              </a:rPr>
+              <a:t> </a:t>
+            </a:r>
+            <a:r>
               <a:rPr lang="en-US" dirty="0">
                 <a:latin typeface="Helvetica" panose="020B0604020202020204" pitchFamily="34" charset="0"/>
                 <a:cs typeface="Helvetica" panose="020B0604020202020204" pitchFamily="34" charset="0"/>
               </a:rPr>
-              <a:t> </a:t>
-            </a:r>
-            <a:r>
-              <a:rPr lang="en-US" b="1" dirty="0" err="1">
-                <a:latin typeface="Helvetica" panose="020B0604020202020204" pitchFamily="34" charset="0"/>
-                <a:cs typeface="Helvetica" panose="020B0604020202020204" pitchFamily="34" charset="0"/>
-              </a:rPr>
-              <a:t>Ethereum</a:t>
-            </a:r>
-            <a:endParaRPr lang="en-US" b="1" dirty="0">
-              <a:latin typeface="Helvetica" panose="020B0604020202020204" pitchFamily="34" charset="0"/>
-              <a:cs typeface="Helvetica" panose="020B0604020202020204" pitchFamily="34" charset="0"/>
-            </a:endParaRPr>
+              <a:t>PROP (Proportional)</a:t>
+            </a:r>
+            <a:r>
+              <a:rPr lang="ru-RU" dirty="0">
+                <a:latin typeface="Helvetica" panose="020B0604020202020204" pitchFamily="34" charset="0"/>
+                <a:cs typeface="Helvetica" panose="020B0604020202020204" pitchFamily="34" charset="0"/>
+              </a:rPr>
+              <a:t>.</a:t>
+            </a:r>
           </a:p>
           <a:p>
             <a:pPr>
@@ -7505,167 +9046,33 @@
               <a:buChar char="–"/>
             </a:pPr>
             <a:r>
+              <a:rPr lang="ru-RU" dirty="0">
+                <a:latin typeface="Helvetica" panose="020B0604020202020204" pitchFamily="34" charset="0"/>
+                <a:cs typeface="Helvetica" panose="020B0604020202020204" pitchFamily="34" charset="0"/>
+              </a:rPr>
+              <a:t> </a:t>
+            </a:r>
+            <a:r>
               <a:rPr lang="en-US" dirty="0">
                 <a:latin typeface="Helvetica" panose="020B0604020202020204" pitchFamily="34" charset="0"/>
                 <a:cs typeface="Helvetica" panose="020B0604020202020204" pitchFamily="34" charset="0"/>
               </a:rPr>
-              <a:t> Dogecoin</a:t>
-            </a:r>
-          </a:p>
-          <a:p>
-            <a:pPr>
-              <a:buFont typeface="Helvetica" panose="020B0604020202020204" pitchFamily="34" charset="0"/>
-              <a:buChar char="–"/>
-            </a:pPr>
-            <a:r>
-              <a:rPr lang="en-US" dirty="0">
-                <a:latin typeface="Helvetica" panose="020B0604020202020204" pitchFamily="34" charset="0"/>
-                <a:cs typeface="Helvetica" panose="020B0604020202020204" pitchFamily="34" charset="0"/>
-              </a:rPr>
-              <a:t> </a:t>
-            </a:r>
-            <a:r>
-              <a:rPr lang="ru-RU" dirty="0">
-                <a:latin typeface="Helvetica" panose="020B0604020202020204" pitchFamily="34" charset="0"/>
-                <a:cs typeface="Helvetica" panose="020B0604020202020204" pitchFamily="34" charset="0"/>
-              </a:rPr>
-              <a:t>NXT (“окрашенные” монеты и</a:t>
-            </a:r>
-            <a:r>
-              <a:rPr lang="en-US" dirty="0">
-                <a:latin typeface="Helvetica" panose="020B0604020202020204" pitchFamily="34" charset="0"/>
-                <a:cs typeface="Helvetica" panose="020B0604020202020204" pitchFamily="34" charset="0"/>
-              </a:rPr>
-              <a:t> </a:t>
-            </a:r>
-            <a:r>
-              <a:rPr lang="ru-RU" dirty="0">
-                <a:latin typeface="Helvetica" panose="020B0604020202020204" pitchFamily="34" charset="0"/>
-                <a:cs typeface="Helvetica" panose="020B0604020202020204" pitchFamily="34" charset="0"/>
-              </a:rPr>
-              <a:t>децентрализованный обмен)</a:t>
-            </a:r>
-            <a:endParaRPr lang="en-US" dirty="0">
-              <a:latin typeface="Helvetica" panose="020B0604020202020204" pitchFamily="34" charset="0"/>
-              <a:cs typeface="Helvetica" panose="020B0604020202020204" pitchFamily="34" charset="0"/>
-            </a:endParaRPr>
-          </a:p>
-          <a:p>
-            <a:pPr>
-              <a:buFont typeface="Helvetica" panose="020B0604020202020204" pitchFamily="34" charset="0"/>
-              <a:buChar char="–"/>
-            </a:pPr>
-            <a:r>
-              <a:rPr lang="en-US" dirty="0">
-                <a:latin typeface="Helvetica" panose="020B0604020202020204" pitchFamily="34" charset="0"/>
-                <a:cs typeface="Helvetica" panose="020B0604020202020204" pitchFamily="34" charset="0"/>
-              </a:rPr>
-              <a:t> </a:t>
-            </a:r>
-            <a:r>
-              <a:rPr lang="ru-RU" dirty="0">
-                <a:latin typeface="Helvetica" panose="020B0604020202020204" pitchFamily="34" charset="0"/>
-                <a:cs typeface="Helvetica" panose="020B0604020202020204" pitchFamily="34" charset="0"/>
-              </a:rPr>
-              <a:t>L</a:t>
-            </a:r>
-            <a:r>
-              <a:rPr lang="en-US" dirty="0" err="1">
-                <a:latin typeface="Helvetica" panose="020B0604020202020204" pitchFamily="34" charset="0"/>
-                <a:cs typeface="Helvetica" panose="020B0604020202020204" pitchFamily="34" charset="0"/>
-              </a:rPr>
-              <a:t>itecoin</a:t>
-            </a:r>
-            <a:r>
-              <a:rPr lang="ru-RU" dirty="0">
-                <a:latin typeface="Helvetica" panose="020B0604020202020204" pitchFamily="34" charset="0"/>
-                <a:cs typeface="Helvetica" panose="020B0604020202020204" pitchFamily="34" charset="0"/>
-              </a:rPr>
-              <a:t> (</a:t>
-            </a:r>
-            <a:r>
-              <a:rPr lang="en-US" dirty="0">
-                <a:latin typeface="Helvetica" panose="020B0604020202020204" pitchFamily="34" charset="0"/>
-                <a:cs typeface="Helvetica" panose="020B0604020202020204" pitchFamily="34" charset="0"/>
-              </a:rPr>
-              <a:t>block time = 2.5 minutes; 84 </a:t>
-            </a:r>
-            <a:r>
-              <a:rPr lang="ru-RU" dirty="0">
-                <a:latin typeface="Helvetica" panose="020B0604020202020204" pitchFamily="34" charset="0"/>
-                <a:cs typeface="Helvetica" panose="020B0604020202020204" pitchFamily="34" charset="0"/>
-              </a:rPr>
-              <a:t>миллиона монет</a:t>
-            </a:r>
-            <a:r>
-              <a:rPr lang="en-US" dirty="0">
-                <a:latin typeface="Helvetica" panose="020B0604020202020204" pitchFamily="34" charset="0"/>
-                <a:cs typeface="Helvetica" panose="020B0604020202020204" pitchFamily="34" charset="0"/>
-              </a:rPr>
-              <a:t>;</a:t>
-            </a:r>
-            <a:r>
-              <a:rPr lang="ru-RU" dirty="0">
-                <a:latin typeface="Helvetica" panose="020B0604020202020204" pitchFamily="34" charset="0"/>
-                <a:cs typeface="Helvetica" panose="020B0604020202020204" pitchFamily="34" charset="0"/>
-              </a:rPr>
-              <a:t> хэш-</a:t>
-            </a:r>
-            <a:r>
-              <a:rPr lang="en-US" dirty="0">
-                <a:latin typeface="Helvetica" panose="020B0604020202020204" pitchFamily="34" charset="0"/>
-                <a:cs typeface="Helvetica" panose="020B0604020202020204" pitchFamily="34" charset="0"/>
-              </a:rPr>
-              <a:t>  </a:t>
-            </a:r>
-            <a:r>
-              <a:rPr lang="ru-RU" dirty="0">
-                <a:latin typeface="Helvetica" panose="020B0604020202020204" pitchFamily="34" charset="0"/>
-                <a:cs typeface="Helvetica" panose="020B0604020202020204" pitchFamily="34" charset="0"/>
-              </a:rPr>
-              <a:t>функция не </a:t>
-            </a:r>
-            <a:r>
-              <a:rPr lang="en-US" dirty="0">
-                <a:latin typeface="Helvetica" panose="020B0604020202020204" pitchFamily="34" charset="0"/>
-                <a:cs typeface="Helvetica" panose="020B0604020202020204" pitchFamily="34" charset="0"/>
-              </a:rPr>
-              <a:t>sha256, </a:t>
-            </a:r>
-            <a:r>
-              <a:rPr lang="ru-RU" dirty="0">
-                <a:latin typeface="Helvetica" panose="020B0604020202020204" pitchFamily="34" charset="0"/>
-                <a:cs typeface="Helvetica" panose="020B0604020202020204" pitchFamily="34" charset="0"/>
-              </a:rPr>
-              <a:t>а </a:t>
-            </a:r>
-            <a:r>
-              <a:rPr lang="en-US" dirty="0" err="1">
-                <a:latin typeface="Helvetica" panose="020B0604020202020204" pitchFamily="34" charset="0"/>
-                <a:cs typeface="Helvetica" panose="020B0604020202020204" pitchFamily="34" charset="0"/>
-              </a:rPr>
-              <a:t>scrypt</a:t>
-            </a:r>
-            <a:r>
-              <a:rPr lang="ru-RU" dirty="0">
-                <a:latin typeface="Helvetica" panose="020B0604020202020204" pitchFamily="34" charset="0"/>
-                <a:cs typeface="Helvetica" panose="020B0604020202020204" pitchFamily="34" charset="0"/>
-              </a:rPr>
-              <a:t>)</a:t>
-            </a:r>
-          </a:p>
-          <a:p>
-            <a:pPr marL="0" indent="0">
-              <a:buNone/>
-            </a:pPr>
-            <a:endParaRPr lang="en-US" dirty="0"/>
+              <a:t>PPS (Pay Per Share)</a:t>
+            </a:r>
+            <a:r>
+              <a:rPr lang="ru-RU" dirty="0">
+                <a:latin typeface="Helvetica" panose="020B0604020202020204" pitchFamily="34" charset="0"/>
+                <a:cs typeface="Helvetica" panose="020B0604020202020204" pitchFamily="34" charset="0"/>
+              </a:rPr>
+              <a:t>.</a:t>
+            </a:r>
           </a:p>
         </p:txBody>
       </p:sp>
     </p:spTree>
     <p:extLst>
       <p:ext uri="{BB962C8B-B14F-4D97-AF65-F5344CB8AC3E}">
-        <p14:creationId xmlns:p14="http://schemas.microsoft.com/office/powerpoint/2010/main" val="1405590043"/>
+        <p14:creationId xmlns:p14="http://schemas.microsoft.com/office/powerpoint/2010/main" val="1471649144"/>
       </p:ext>
     </p:extLst>
   </p:cSld>
@@ -7675,7 +9082,7 @@
 </p:sld>
 </file>
 
-<file path=ppt/slides/slide38.xml><?xml version="1.0" encoding="utf-8"?>
+<file path=ppt/slides/slide47.xml><?xml version="1.0" encoding="utf-8"?>
 <p:sld xmlns:a="http://schemas.openxmlformats.org/drawingml/2006/main" xmlns:r="http://schemas.openxmlformats.org/officeDocument/2006/relationships" xmlns:p="http://schemas.openxmlformats.org/presentationml/2006/main">
   <p:cSld>
     <p:spTree>
@@ -7708,6 +9115,479 @@
           <a:lstStyle/>
           <a:p>
             <a:r>
+              <a:rPr lang="ru-RU" dirty="0">
+                <a:latin typeface="Oswald Regular" panose="02000503000000000000" pitchFamily="2" charset="-52"/>
+              </a:rPr>
+              <a:t>Правовой аспект</a:t>
+            </a:r>
+          </a:p>
+        </p:txBody>
+      </p:sp>
+      <p:sp>
+        <p:nvSpPr>
+          <p:cNvPr id="3" name="Объект 2"/>
+          <p:cNvSpPr>
+            <a:spLocks noGrp="1"/>
+          </p:cNvSpPr>
+          <p:nvPr>
+            <p:ph idx="1"/>
+          </p:nvPr>
+        </p:nvSpPr>
+        <p:spPr/>
+        <p:txBody>
+          <a:bodyPr>
+            <a:normAutofit/>
+          </a:bodyPr>
+          <a:lstStyle/>
+          <a:p>
+            <a:pPr>
+              <a:buFont typeface="Helvetica" panose="020B0604020202020204" pitchFamily="34" charset="0"/>
+              <a:buChar char="–"/>
+            </a:pPr>
+            <a:r>
+              <a:rPr lang="ru-RU" dirty="0">
+                <a:latin typeface="Helvetica" panose="020B0604020202020204" pitchFamily="34" charset="0"/>
+                <a:cs typeface="Helvetica" panose="020B0604020202020204" pitchFamily="34" charset="0"/>
+              </a:rPr>
+              <a:t> Правовое поле не создано</a:t>
+            </a:r>
+          </a:p>
+          <a:p>
+            <a:pPr>
+              <a:buFont typeface="Helvetica" panose="020B0604020202020204" pitchFamily="34" charset="0"/>
+              <a:buChar char="–"/>
+            </a:pPr>
+            <a:r>
+              <a:rPr lang="ru-RU" dirty="0">
+                <a:latin typeface="Helvetica" panose="020B0604020202020204" pitchFamily="34" charset="0"/>
+                <a:cs typeface="Helvetica" panose="020B0604020202020204" pitchFamily="34" charset="0"/>
+              </a:rPr>
+              <a:t> К оплате биткоины принимать </a:t>
+            </a:r>
+            <a:r>
+              <a:rPr lang="ru-RU" b="1" dirty="0">
+                <a:solidFill>
+                  <a:srgbClr val="FF0000"/>
+                </a:solidFill>
+                <a:latin typeface="Helvetica" panose="020B0604020202020204" pitchFamily="34" charset="0"/>
+                <a:cs typeface="Helvetica" panose="020B0604020202020204" pitchFamily="34" charset="0"/>
+              </a:rPr>
+              <a:t>нельзя</a:t>
+            </a:r>
+            <a:endParaRPr lang="ru-RU" dirty="0">
+              <a:latin typeface="Helvetica" panose="020B0604020202020204" pitchFamily="34" charset="0"/>
+              <a:cs typeface="Helvetica" panose="020B0604020202020204" pitchFamily="34" charset="0"/>
+            </a:endParaRPr>
+          </a:p>
+          <a:p>
+            <a:pPr marL="685800" lvl="2">
+              <a:spcBef>
+                <a:spcPts val="1000"/>
+              </a:spcBef>
+              <a:buFont typeface="Helvetica" panose="020B0604020202020204" pitchFamily="34" charset="0"/>
+              <a:buChar char="–"/>
+            </a:pPr>
+            <a:r>
+              <a:rPr lang="ru-RU" sz="2400" dirty="0">
+                <a:latin typeface="Helvetica" panose="020B0604020202020204" pitchFamily="34" charset="0"/>
+                <a:cs typeface="Helvetica" panose="020B0604020202020204" pitchFamily="34" charset="0"/>
+              </a:rPr>
+              <a:t>статья 27 ФЗ «О Центральном банке РФ» (выпуск запрещён)</a:t>
+            </a:r>
+          </a:p>
+          <a:p>
+            <a:pPr marL="685800" lvl="2">
+              <a:spcBef>
+                <a:spcPts val="1000"/>
+              </a:spcBef>
+              <a:buFont typeface="Helvetica" panose="020B0604020202020204" pitchFamily="34" charset="0"/>
+              <a:buChar char="–"/>
+            </a:pPr>
+            <a:r>
+              <a:rPr lang="ru-RU" sz="2400" dirty="0">
+                <a:latin typeface="Helvetica" panose="020B0604020202020204" pitchFamily="34" charset="0"/>
+                <a:cs typeface="Helvetica" panose="020B0604020202020204" pitchFamily="34" charset="0"/>
+              </a:rPr>
+              <a:t>статья 140 ГК РФ (официальная валюта – рубль)</a:t>
+            </a:r>
+          </a:p>
+          <a:p>
+            <a:pPr>
+              <a:buFont typeface="Helvetica" panose="020B0604020202020204" pitchFamily="34" charset="0"/>
+              <a:buChar char="–"/>
+            </a:pPr>
+            <a:r>
+              <a:rPr lang="ru-RU" dirty="0">
+                <a:latin typeface="Helvetica" panose="020B0604020202020204" pitchFamily="34" charset="0"/>
+                <a:cs typeface="Helvetica" panose="020B0604020202020204" pitchFamily="34" charset="0"/>
+              </a:rPr>
+              <a:t> Верить можно только законам</a:t>
+            </a:r>
+          </a:p>
+          <a:p>
+            <a:pPr>
+              <a:buFont typeface="Helvetica" panose="020B0604020202020204" pitchFamily="34" charset="0"/>
+              <a:buChar char="–"/>
+            </a:pPr>
+            <a:r>
+              <a:rPr lang="ru-RU" dirty="0">
+                <a:latin typeface="Helvetica" panose="020B0604020202020204" pitchFamily="34" charset="0"/>
+                <a:cs typeface="Helvetica" panose="020B0604020202020204" pitchFamily="34" charset="0"/>
+              </a:rPr>
+              <a:t> </a:t>
+            </a:r>
+            <a:r>
+              <a:rPr lang="ru-RU" dirty="0">
+                <a:latin typeface="Helvetica" panose="020B0604020202020204" pitchFamily="34" charset="0"/>
+                <a:cs typeface="Helvetica" panose="020B0604020202020204" pitchFamily="34" charset="0"/>
+                <a:hlinkClick r:id="rId2"/>
+              </a:rPr>
+              <a:t>Герман Греф </a:t>
+            </a:r>
+            <a:r>
+              <a:rPr lang="ru-RU" dirty="0">
+                <a:latin typeface="Helvetica" panose="020B0604020202020204" pitchFamily="34" charset="0"/>
+                <a:cs typeface="Helvetica" panose="020B0604020202020204" pitchFamily="34" charset="0"/>
+              </a:rPr>
+              <a:t>хранит деньги в биткоинах</a:t>
+            </a:r>
+          </a:p>
+        </p:txBody>
+      </p:sp>
+    </p:spTree>
+    <p:extLst>
+      <p:ext uri="{BB962C8B-B14F-4D97-AF65-F5344CB8AC3E}">
+        <p14:creationId xmlns:p14="http://schemas.microsoft.com/office/powerpoint/2010/main" val="3476932573"/>
+      </p:ext>
+    </p:extLst>
+  </p:cSld>
+  <p:clrMapOvr>
+    <a:masterClrMapping/>
+  </p:clrMapOvr>
+</p:sld>
+</file>
+
+<file path=ppt/slides/slide48.xml><?xml version="1.0" encoding="utf-8"?>
+<p:sld xmlns:a="http://schemas.openxmlformats.org/drawingml/2006/main" xmlns:r="http://schemas.openxmlformats.org/officeDocument/2006/relationships" xmlns:p="http://schemas.openxmlformats.org/presentationml/2006/main">
+  <p:cSld>
+    <p:spTree>
+      <p:nvGrpSpPr>
+        <p:cNvPr id="1" name=""/>
+        <p:cNvGrpSpPr/>
+        <p:nvPr/>
+      </p:nvGrpSpPr>
+      <p:grpSpPr>
+        <a:xfrm>
+          <a:off x="0" y="0"/>
+          <a:ext cx="0" cy="0"/>
+          <a:chOff x="0" y="0"/>
+          <a:chExt cx="0" cy="0"/>
+        </a:xfrm>
+      </p:grpSpPr>
+      <p:sp>
+        <p:nvSpPr>
+          <p:cNvPr id="2" name="Заголовок 1"/>
+          <p:cNvSpPr>
+            <a:spLocks noGrp="1"/>
+          </p:cNvSpPr>
+          <p:nvPr>
+            <p:ph type="title"/>
+          </p:nvPr>
+        </p:nvSpPr>
+        <p:spPr/>
+        <p:txBody>
+          <a:bodyPr/>
+          <a:lstStyle/>
+          <a:p>
+            <a:r>
+              <a:rPr lang="ru-RU" dirty="0">
+                <a:latin typeface="Oswald Regular" panose="02000503000000000000" pitchFamily="2" charset="-52"/>
+              </a:rPr>
+              <a:t>Альтернативы </a:t>
+            </a:r>
+            <a:r>
+              <a:rPr lang="en-US" dirty="0">
+                <a:latin typeface="Oswald Regular" panose="02000503000000000000" pitchFamily="2" charset="-52"/>
+              </a:rPr>
+              <a:t>Bitcoin</a:t>
+            </a:r>
+            <a:endParaRPr lang="ru-RU" dirty="0">
+              <a:latin typeface="Oswald Regular" panose="02000503000000000000" pitchFamily="2" charset="-52"/>
+            </a:endParaRPr>
+          </a:p>
+        </p:txBody>
+      </p:sp>
+      <p:sp>
+        <p:nvSpPr>
+          <p:cNvPr id="3" name="Объект 2"/>
+          <p:cNvSpPr>
+            <a:spLocks noGrp="1"/>
+          </p:cNvSpPr>
+          <p:nvPr>
+            <p:ph idx="1"/>
+          </p:nvPr>
+        </p:nvSpPr>
+        <p:spPr/>
+        <p:txBody>
+          <a:bodyPr/>
+          <a:lstStyle/>
+          <a:p>
+            <a:pPr>
+              <a:buFont typeface="Helvetica" panose="020B0604020202020204" pitchFamily="34" charset="0"/>
+              <a:buChar char="–"/>
+            </a:pPr>
+            <a:r>
+              <a:rPr lang="en-US" b="1" dirty="0">
+                <a:latin typeface="Helvetica" panose="020B0604020202020204" pitchFamily="34" charset="0"/>
+                <a:cs typeface="Helvetica" panose="020B0604020202020204" pitchFamily="34" charset="0"/>
+              </a:rPr>
+              <a:t> </a:t>
+            </a:r>
+            <a:r>
+              <a:rPr lang="en-US" dirty="0" err="1">
+                <a:latin typeface="Helvetica" panose="020B0604020202020204" pitchFamily="34" charset="0"/>
+                <a:cs typeface="Helvetica" panose="020B0604020202020204" pitchFamily="34" charset="0"/>
+              </a:rPr>
+              <a:t>Zcash</a:t>
+            </a:r>
+            <a:endParaRPr lang="en-US" dirty="0">
+              <a:latin typeface="Helvetica" panose="020B0604020202020204" pitchFamily="34" charset="0"/>
+              <a:cs typeface="Helvetica" panose="020B0604020202020204" pitchFamily="34" charset="0"/>
+            </a:endParaRPr>
+          </a:p>
+          <a:p>
+            <a:pPr>
+              <a:buFont typeface="Helvetica" panose="020B0604020202020204" pitchFamily="34" charset="0"/>
+              <a:buChar char="–"/>
+            </a:pPr>
+            <a:r>
+              <a:rPr lang="en-US" b="1" dirty="0">
+                <a:latin typeface="Helvetica" panose="020B0604020202020204" pitchFamily="34" charset="0"/>
+                <a:cs typeface="Helvetica" panose="020B0604020202020204" pitchFamily="34" charset="0"/>
+              </a:rPr>
+              <a:t> </a:t>
+            </a:r>
+            <a:r>
+              <a:rPr lang="en-US" b="1" dirty="0" err="1">
+                <a:latin typeface="Helvetica" panose="020B0604020202020204" pitchFamily="34" charset="0"/>
+                <a:cs typeface="Helvetica" panose="020B0604020202020204" pitchFamily="34" charset="0"/>
+              </a:rPr>
+              <a:t>Ethereum</a:t>
+            </a:r>
+            <a:endParaRPr lang="en-US" b="1" dirty="0">
+              <a:latin typeface="Helvetica" panose="020B0604020202020204" pitchFamily="34" charset="0"/>
+              <a:cs typeface="Helvetica" panose="020B0604020202020204" pitchFamily="34" charset="0"/>
+            </a:endParaRPr>
+          </a:p>
+          <a:p>
+            <a:pPr>
+              <a:buFont typeface="Helvetica" panose="020B0604020202020204" pitchFamily="34" charset="0"/>
+              <a:buChar char="–"/>
+            </a:pPr>
+            <a:r>
+              <a:rPr lang="en-US" dirty="0">
+                <a:latin typeface="Helvetica" panose="020B0604020202020204" pitchFamily="34" charset="0"/>
+                <a:cs typeface="Helvetica" panose="020B0604020202020204" pitchFamily="34" charset="0"/>
+              </a:rPr>
+              <a:t> Dogecoin</a:t>
+            </a:r>
+          </a:p>
+          <a:p>
+            <a:pPr>
+              <a:buFont typeface="Helvetica" panose="020B0604020202020204" pitchFamily="34" charset="0"/>
+              <a:buChar char="–"/>
+            </a:pPr>
+            <a:r>
+              <a:rPr lang="en-US" dirty="0">
+                <a:latin typeface="Helvetica" panose="020B0604020202020204" pitchFamily="34" charset="0"/>
+                <a:cs typeface="Helvetica" panose="020B0604020202020204" pitchFamily="34" charset="0"/>
+              </a:rPr>
+              <a:t> </a:t>
+            </a:r>
+            <a:r>
+              <a:rPr lang="ru-RU" dirty="0">
+                <a:latin typeface="Helvetica" panose="020B0604020202020204" pitchFamily="34" charset="0"/>
+                <a:cs typeface="Helvetica" panose="020B0604020202020204" pitchFamily="34" charset="0"/>
+              </a:rPr>
+              <a:t>NXT (“окрашенные” монеты и</a:t>
+            </a:r>
+            <a:r>
+              <a:rPr lang="en-US" dirty="0">
+                <a:latin typeface="Helvetica" panose="020B0604020202020204" pitchFamily="34" charset="0"/>
+                <a:cs typeface="Helvetica" panose="020B0604020202020204" pitchFamily="34" charset="0"/>
+              </a:rPr>
+              <a:t> </a:t>
+            </a:r>
+            <a:r>
+              <a:rPr lang="ru-RU" dirty="0">
+                <a:latin typeface="Helvetica" panose="020B0604020202020204" pitchFamily="34" charset="0"/>
+                <a:cs typeface="Helvetica" panose="020B0604020202020204" pitchFamily="34" charset="0"/>
+              </a:rPr>
+              <a:t>децентрализованный обмен)</a:t>
+            </a:r>
+            <a:endParaRPr lang="en-US" dirty="0">
+              <a:latin typeface="Helvetica" panose="020B0604020202020204" pitchFamily="34" charset="0"/>
+              <a:cs typeface="Helvetica" panose="020B0604020202020204" pitchFamily="34" charset="0"/>
+            </a:endParaRPr>
+          </a:p>
+          <a:p>
+            <a:pPr>
+              <a:buFont typeface="Helvetica" panose="020B0604020202020204" pitchFamily="34" charset="0"/>
+              <a:buChar char="–"/>
+            </a:pPr>
+            <a:r>
+              <a:rPr lang="en-US" dirty="0">
+                <a:latin typeface="Helvetica" panose="020B0604020202020204" pitchFamily="34" charset="0"/>
+                <a:cs typeface="Helvetica" panose="020B0604020202020204" pitchFamily="34" charset="0"/>
+              </a:rPr>
+              <a:t> </a:t>
+            </a:r>
+            <a:r>
+              <a:rPr lang="ru-RU" dirty="0">
+                <a:latin typeface="Helvetica" panose="020B0604020202020204" pitchFamily="34" charset="0"/>
+                <a:cs typeface="Helvetica" panose="020B0604020202020204" pitchFamily="34" charset="0"/>
+              </a:rPr>
+              <a:t>L</a:t>
+            </a:r>
+            <a:r>
+              <a:rPr lang="en-US" dirty="0" err="1">
+                <a:latin typeface="Helvetica" panose="020B0604020202020204" pitchFamily="34" charset="0"/>
+                <a:cs typeface="Helvetica" panose="020B0604020202020204" pitchFamily="34" charset="0"/>
+              </a:rPr>
+              <a:t>itecoin</a:t>
+            </a:r>
+            <a:r>
+              <a:rPr lang="ru-RU" dirty="0">
+                <a:latin typeface="Helvetica" panose="020B0604020202020204" pitchFamily="34" charset="0"/>
+                <a:cs typeface="Helvetica" panose="020B0604020202020204" pitchFamily="34" charset="0"/>
+              </a:rPr>
+              <a:t> (</a:t>
+            </a:r>
+            <a:r>
+              <a:rPr lang="en-US" dirty="0">
+                <a:latin typeface="Helvetica" panose="020B0604020202020204" pitchFamily="34" charset="0"/>
+                <a:cs typeface="Helvetica" panose="020B0604020202020204" pitchFamily="34" charset="0"/>
+              </a:rPr>
+              <a:t>block time = 2.5 minutes; 84 </a:t>
+            </a:r>
+            <a:r>
+              <a:rPr lang="ru-RU" dirty="0">
+                <a:latin typeface="Helvetica" panose="020B0604020202020204" pitchFamily="34" charset="0"/>
+                <a:cs typeface="Helvetica" panose="020B0604020202020204" pitchFamily="34" charset="0"/>
+              </a:rPr>
+              <a:t>миллиона монет</a:t>
+            </a:r>
+            <a:r>
+              <a:rPr lang="en-US" dirty="0">
+                <a:latin typeface="Helvetica" panose="020B0604020202020204" pitchFamily="34" charset="0"/>
+                <a:cs typeface="Helvetica" panose="020B0604020202020204" pitchFamily="34" charset="0"/>
+              </a:rPr>
+              <a:t>;</a:t>
+            </a:r>
+            <a:r>
+              <a:rPr lang="ru-RU" dirty="0">
+                <a:latin typeface="Helvetica" panose="020B0604020202020204" pitchFamily="34" charset="0"/>
+                <a:cs typeface="Helvetica" panose="020B0604020202020204" pitchFamily="34" charset="0"/>
+              </a:rPr>
+              <a:t> хэш-</a:t>
+            </a:r>
+            <a:r>
+              <a:rPr lang="en-US" dirty="0">
+                <a:latin typeface="Helvetica" panose="020B0604020202020204" pitchFamily="34" charset="0"/>
+                <a:cs typeface="Helvetica" panose="020B0604020202020204" pitchFamily="34" charset="0"/>
+              </a:rPr>
+              <a:t>  </a:t>
+            </a:r>
+            <a:r>
+              <a:rPr lang="ru-RU" dirty="0">
+                <a:latin typeface="Helvetica" panose="020B0604020202020204" pitchFamily="34" charset="0"/>
+                <a:cs typeface="Helvetica" panose="020B0604020202020204" pitchFamily="34" charset="0"/>
+              </a:rPr>
+              <a:t>функция не </a:t>
+            </a:r>
+            <a:r>
+              <a:rPr lang="en-US" dirty="0">
+                <a:latin typeface="Helvetica" panose="020B0604020202020204" pitchFamily="34" charset="0"/>
+                <a:cs typeface="Helvetica" panose="020B0604020202020204" pitchFamily="34" charset="0"/>
+              </a:rPr>
+              <a:t>sha256, </a:t>
+            </a:r>
+            <a:r>
+              <a:rPr lang="ru-RU" dirty="0">
+                <a:latin typeface="Helvetica" panose="020B0604020202020204" pitchFamily="34" charset="0"/>
+                <a:cs typeface="Helvetica" panose="020B0604020202020204" pitchFamily="34" charset="0"/>
+              </a:rPr>
+              <a:t>а </a:t>
+            </a:r>
+            <a:r>
+              <a:rPr lang="en-US" dirty="0" err="1">
+                <a:latin typeface="Helvetica" panose="020B0604020202020204" pitchFamily="34" charset="0"/>
+                <a:cs typeface="Helvetica" panose="020B0604020202020204" pitchFamily="34" charset="0"/>
+              </a:rPr>
+              <a:t>scrypt</a:t>
+            </a:r>
+            <a:r>
+              <a:rPr lang="ru-RU" dirty="0">
+                <a:latin typeface="Helvetica" panose="020B0604020202020204" pitchFamily="34" charset="0"/>
+                <a:cs typeface="Helvetica" panose="020B0604020202020204" pitchFamily="34" charset="0"/>
+              </a:rPr>
+              <a:t>)</a:t>
+            </a:r>
+          </a:p>
+          <a:p>
+            <a:pPr marL="0" indent="0">
+              <a:buNone/>
+            </a:pPr>
+            <a:endParaRPr lang="en-US" dirty="0"/>
+          </a:p>
+        </p:txBody>
+      </p:sp>
+    </p:spTree>
+    <p:extLst>
+      <p:ext uri="{BB962C8B-B14F-4D97-AF65-F5344CB8AC3E}">
+        <p14:creationId xmlns:p14="http://schemas.microsoft.com/office/powerpoint/2010/main" val="1405590043"/>
+      </p:ext>
+    </p:extLst>
+  </p:cSld>
+  <p:clrMapOvr>
+    <a:masterClrMapping/>
+  </p:clrMapOvr>
+</p:sld>
+</file>
+
+<file path=ppt/slides/slide49.xml><?xml version="1.0" encoding="utf-8"?>
+<p:sld xmlns:a="http://schemas.openxmlformats.org/drawingml/2006/main" xmlns:r="http://schemas.openxmlformats.org/officeDocument/2006/relationships" xmlns:p="http://schemas.openxmlformats.org/presentationml/2006/main">
+  <p:cSld>
+    <p:spTree>
+      <p:nvGrpSpPr>
+        <p:cNvPr id="1" name=""/>
+        <p:cNvGrpSpPr/>
+        <p:nvPr/>
+      </p:nvGrpSpPr>
+      <p:grpSpPr>
+        <a:xfrm>
+          <a:off x="0" y="0"/>
+          <a:ext cx="0" cy="0"/>
+          <a:chOff x="0" y="0"/>
+          <a:chExt cx="0" cy="0"/>
+        </a:xfrm>
+      </p:grpSpPr>
+      <p:sp>
+        <p:nvSpPr>
+          <p:cNvPr id="2" name="Заголовок 1"/>
+          <p:cNvSpPr>
+            <a:spLocks noGrp="1"/>
+          </p:cNvSpPr>
+          <p:nvPr>
+            <p:ph type="title"/>
+          </p:nvPr>
+        </p:nvSpPr>
+        <p:spPr/>
+        <p:txBody>
+          <a:bodyPr/>
+          <a:lstStyle/>
+          <a:p>
+            <a:r>
               <a:rPr lang="en-US" dirty="0" err="1">
                 <a:latin typeface="Oswald Regular" panose="02000503000000000000" pitchFamily="2" charset="-52"/>
               </a:rPr>
@@ -7954,7 +9834,267 @@
 </p:sld>
 </file>
 
-<file path=ppt/slides/slide39.xml><?xml version="1.0" encoding="utf-8"?>
+<file path=ppt/slides/slide5.xml><?xml version="1.0" encoding="utf-8"?>
+<p:sld xmlns:a="http://schemas.openxmlformats.org/drawingml/2006/main" xmlns:r="http://schemas.openxmlformats.org/officeDocument/2006/relationships" xmlns:p="http://schemas.openxmlformats.org/presentationml/2006/main">
+  <p:cSld>
+    <p:spTree>
+      <p:nvGrpSpPr>
+        <p:cNvPr id="1" name=""/>
+        <p:cNvGrpSpPr/>
+        <p:nvPr/>
+      </p:nvGrpSpPr>
+      <p:grpSpPr>
+        <a:xfrm>
+          <a:off x="0" y="0"/>
+          <a:ext cx="0" cy="0"/>
+          <a:chOff x="0" y="0"/>
+          <a:chExt cx="0" cy="0"/>
+        </a:xfrm>
+      </p:grpSpPr>
+      <p:sp>
+        <p:nvSpPr>
+          <p:cNvPr id="2" name="Заголовок 1"/>
+          <p:cNvSpPr>
+            <a:spLocks noGrp="1"/>
+          </p:cNvSpPr>
+          <p:nvPr>
+            <p:ph type="title"/>
+          </p:nvPr>
+        </p:nvSpPr>
+        <p:spPr/>
+        <p:txBody>
+          <a:bodyPr/>
+          <a:lstStyle/>
+          <a:p>
+            <a:r>
+              <a:rPr lang="ru-RU" dirty="0">
+                <a:latin typeface="Oswald Regular" panose="02000503000000000000" pitchFamily="2" charset="-52"/>
+                <a:cs typeface="Helvetica Neue"/>
+              </a:rPr>
+              <a:t>Что такое </a:t>
+            </a:r>
+            <a:r>
+              <a:rPr lang="ru-RU" dirty="0" err="1">
+                <a:latin typeface="Oswald Regular" panose="02000503000000000000" pitchFamily="2" charset="-52"/>
+                <a:cs typeface="Helvetica Neue"/>
+              </a:rPr>
+              <a:t>блокчейн</a:t>
+            </a:r>
+            <a:r>
+              <a:rPr lang="ru-RU" dirty="0">
+                <a:latin typeface="Oswald Regular" panose="02000503000000000000" pitchFamily="2" charset="-52"/>
+                <a:cs typeface="Helvetica Neue"/>
+              </a:rPr>
+              <a:t>?</a:t>
+            </a:r>
+            <a:endParaRPr lang="ru-RU" dirty="0">
+              <a:latin typeface="Oswald Regular" panose="02000503000000000000" pitchFamily="2" charset="-52"/>
+            </a:endParaRPr>
+          </a:p>
+        </p:txBody>
+      </p:sp>
+      <p:sp>
+        <p:nvSpPr>
+          <p:cNvPr id="3" name="Объект 2"/>
+          <p:cNvSpPr>
+            <a:spLocks noGrp="1"/>
+          </p:cNvSpPr>
+          <p:nvPr>
+            <p:ph idx="1"/>
+          </p:nvPr>
+        </p:nvSpPr>
+        <p:spPr/>
+        <p:txBody>
+          <a:bodyPr/>
+          <a:lstStyle/>
+          <a:p>
+            <a:pPr marL="0" indent="0">
+              <a:buNone/>
+            </a:pPr>
+            <a:r>
+              <a:rPr lang="ru-RU" dirty="0" err="1">
+                <a:latin typeface="Helvetica" panose="020B0604020202020204" pitchFamily="34" charset="0"/>
+                <a:cs typeface="Helvetica" panose="020B0604020202020204" pitchFamily="34" charset="0"/>
+              </a:rPr>
+              <a:t>Блокчейн</a:t>
+            </a:r>
+            <a:r>
+              <a:rPr lang="ru-RU" dirty="0">
+                <a:latin typeface="Helvetica" panose="020B0604020202020204" pitchFamily="34" charset="0"/>
+                <a:cs typeface="Helvetica" panose="020B0604020202020204" pitchFamily="34" charset="0"/>
+              </a:rPr>
+              <a:t> – это, как понятно из названия, цепочка блоков.</a:t>
+            </a:r>
+          </a:p>
+          <a:p>
+            <a:pPr marL="0" indent="0">
+              <a:buNone/>
+            </a:pPr>
+            <a:r>
+              <a:rPr lang="ru-RU" dirty="0">
+                <a:latin typeface="Helvetica" panose="020B0604020202020204" pitchFamily="34" charset="0"/>
+                <a:cs typeface="Helvetica" panose="020B0604020202020204" pitchFamily="34" charset="0"/>
+              </a:rPr>
+              <a:t>Таким образом, большая бухгалтерская книга выглядит как цепочка блоков.</a:t>
+            </a:r>
+          </a:p>
+          <a:p>
+            <a:pPr marL="0" indent="0">
+              <a:buNone/>
+            </a:pPr>
+            <a:endParaRPr lang="ru-RU" dirty="0"/>
+          </a:p>
+        </p:txBody>
+      </p:sp>
+    </p:spTree>
+    <p:extLst>
+      <p:ext uri="{BB962C8B-B14F-4D97-AF65-F5344CB8AC3E}">
+        <p14:creationId xmlns:p14="http://schemas.microsoft.com/office/powerpoint/2010/main" val="286729689"/>
+      </p:ext>
+    </p:extLst>
+  </p:cSld>
+  <p:clrMapOvr>
+    <a:masterClrMapping/>
+  </p:clrMapOvr>
+</p:sld>
+</file>
+
+<file path=ppt/slides/slide50.xml><?xml version="1.0" encoding="utf-8"?>
+<p:sld xmlns:a="http://schemas.openxmlformats.org/drawingml/2006/main" xmlns:r="http://schemas.openxmlformats.org/officeDocument/2006/relationships" xmlns:p="http://schemas.openxmlformats.org/presentationml/2006/main">
+  <p:cSld>
+    <p:spTree>
+      <p:nvGrpSpPr>
+        <p:cNvPr id="1" name=""/>
+        <p:cNvGrpSpPr/>
+        <p:nvPr/>
+      </p:nvGrpSpPr>
+      <p:grpSpPr>
+        <a:xfrm>
+          <a:off x="0" y="0"/>
+          <a:ext cx="0" cy="0"/>
+          <a:chOff x="0" y="0"/>
+          <a:chExt cx="0" cy="0"/>
+        </a:xfrm>
+      </p:grpSpPr>
+      <p:sp>
+        <p:nvSpPr>
+          <p:cNvPr id="2" name="Заголовок 1"/>
+          <p:cNvSpPr>
+            <a:spLocks noGrp="1"/>
+          </p:cNvSpPr>
+          <p:nvPr>
+            <p:ph type="title"/>
+          </p:nvPr>
+        </p:nvSpPr>
+        <p:spPr/>
+        <p:txBody>
+          <a:bodyPr/>
+          <a:lstStyle/>
+          <a:p>
+            <a:r>
+              <a:rPr lang="ru-RU" dirty="0">
+                <a:latin typeface="Oswald Regular" panose="02000503000000000000" pitchFamily="2" charset="-52"/>
+              </a:rPr>
+              <a:t>Адреса и контракты</a:t>
+            </a:r>
+          </a:p>
+        </p:txBody>
+      </p:sp>
+      <p:sp>
+        <p:nvSpPr>
+          <p:cNvPr id="3" name="Объект 2"/>
+          <p:cNvSpPr>
+            <a:spLocks noGrp="1"/>
+          </p:cNvSpPr>
+          <p:nvPr>
+            <p:ph idx="1"/>
+          </p:nvPr>
+        </p:nvSpPr>
+        <p:spPr/>
+        <p:txBody>
+          <a:bodyPr>
+            <a:normAutofit/>
+          </a:bodyPr>
+          <a:lstStyle/>
+          <a:p>
+            <a:pPr>
+              <a:buFont typeface="Helvetica" panose="020B0604020202020204" pitchFamily="34" charset="0"/>
+              <a:buChar char="–"/>
+            </a:pPr>
+            <a:r>
+              <a:rPr lang="ru-RU" dirty="0">
+                <a:latin typeface="Helvetica" panose="020B0604020202020204" pitchFamily="34" charset="0"/>
+                <a:cs typeface="Helvetica" panose="020B0604020202020204" pitchFamily="34" charset="0"/>
+              </a:rPr>
+              <a:t>Адреса контролируются пользователями</a:t>
+            </a:r>
+          </a:p>
+          <a:p>
+            <a:pPr>
+              <a:buFont typeface="Helvetica" panose="020B0604020202020204" pitchFamily="34" charset="0"/>
+              <a:buChar char="–"/>
+            </a:pPr>
+            <a:r>
+              <a:rPr lang="ru-RU" dirty="0">
+                <a:latin typeface="Helvetica" panose="020B0604020202020204" pitchFamily="34" charset="0"/>
+                <a:cs typeface="Helvetica" panose="020B0604020202020204" pitchFamily="34" charset="0"/>
+              </a:rPr>
+              <a:t>Контракты обладают своим кодом и памятью</a:t>
+            </a:r>
+          </a:p>
+          <a:p>
+            <a:pPr>
+              <a:buFont typeface="Helvetica" panose="020B0604020202020204" pitchFamily="34" charset="0"/>
+              <a:buChar char="–"/>
+            </a:pPr>
+            <a:r>
+              <a:rPr lang="ru-RU" dirty="0">
+                <a:latin typeface="Helvetica" panose="020B0604020202020204" pitchFamily="34" charset="0"/>
+                <a:cs typeface="Helvetica" panose="020B0604020202020204" pitchFamily="34" charset="0"/>
+              </a:rPr>
+              <a:t>С адреса можно послать транзакцию на контракт для вызова функции</a:t>
+            </a:r>
+          </a:p>
+          <a:p>
+            <a:pPr>
+              <a:buFont typeface="Helvetica" panose="020B0604020202020204" pitchFamily="34" charset="0"/>
+              <a:buChar char="–"/>
+            </a:pPr>
+            <a:r>
+              <a:rPr lang="ru-RU" dirty="0">
+                <a:latin typeface="Helvetica" panose="020B0604020202020204" pitchFamily="34" charset="0"/>
+                <a:cs typeface="Helvetica" panose="020B0604020202020204" pitchFamily="34" charset="0"/>
+              </a:rPr>
+              <a:t>Каждая операция стоит </a:t>
+            </a:r>
+            <a:r>
+              <a:rPr lang="en-US" dirty="0">
+                <a:latin typeface="Helvetica" panose="020B0604020202020204" pitchFamily="34" charset="0"/>
+                <a:cs typeface="Helvetica" panose="020B0604020202020204" pitchFamily="34" charset="0"/>
+              </a:rPr>
+              <a:t>gas</a:t>
+            </a:r>
+            <a:endParaRPr lang="ru-RU" dirty="0">
+              <a:latin typeface="Helvetica" panose="020B0604020202020204" pitchFamily="34" charset="0"/>
+              <a:cs typeface="Helvetica" panose="020B0604020202020204" pitchFamily="34" charset="0"/>
+            </a:endParaRPr>
+          </a:p>
+        </p:txBody>
+      </p:sp>
+    </p:spTree>
+    <p:extLst>
+      <p:ext uri="{BB962C8B-B14F-4D97-AF65-F5344CB8AC3E}">
+        <p14:creationId xmlns:p14="http://schemas.microsoft.com/office/powerpoint/2010/main" val="3095477622"/>
+      </p:ext>
+    </p:extLst>
+  </p:cSld>
+  <p:clrMapOvr>
+    <a:masterClrMapping/>
+  </p:clrMapOvr>
+</p:sld>
+</file>
+
+<file path=ppt/slides/slide51.xml><?xml version="1.0" encoding="utf-8"?>
 <p:sld xmlns:a="http://schemas.openxmlformats.org/drawingml/2006/main" xmlns:r="http://schemas.openxmlformats.org/officeDocument/2006/relationships" xmlns:p="http://schemas.openxmlformats.org/presentationml/2006/main">
   <p:cSld>
     <p:spTree>
@@ -8032,7 +10172,7 @@
 </p:sld>
 </file>
 
-<file path=ppt/slides/slide4.xml><?xml version="1.0" encoding="utf-8"?>
+<file path=ppt/slides/slide52.xml><?xml version="1.0" encoding="utf-8"?>
 <p:sld xmlns:a="http://schemas.openxmlformats.org/drawingml/2006/main" xmlns:r="http://schemas.openxmlformats.org/officeDocument/2006/relationships" xmlns:p="http://schemas.openxmlformats.org/presentationml/2006/main">
   <p:cSld>
     <p:spTree>
@@ -8067,87 +10207,45 @@
             <a:r>
               <a:rPr lang="ru-RU" dirty="0">
                 <a:latin typeface="Oswald Regular" panose="02000503000000000000" pitchFamily="2" charset="-52"/>
-                <a:cs typeface="Helvetica Neue"/>
-              </a:rPr>
-              <a:t>Что такое </a:t>
-            </a:r>
-            <a:r>
-              <a:rPr lang="ru-RU" dirty="0" err="1">
-                <a:latin typeface="Oswald Regular" panose="02000503000000000000" pitchFamily="2" charset="-52"/>
-                <a:cs typeface="Helvetica Neue"/>
-              </a:rPr>
-              <a:t>блокчейн</a:t>
-            </a:r>
-            <a:r>
-              <a:rPr lang="ru-RU" dirty="0">
-                <a:latin typeface="Oswald Regular" panose="02000503000000000000" pitchFamily="2" charset="-52"/>
-                <a:cs typeface="Helvetica Neue"/>
-              </a:rPr>
-              <a:t>?</a:t>
-            </a:r>
-            <a:endParaRPr lang="ru-RU" dirty="0">
-              <a:latin typeface="Oswald Regular" panose="02000503000000000000" pitchFamily="2" charset="-52"/>
-            </a:endParaRPr>
-          </a:p>
-        </p:txBody>
-      </p:sp>
-      <p:sp>
-        <p:nvSpPr>
-          <p:cNvPr id="3" name="Объект 2"/>
-          <p:cNvSpPr>
-            <a:spLocks noGrp="1"/>
-          </p:cNvSpPr>
+              </a:rPr>
+              <a:t>Вендинговый аппарат</a:t>
+            </a:r>
+          </a:p>
+        </p:txBody>
+      </p:sp>
+      <p:pic>
+        <p:nvPicPr>
+          <p:cNvPr id="4" name="Объект 3"/>
+          <p:cNvPicPr>
+            <a:picLocks noGrp="1" noChangeAspect="1"/>
+          </p:cNvPicPr>
           <p:nvPr>
             <p:ph idx="1"/>
           </p:nvPr>
-        </p:nvSpPr>
-        <p:spPr/>
-        <p:txBody>
-          <a:bodyPr/>
-          <a:lstStyle/>
-          <a:p>
-            <a:pPr marL="0" indent="0">
-              <a:buNone/>
-            </a:pPr>
-            <a:r>
-              <a:rPr lang="ru-RU" dirty="0" err="1">
-                <a:latin typeface="Helvetica" panose="020B0604020202020204" pitchFamily="34" charset="0"/>
-                <a:cs typeface="Helvetica" panose="020B0604020202020204" pitchFamily="34" charset="0"/>
-              </a:rPr>
-              <a:t>Блокчейн</a:t>
-            </a:r>
-            <a:r>
-              <a:rPr lang="ru-RU" dirty="0">
-                <a:latin typeface="Helvetica" panose="020B0604020202020204" pitchFamily="34" charset="0"/>
-                <a:cs typeface="Helvetica" panose="020B0604020202020204" pitchFamily="34" charset="0"/>
-              </a:rPr>
-              <a:t> – это, как понятно из названия, цепочка блоков.</a:t>
-            </a:r>
-          </a:p>
-          <a:p>
-            <a:pPr marL="0" indent="0">
-              <a:buNone/>
-            </a:pPr>
-            <a:r>
-              <a:rPr lang="ru-RU" dirty="0">
-                <a:latin typeface="Helvetica" panose="020B0604020202020204" pitchFamily="34" charset="0"/>
-                <a:cs typeface="Helvetica" panose="020B0604020202020204" pitchFamily="34" charset="0"/>
-              </a:rPr>
-              <a:t>Таким образом, большая бухгалтерская книга выглядит как цепочка блоков.</a:t>
-            </a:r>
-          </a:p>
-          <a:p>
-            <a:pPr marL="0" indent="0">
-              <a:buNone/>
-            </a:pPr>
-            <a:endParaRPr lang="ru-RU" dirty="0"/>
-          </a:p>
-        </p:txBody>
-      </p:sp>
+        </p:nvPicPr>
+        <p:blipFill>
+          <a:blip r:embed="rId2">
+            <a:extLst>
+              <a:ext uri="{28A0092B-C50C-407E-A947-70E740481C1C}">
+                <a14:useLocalDpi xmlns:a14="http://schemas.microsoft.com/office/drawing/2010/main" val="0"/>
+              </a:ext>
+            </a:extLst>
+          </a:blip>
+          <a:stretch>
+            <a:fillRect/>
+          </a:stretch>
+        </p:blipFill>
+        <p:spPr>
+          <a:xfrm>
+            <a:off x="952500" y="1294040"/>
+            <a:ext cx="8109857" cy="6266708"/>
+          </a:xfrm>
+        </p:spPr>
+      </p:pic>
     </p:spTree>
     <p:extLst>
       <p:ext uri="{BB962C8B-B14F-4D97-AF65-F5344CB8AC3E}">
-        <p14:creationId xmlns:p14="http://schemas.microsoft.com/office/powerpoint/2010/main" val="286729689"/>
+        <p14:creationId xmlns:p14="http://schemas.microsoft.com/office/powerpoint/2010/main" val="4068241802"/>
       </p:ext>
     </p:extLst>
   </p:cSld>
@@ -8157,7 +10255,7 @@
 </p:sld>
 </file>
 
-<file path=ppt/slides/slide40.xml><?xml version="1.0" encoding="utf-8"?>
+<file path=ppt/slides/slide53.xml><?xml version="1.0" encoding="utf-8"?>
 <p:sld xmlns:a="http://schemas.openxmlformats.org/drawingml/2006/main" xmlns:r="http://schemas.openxmlformats.org/officeDocument/2006/relationships" xmlns:p="http://schemas.openxmlformats.org/presentationml/2006/main">
   <p:cSld>
     <p:spTree>
@@ -8193,149 +10291,44 @@
               <a:rPr lang="ru-RU" dirty="0">
                 <a:latin typeface="Oswald Regular" panose="02000503000000000000" pitchFamily="2" charset="-52"/>
               </a:rPr>
-              <a:t>Существующие проекты на </a:t>
-            </a:r>
-            <a:r>
-              <a:rPr lang="en-US" dirty="0" err="1">
-                <a:latin typeface="Oswald Regular" panose="02000503000000000000" pitchFamily="2" charset="-52"/>
-              </a:rPr>
-              <a:t>Ethereum</a:t>
-            </a:r>
-            <a:endParaRPr lang="ru-RU" dirty="0">
-              <a:latin typeface="Oswald Regular" panose="02000503000000000000" pitchFamily="2" charset="-52"/>
-            </a:endParaRPr>
-          </a:p>
-        </p:txBody>
-      </p:sp>
-      <p:sp>
-        <p:nvSpPr>
-          <p:cNvPr id="3" name="Объект 2"/>
-          <p:cNvSpPr>
-            <a:spLocks noGrp="1"/>
-          </p:cNvSpPr>
+              <a:t>Купля-продажа</a:t>
+            </a:r>
+          </a:p>
+        </p:txBody>
+      </p:sp>
+      <p:pic>
+        <p:nvPicPr>
+          <p:cNvPr id="4" name="Объект 3"/>
+          <p:cNvPicPr>
+            <a:picLocks noGrp="1" noChangeAspect="1"/>
+          </p:cNvPicPr>
           <p:nvPr>
             <p:ph idx="1"/>
           </p:nvPr>
-        </p:nvSpPr>
+        </p:nvPicPr>
+        <p:blipFill>
+          <a:blip r:embed="rId2">
+            <a:extLst>
+              <a:ext uri="{28A0092B-C50C-407E-A947-70E740481C1C}">
+                <a14:useLocalDpi xmlns:a14="http://schemas.microsoft.com/office/drawing/2010/main" val="0"/>
+              </a:ext>
+            </a:extLst>
+          </a:blip>
+          <a:stretch>
+            <a:fillRect/>
+          </a:stretch>
+        </p:blipFill>
         <p:spPr>
-          <a:solidFill>
-            <a:srgbClr val="FFFF00"/>
-          </a:solidFill>
+          <a:xfrm>
+            <a:off x="932729" y="2100791"/>
+            <a:ext cx="10326541" cy="3801005"/>
+          </a:xfrm>
         </p:spPr>
-        <p:txBody>
-          <a:bodyPr/>
-          <a:lstStyle/>
-          <a:p>
-            <a:pPr>
-              <a:buFont typeface="Helvetica" panose="020B0604020202020204" pitchFamily="34" charset="0"/>
-              <a:buChar char="–"/>
-            </a:pPr>
-            <a:r>
-              <a:rPr lang="en-US" dirty="0">
-                <a:latin typeface="Helvetica" panose="020B0604020202020204" pitchFamily="34" charset="0"/>
-                <a:cs typeface="Helvetica" panose="020B0604020202020204" pitchFamily="34" charset="0"/>
-              </a:rPr>
-              <a:t> Slock.it </a:t>
-            </a:r>
-            <a:r>
-              <a:rPr lang="ru-RU" dirty="0">
-                <a:latin typeface="Helvetica" panose="020B0604020202020204" pitchFamily="34" charset="0"/>
-                <a:cs typeface="Helvetica" panose="020B0604020202020204" pitchFamily="34" charset="0"/>
-              </a:rPr>
-              <a:t>и </a:t>
-            </a:r>
-            <a:r>
-              <a:rPr lang="en-US" dirty="0" err="1">
-                <a:latin typeface="Helvetica" panose="020B0604020202020204" pitchFamily="34" charset="0"/>
-                <a:cs typeface="Helvetica" panose="020B0604020202020204" pitchFamily="34" charset="0"/>
-              </a:rPr>
-              <a:t>Golos</a:t>
-            </a:r>
-            <a:endParaRPr lang="en-US" dirty="0">
-              <a:latin typeface="Helvetica" panose="020B0604020202020204" pitchFamily="34" charset="0"/>
-              <a:cs typeface="Helvetica" panose="020B0604020202020204" pitchFamily="34" charset="0"/>
-            </a:endParaRPr>
-          </a:p>
-          <a:p>
-            <a:pPr>
-              <a:buFont typeface="Helvetica" panose="020B0604020202020204" pitchFamily="34" charset="0"/>
-              <a:buChar char="–"/>
-            </a:pPr>
-            <a:r>
-              <a:rPr lang="en-US" dirty="0">
-                <a:latin typeface="Helvetica" panose="020B0604020202020204" pitchFamily="34" charset="0"/>
-                <a:cs typeface="Helvetica" panose="020B0604020202020204" pitchFamily="34" charset="0"/>
-              </a:rPr>
-              <a:t> </a:t>
-            </a:r>
-            <a:r>
-              <a:rPr lang="en-US" dirty="0" err="1">
-                <a:latin typeface="Helvetica" panose="020B0604020202020204" pitchFamily="34" charset="0"/>
-                <a:cs typeface="Helvetica" panose="020B0604020202020204" pitchFamily="34" charset="0"/>
-              </a:rPr>
-              <a:t>TheDAO</a:t>
-            </a:r>
-            <a:endParaRPr lang="en-US" dirty="0">
-              <a:latin typeface="Helvetica" panose="020B0604020202020204" pitchFamily="34" charset="0"/>
-              <a:cs typeface="Helvetica" panose="020B0604020202020204" pitchFamily="34" charset="0"/>
-            </a:endParaRPr>
-          </a:p>
-          <a:p>
-            <a:pPr>
-              <a:buFont typeface="Helvetica" panose="020B0604020202020204" pitchFamily="34" charset="0"/>
-              <a:buChar char="–"/>
-            </a:pPr>
-            <a:r>
-              <a:rPr lang="en-US" dirty="0">
-                <a:latin typeface="Helvetica" panose="020B0604020202020204" pitchFamily="34" charset="0"/>
-                <a:cs typeface="Helvetica" panose="020B0604020202020204" pitchFamily="34" charset="0"/>
-              </a:rPr>
-              <a:t> Edgeless.io</a:t>
-            </a:r>
-            <a:endParaRPr lang="ru-RU" dirty="0">
-              <a:latin typeface="Helvetica" panose="020B0604020202020204" pitchFamily="34" charset="0"/>
-              <a:cs typeface="Helvetica" panose="020B0604020202020204" pitchFamily="34" charset="0"/>
-            </a:endParaRPr>
-          </a:p>
-          <a:p>
-            <a:pPr>
-              <a:buFont typeface="Helvetica" panose="020B0604020202020204" pitchFamily="34" charset="0"/>
-              <a:buChar char="–"/>
-            </a:pPr>
-            <a:r>
-              <a:rPr lang="en-US" dirty="0">
-                <a:latin typeface="Helvetica" panose="020B0604020202020204" pitchFamily="34" charset="0"/>
-                <a:cs typeface="Helvetica" panose="020B0604020202020204" pitchFamily="34" charset="0"/>
-              </a:rPr>
-              <a:t> </a:t>
-            </a:r>
-            <a:r>
-              <a:rPr lang="en-US" dirty="0" err="1">
-                <a:latin typeface="Helvetica" panose="020B0604020202020204" pitchFamily="34" charset="0"/>
-                <a:cs typeface="Helvetica" panose="020B0604020202020204" pitchFamily="34" charset="0"/>
-              </a:rPr>
-              <a:t>MediaChain</a:t>
-            </a:r>
-            <a:endParaRPr lang="ru-RU" dirty="0">
-              <a:latin typeface="Helvetica" panose="020B0604020202020204" pitchFamily="34" charset="0"/>
-              <a:cs typeface="Helvetica" panose="020B0604020202020204" pitchFamily="34" charset="0"/>
-            </a:endParaRPr>
-          </a:p>
-          <a:p>
-            <a:pPr marL="0" indent="0">
-              <a:buNone/>
-            </a:pPr>
-            <a:endParaRPr lang="ru-RU" dirty="0">
-              <a:latin typeface="Helvetica" panose="020B0604020202020204" pitchFamily="34" charset="0"/>
-              <a:cs typeface="Helvetica" panose="020B0604020202020204" pitchFamily="34" charset="0"/>
-            </a:endParaRPr>
-          </a:p>
-        </p:txBody>
-      </p:sp>
+      </p:pic>
     </p:spTree>
     <p:extLst>
       <p:ext uri="{BB962C8B-B14F-4D97-AF65-F5344CB8AC3E}">
-        <p14:creationId xmlns:p14="http://schemas.microsoft.com/office/powerpoint/2010/main" val="3227692667"/>
+        <p14:creationId xmlns:p14="http://schemas.microsoft.com/office/powerpoint/2010/main" val="4290450801"/>
       </p:ext>
     </p:extLst>
   </p:cSld>
@@ -8345,267 +10338,7 @@
 </p:sld>
 </file>
 
-<file path=ppt/slides/slide41.xml><?xml version="1.0" encoding="utf-8"?>
-<p:sld xmlns:a="http://schemas.openxmlformats.org/drawingml/2006/main" xmlns:r="http://schemas.openxmlformats.org/officeDocument/2006/relationships" xmlns:p="http://schemas.openxmlformats.org/presentationml/2006/main">
-  <p:cSld>
-    <p:bg>
-      <p:bgPr>
-        <a:solidFill>
-          <a:schemeClr val="tx1"/>
-        </a:solidFill>
-        <a:effectLst/>
-      </p:bgPr>
-    </p:bg>
-    <p:spTree>
-      <p:nvGrpSpPr>
-        <p:cNvPr id="1" name=""/>
-        <p:cNvGrpSpPr/>
-        <p:nvPr/>
-      </p:nvGrpSpPr>
-      <p:grpSpPr>
-        <a:xfrm>
-          <a:off x="0" y="0"/>
-          <a:ext cx="0" cy="0"/>
-          <a:chOff x="0" y="0"/>
-          <a:chExt cx="0" cy="0"/>
-        </a:xfrm>
-      </p:grpSpPr>
-      <p:sp>
-        <p:nvSpPr>
-          <p:cNvPr id="2" name="Заголовок 1"/>
-          <p:cNvSpPr>
-            <a:spLocks noGrp="1"/>
-          </p:cNvSpPr>
-          <p:nvPr>
-            <p:ph type="title"/>
-          </p:nvPr>
-        </p:nvSpPr>
-        <p:spPr/>
-        <p:txBody>
-          <a:bodyPr/>
-          <a:lstStyle/>
-          <a:p>
-            <a:r>
-              <a:rPr lang="ru-RU" dirty="0">
-                <a:solidFill>
-                  <a:srgbClr val="FFFF00"/>
-                </a:solidFill>
-                <a:latin typeface="Oswald Regular" panose="02000503000000000000" pitchFamily="2" charset="-52"/>
-                <a:cs typeface="Helvetica" panose="020B0604020202020204" pitchFamily="34" charset="0"/>
-              </a:rPr>
-              <a:t>Как бросить учёбу и провести ICO?</a:t>
-            </a:r>
-          </a:p>
-        </p:txBody>
-      </p:sp>
-      <p:sp>
-        <p:nvSpPr>
-          <p:cNvPr id="3" name="Объект 2"/>
-          <p:cNvSpPr>
-            <a:spLocks noGrp="1"/>
-          </p:cNvSpPr>
-          <p:nvPr>
-            <p:ph idx="1"/>
-          </p:nvPr>
-        </p:nvSpPr>
-        <p:spPr>
-          <a:xfrm>
-            <a:off x="838200" y="1690688"/>
-            <a:ext cx="10515600" cy="4351338"/>
-          </a:xfrm>
-        </p:spPr>
-        <p:txBody>
-          <a:bodyPr/>
-          <a:lstStyle/>
-          <a:p>
-            <a:pPr fontAlgn="base">
-              <a:buFont typeface="Helvetica" panose="020B0604020202020204" pitchFamily="34" charset="0"/>
-              <a:buChar char="–"/>
-            </a:pPr>
-            <a:r>
-              <a:rPr lang="ru-RU" sz="2400" dirty="0">
-                <a:solidFill>
-                  <a:schemeClr val="bg1"/>
-                </a:solidFill>
-                <a:latin typeface="Helvetica" panose="020B0604020202020204" pitchFamily="34" charset="0"/>
-                <a:cs typeface="Helvetica" panose="020B0604020202020204" pitchFamily="34" charset="0"/>
-              </a:rPr>
-              <a:t>сделать </a:t>
-            </a:r>
-            <a:r>
-              <a:rPr lang="ru-RU" sz="2400" dirty="0" err="1">
-                <a:solidFill>
-                  <a:schemeClr val="bg1"/>
-                </a:solidFill>
-                <a:latin typeface="Helvetica" panose="020B0604020202020204" pitchFamily="34" charset="0"/>
-                <a:cs typeface="Helvetica" panose="020B0604020202020204" pitchFamily="34" charset="0"/>
-              </a:rPr>
-              <a:t>лендинг</a:t>
-            </a:r>
-            <a:r>
-              <a:rPr lang="ru-RU" sz="2400" dirty="0">
-                <a:solidFill>
-                  <a:schemeClr val="bg1"/>
-                </a:solidFill>
-                <a:latin typeface="Helvetica" panose="020B0604020202020204" pitchFamily="34" charset="0"/>
-                <a:cs typeface="Helvetica" panose="020B0604020202020204" pitchFamily="34" charset="0"/>
-              </a:rPr>
-              <a:t> за 10 тысяч рублей</a:t>
-            </a:r>
-          </a:p>
-          <a:p>
-            <a:pPr fontAlgn="base">
-              <a:buFont typeface="Helvetica" panose="020B0604020202020204" pitchFamily="34" charset="0"/>
-              <a:buChar char="–"/>
-            </a:pPr>
-            <a:r>
-              <a:rPr lang="ru-RU" sz="2400" dirty="0">
-                <a:solidFill>
-                  <a:schemeClr val="bg1"/>
-                </a:solidFill>
-                <a:latin typeface="Helvetica" panose="020B0604020202020204" pitchFamily="34" charset="0"/>
-                <a:cs typeface="Helvetica" panose="020B0604020202020204" pitchFamily="34" charset="0"/>
-              </a:rPr>
-              <a:t>посадить одногруппницу, знающую английский, писать </a:t>
-            </a:r>
-            <a:r>
-              <a:rPr lang="ru-RU" sz="2400" dirty="0" err="1">
-                <a:solidFill>
-                  <a:schemeClr val="bg1"/>
-                </a:solidFill>
-                <a:latin typeface="Helvetica" panose="020B0604020202020204" pitchFamily="34" charset="0"/>
-                <a:cs typeface="Helvetica" panose="020B0604020202020204" pitchFamily="34" charset="0"/>
-              </a:rPr>
-              <a:t>whitepaper</a:t>
-            </a:r>
-            <a:endParaRPr lang="ru-RU" sz="2400" dirty="0">
-              <a:solidFill>
-                <a:schemeClr val="bg1"/>
-              </a:solidFill>
-              <a:latin typeface="Helvetica" panose="020B0604020202020204" pitchFamily="34" charset="0"/>
-              <a:cs typeface="Helvetica" panose="020B0604020202020204" pitchFamily="34" charset="0"/>
-            </a:endParaRPr>
-          </a:p>
-          <a:p>
-            <a:pPr fontAlgn="base">
-              <a:buFont typeface="Helvetica" panose="020B0604020202020204" pitchFamily="34" charset="0"/>
-              <a:buChar char="–"/>
-            </a:pPr>
-            <a:r>
-              <a:rPr lang="ru-RU" sz="2400" dirty="0">
-                <a:solidFill>
-                  <a:schemeClr val="bg1"/>
-                </a:solidFill>
-                <a:latin typeface="Helvetica" panose="020B0604020202020204" pitchFamily="34" charset="0"/>
-                <a:cs typeface="Helvetica" panose="020B0604020202020204" pitchFamily="34" charset="0"/>
-              </a:rPr>
-              <a:t>скопировать код успешного ICO с </a:t>
-            </a:r>
-            <a:r>
-              <a:rPr lang="ru-RU" sz="2400" dirty="0" err="1">
-                <a:solidFill>
-                  <a:schemeClr val="bg1"/>
-                </a:solidFill>
-                <a:latin typeface="Helvetica" panose="020B0604020202020204" pitchFamily="34" charset="0"/>
-                <a:cs typeface="Helvetica" panose="020B0604020202020204" pitchFamily="34" charset="0"/>
-              </a:rPr>
-              <a:t>github</a:t>
-            </a:r>
-            <a:endParaRPr lang="ru-RU" sz="2400" dirty="0">
-              <a:solidFill>
-                <a:schemeClr val="bg1"/>
-              </a:solidFill>
-              <a:latin typeface="Helvetica" panose="020B0604020202020204" pitchFamily="34" charset="0"/>
-              <a:cs typeface="Helvetica" panose="020B0604020202020204" pitchFamily="34" charset="0"/>
-            </a:endParaRPr>
-          </a:p>
-          <a:p>
-            <a:pPr fontAlgn="base">
-              <a:buFont typeface="Helvetica" panose="020B0604020202020204" pitchFamily="34" charset="0"/>
-              <a:buChar char="–"/>
-            </a:pPr>
-            <a:r>
-              <a:rPr lang="ru-RU" sz="2400" dirty="0">
-                <a:solidFill>
-                  <a:schemeClr val="bg1"/>
-                </a:solidFill>
-                <a:latin typeface="Helvetica" panose="020B0604020202020204" pitchFamily="34" charset="0"/>
-                <a:cs typeface="Helvetica" panose="020B0604020202020204" pitchFamily="34" charset="0"/>
-              </a:rPr>
-              <a:t>заказать статью в </a:t>
-            </a:r>
-            <a:r>
-              <a:rPr lang="ru-RU" sz="2400" dirty="0" err="1">
-                <a:solidFill>
-                  <a:schemeClr val="bg1"/>
-                </a:solidFill>
-                <a:latin typeface="Helvetica" panose="020B0604020202020204" pitchFamily="34" charset="0"/>
-                <a:cs typeface="Helvetica" panose="020B0604020202020204" pitchFamily="34" charset="0"/>
-              </a:rPr>
-              <a:t>CoinTelegraph</a:t>
-            </a:r>
-            <a:endParaRPr lang="ru-RU" sz="2400" dirty="0">
-              <a:solidFill>
-                <a:schemeClr val="bg1"/>
-              </a:solidFill>
-              <a:latin typeface="Helvetica" panose="020B0604020202020204" pitchFamily="34" charset="0"/>
-              <a:cs typeface="Helvetica" panose="020B0604020202020204" pitchFamily="34" charset="0"/>
-            </a:endParaRPr>
-          </a:p>
-          <a:p>
-            <a:pPr fontAlgn="base">
-              <a:buFont typeface="Helvetica" panose="020B0604020202020204" pitchFamily="34" charset="0"/>
-              <a:buChar char="–"/>
-            </a:pPr>
-            <a:r>
-              <a:rPr lang="ru-RU" sz="2400" dirty="0">
-                <a:solidFill>
-                  <a:schemeClr val="bg1"/>
-                </a:solidFill>
-                <a:latin typeface="Helvetica" panose="020B0604020202020204" pitchFamily="34" charset="0"/>
-                <a:cs typeface="Helvetica" panose="020B0604020202020204" pitchFamily="34" charset="0"/>
-              </a:rPr>
-              <a:t>собрать 2-3 миллиона $ за несколько дней</a:t>
-            </a:r>
-          </a:p>
-          <a:p>
-            <a:pPr fontAlgn="base">
-              <a:buFont typeface="Helvetica" panose="020B0604020202020204" pitchFamily="34" charset="0"/>
-              <a:buChar char="–"/>
-            </a:pPr>
-            <a:r>
-              <a:rPr lang="ru-RU" sz="2400" dirty="0">
-                <a:solidFill>
-                  <a:schemeClr val="bg1"/>
-                </a:solidFill>
-                <a:latin typeface="Helvetica" panose="020B0604020202020204" pitchFamily="34" charset="0"/>
-                <a:cs typeface="Helvetica" panose="020B0604020202020204" pitchFamily="34" charset="0"/>
-              </a:rPr>
-              <a:t>вынуть все деньги из контракта и убежать в неизвестном направлении</a:t>
-            </a:r>
-          </a:p>
-          <a:p>
-            <a:pPr marL="0" indent="0">
-              <a:buNone/>
-            </a:pPr>
-            <a:endParaRPr lang="ru-RU" dirty="0"/>
-          </a:p>
-        </p:txBody>
-      </p:sp>
-    </p:spTree>
-    <p:extLst>
-      <p:ext uri="{BB962C8B-B14F-4D97-AF65-F5344CB8AC3E}">
-        <p14:creationId xmlns:p14="http://schemas.microsoft.com/office/powerpoint/2010/main" val="1240186377"/>
-      </p:ext>
-    </p:extLst>
-  </p:cSld>
-  <p:clrMapOvr>
-    <a:masterClrMapping/>
-  </p:clrMapOvr>
-</p:sld>
-</file>
-
-<file path=ppt/slides/slide42.xml><?xml version="1.0" encoding="utf-8"?>
+<file path=ppt/slides/slide54.xml><?xml version="1.0" encoding="utf-8"?>
 <p:sld xmlns:a="http://schemas.openxmlformats.org/drawingml/2006/main" xmlns:r="http://schemas.openxmlformats.org/officeDocument/2006/relationships" xmlns:p="http://schemas.openxmlformats.org/presentationml/2006/main">
   <p:cSld>
     <p:spTree>
@@ -8640,25 +10373,18 @@
             <a:r>
               <a:rPr lang="ru-RU" dirty="0">
                 <a:latin typeface="Oswald Regular" panose="02000503000000000000" pitchFamily="2" charset="-52"/>
-                <a:cs typeface="Helvetica" panose="020B0604020202020204" pitchFamily="34" charset="0"/>
-              </a:rPr>
-              <a:t>Какие задачи есть в </a:t>
-            </a:r>
-            <a:r>
-              <a:rPr lang="ru-RU" dirty="0" err="1">
+              </a:rPr>
+              <a:t>Приватный </a:t>
+            </a:r>
+            <a:r>
+              <a:rPr lang="en-US" dirty="0">
                 <a:latin typeface="Oswald Regular" panose="02000503000000000000" pitchFamily="2" charset="-52"/>
-                <a:cs typeface="Helvetica" panose="020B0604020202020204" pitchFamily="34" charset="0"/>
-              </a:rPr>
-              <a:t>криптомире</a:t>
-            </a:r>
-            <a:r>
-              <a:rPr lang="ru-RU" dirty="0">
-                <a:latin typeface="Oswald Regular" panose="02000503000000000000" pitchFamily="2" charset="-52"/>
-                <a:cs typeface="Helvetica" panose="020B0604020202020204" pitchFamily="34" charset="0"/>
-              </a:rPr>
-              <a:t>?</a:t>
-            </a:r>
-            <a:endParaRPr lang="ru-RU" dirty="0"/>
+              </a:rPr>
+              <a:t>blockchain</a:t>
+            </a:r>
+            <a:endParaRPr lang="ru-RU" dirty="0">
+              <a:latin typeface="Oswald Regular" panose="02000503000000000000" pitchFamily="2" charset="-52"/>
+            </a:endParaRPr>
           </a:p>
         </p:txBody>
       </p:sp>
@@ -8674,47 +10400,131 @@
         </p:nvSpPr>
         <p:spPr/>
         <p:txBody>
-          <a:bodyPr vert="horz" lIns="91440" tIns="45720" rIns="91440" bIns="45720" rtlCol="0" anchor="t">
-            <a:normAutofit/>
-          </a:bodyPr>
-          <a:lstStyle/>
-          <a:p>
+          <a:bodyPr/>
+          <a:lstStyle/>
+          <a:p>
+            <a:pPr>
+              <a:buFont typeface="Helvetica" panose="020B0604020202020204" pitchFamily="34" charset="0"/>
+              <a:buChar char="–"/>
+            </a:pPr>
+            <a:r>
+              <a:rPr lang="ru-RU" dirty="0">
+                <a:latin typeface="Helvetica" panose="020B0604020202020204" pitchFamily="34" charset="0"/>
+                <a:cs typeface="Helvetica" panose="020B0604020202020204" pitchFamily="34" charset="0"/>
+              </a:rPr>
+              <a:t> </a:t>
+            </a:r>
+            <a:r>
+              <a:rPr lang="en-US" dirty="0" err="1">
+                <a:latin typeface="Helvetica" panose="020B0604020202020204" pitchFamily="34" charset="0"/>
+                <a:cs typeface="Helvetica" panose="020B0604020202020204" pitchFamily="34" charset="0"/>
+              </a:rPr>
+              <a:t>Hyperledger</a:t>
+            </a:r>
             <a:r>
               <a:rPr lang="en-US" dirty="0">
                 <a:latin typeface="Helvetica" panose="020B0604020202020204" pitchFamily="34" charset="0"/>
                 <a:cs typeface="Helvetica" panose="020B0604020202020204" pitchFamily="34" charset="0"/>
               </a:rPr>
-              <a:t>Research</a:t>
-            </a:r>
-          </a:p>
-          <a:p>
+              <a:t> </a:t>
+            </a:r>
+            <a:r>
+              <a:rPr lang="ru-RU" dirty="0">
+                <a:latin typeface="Helvetica" panose="020B0604020202020204" pitchFamily="34" charset="0"/>
+                <a:cs typeface="Helvetica" panose="020B0604020202020204" pitchFamily="34" charset="0"/>
+              </a:rPr>
+              <a:t>от </a:t>
+            </a:r>
             <a:r>
               <a:rPr lang="en-US" dirty="0">
                 <a:latin typeface="Helvetica" panose="020B0604020202020204" pitchFamily="34" charset="0"/>
                 <a:cs typeface="Helvetica" panose="020B0604020202020204" pitchFamily="34" charset="0"/>
               </a:rPr>
-              <a:t>Developing core features</a:t>
-            </a:r>
-          </a:p>
-          <a:p>
-            <a:r>
-              <a:rPr lang="en-US" dirty="0">
-                <a:latin typeface="Helvetica" panose="020B0604020202020204" pitchFamily="34" charset="0"/>
-                <a:cs typeface="Helvetica" panose="020B0604020202020204" pitchFamily="34" charset="0"/>
-              </a:rPr>
-              <a:t>Smart-contracts</a:t>
-            </a:r>
-            <a:endParaRPr lang="ru-RU" dirty="0">
-              <a:latin typeface="Helvetica" panose="020B0604020202020204" pitchFamily="34" charset="0"/>
-              <a:cs typeface="Helvetica" panose="020B0604020202020204" pitchFamily="34" charset="0"/>
-            </a:endParaRPr>
-          </a:p>
-        </p:txBody>
-      </p:sp>
+              <a:t>IBM</a:t>
+            </a:r>
+          </a:p>
+          <a:p>
+            <a:pPr>
+              <a:buFont typeface="Helvetica" panose="020B0604020202020204" pitchFamily="34" charset="0"/>
+              <a:buChar char="–"/>
+            </a:pPr>
+            <a:r>
+              <a:rPr lang="ru-RU" dirty="0">
+                <a:latin typeface="Helvetica" panose="020B0604020202020204" pitchFamily="34" charset="0"/>
+                <a:cs typeface="Helvetica" panose="020B0604020202020204" pitchFamily="34" charset="0"/>
+              </a:rPr>
+              <a:t> Приватный реестр от Сбербанка</a:t>
+            </a:r>
+          </a:p>
+          <a:p>
+            <a:endParaRPr lang="en-US" dirty="0"/>
+          </a:p>
+        </p:txBody>
+      </p:sp>
+      <p:pic>
+        <p:nvPicPr>
+          <p:cNvPr id="4" name="Рисунок 3"/>
+          <p:cNvPicPr>
+            <a:picLocks noChangeAspect="1"/>
+          </p:cNvPicPr>
+          <p:nvPr/>
+        </p:nvPicPr>
+        <p:blipFill>
+          <a:blip r:embed="rId2">
+            <a:extLst>
+              <a:ext uri="{28A0092B-C50C-407E-A947-70E740481C1C}">
+                <a14:useLocalDpi xmlns:a14="http://schemas.microsoft.com/office/drawing/2010/main" val="0"/>
+              </a:ext>
+            </a:extLst>
+          </a:blip>
+          <a:stretch>
+            <a:fillRect/>
+          </a:stretch>
+        </p:blipFill>
+        <p:spPr>
+          <a:xfrm>
+            <a:off x="838200" y="2908088"/>
+            <a:ext cx="5562600" cy="1195959"/>
+          </a:xfrm>
+          <a:prstGeom prst="rect">
+            <a:avLst/>
+          </a:prstGeom>
+        </p:spPr>
+      </p:pic>
+      <p:pic>
+        <p:nvPicPr>
+          <p:cNvPr id="5" name="Рисунок 4"/>
+          <p:cNvPicPr>
+            <a:picLocks noChangeAspect="1"/>
+          </p:cNvPicPr>
+          <p:nvPr/>
+        </p:nvPicPr>
+        <p:blipFill>
+          <a:blip r:embed="rId3">
+            <a:extLst>
+              <a:ext uri="{28A0092B-C50C-407E-A947-70E740481C1C}">
+                <a14:useLocalDpi xmlns:a14="http://schemas.microsoft.com/office/drawing/2010/main" val="0"/>
+              </a:ext>
+            </a:extLst>
+          </a:blip>
+          <a:stretch>
+            <a:fillRect/>
+          </a:stretch>
+        </p:blipFill>
+        <p:spPr>
+          <a:xfrm>
+            <a:off x="6769100" y="3152418"/>
+            <a:ext cx="4584700" cy="1136445"/>
+          </a:xfrm>
+          <a:prstGeom prst="rect">
+            <a:avLst/>
+          </a:prstGeom>
+        </p:spPr>
+      </p:pic>
     </p:spTree>
     <p:extLst>
       <p:ext uri="{BB962C8B-B14F-4D97-AF65-F5344CB8AC3E}">
-        <p14:creationId xmlns:p14="http://schemas.microsoft.com/office/powerpoint/2010/main" val="3235032641"/>
+        <p14:creationId xmlns:p14="http://schemas.microsoft.com/office/powerpoint/2010/main" val="1032930679"/>
       </p:ext>
     </p:extLst>
   </p:cSld>
@@ -8724,7 +10534,7 @@
 </p:sld>
 </file>
 
-<file path=ppt/slides/slide43.xml><?xml version="1.0" encoding="utf-8"?>
+<file path=ppt/slides/slide55.xml><?xml version="1.0" encoding="utf-8"?>
 <p:sld xmlns:a="http://schemas.openxmlformats.org/drawingml/2006/main" xmlns:r="http://schemas.openxmlformats.org/officeDocument/2006/relationships" xmlns:p="http://schemas.openxmlformats.org/presentationml/2006/main">
   <p:cSld>
     <p:spTree>
@@ -8757,188 +10567,50 @@
           <a:lstStyle/>
           <a:p>
             <a:r>
-              <a:rPr lang="ru-RU" dirty="0">
+              <a:rPr lang="en-US" dirty="0">
                 <a:latin typeface="Oswald Regular" panose="02000503000000000000" pitchFamily="2" charset="-52"/>
               </a:rPr>
-              <a:t>Спасибо!</a:t>
-            </a:r>
-          </a:p>
-        </p:txBody>
-      </p:sp>
-      <p:sp>
-        <p:nvSpPr>
-          <p:cNvPr id="3" name="Объект 2"/>
-          <p:cNvSpPr>
-            <a:spLocks noGrp="1"/>
-          </p:cNvSpPr>
+              <a:t>Gambling</a:t>
+            </a:r>
+            <a:endParaRPr lang="ru-RU" dirty="0">
+              <a:latin typeface="Oswald Regular" panose="02000503000000000000" pitchFamily="2" charset="-52"/>
+            </a:endParaRPr>
+          </a:p>
+        </p:txBody>
+      </p:sp>
+      <p:pic>
+        <p:nvPicPr>
+          <p:cNvPr id="4" name="Объект 3"/>
+          <p:cNvPicPr>
+            <a:picLocks noGrp="1" noChangeAspect="1"/>
+          </p:cNvPicPr>
           <p:nvPr>
             <p:ph idx="1"/>
           </p:nvPr>
-        </p:nvSpPr>
-        <p:spPr/>
-        <p:txBody>
-          <a:bodyPr vert="horz" lIns="91440" tIns="45720" rIns="91440" bIns="45720" rtlCol="0" anchor="t">
-            <a:normAutofit/>
-          </a:bodyPr>
-          <a:lstStyle/>
-          <a:p>
-            <a:pPr marL="0" indent="0">
-              <a:buNone/>
-            </a:pPr>
-            <a:r>
-              <a:rPr lang="en-US" dirty="0">
-                <a:latin typeface="Helvetica" panose="020B0604020202020204" pitchFamily="34" charset="0"/>
-                <a:cs typeface="Helvetica" panose="020B0604020202020204" pitchFamily="34" charset="0"/>
-              </a:rPr>
-              <a:t>email: </a:t>
-            </a:r>
-            <a:r>
-              <a:rPr lang="en-US" dirty="0">
-                <a:latin typeface="Helvetica" panose="020B0604020202020204" pitchFamily="34" charset="0"/>
-                <a:cs typeface="Helvetica" panose="020B0604020202020204" pitchFamily="34" charset="0"/>
-                <a:hlinkClick r:id="rId2"/>
-              </a:rPr>
-              <a:t>amax0703@gmail.com</a:t>
-            </a:r>
-            <a:endParaRPr lang="en-US" dirty="0">
-              <a:latin typeface="Helvetica" panose="020B0604020202020204" pitchFamily="34" charset="0"/>
-              <a:cs typeface="Helvetica" panose="020B0604020202020204" pitchFamily="34" charset="0"/>
-            </a:endParaRPr>
-          </a:p>
-          <a:p>
-            <a:pPr marL="0" indent="0">
-              <a:buNone/>
-            </a:pPr>
-            <a:r>
-              <a:rPr lang="en-US" dirty="0" err="1">
-                <a:latin typeface="Helvetica" panose="020B0604020202020204" pitchFamily="34" charset="0"/>
-                <a:cs typeface="Helvetica" panose="020B0604020202020204" pitchFamily="34" charset="0"/>
-              </a:rPr>
-              <a:t>github</a:t>
-            </a:r>
-            <a:r>
-              <a:rPr lang="en-US" dirty="0">
-                <a:latin typeface="Helvetica" panose="020B0604020202020204" pitchFamily="34" charset="0"/>
-                <a:cs typeface="Helvetica" panose="020B0604020202020204" pitchFamily="34" charset="0"/>
-              </a:rPr>
-              <a:t>: </a:t>
-            </a:r>
-            <a:r>
-              <a:rPr lang="en-US" dirty="0" err="1">
-                <a:latin typeface="Helvetica" panose="020B0604020202020204" pitchFamily="34" charset="0"/>
-                <a:cs typeface="Helvetica" panose="020B0604020202020204" pitchFamily="34" charset="0"/>
-              </a:rPr>
-              <a:t>misteraverin</a:t>
-            </a:r>
-            <a:endParaRPr lang="en-US" dirty="0">
-              <a:latin typeface="Helvetica" panose="020B0604020202020204" pitchFamily="34" charset="0"/>
-              <a:cs typeface="Helvetica" panose="020B0604020202020204" pitchFamily="34" charset="0"/>
-            </a:endParaRPr>
-          </a:p>
-          <a:p>
-            <a:pPr marL="0" indent="0">
-              <a:buNone/>
-            </a:pPr>
-            <a:r>
-              <a:rPr lang="en-US" dirty="0">
-                <a:latin typeface="Helvetica" panose="020B0604020202020204" pitchFamily="34" charset="0"/>
-                <a:cs typeface="Helvetica" panose="020B0604020202020204" pitchFamily="34" charset="0"/>
-              </a:rPr>
-              <a:t>telegram: </a:t>
-            </a:r>
-            <a:r>
-              <a:rPr lang="en-US" dirty="0" err="1">
-                <a:latin typeface="Helvetica" panose="020B0604020202020204" pitchFamily="34" charset="0"/>
-                <a:cs typeface="Helvetica" panose="020B0604020202020204" pitchFamily="34" charset="0"/>
-              </a:rPr>
-              <a:t>misteraverin</a:t>
-            </a:r>
-          </a:p>
-          <a:p>
-            <a:pPr marL="0" indent="0">
-              <a:buNone/>
-            </a:pPr>
-            <a:endParaRPr lang="en-US">
-              <a:latin typeface="Helvetica" panose="020B0604020202020204" pitchFamily="34" charset="0"/>
-              <a:cs typeface="Helvetica" panose="020B0604020202020204" pitchFamily="34" charset="0"/>
-            </a:endParaRPr>
-          </a:p>
-          <a:p>
-            <a:pPr marL="0" indent="0">
-              <a:buNone/>
-            </a:pPr>
-            <a:r>
-              <a:rPr lang="en-US" dirty="0" err="1">
-                <a:latin typeface="Helvetica" panose="020B0604020202020204" pitchFamily="34" charset="0"/>
-                <a:cs typeface="Helvetica" panose="020B0604020202020204" pitchFamily="34" charset="0"/>
-              </a:rPr>
-              <a:t>Ссылка</a:t>
-            </a:r>
-            <a:r>
-              <a:rPr lang="en-US" dirty="0">
-                <a:latin typeface="Helvetica" panose="020B0604020202020204" pitchFamily="34" charset="0"/>
-                <a:cs typeface="Helvetica" panose="020B0604020202020204" pitchFamily="34" charset="0"/>
-              </a:rPr>
-              <a:t> </a:t>
-            </a:r>
-            <a:r>
-              <a:rPr lang="en-US" dirty="0" err="1">
-                <a:latin typeface="Helvetica" panose="020B0604020202020204" pitchFamily="34" charset="0"/>
-                <a:cs typeface="Helvetica" panose="020B0604020202020204" pitchFamily="34" charset="0"/>
-              </a:rPr>
-              <a:t>на</a:t>
-            </a:r>
-            <a:r>
-              <a:rPr lang="en-US" dirty="0">
-                <a:latin typeface="Helvetica" panose="020B0604020202020204" pitchFamily="34" charset="0"/>
-                <a:cs typeface="Helvetica" panose="020B0604020202020204" pitchFamily="34" charset="0"/>
-              </a:rPr>
-              <a:t> </a:t>
-            </a:r>
-            <a:r>
-              <a:rPr lang="en-US" dirty="0" err="1">
-                <a:latin typeface="Helvetica" panose="020B0604020202020204" pitchFamily="34" charset="0"/>
-                <a:cs typeface="Helvetica" panose="020B0604020202020204" pitchFamily="34" charset="0"/>
-              </a:rPr>
-              <a:t>эту</a:t>
-            </a:r>
-            <a:r>
-              <a:rPr lang="en-US" dirty="0">
-                <a:latin typeface="Helvetica" panose="020B0604020202020204" pitchFamily="34" charset="0"/>
-                <a:cs typeface="Helvetica" panose="020B0604020202020204" pitchFamily="34" charset="0"/>
-              </a:rPr>
-              <a:t> </a:t>
-            </a:r>
-            <a:r>
-              <a:rPr lang="en-US" dirty="0" err="1">
-                <a:latin typeface="Helvetica" panose="020B0604020202020204" pitchFamily="34" charset="0"/>
-                <a:cs typeface="Helvetica" panose="020B0604020202020204" pitchFamily="34" charset="0"/>
-              </a:rPr>
-              <a:t>лекцию</a:t>
-            </a:r>
-            <a:r>
-              <a:rPr lang="en-US" dirty="0">
-                <a:latin typeface="Helvetica" panose="020B0604020202020204" pitchFamily="34" charset="0"/>
-                <a:cs typeface="Helvetica" panose="020B0604020202020204" pitchFamily="34" charset="0"/>
-              </a:rPr>
-              <a:t>: github.com/bitcoin-materials</a:t>
-            </a:r>
-          </a:p>
-          <a:p>
-            <a:pPr marL="0" indent="0">
-              <a:buNone/>
-            </a:pPr>
-            <a:endParaRPr lang="en-US" dirty="0">
-              <a:latin typeface="Helvetica" panose="020B0604020202020204" pitchFamily="34" charset="0"/>
-              <a:cs typeface="Helvetica" panose="020B0604020202020204" pitchFamily="34" charset="0"/>
-            </a:endParaRPr>
-          </a:p>
-        </p:txBody>
-      </p:sp>
+        </p:nvPicPr>
+        <p:blipFill>
+          <a:blip r:embed="rId2">
+            <a:extLst>
+              <a:ext uri="{28A0092B-C50C-407E-A947-70E740481C1C}">
+                <a14:useLocalDpi xmlns:a14="http://schemas.microsoft.com/office/drawing/2010/main" val="0"/>
+              </a:ext>
+            </a:extLst>
+          </a:blip>
+          <a:stretch>
+            <a:fillRect/>
+          </a:stretch>
+        </p:blipFill>
+        <p:spPr>
+          <a:xfrm>
+            <a:off x="838200" y="1385094"/>
+            <a:ext cx="10644640" cy="5322320"/>
+          </a:xfrm>
+        </p:spPr>
+      </p:pic>
     </p:spTree>
     <p:extLst>
       <p:ext uri="{BB962C8B-B14F-4D97-AF65-F5344CB8AC3E}">
-        <p14:creationId xmlns:p14="http://schemas.microsoft.com/office/powerpoint/2010/main" val="1195231779"/>
+        <p14:creationId xmlns:p14="http://schemas.microsoft.com/office/powerpoint/2010/main" val="4113093744"/>
       </p:ext>
     </p:extLst>
   </p:cSld>
@@ -8948,7 +10620,7 @@
 </p:sld>
 </file>
 
-<file path=ppt/slides/slide5.xml><?xml version="1.0" encoding="utf-8"?>
+<file path=ppt/slides/slide56.xml><?xml version="1.0" encoding="utf-8"?>
 <p:sld xmlns:a="http://schemas.openxmlformats.org/drawingml/2006/main" xmlns:r="http://schemas.openxmlformats.org/officeDocument/2006/relationships" xmlns:p="http://schemas.openxmlformats.org/presentationml/2006/main">
   <p:cSld>
     <p:spTree>
@@ -8983,8 +10655,9 @@
             <a:r>
               <a:rPr lang="ru-RU" dirty="0">
                 <a:latin typeface="Oswald Regular" panose="02000503000000000000" pitchFamily="2" charset="-52"/>
-              </a:rPr>
-              <a:t>Принципы построения цепочки блоков</a:t>
+                <a:cs typeface="Helvetica" panose="020B0604020202020204" pitchFamily="34" charset="0"/>
+              </a:rPr>
+              <a:t>Договора</a:t>
             </a:r>
           </a:p>
         </p:txBody>
@@ -9009,17 +10682,219 @@
               <a:buChar char="–"/>
             </a:pPr>
             <a:r>
-              <a:rPr lang="ru-RU" dirty="0" err="1">
-                <a:latin typeface="Helvetica" panose="020B0604020202020204" pitchFamily="34" charset="0"/>
-                <a:cs typeface="Helvetica" panose="020B0604020202020204" pitchFamily="34" charset="0"/>
-              </a:rPr>
-              <a:t>Распределенность</a:t>
+              <a:rPr lang="ru-RU" dirty="0">
+                <a:latin typeface="Helvetica" panose="020B0604020202020204" pitchFamily="34" charset="0"/>
+                <a:cs typeface="Helvetica" panose="020B0604020202020204" pitchFamily="34" charset="0"/>
+              </a:rPr>
+              <a:t> </a:t>
+            </a:r>
+            <a:r>
+              <a:rPr lang="en-US" dirty="0">
+                <a:latin typeface="Helvetica" panose="020B0604020202020204" pitchFamily="34" charset="0"/>
+                <a:cs typeface="Helvetica" panose="020B0604020202020204" pitchFamily="34" charset="0"/>
+              </a:rPr>
+              <a:t>S7 </a:t>
+            </a:r>
+            <a:r>
+              <a:rPr lang="ru-RU" dirty="0">
+                <a:latin typeface="Helvetica" panose="020B0604020202020204" pitchFamily="34" charset="0"/>
+                <a:cs typeface="Helvetica" panose="020B0604020202020204" pitchFamily="34" charset="0"/>
+              </a:rPr>
+              <a:t>и Альфа банк</a:t>
+            </a:r>
+          </a:p>
+          <a:p>
+            <a:pPr>
+              <a:buFont typeface="Helvetica" panose="020B0604020202020204" pitchFamily="34" charset="0"/>
+              <a:buChar char="–"/>
+            </a:pPr>
+            <a:r>
+              <a:rPr lang="ru-RU" dirty="0">
+                <a:latin typeface="Helvetica" panose="020B0604020202020204" pitchFamily="34" charset="0"/>
+                <a:cs typeface="Helvetica" panose="020B0604020202020204" pitchFamily="34" charset="0"/>
+              </a:rPr>
+              <a:t> </a:t>
+            </a:r>
+            <a:r>
+              <a:rPr lang="en-US" dirty="0">
+                <a:latin typeface="Helvetica" panose="020B0604020202020204" pitchFamily="34" charset="0"/>
+                <a:cs typeface="Helvetica" panose="020B0604020202020204" pitchFamily="34" charset="0"/>
+              </a:rPr>
+              <a:t>Barclays</a:t>
             </a:r>
             <a:endParaRPr lang="ru-RU" dirty="0">
               <a:latin typeface="Helvetica" panose="020B0604020202020204" pitchFamily="34" charset="0"/>
               <a:cs typeface="Helvetica" panose="020B0604020202020204" pitchFamily="34" charset="0"/>
             </a:endParaRPr>
           </a:p>
+        </p:txBody>
+      </p:sp>
+      <p:pic>
+        <p:nvPicPr>
+          <p:cNvPr id="4" name="Рисунок 3"/>
+          <p:cNvPicPr>
+            <a:picLocks noChangeAspect="1"/>
+          </p:cNvPicPr>
+          <p:nvPr/>
+        </p:nvPicPr>
+        <p:blipFill>
+          <a:blip r:embed="rId2">
+            <a:extLst>
+              <a:ext uri="{28A0092B-C50C-407E-A947-70E740481C1C}">
+                <a14:useLocalDpi xmlns:a14="http://schemas.microsoft.com/office/drawing/2010/main" val="0"/>
+              </a:ext>
+            </a:extLst>
+          </a:blip>
+          <a:stretch>
+            <a:fillRect/>
+          </a:stretch>
+        </p:blipFill>
+        <p:spPr>
+          <a:xfrm>
+            <a:off x="1451736" y="2828609"/>
+            <a:ext cx="5496816" cy="1681277"/>
+          </a:xfrm>
+          <a:prstGeom prst="rect">
+            <a:avLst/>
+          </a:prstGeom>
+        </p:spPr>
+      </p:pic>
+      <p:pic>
+        <p:nvPicPr>
+          <p:cNvPr id="5" name="Рисунок 4"/>
+          <p:cNvPicPr>
+            <a:picLocks noChangeAspect="1"/>
+          </p:cNvPicPr>
+          <p:nvPr/>
+        </p:nvPicPr>
+        <p:blipFill>
+          <a:blip r:embed="rId3">
+            <a:extLst>
+              <a:ext uri="{28A0092B-C50C-407E-A947-70E740481C1C}">
+                <a14:useLocalDpi xmlns:a14="http://schemas.microsoft.com/office/drawing/2010/main" val="0"/>
+              </a:ext>
+            </a:extLst>
+          </a:blip>
+          <a:stretch>
+            <a:fillRect/>
+          </a:stretch>
+        </p:blipFill>
+        <p:spPr>
+          <a:xfrm>
+            <a:off x="723900" y="4509886"/>
+            <a:ext cx="6391276" cy="3195638"/>
+          </a:xfrm>
+          <a:prstGeom prst="rect">
+            <a:avLst/>
+          </a:prstGeom>
+        </p:spPr>
+      </p:pic>
+      <p:pic>
+        <p:nvPicPr>
+          <p:cNvPr id="6" name="Рисунок 5"/>
+          <p:cNvPicPr>
+            <a:picLocks noChangeAspect="1"/>
+          </p:cNvPicPr>
+          <p:nvPr/>
+        </p:nvPicPr>
+        <p:blipFill>
+          <a:blip r:embed="rId4">
+            <a:extLst>
+              <a:ext uri="{28A0092B-C50C-407E-A947-70E740481C1C}">
+                <a14:useLocalDpi xmlns:a14="http://schemas.microsoft.com/office/drawing/2010/main" val="0"/>
+              </a:ext>
+            </a:extLst>
+          </a:blip>
+          <a:stretch>
+            <a:fillRect/>
+          </a:stretch>
+        </p:blipFill>
+        <p:spPr>
+          <a:xfrm>
+            <a:off x="7562088" y="2665323"/>
+            <a:ext cx="2919679" cy="2908001"/>
+          </a:xfrm>
+          <a:prstGeom prst="rect">
+            <a:avLst/>
+          </a:prstGeom>
+        </p:spPr>
+      </p:pic>
+    </p:spTree>
+    <p:extLst>
+      <p:ext uri="{BB962C8B-B14F-4D97-AF65-F5344CB8AC3E}">
+        <p14:creationId xmlns:p14="http://schemas.microsoft.com/office/powerpoint/2010/main" val="1192442244"/>
+      </p:ext>
+    </p:extLst>
+  </p:cSld>
+  <p:clrMapOvr>
+    <a:masterClrMapping/>
+  </p:clrMapOvr>
+</p:sld>
+</file>
+
+<file path=ppt/slides/slide57.xml><?xml version="1.0" encoding="utf-8"?>
+<p:sld xmlns:a="http://schemas.openxmlformats.org/drawingml/2006/main" xmlns:r="http://schemas.openxmlformats.org/officeDocument/2006/relationships" xmlns:p="http://schemas.openxmlformats.org/presentationml/2006/main">
+  <p:cSld>
+    <p:spTree>
+      <p:nvGrpSpPr>
+        <p:cNvPr id="1" name=""/>
+        <p:cNvGrpSpPr/>
+        <p:nvPr/>
+      </p:nvGrpSpPr>
+      <p:grpSpPr>
+        <a:xfrm>
+          <a:off x="0" y="0"/>
+          <a:ext cx="0" cy="0"/>
+          <a:chOff x="0" y="0"/>
+          <a:chExt cx="0" cy="0"/>
+        </a:xfrm>
+      </p:grpSpPr>
+      <p:sp>
+        <p:nvSpPr>
+          <p:cNvPr id="2" name="Заголовок 1"/>
+          <p:cNvSpPr>
+            <a:spLocks noGrp="1"/>
+          </p:cNvSpPr>
+          <p:nvPr>
+            <p:ph type="title"/>
+          </p:nvPr>
+        </p:nvSpPr>
+        <p:spPr/>
+        <p:txBody>
+          <a:bodyPr/>
+          <a:lstStyle/>
+          <a:p>
+            <a:r>
+              <a:rPr lang="en-US" dirty="0">
+                <a:latin typeface="Oswald Regular" panose="02000503000000000000" pitchFamily="2" charset="-52"/>
+              </a:rPr>
+              <a:t>Blockchain – </a:t>
+            </a:r>
+            <a:r>
+              <a:rPr lang="ru-RU" dirty="0">
+                <a:latin typeface="Oswald Regular" panose="02000503000000000000" pitchFamily="2" charset="-52"/>
+              </a:rPr>
+              <a:t>не философский камень</a:t>
+            </a:r>
+          </a:p>
+        </p:txBody>
+      </p:sp>
+      <p:sp>
+        <p:nvSpPr>
+          <p:cNvPr id="3" name="Объект 2"/>
+          <p:cNvSpPr>
+            <a:spLocks noGrp="1"/>
+          </p:cNvSpPr>
+          <p:nvPr>
+            <p:ph idx="1"/>
+          </p:nvPr>
+        </p:nvSpPr>
+        <p:spPr/>
+        <p:txBody>
+          <a:bodyPr>
+            <a:normAutofit/>
+          </a:bodyPr>
+          <a:lstStyle/>
           <a:p>
             <a:pPr>
               <a:buFont typeface="Helvetica" panose="020B0604020202020204" pitchFamily="34" charset="0"/>
@@ -9030,7 +10905,7 @@
                 <a:latin typeface="Helvetica" panose="020B0604020202020204" pitchFamily="34" charset="0"/>
                 <a:cs typeface="Helvetica" panose="020B0604020202020204" pitchFamily="34" charset="0"/>
               </a:rPr>
-              <a:t>Открытость</a:t>
+              <a:t> Не подходит, когда много транзакций</a:t>
             </a:r>
           </a:p>
           <a:p>
@@ -9043,7 +10918,46 @@
                 <a:latin typeface="Helvetica" panose="020B0604020202020204" pitchFamily="34" charset="0"/>
                 <a:cs typeface="Helvetica" panose="020B0604020202020204" pitchFamily="34" charset="0"/>
               </a:rPr>
-              <a:t>Защищенность</a:t>
+              <a:t> Плохая масштабируемость</a:t>
+            </a:r>
+          </a:p>
+          <a:p>
+            <a:pPr>
+              <a:buFont typeface="Helvetica" panose="020B0604020202020204" pitchFamily="34" charset="0"/>
+              <a:buChar char="–"/>
+            </a:pPr>
+            <a:r>
+              <a:rPr lang="ru-RU" dirty="0">
+                <a:latin typeface="Helvetica" panose="020B0604020202020204" pitchFamily="34" charset="0"/>
+                <a:cs typeface="Helvetica" panose="020B0604020202020204" pitchFamily="34" charset="0"/>
+              </a:rPr>
+              <a:t> Высокая волатильность валюты</a:t>
+            </a:r>
+          </a:p>
+          <a:p>
+            <a:pPr>
+              <a:buFont typeface="Helvetica" panose="020B0604020202020204" pitchFamily="34" charset="0"/>
+              <a:buChar char="–"/>
+            </a:pPr>
+            <a:r>
+              <a:rPr lang="ru-RU" dirty="0">
+                <a:latin typeface="Helvetica" panose="020B0604020202020204" pitchFamily="34" charset="0"/>
+                <a:cs typeface="Helvetica" panose="020B0604020202020204" pitchFamily="34" charset="0"/>
+              </a:rPr>
+              <a:t> Прозрачность транзакций</a:t>
+            </a:r>
+          </a:p>
+          <a:p>
+            <a:pPr>
+              <a:buFont typeface="Helvetica" panose="020B0604020202020204" pitchFamily="34" charset="0"/>
+              <a:buChar char="–"/>
+            </a:pPr>
+            <a:r>
+              <a:rPr lang="ru-RU" dirty="0">
+                <a:latin typeface="Helvetica" panose="020B0604020202020204" pitchFamily="34" charset="0"/>
+                <a:cs typeface="Helvetica" panose="020B0604020202020204" pitchFamily="34" charset="0"/>
+              </a:rPr>
+              <a:t> Риск плохого кода</a:t>
             </a:r>
           </a:p>
         </p:txBody>
@@ -9051,7 +10965,415 @@
     </p:spTree>
     <p:extLst>
       <p:ext uri="{BB962C8B-B14F-4D97-AF65-F5344CB8AC3E}">
-        <p14:creationId xmlns:p14="http://schemas.microsoft.com/office/powerpoint/2010/main" val="1449231710"/>
+        <p14:creationId xmlns:p14="http://schemas.microsoft.com/office/powerpoint/2010/main" val="1595263468"/>
+      </p:ext>
+    </p:extLst>
+  </p:cSld>
+  <p:clrMapOvr>
+    <a:masterClrMapping/>
+  </p:clrMapOvr>
+</p:sld>
+</file>
+
+<file path=ppt/slides/slide58.xml><?xml version="1.0" encoding="utf-8"?>
+<p:sld xmlns:a="http://schemas.openxmlformats.org/drawingml/2006/main" xmlns:r="http://schemas.openxmlformats.org/officeDocument/2006/relationships" xmlns:p="http://schemas.openxmlformats.org/presentationml/2006/main">
+  <p:cSld>
+    <p:spTree>
+      <p:nvGrpSpPr>
+        <p:cNvPr id="1" name=""/>
+        <p:cNvGrpSpPr/>
+        <p:nvPr/>
+      </p:nvGrpSpPr>
+      <p:grpSpPr>
+        <a:xfrm>
+          <a:off x="0" y="0"/>
+          <a:ext cx="0" cy="0"/>
+          <a:chOff x="0" y="0"/>
+          <a:chExt cx="0" cy="0"/>
+        </a:xfrm>
+      </p:grpSpPr>
+      <p:sp>
+        <p:nvSpPr>
+          <p:cNvPr id="2" name="Заголовок 1"/>
+          <p:cNvSpPr>
+            <a:spLocks noGrp="1"/>
+          </p:cNvSpPr>
+          <p:nvPr>
+            <p:ph type="title"/>
+          </p:nvPr>
+        </p:nvSpPr>
+        <p:spPr/>
+        <p:txBody>
+          <a:bodyPr/>
+          <a:lstStyle/>
+          <a:p>
+            <a:r>
+              <a:rPr lang="ru-RU" dirty="0">
+                <a:latin typeface="Oswald Regular" panose="02000503000000000000" pitchFamily="2" charset="-52"/>
+              </a:rPr>
+              <a:t>Существующие проекты на </a:t>
+            </a:r>
+            <a:r>
+              <a:rPr lang="en-US" dirty="0" err="1">
+                <a:latin typeface="Oswald Regular" panose="02000503000000000000" pitchFamily="2" charset="-52"/>
+              </a:rPr>
+              <a:t>Ethereum</a:t>
+            </a:r>
+            <a:endParaRPr lang="ru-RU" dirty="0">
+              <a:latin typeface="Oswald Regular" panose="02000503000000000000" pitchFamily="2" charset="-52"/>
+            </a:endParaRPr>
+          </a:p>
+        </p:txBody>
+      </p:sp>
+      <p:sp>
+        <p:nvSpPr>
+          <p:cNvPr id="3" name="Объект 2"/>
+          <p:cNvSpPr>
+            <a:spLocks noGrp="1"/>
+          </p:cNvSpPr>
+          <p:nvPr>
+            <p:ph idx="1"/>
+          </p:nvPr>
+        </p:nvSpPr>
+        <p:spPr>
+          <a:xfrm>
+            <a:off x="838200" y="1787525"/>
+            <a:ext cx="10515600" cy="4351338"/>
+          </a:xfrm>
+          <a:solidFill>
+            <a:schemeClr val="bg1"/>
+          </a:solidFill>
+        </p:spPr>
+        <p:txBody>
+          <a:bodyPr/>
+          <a:lstStyle/>
+          <a:p>
+            <a:pPr>
+              <a:buFont typeface="Helvetica" panose="020B0604020202020204" pitchFamily="34" charset="0"/>
+              <a:buChar char="–"/>
+            </a:pPr>
+            <a:r>
+              <a:rPr lang="en-US" dirty="0">
+                <a:latin typeface="Helvetica" panose="020B0604020202020204" pitchFamily="34" charset="0"/>
+                <a:cs typeface="Helvetica" panose="020B0604020202020204" pitchFamily="34" charset="0"/>
+              </a:rPr>
+              <a:t> Slock.it </a:t>
+            </a:r>
+            <a:r>
+              <a:rPr lang="ru-RU" dirty="0">
+                <a:latin typeface="Helvetica" panose="020B0604020202020204" pitchFamily="34" charset="0"/>
+                <a:cs typeface="Helvetica" panose="020B0604020202020204" pitchFamily="34" charset="0"/>
+              </a:rPr>
+              <a:t>и </a:t>
+            </a:r>
+            <a:r>
+              <a:rPr lang="en-US" dirty="0" err="1">
+                <a:latin typeface="Helvetica" panose="020B0604020202020204" pitchFamily="34" charset="0"/>
+                <a:cs typeface="Helvetica" panose="020B0604020202020204" pitchFamily="34" charset="0"/>
+              </a:rPr>
+              <a:t>Golos</a:t>
+            </a:r>
+            <a:endParaRPr lang="en-US" dirty="0">
+              <a:latin typeface="Helvetica" panose="020B0604020202020204" pitchFamily="34" charset="0"/>
+              <a:cs typeface="Helvetica" panose="020B0604020202020204" pitchFamily="34" charset="0"/>
+            </a:endParaRPr>
+          </a:p>
+          <a:p>
+            <a:pPr>
+              <a:buFont typeface="Helvetica" panose="020B0604020202020204" pitchFamily="34" charset="0"/>
+              <a:buChar char="–"/>
+            </a:pPr>
+            <a:r>
+              <a:rPr lang="en-US" dirty="0">
+                <a:latin typeface="Helvetica" panose="020B0604020202020204" pitchFamily="34" charset="0"/>
+                <a:cs typeface="Helvetica" panose="020B0604020202020204" pitchFamily="34" charset="0"/>
+              </a:rPr>
+              <a:t> </a:t>
+            </a:r>
+            <a:r>
+              <a:rPr lang="en-US" dirty="0" err="1">
+                <a:latin typeface="Helvetica" panose="020B0604020202020204" pitchFamily="34" charset="0"/>
+                <a:cs typeface="Helvetica" panose="020B0604020202020204" pitchFamily="34" charset="0"/>
+              </a:rPr>
+              <a:t>TheDAO</a:t>
+            </a:r>
+            <a:endParaRPr lang="en-US" dirty="0">
+              <a:latin typeface="Helvetica" panose="020B0604020202020204" pitchFamily="34" charset="0"/>
+              <a:cs typeface="Helvetica" panose="020B0604020202020204" pitchFamily="34" charset="0"/>
+            </a:endParaRPr>
+          </a:p>
+          <a:p>
+            <a:pPr>
+              <a:buFont typeface="Helvetica" panose="020B0604020202020204" pitchFamily="34" charset="0"/>
+              <a:buChar char="–"/>
+            </a:pPr>
+            <a:r>
+              <a:rPr lang="en-US" dirty="0">
+                <a:latin typeface="Helvetica" panose="020B0604020202020204" pitchFamily="34" charset="0"/>
+                <a:cs typeface="Helvetica" panose="020B0604020202020204" pitchFamily="34" charset="0"/>
+              </a:rPr>
+              <a:t> Edgeless.io</a:t>
+            </a:r>
+            <a:endParaRPr lang="ru-RU" dirty="0">
+              <a:latin typeface="Helvetica" panose="020B0604020202020204" pitchFamily="34" charset="0"/>
+              <a:cs typeface="Helvetica" panose="020B0604020202020204" pitchFamily="34" charset="0"/>
+            </a:endParaRPr>
+          </a:p>
+          <a:p>
+            <a:pPr>
+              <a:buFont typeface="Helvetica" panose="020B0604020202020204" pitchFamily="34" charset="0"/>
+              <a:buChar char="–"/>
+            </a:pPr>
+            <a:r>
+              <a:rPr lang="en-US" dirty="0">
+                <a:latin typeface="Helvetica" panose="020B0604020202020204" pitchFamily="34" charset="0"/>
+                <a:cs typeface="Helvetica" panose="020B0604020202020204" pitchFamily="34" charset="0"/>
+              </a:rPr>
+              <a:t> </a:t>
+            </a:r>
+            <a:r>
+              <a:rPr lang="en-US" dirty="0" err="1">
+                <a:latin typeface="Helvetica" panose="020B0604020202020204" pitchFamily="34" charset="0"/>
+                <a:cs typeface="Helvetica" panose="020B0604020202020204" pitchFamily="34" charset="0"/>
+              </a:rPr>
+              <a:t>MediaChain</a:t>
+            </a:r>
+            <a:endParaRPr lang="ru-RU" dirty="0">
+              <a:latin typeface="Helvetica" panose="020B0604020202020204" pitchFamily="34" charset="0"/>
+              <a:cs typeface="Helvetica" panose="020B0604020202020204" pitchFamily="34" charset="0"/>
+            </a:endParaRPr>
+          </a:p>
+          <a:p>
+            <a:pPr marL="0" indent="0">
+              <a:buNone/>
+            </a:pPr>
+            <a:endParaRPr lang="ru-RU" dirty="0">
+              <a:latin typeface="Helvetica" panose="020B0604020202020204" pitchFamily="34" charset="0"/>
+              <a:cs typeface="Helvetica" panose="020B0604020202020204" pitchFamily="34" charset="0"/>
+            </a:endParaRPr>
+          </a:p>
+        </p:txBody>
+      </p:sp>
+    </p:spTree>
+    <p:extLst>
+      <p:ext uri="{BB962C8B-B14F-4D97-AF65-F5344CB8AC3E}">
+        <p14:creationId xmlns:p14="http://schemas.microsoft.com/office/powerpoint/2010/main" val="3227692667"/>
+      </p:ext>
+    </p:extLst>
+  </p:cSld>
+  <p:clrMapOvr>
+    <a:masterClrMapping/>
+  </p:clrMapOvr>
+</p:sld>
+</file>
+
+<file path=ppt/slides/slide59.xml><?xml version="1.0" encoding="utf-8"?>
+<p:sld xmlns:a="http://schemas.openxmlformats.org/drawingml/2006/main" xmlns:r="http://schemas.openxmlformats.org/officeDocument/2006/relationships" xmlns:p="http://schemas.openxmlformats.org/presentationml/2006/main">
+  <p:cSld>
+    <p:spTree>
+      <p:nvGrpSpPr>
+        <p:cNvPr id="1" name=""/>
+        <p:cNvGrpSpPr/>
+        <p:nvPr/>
+      </p:nvGrpSpPr>
+      <p:grpSpPr>
+        <a:xfrm>
+          <a:off x="0" y="0"/>
+          <a:ext cx="0" cy="0"/>
+          <a:chOff x="0" y="0"/>
+          <a:chExt cx="0" cy="0"/>
+        </a:xfrm>
+      </p:grpSpPr>
+      <p:sp>
+        <p:nvSpPr>
+          <p:cNvPr id="2" name="Заголовок 1"/>
+          <p:cNvSpPr>
+            <a:spLocks noGrp="1"/>
+          </p:cNvSpPr>
+          <p:nvPr>
+            <p:ph type="title"/>
+          </p:nvPr>
+        </p:nvSpPr>
+        <p:spPr>
+          <a:solidFill>
+            <a:schemeClr val="bg1"/>
+          </a:solidFill>
+        </p:spPr>
+        <p:txBody>
+          <a:bodyPr/>
+          <a:lstStyle/>
+          <a:p>
+            <a:r>
+              <a:rPr lang="ru-RU" dirty="0">
+                <a:solidFill>
+                  <a:schemeClr val="accent4">
+                    <a:lumMod val="75000"/>
+                  </a:schemeClr>
+                </a:solidFill>
+                <a:latin typeface="Oswald Regular" panose="02000503000000000000" pitchFamily="2" charset="-52"/>
+                <a:cs typeface="Helvetica" panose="020B0604020202020204" pitchFamily="34" charset="0"/>
+              </a:rPr>
+              <a:t>Как бросить учёбу и провести ICO?</a:t>
+            </a:r>
+          </a:p>
+        </p:txBody>
+      </p:sp>
+      <p:sp>
+        <p:nvSpPr>
+          <p:cNvPr id="3" name="Объект 2"/>
+          <p:cNvSpPr>
+            <a:spLocks noGrp="1"/>
+          </p:cNvSpPr>
+          <p:nvPr>
+            <p:ph idx="1"/>
+          </p:nvPr>
+        </p:nvSpPr>
+        <p:spPr>
+          <a:xfrm>
+            <a:off x="838200" y="1589088"/>
+            <a:ext cx="11264900" cy="4351338"/>
+          </a:xfrm>
+        </p:spPr>
+        <p:txBody>
+          <a:bodyPr/>
+          <a:lstStyle/>
+          <a:p>
+            <a:pPr fontAlgn="base">
+              <a:buFont typeface="Helvetica" panose="020B0604020202020204" pitchFamily="34" charset="0"/>
+              <a:buChar char="–"/>
+            </a:pPr>
+            <a:r>
+              <a:rPr lang="ru-RU" sz="2400" dirty="0">
+                <a:latin typeface="Helvetica" panose="020B0604020202020204" pitchFamily="34" charset="0"/>
+                <a:cs typeface="Helvetica" panose="020B0604020202020204" pitchFamily="34" charset="0"/>
+              </a:rPr>
+              <a:t> Сделать </a:t>
+            </a:r>
+            <a:r>
+              <a:rPr lang="ru-RU" sz="2400" dirty="0" err="1">
+                <a:latin typeface="Helvetica" panose="020B0604020202020204" pitchFamily="34" charset="0"/>
+                <a:cs typeface="Helvetica" panose="020B0604020202020204" pitchFamily="34" charset="0"/>
+              </a:rPr>
+              <a:t>лендинг</a:t>
+            </a:r>
+            <a:r>
+              <a:rPr lang="ru-RU" sz="2400" dirty="0">
+                <a:latin typeface="Helvetica" panose="020B0604020202020204" pitchFamily="34" charset="0"/>
+                <a:cs typeface="Helvetica" panose="020B0604020202020204" pitchFamily="34" charset="0"/>
+              </a:rPr>
+              <a:t> за 10 тысяч рублей</a:t>
+            </a:r>
+          </a:p>
+          <a:p>
+            <a:pPr fontAlgn="base">
+              <a:buFont typeface="Helvetica" panose="020B0604020202020204" pitchFamily="34" charset="0"/>
+              <a:buChar char="–"/>
+            </a:pPr>
+            <a:r>
+              <a:rPr lang="ru-RU" sz="2400" dirty="0">
+                <a:latin typeface="Helvetica" panose="020B0604020202020204" pitchFamily="34" charset="0"/>
+                <a:cs typeface="Helvetica" panose="020B0604020202020204" pitchFamily="34" charset="0"/>
+              </a:rPr>
+              <a:t> Посадить одногруппницу, знающую английский, писать </a:t>
+            </a:r>
+            <a:r>
+              <a:rPr lang="ru-RU" sz="2400" dirty="0" err="1">
+                <a:latin typeface="Helvetica" panose="020B0604020202020204" pitchFamily="34" charset="0"/>
+                <a:cs typeface="Helvetica" panose="020B0604020202020204" pitchFamily="34" charset="0"/>
+              </a:rPr>
+              <a:t>whitepaper</a:t>
+            </a:r>
+            <a:endParaRPr lang="ru-RU" sz="2400" dirty="0">
+              <a:latin typeface="Helvetica" panose="020B0604020202020204" pitchFamily="34" charset="0"/>
+              <a:cs typeface="Helvetica" panose="020B0604020202020204" pitchFamily="34" charset="0"/>
+            </a:endParaRPr>
+          </a:p>
+          <a:p>
+            <a:pPr fontAlgn="base">
+              <a:buFont typeface="Helvetica" panose="020B0604020202020204" pitchFamily="34" charset="0"/>
+              <a:buChar char="–"/>
+            </a:pPr>
+            <a:r>
+              <a:rPr lang="ru-RU" sz="2400" dirty="0">
+                <a:latin typeface="Helvetica" panose="020B0604020202020204" pitchFamily="34" charset="0"/>
+                <a:cs typeface="Helvetica" panose="020B0604020202020204" pitchFamily="34" charset="0"/>
+              </a:rPr>
+              <a:t> Скопировать код успешного ICO с </a:t>
+            </a:r>
+            <a:r>
+              <a:rPr lang="ru-RU" sz="2400" dirty="0" err="1">
+                <a:latin typeface="Helvetica" panose="020B0604020202020204" pitchFamily="34" charset="0"/>
+                <a:cs typeface="Helvetica" panose="020B0604020202020204" pitchFamily="34" charset="0"/>
+              </a:rPr>
+              <a:t>github</a:t>
+            </a:r>
+            <a:endParaRPr lang="ru-RU" sz="2400" dirty="0">
+              <a:latin typeface="Helvetica" panose="020B0604020202020204" pitchFamily="34" charset="0"/>
+              <a:cs typeface="Helvetica" panose="020B0604020202020204" pitchFamily="34" charset="0"/>
+            </a:endParaRPr>
+          </a:p>
+          <a:p>
+            <a:pPr fontAlgn="base">
+              <a:buFont typeface="Helvetica" panose="020B0604020202020204" pitchFamily="34" charset="0"/>
+              <a:buChar char="–"/>
+            </a:pPr>
+            <a:r>
+              <a:rPr lang="ru-RU" sz="2400" dirty="0">
+                <a:latin typeface="Helvetica" panose="020B0604020202020204" pitchFamily="34" charset="0"/>
+                <a:cs typeface="Helvetica" panose="020B0604020202020204" pitchFamily="34" charset="0"/>
+              </a:rPr>
+              <a:t> Заказать статью в </a:t>
+            </a:r>
+            <a:r>
+              <a:rPr lang="ru-RU" sz="2400" dirty="0" err="1">
+                <a:latin typeface="Helvetica" panose="020B0604020202020204" pitchFamily="34" charset="0"/>
+                <a:cs typeface="Helvetica" panose="020B0604020202020204" pitchFamily="34" charset="0"/>
+              </a:rPr>
+              <a:t>CoinTelegraph</a:t>
+            </a:r>
+            <a:endParaRPr lang="ru-RU" sz="2400" dirty="0">
+              <a:latin typeface="Helvetica" panose="020B0604020202020204" pitchFamily="34" charset="0"/>
+              <a:cs typeface="Helvetica" panose="020B0604020202020204" pitchFamily="34" charset="0"/>
+            </a:endParaRPr>
+          </a:p>
+          <a:p>
+            <a:pPr fontAlgn="base">
+              <a:buFont typeface="Helvetica" panose="020B0604020202020204" pitchFamily="34" charset="0"/>
+              <a:buChar char="–"/>
+            </a:pPr>
+            <a:r>
+              <a:rPr lang="ru-RU" sz="2400" dirty="0">
+                <a:latin typeface="Helvetica" panose="020B0604020202020204" pitchFamily="34" charset="0"/>
+                <a:cs typeface="Helvetica" panose="020B0604020202020204" pitchFamily="34" charset="0"/>
+              </a:rPr>
+              <a:t> Собрать 2-3 миллиона $ за несколько дней</a:t>
+            </a:r>
+          </a:p>
+          <a:p>
+            <a:pPr fontAlgn="base">
+              <a:buFont typeface="Helvetica" panose="020B0604020202020204" pitchFamily="34" charset="0"/>
+              <a:buChar char="–"/>
+            </a:pPr>
+            <a:r>
+              <a:rPr lang="ru-RU" sz="2400" dirty="0">
+                <a:latin typeface="Helvetica" panose="020B0604020202020204" pitchFamily="34" charset="0"/>
+                <a:cs typeface="Helvetica" panose="020B0604020202020204" pitchFamily="34" charset="0"/>
+              </a:rPr>
+              <a:t> Вынуть все деньги из контракта и убежать в неизвестном направлении</a:t>
+            </a:r>
+          </a:p>
+          <a:p>
+            <a:pPr marL="0" indent="0">
+              <a:buNone/>
+            </a:pPr>
+            <a:endParaRPr lang="ru-RU" dirty="0"/>
+          </a:p>
+        </p:txBody>
+      </p:sp>
+    </p:spTree>
+    <p:extLst>
+      <p:ext uri="{BB962C8B-B14F-4D97-AF65-F5344CB8AC3E}">
+        <p14:creationId xmlns:p14="http://schemas.microsoft.com/office/powerpoint/2010/main" val="1240186377"/>
       </p:ext>
     </p:extLst>
   </p:cSld>
@@ -9097,6 +11419,507 @@
               <a:rPr lang="ru-RU" dirty="0">
                 <a:latin typeface="Oswald Regular" panose="02000503000000000000" pitchFamily="2" charset="-52"/>
               </a:rPr>
+              <a:t>Принципы построения цепочки блоков</a:t>
+            </a:r>
+          </a:p>
+        </p:txBody>
+      </p:sp>
+      <p:sp>
+        <p:nvSpPr>
+          <p:cNvPr id="3" name="Объект 2"/>
+          <p:cNvSpPr>
+            <a:spLocks noGrp="1"/>
+          </p:cNvSpPr>
+          <p:nvPr>
+            <p:ph idx="1"/>
+          </p:nvPr>
+        </p:nvSpPr>
+        <p:spPr/>
+        <p:txBody>
+          <a:bodyPr/>
+          <a:lstStyle/>
+          <a:p>
+            <a:pPr>
+              <a:buFont typeface="Helvetica" panose="020B0604020202020204" pitchFamily="34" charset="0"/>
+              <a:buChar char="–"/>
+            </a:pPr>
+            <a:r>
+              <a:rPr lang="ru-RU" dirty="0">
+                <a:latin typeface="Helvetica" panose="020B0604020202020204" pitchFamily="34" charset="0"/>
+                <a:cs typeface="Helvetica" panose="020B0604020202020204" pitchFamily="34" charset="0"/>
+              </a:rPr>
+              <a:t> </a:t>
+            </a:r>
+            <a:r>
+              <a:rPr lang="ru-RU" dirty="0" err="1">
+                <a:latin typeface="Helvetica" panose="020B0604020202020204" pitchFamily="34" charset="0"/>
+                <a:cs typeface="Helvetica" panose="020B0604020202020204" pitchFamily="34" charset="0"/>
+              </a:rPr>
+              <a:t>Распределённость</a:t>
+            </a:r>
+            <a:endParaRPr lang="ru-RU" dirty="0">
+              <a:latin typeface="Helvetica" panose="020B0604020202020204" pitchFamily="34" charset="0"/>
+              <a:cs typeface="Helvetica" panose="020B0604020202020204" pitchFamily="34" charset="0"/>
+            </a:endParaRPr>
+          </a:p>
+          <a:p>
+            <a:pPr>
+              <a:buFont typeface="Helvetica" panose="020B0604020202020204" pitchFamily="34" charset="0"/>
+              <a:buChar char="–"/>
+            </a:pPr>
+            <a:r>
+              <a:rPr lang="ru-RU" dirty="0">
+                <a:latin typeface="Helvetica" panose="020B0604020202020204" pitchFamily="34" charset="0"/>
+                <a:cs typeface="Helvetica" panose="020B0604020202020204" pitchFamily="34" charset="0"/>
+              </a:rPr>
+              <a:t> Открытость</a:t>
+            </a:r>
+          </a:p>
+          <a:p>
+            <a:pPr>
+              <a:buFont typeface="Helvetica" panose="020B0604020202020204" pitchFamily="34" charset="0"/>
+              <a:buChar char="–"/>
+            </a:pPr>
+            <a:r>
+              <a:rPr lang="ru-RU" dirty="0">
+                <a:latin typeface="Helvetica" panose="020B0604020202020204" pitchFamily="34" charset="0"/>
+                <a:cs typeface="Helvetica" panose="020B0604020202020204" pitchFamily="34" charset="0"/>
+              </a:rPr>
+              <a:t> Защищенность</a:t>
+            </a:r>
+          </a:p>
+        </p:txBody>
+      </p:sp>
+    </p:spTree>
+    <p:extLst>
+      <p:ext uri="{BB962C8B-B14F-4D97-AF65-F5344CB8AC3E}">
+        <p14:creationId xmlns:p14="http://schemas.microsoft.com/office/powerpoint/2010/main" val="1449231710"/>
+      </p:ext>
+    </p:extLst>
+  </p:cSld>
+  <p:clrMapOvr>
+    <a:masterClrMapping/>
+  </p:clrMapOvr>
+</p:sld>
+</file>
+
+<file path=ppt/slides/slide60.xml><?xml version="1.0" encoding="utf-8"?>
+<p:sld xmlns:a="http://schemas.openxmlformats.org/drawingml/2006/main" xmlns:r="http://schemas.openxmlformats.org/officeDocument/2006/relationships" xmlns:p="http://schemas.openxmlformats.org/presentationml/2006/main">
+  <p:cSld>
+    <p:spTree>
+      <p:nvGrpSpPr>
+        <p:cNvPr id="1" name=""/>
+        <p:cNvGrpSpPr/>
+        <p:nvPr/>
+      </p:nvGrpSpPr>
+      <p:grpSpPr>
+        <a:xfrm>
+          <a:off x="0" y="0"/>
+          <a:ext cx="0" cy="0"/>
+          <a:chOff x="0" y="0"/>
+          <a:chExt cx="0" cy="0"/>
+        </a:xfrm>
+      </p:grpSpPr>
+      <p:sp>
+        <p:nvSpPr>
+          <p:cNvPr id="2" name="Заголовок 1"/>
+          <p:cNvSpPr>
+            <a:spLocks noGrp="1"/>
+          </p:cNvSpPr>
+          <p:nvPr>
+            <p:ph type="title"/>
+          </p:nvPr>
+        </p:nvSpPr>
+        <p:spPr/>
+        <p:txBody>
+          <a:bodyPr/>
+          <a:lstStyle/>
+          <a:p>
+            <a:r>
+              <a:rPr lang="ru-RU" dirty="0">
+                <a:latin typeface="Oswald Regular" panose="02000503000000000000" pitchFamily="2" charset="-52"/>
+                <a:cs typeface="Helvetica" panose="020B0604020202020204" pitchFamily="34" charset="0"/>
+              </a:rPr>
+              <a:t>Какие задачи есть сейчас в </a:t>
+            </a:r>
+            <a:r>
+              <a:rPr lang="ru-RU" dirty="0" err="1">
+                <a:latin typeface="Oswald Regular" panose="02000503000000000000" pitchFamily="2" charset="-52"/>
+                <a:cs typeface="Helvetica" panose="020B0604020202020204" pitchFamily="34" charset="0"/>
+              </a:rPr>
+              <a:t>криптомире</a:t>
+            </a:r>
+            <a:r>
+              <a:rPr lang="ru-RU" dirty="0">
+                <a:latin typeface="Oswald Regular" panose="02000503000000000000" pitchFamily="2" charset="-52"/>
+                <a:cs typeface="Helvetica" panose="020B0604020202020204" pitchFamily="34" charset="0"/>
+              </a:rPr>
+              <a:t>?</a:t>
+            </a:r>
+            <a:endParaRPr lang="ru-RU" dirty="0"/>
+          </a:p>
+        </p:txBody>
+      </p:sp>
+      <p:sp>
+        <p:nvSpPr>
+          <p:cNvPr id="3" name="Объект 2"/>
+          <p:cNvSpPr>
+            <a:spLocks noGrp="1"/>
+          </p:cNvSpPr>
+          <p:nvPr>
+            <p:ph idx="1"/>
+          </p:nvPr>
+        </p:nvSpPr>
+        <p:spPr/>
+        <p:txBody>
+          <a:bodyPr vert="horz" lIns="91440" tIns="45720" rIns="91440" bIns="45720" rtlCol="0" anchor="t">
+            <a:normAutofit/>
+          </a:bodyPr>
+          <a:lstStyle/>
+          <a:p>
+            <a:pPr>
+              <a:buFont typeface="Helvetica" panose="020B0604020202020204" pitchFamily="34" charset="0"/>
+              <a:buChar char="–"/>
+            </a:pPr>
+            <a:r>
+              <a:rPr lang="ru-RU" dirty="0">
+                <a:latin typeface="Helvetica" panose="020B0604020202020204" pitchFamily="34" charset="0"/>
+                <a:cs typeface="Helvetica" panose="020B0604020202020204" pitchFamily="34" charset="0"/>
+              </a:rPr>
+              <a:t> </a:t>
+            </a:r>
+            <a:r>
+              <a:rPr lang="en-US" dirty="0">
+                <a:latin typeface="Helvetica" panose="020B0604020202020204" pitchFamily="34" charset="0"/>
+                <a:cs typeface="Helvetica" panose="020B0604020202020204" pitchFamily="34" charset="0"/>
+              </a:rPr>
+              <a:t>Research</a:t>
+            </a:r>
+          </a:p>
+          <a:p>
+            <a:pPr>
+              <a:buFont typeface="Helvetica" panose="020B0604020202020204" pitchFamily="34" charset="0"/>
+              <a:buChar char="–"/>
+            </a:pPr>
+            <a:r>
+              <a:rPr lang="ru-RU" dirty="0">
+                <a:latin typeface="Helvetica" panose="020B0604020202020204" pitchFamily="34" charset="0"/>
+                <a:cs typeface="Helvetica" panose="020B0604020202020204" pitchFamily="34" charset="0"/>
+              </a:rPr>
+              <a:t> </a:t>
+            </a:r>
+            <a:r>
+              <a:rPr lang="en-US" dirty="0">
+                <a:latin typeface="Helvetica" panose="020B0604020202020204" pitchFamily="34" charset="0"/>
+                <a:cs typeface="Helvetica" panose="020B0604020202020204" pitchFamily="34" charset="0"/>
+              </a:rPr>
+              <a:t>Developing core features</a:t>
+            </a:r>
+          </a:p>
+          <a:p>
+            <a:pPr>
+              <a:buFont typeface="Helvetica" panose="020B0604020202020204" pitchFamily="34" charset="0"/>
+              <a:buChar char="–"/>
+            </a:pPr>
+            <a:r>
+              <a:rPr lang="ru-RU" dirty="0">
+                <a:latin typeface="Helvetica" panose="020B0604020202020204" pitchFamily="34" charset="0"/>
+                <a:cs typeface="Helvetica" panose="020B0604020202020204" pitchFamily="34" charset="0"/>
+              </a:rPr>
+              <a:t> </a:t>
+            </a:r>
+            <a:r>
+              <a:rPr lang="en-US" dirty="0">
+                <a:latin typeface="Helvetica" panose="020B0604020202020204" pitchFamily="34" charset="0"/>
+                <a:cs typeface="Helvetica" panose="020B0604020202020204" pitchFamily="34" charset="0"/>
+              </a:rPr>
+              <a:t>Smart-contracts</a:t>
+            </a:r>
+            <a:endParaRPr lang="ru-RU" dirty="0">
+              <a:latin typeface="Helvetica" panose="020B0604020202020204" pitchFamily="34" charset="0"/>
+              <a:cs typeface="Helvetica" panose="020B0604020202020204" pitchFamily="34" charset="0"/>
+            </a:endParaRPr>
+          </a:p>
+        </p:txBody>
+      </p:sp>
+    </p:spTree>
+    <p:extLst>
+      <p:ext uri="{BB962C8B-B14F-4D97-AF65-F5344CB8AC3E}">
+        <p14:creationId xmlns:p14="http://schemas.microsoft.com/office/powerpoint/2010/main" val="3235032641"/>
+      </p:ext>
+    </p:extLst>
+  </p:cSld>
+  <p:clrMapOvr>
+    <a:masterClrMapping/>
+  </p:clrMapOvr>
+</p:sld>
+</file>
+
+<file path=ppt/slides/slide61.xml><?xml version="1.0" encoding="utf-8"?>
+<p:sld xmlns:a="http://schemas.openxmlformats.org/drawingml/2006/main" xmlns:r="http://schemas.openxmlformats.org/officeDocument/2006/relationships" xmlns:p="http://schemas.openxmlformats.org/presentationml/2006/main">
+  <p:cSld>
+    <p:spTree>
+      <p:nvGrpSpPr>
+        <p:cNvPr id="1" name=""/>
+        <p:cNvGrpSpPr/>
+        <p:nvPr/>
+      </p:nvGrpSpPr>
+      <p:grpSpPr>
+        <a:xfrm>
+          <a:off x="0" y="0"/>
+          <a:ext cx="0" cy="0"/>
+          <a:chOff x="0" y="0"/>
+          <a:chExt cx="0" cy="0"/>
+        </a:xfrm>
+      </p:grpSpPr>
+      <p:sp>
+        <p:nvSpPr>
+          <p:cNvPr id="2" name="Заголовок 1"/>
+          <p:cNvSpPr>
+            <a:spLocks noGrp="1"/>
+          </p:cNvSpPr>
+          <p:nvPr>
+            <p:ph type="title"/>
+          </p:nvPr>
+        </p:nvSpPr>
+        <p:spPr/>
+        <p:txBody>
+          <a:bodyPr/>
+          <a:lstStyle/>
+          <a:p>
+            <a:r>
+              <a:rPr lang="ru-RU" dirty="0">
+                <a:latin typeface="Oswald Regular" panose="02000503000000000000" pitchFamily="2" charset="-52"/>
+              </a:rPr>
+              <a:t>Спасибо!</a:t>
+            </a:r>
+          </a:p>
+        </p:txBody>
+      </p:sp>
+      <p:sp>
+        <p:nvSpPr>
+          <p:cNvPr id="3" name="Объект 2"/>
+          <p:cNvSpPr>
+            <a:spLocks noGrp="1"/>
+          </p:cNvSpPr>
+          <p:nvPr>
+            <p:ph idx="1"/>
+          </p:nvPr>
+        </p:nvSpPr>
+        <p:spPr/>
+        <p:txBody>
+          <a:bodyPr vert="horz" lIns="91440" tIns="45720" rIns="91440" bIns="45720" rtlCol="0" anchor="t">
+            <a:normAutofit/>
+          </a:bodyPr>
+          <a:lstStyle/>
+          <a:p>
+            <a:pPr marL="0" indent="0">
+              <a:buNone/>
+            </a:pPr>
+            <a:r>
+              <a:rPr lang="en-US" dirty="0">
+                <a:latin typeface="Helvetica" panose="020B0604020202020204" pitchFamily="34" charset="0"/>
+                <a:cs typeface="Helvetica" panose="020B0604020202020204" pitchFamily="34" charset="0"/>
+              </a:rPr>
+              <a:t>email: </a:t>
+            </a:r>
+            <a:r>
+              <a:rPr lang="en-US" dirty="0">
+                <a:latin typeface="Helvetica" panose="020B0604020202020204" pitchFamily="34" charset="0"/>
+                <a:cs typeface="Helvetica" panose="020B0604020202020204" pitchFamily="34" charset="0"/>
+                <a:hlinkClick r:id="rId2"/>
+              </a:rPr>
+              <a:t>amax0703@gmail.com</a:t>
+            </a:r>
+            <a:endParaRPr lang="en-US" dirty="0">
+              <a:latin typeface="Helvetica" panose="020B0604020202020204" pitchFamily="34" charset="0"/>
+              <a:cs typeface="Helvetica" panose="020B0604020202020204" pitchFamily="34" charset="0"/>
+            </a:endParaRPr>
+          </a:p>
+          <a:p>
+            <a:pPr marL="0" indent="0">
+              <a:buNone/>
+            </a:pPr>
+            <a:r>
+              <a:rPr lang="en-US" dirty="0" err="1">
+                <a:latin typeface="Helvetica" panose="020B0604020202020204" pitchFamily="34" charset="0"/>
+                <a:cs typeface="Helvetica" panose="020B0604020202020204" pitchFamily="34" charset="0"/>
+              </a:rPr>
+              <a:t>github</a:t>
+            </a:r>
+            <a:r>
+              <a:rPr lang="en-US" dirty="0">
+                <a:latin typeface="Helvetica" panose="020B0604020202020204" pitchFamily="34" charset="0"/>
+                <a:cs typeface="Helvetica" panose="020B0604020202020204" pitchFamily="34" charset="0"/>
+              </a:rPr>
+              <a:t>: </a:t>
+            </a:r>
+            <a:r>
+              <a:rPr lang="en-US" dirty="0" err="1">
+                <a:latin typeface="Helvetica" panose="020B0604020202020204" pitchFamily="34" charset="0"/>
+                <a:cs typeface="Helvetica" panose="020B0604020202020204" pitchFamily="34" charset="0"/>
+              </a:rPr>
+              <a:t>misteraverin</a:t>
+            </a:r>
+            <a:endParaRPr lang="en-US" dirty="0">
+              <a:latin typeface="Helvetica" panose="020B0604020202020204" pitchFamily="34" charset="0"/>
+              <a:cs typeface="Helvetica" panose="020B0604020202020204" pitchFamily="34" charset="0"/>
+            </a:endParaRPr>
+          </a:p>
+          <a:p>
+            <a:pPr marL="0" indent="0">
+              <a:buNone/>
+            </a:pPr>
+            <a:r>
+              <a:rPr lang="en-US" dirty="0">
+                <a:latin typeface="Helvetica" panose="020B0604020202020204" pitchFamily="34" charset="0"/>
+                <a:cs typeface="Helvetica" panose="020B0604020202020204" pitchFamily="34" charset="0"/>
+              </a:rPr>
+              <a:t>telegram: </a:t>
+            </a:r>
+            <a:r>
+              <a:rPr lang="en-US" dirty="0" err="1">
+                <a:latin typeface="Helvetica" panose="020B0604020202020204" pitchFamily="34" charset="0"/>
+                <a:cs typeface="Helvetica" panose="020B0604020202020204" pitchFamily="34" charset="0"/>
+              </a:rPr>
+              <a:t>misteraverin</a:t>
+            </a:r>
+          </a:p>
+          <a:p>
+            <a:pPr marL="0" indent="0">
+              <a:buNone/>
+            </a:pPr>
+            <a:endParaRPr lang="en-US" dirty="0">
+              <a:latin typeface="Helvetica" panose="020B0604020202020204" pitchFamily="34" charset="0"/>
+              <a:cs typeface="Helvetica" panose="020B0604020202020204" pitchFamily="34" charset="0"/>
+            </a:endParaRPr>
+          </a:p>
+          <a:p>
+            <a:pPr marL="0" indent="0">
+              <a:buNone/>
+            </a:pPr>
+            <a:r>
+              <a:rPr lang="en-US" dirty="0" err="1">
+                <a:latin typeface="Helvetica" panose="020B0604020202020204" pitchFamily="34" charset="0"/>
+                <a:cs typeface="Helvetica" panose="020B0604020202020204" pitchFamily="34" charset="0"/>
+              </a:rPr>
+              <a:t>Ссылка</a:t>
+            </a:r>
+            <a:r>
+              <a:rPr lang="en-US" dirty="0">
+                <a:latin typeface="Helvetica" panose="020B0604020202020204" pitchFamily="34" charset="0"/>
+                <a:cs typeface="Helvetica" panose="020B0604020202020204" pitchFamily="34" charset="0"/>
+              </a:rPr>
+              <a:t> </a:t>
+            </a:r>
+            <a:r>
+              <a:rPr lang="en-US" dirty="0" err="1">
+                <a:latin typeface="Helvetica" panose="020B0604020202020204" pitchFamily="34" charset="0"/>
+                <a:cs typeface="Helvetica" panose="020B0604020202020204" pitchFamily="34" charset="0"/>
+              </a:rPr>
+              <a:t>на</a:t>
+            </a:r>
+            <a:r>
+              <a:rPr lang="en-US" dirty="0">
+                <a:latin typeface="Helvetica" panose="020B0604020202020204" pitchFamily="34" charset="0"/>
+                <a:cs typeface="Helvetica" panose="020B0604020202020204" pitchFamily="34" charset="0"/>
+              </a:rPr>
+              <a:t> эту</a:t>
+            </a:r>
+            <a:r>
+              <a:rPr lang="ru-RU" dirty="0">
+                <a:latin typeface="Helvetica" panose="020B0604020202020204" pitchFamily="34" charset="0"/>
+                <a:cs typeface="Helvetica" panose="020B0604020202020204" pitchFamily="34" charset="0"/>
+              </a:rPr>
+              <a:t> </a:t>
+            </a:r>
+            <a:r>
+              <a:rPr lang="en-US" dirty="0" err="1">
+                <a:latin typeface="Helvetica" panose="020B0604020202020204" pitchFamily="34" charset="0"/>
+                <a:cs typeface="Helvetica" panose="020B0604020202020204" pitchFamily="34" charset="0"/>
+              </a:rPr>
+              <a:t>лекцию</a:t>
+            </a:r>
+            <a:r>
+              <a:rPr lang="en-US" dirty="0">
+                <a:latin typeface="Helvetica" panose="020B0604020202020204" pitchFamily="34" charset="0"/>
+                <a:cs typeface="Helvetica" panose="020B0604020202020204" pitchFamily="34" charset="0"/>
+              </a:rPr>
+              <a:t>:</a:t>
+            </a:r>
+            <a:endParaRPr lang="ru-RU" dirty="0">
+              <a:latin typeface="Helvetica" panose="020B0604020202020204" pitchFamily="34" charset="0"/>
+              <a:cs typeface="Helvetica" panose="020B0604020202020204" pitchFamily="34" charset="0"/>
+            </a:endParaRPr>
+          </a:p>
+          <a:p>
+            <a:pPr marL="0" indent="0">
+              <a:buNone/>
+            </a:pPr>
+            <a:r>
+              <a:rPr lang="en-US" dirty="0">
+                <a:latin typeface="Helvetica" panose="020B0604020202020204" pitchFamily="34" charset="0"/>
+                <a:cs typeface="Helvetica" panose="020B0604020202020204" pitchFamily="34" charset="0"/>
+                <a:hlinkClick r:id="rId3"/>
+              </a:rPr>
+              <a:t>https://github.com/misteraverin/blockchain-materials</a:t>
+            </a:r>
+            <a:endParaRPr lang="en-US" dirty="0">
+              <a:latin typeface="Helvetica" panose="020B0604020202020204" pitchFamily="34" charset="0"/>
+              <a:cs typeface="Helvetica" panose="020B0604020202020204" pitchFamily="34" charset="0"/>
+            </a:endParaRPr>
+          </a:p>
+        </p:txBody>
+      </p:sp>
+    </p:spTree>
+    <p:extLst>
+      <p:ext uri="{BB962C8B-B14F-4D97-AF65-F5344CB8AC3E}">
+        <p14:creationId xmlns:p14="http://schemas.microsoft.com/office/powerpoint/2010/main" val="1195231779"/>
+      </p:ext>
+    </p:extLst>
+  </p:cSld>
+  <p:clrMapOvr>
+    <a:masterClrMapping/>
+  </p:clrMapOvr>
+</p:sld>
+</file>
+
+<file path=ppt/slides/slide7.xml><?xml version="1.0" encoding="utf-8"?>
+<p:sld xmlns:a="http://schemas.openxmlformats.org/drawingml/2006/main" xmlns:r="http://schemas.openxmlformats.org/officeDocument/2006/relationships" xmlns:p="http://schemas.openxmlformats.org/presentationml/2006/main">
+  <p:cSld>
+    <p:spTree>
+      <p:nvGrpSpPr>
+        <p:cNvPr id="1" name=""/>
+        <p:cNvGrpSpPr/>
+        <p:nvPr/>
+      </p:nvGrpSpPr>
+      <p:grpSpPr>
+        <a:xfrm>
+          <a:off x="0" y="0"/>
+          <a:ext cx="0" cy="0"/>
+          <a:chOff x="0" y="0"/>
+          <a:chExt cx="0" cy="0"/>
+        </a:xfrm>
+      </p:grpSpPr>
+      <p:sp>
+        <p:nvSpPr>
+          <p:cNvPr id="2" name="Заголовок 1"/>
+          <p:cNvSpPr>
+            <a:spLocks noGrp="1"/>
+          </p:cNvSpPr>
+          <p:nvPr>
+            <p:ph type="title"/>
+          </p:nvPr>
+        </p:nvSpPr>
+        <p:spPr/>
+        <p:txBody>
+          <a:bodyPr/>
+          <a:lstStyle/>
+          <a:p>
+            <a:r>
+              <a:rPr lang="ru-RU" dirty="0">
+                <a:latin typeface="Oswald Regular" panose="02000503000000000000" pitchFamily="2" charset="-52"/>
+              </a:rPr>
               <a:t>Децентрализованная книга учёта</a:t>
             </a:r>
           </a:p>
@@ -9212,7 +12035,7 @@
 </p:sld>
 </file>
 
-<file path=ppt/slides/slide7.xml><?xml version="1.0" encoding="utf-8"?>
+<file path=ppt/slides/slide8.xml><?xml version="1.0" encoding="utf-8"?>
 <p:sld xmlns:a="http://schemas.openxmlformats.org/drawingml/2006/main" xmlns:r="http://schemas.openxmlformats.org/officeDocument/2006/relationships" xmlns:p="http://schemas.openxmlformats.org/presentationml/2006/main">
   <p:cSld>
     <p:spTree>
@@ -9298,98 +12121,6 @@
 </p:sld>
 </file>
 
-<file path=ppt/slides/slide8.xml><?xml version="1.0" encoding="utf-8"?>
-<p:sld xmlns:a="http://schemas.openxmlformats.org/drawingml/2006/main" xmlns:r="http://schemas.openxmlformats.org/officeDocument/2006/relationships" xmlns:p="http://schemas.openxmlformats.org/presentationml/2006/main">
-  <p:cSld>
-    <p:spTree>
-      <p:nvGrpSpPr>
-        <p:cNvPr id="1" name=""/>
-        <p:cNvGrpSpPr/>
-        <p:nvPr/>
-      </p:nvGrpSpPr>
-      <p:grpSpPr>
-        <a:xfrm>
-          <a:off x="0" y="0"/>
-          <a:ext cx="0" cy="0"/>
-          <a:chOff x="0" y="0"/>
-          <a:chExt cx="0" cy="0"/>
-        </a:xfrm>
-      </p:grpSpPr>
-      <p:sp>
-        <p:nvSpPr>
-          <p:cNvPr id="2" name="Заголовок 1"/>
-          <p:cNvSpPr>
-            <a:spLocks noGrp="1"/>
-          </p:cNvSpPr>
-          <p:nvPr>
-            <p:ph type="title"/>
-          </p:nvPr>
-        </p:nvSpPr>
-        <p:spPr/>
-        <p:txBody>
-          <a:bodyPr/>
-          <a:lstStyle/>
-          <a:p>
-            <a:r>
-              <a:rPr lang="ru-RU" dirty="0">
-                <a:latin typeface="Oswald Regular" panose="02000503000000000000" pitchFamily="2" charset="-52"/>
-                <a:cs typeface="Helvetica Neue"/>
-              </a:rPr>
-              <a:t>Сложность</a:t>
-            </a:r>
-            <a:endParaRPr lang="ru-RU" dirty="0">
-              <a:latin typeface="Oswald Regular" panose="02000503000000000000" pitchFamily="2" charset="-52"/>
-            </a:endParaRPr>
-          </a:p>
-        </p:txBody>
-      </p:sp>
-      <p:sp>
-        <p:nvSpPr>
-          <p:cNvPr id="3" name="Объект 2"/>
-          <p:cNvSpPr>
-            <a:spLocks noGrp="1"/>
-          </p:cNvSpPr>
-          <p:nvPr>
-            <p:ph idx="1"/>
-          </p:nvPr>
-        </p:nvSpPr>
-        <p:spPr/>
-        <p:txBody>
-          <a:bodyPr/>
-          <a:lstStyle/>
-          <a:p>
-            <a:pPr marL="0" indent="0">
-              <a:buNone/>
-            </a:pPr>
-            <a:r>
-              <a:rPr lang="ru-RU" dirty="0">
-                <a:latin typeface="Helvetica" panose="020B0604020202020204" pitchFamily="34" charset="0"/>
-                <a:cs typeface="Helvetica" panose="020B0604020202020204" pitchFamily="34" charset="0"/>
-              </a:rPr>
-              <a:t>Самое главное, что нужно знать – что сложность вычислений подстраивается так, чтобы какой-то счастливчик «находил блок» раз в 10 минут.</a:t>
-            </a:r>
-          </a:p>
-          <a:p>
-            <a:pPr marL="0" indent="0">
-              <a:buNone/>
-            </a:pPr>
-            <a:endParaRPr lang="ru-RU" dirty="0"/>
-          </a:p>
-        </p:txBody>
-      </p:sp>
-    </p:spTree>
-    <p:extLst>
-      <p:ext uri="{BB962C8B-B14F-4D97-AF65-F5344CB8AC3E}">
-        <p14:creationId xmlns:p14="http://schemas.microsoft.com/office/powerpoint/2010/main" val="2762381424"/>
-      </p:ext>
-    </p:extLst>
-  </p:cSld>
-  <p:clrMapOvr>
-    <a:masterClrMapping/>
-  </p:clrMapOvr>
-</p:sld>
-</file>
-
 <file path=ppt/slides/slide9.xml><?xml version="1.0" encoding="utf-8"?>
 <p:sld xmlns:a="http://schemas.openxmlformats.org/drawingml/2006/main" xmlns:r="http://schemas.openxmlformats.org/officeDocument/2006/relationships" xmlns:p="http://schemas.openxmlformats.org/presentationml/2006/main">
   <p:cSld>
@@ -9454,7 +12185,7 @@
                 <a:latin typeface="Helvetica" panose="020B0604020202020204" pitchFamily="34" charset="0"/>
                 <a:cs typeface="Helvetica" panose="020B0604020202020204" pitchFamily="34" charset="0"/>
               </a:rPr>
-              <a:t>Биткойн – это первая в истории человечества децентрализованная платёжная система.</a:t>
+              <a:t>Биткойн – это первая в истории человечества децентрализованная платёжная система, созданная в 2009 г.</a:t>
             </a:r>
           </a:p>
           <a:p>
@@ -9792,4 +12523,299 @@
     </a:ext>
   </a:extLst>
 </a:theme>
+</file>
+
+<file path=ppt/theme/theme2.xml><?xml version="1.0" encoding="utf-8"?>
+<a:theme xmlns:a="http://schemas.openxmlformats.org/drawingml/2006/main" name="Тема Office">
+  <a:themeElements>
+    <a:clrScheme name="Стандартная">
+      <a:dk1>
+        <a:sysClr val="windowText" lastClr="000000"/>
+      </a:dk1>
+      <a:lt1>
+        <a:sysClr val="window" lastClr="FFFFFF"/>
+      </a:lt1>
+      <a:dk2>
+        <a:srgbClr val="44546A"/>
+      </a:dk2>
+      <a:lt2>
+        <a:srgbClr val="E7E6E6"/>
+      </a:lt2>
+      <a:accent1>
+        <a:srgbClr val="5B9BD5"/>
+      </a:accent1>
+      <a:accent2>
+        <a:srgbClr val="ED7D31"/>
+      </a:accent2>
+      <a:accent3>
+        <a:srgbClr val="A5A5A5"/>
+      </a:accent3>
+      <a:accent4>
+        <a:srgbClr val="FFC000"/>
+      </a:accent4>
+      <a:accent5>
+        <a:srgbClr val="4472C4"/>
+      </a:accent5>
+      <a:accent6>
+        <a:srgbClr val="70AD47"/>
+      </a:accent6>
+      <a:hlink>
+        <a:srgbClr val="0563C1"/>
+      </a:hlink>
+      <a:folHlink>
+        <a:srgbClr val="954F72"/>
+      </a:folHlink>
+    </a:clrScheme>
+    <a:fontScheme name="Стандартная">
+      <a:majorFont>
+        <a:latin typeface="Calibri Light" panose="020F0302020204030204"/>
+        <a:ea typeface=""/>
+        <a:cs typeface=""/>
+        <a:font script="Jpan" typeface="游ゴシック Light"/>
+        <a:font script="Hang" typeface="맑은 고딕"/>
+        <a:font script="Hans" typeface="等线 Light"/>
+        <a:font script="Hant" typeface="新細明體"/>
+        <a:font script="Arab" typeface="Times New Roman"/>
+        <a:font script="Hebr" typeface="Times New Roman"/>
+        <a:font script="Thai" typeface="Angsana New"/>
+        <a:font script="Ethi" typeface="Nyala"/>
+        <a:font script="Beng" typeface="Vrinda"/>
+        <a:font script="Gujr" typeface="Shruti"/>
+        <a:font script="Khmr" typeface="MoolBoran"/>
+        <a:font script="Knda" typeface="Tunga"/>
+        <a:font script="Guru" typeface="Raavi"/>
+        <a:font script="Cans" typeface="Euphemia"/>
+        <a:font script="Cher" typeface="Plantagenet Cherokee"/>
+        <a:font script="Yiii" typeface="Microsoft Yi Baiti"/>
+        <a:font script="Tibt" typeface="Microsoft Himalaya"/>
+        <a:font script="Thaa" typeface="MV Boli"/>
+        <a:font script="Deva" typeface="Mangal"/>
+        <a:font script="Telu" typeface="Gautami"/>
+        <a:font script="Taml" typeface="Latha"/>
+        <a:font script="Syrc" typeface="Estrangelo Edessa"/>
+        <a:font script="Orya" typeface="Kalinga"/>
+        <a:font script="Mlym" typeface="Kartika"/>
+        <a:font script="Laoo" typeface="DokChampa"/>
+        <a:font script="Sinh" typeface="Iskoola Pota"/>
+        <a:font script="Mong" typeface="Mongolian Baiti"/>
+        <a:font script="Viet" typeface="Times New Roman"/>
+        <a:font script="Uigh" typeface="Microsoft Uighur"/>
+        <a:font script="Geor" typeface="Sylfaen"/>
+        <a:font script="Armn" typeface="Arial"/>
+        <a:font script="Bugi" typeface="Leelawadee UI"/>
+        <a:font script="Bopo" typeface="Microsoft JhengHei"/>
+        <a:font script="Java" typeface="Javanese Text"/>
+        <a:font script="Lisu" typeface="Segoe UI"/>
+        <a:font script="Mymr" typeface="Myanmar Text"/>
+        <a:font script="Nkoo" typeface="Ebrima"/>
+        <a:font script="Olck" typeface="Nirmala UI"/>
+        <a:font script="Osma" typeface="Ebrima"/>
+        <a:font script="Phag" typeface="Phagspa"/>
+        <a:font script="Syrn" typeface="Estrangelo Edessa"/>
+        <a:font script="Syrj" typeface="Estrangelo Edessa"/>
+        <a:font script="Syre" typeface="Estrangelo Edessa"/>
+        <a:font script="Sora" typeface="Nirmala UI"/>
+        <a:font script="Tale" typeface="Microsoft Tai Le"/>
+        <a:font script="Talu" typeface="Microsoft New Tai Lue"/>
+        <a:font script="Tfng" typeface="Ebrima"/>
+      </a:majorFont>
+      <a:minorFont>
+        <a:latin typeface="Calibri" panose="020F0502020204030204"/>
+        <a:ea typeface=""/>
+        <a:cs typeface=""/>
+        <a:font script="Jpan" typeface="游ゴシック"/>
+        <a:font script="Hang" typeface="맑은 고딕"/>
+        <a:font script="Hans" typeface="等线"/>
+        <a:font script="Hant" typeface="新細明體"/>
+        <a:font script="Arab" typeface="Arial"/>
+        <a:font script="Hebr" typeface="Arial"/>
+        <a:font script="Thai" typeface="Cordia New"/>
+        <a:font script="Ethi" typeface="Nyala"/>
+        <a:font script="Beng" typeface="Vrinda"/>
+        <a:font script="Gujr" typeface="Shruti"/>
+        <a:font script="Khmr" typeface="DaunPenh"/>
+        <a:font script="Knda" typeface="Tunga"/>
+        <a:font script="Guru" typeface="Raavi"/>
+        <a:font script="Cans" typeface="Euphemia"/>
+        <a:font script="Cher" typeface="Plantagenet Cherokee"/>
+        <a:font script="Yiii" typeface="Microsoft Yi Baiti"/>
+        <a:font script="Tibt" typeface="Microsoft Himalaya"/>
+        <a:font script="Thaa" typeface="MV Boli"/>
+        <a:font script="Deva" typeface="Mangal"/>
+        <a:font script="Telu" typeface="Gautami"/>
+        <a:font script="Taml" typeface="Latha"/>
+        <a:font script="Syrc" typeface="Estrangelo Edessa"/>
+        <a:font script="Orya" typeface="Kalinga"/>
+        <a:font script="Mlym" typeface="Kartika"/>
+        <a:font script="Laoo" typeface="DokChampa"/>
+        <a:font script="Sinh" typeface="Iskoola Pota"/>
+        <a:font script="Mong" typeface="Mongolian Baiti"/>
+        <a:font script="Viet" typeface="Arial"/>
+        <a:font script="Uigh" typeface="Microsoft Uighur"/>
+        <a:font script="Geor" typeface="Sylfaen"/>
+        <a:font script="Armn" typeface="Arial"/>
+        <a:font script="Bugi" typeface="Leelawadee UI"/>
+        <a:font script="Bopo" typeface="Microsoft JhengHei"/>
+        <a:font script="Java" typeface="Javanese Text"/>
+        <a:font script="Lisu" typeface="Segoe UI"/>
+        <a:font script="Mymr" typeface="Myanmar Text"/>
+        <a:font script="Nkoo" typeface="Ebrima"/>
+        <a:font script="Olck" typeface="Nirmala UI"/>
+        <a:font script="Osma" typeface="Ebrima"/>
+        <a:font script="Phag" typeface="Phagspa"/>
+        <a:font script="Syrn" typeface="Estrangelo Edessa"/>
+        <a:font script="Syrj" typeface="Estrangelo Edessa"/>
+        <a:font script="Syre" typeface="Estrangelo Edessa"/>
+        <a:font script="Sora" typeface="Nirmala UI"/>
+        <a:font script="Tale" typeface="Microsoft Tai Le"/>
+        <a:font script="Talu" typeface="Microsoft New Tai Lue"/>
+        <a:font script="Tfng" typeface="Ebrima"/>
+      </a:minorFont>
+    </a:fontScheme>
+    <a:fmtScheme name="Стандартная">
+      <a:fillStyleLst>
+        <a:solidFill>
+          <a:schemeClr val="phClr"/>
+        </a:solidFill>
+        <a:gradFill rotWithShape="1">
+          <a:gsLst>
+            <a:gs pos="0">
+              <a:schemeClr val="phClr">
+                <a:lumMod val="110000"/>
+                <a:satMod val="105000"/>
+                <a:tint val="67000"/>
+              </a:schemeClr>
+            </a:gs>
+            <a:gs pos="50000">
+              <a:schemeClr val="phClr">
+                <a:lumMod val="105000"/>
+                <a:satMod val="103000"/>
+                <a:tint val="73000"/>
+              </a:schemeClr>
+            </a:gs>
+            <a:gs pos="100000">
+              <a:schemeClr val="phClr">
+                <a:lumMod val="105000"/>
+                <a:satMod val="109000"/>
+                <a:tint val="81000"/>
+              </a:schemeClr>
+            </a:gs>
+          </a:gsLst>
+          <a:lin ang="5400000" scaled="0"/>
+        </a:gradFill>
+        <a:gradFill rotWithShape="1">
+          <a:gsLst>
+            <a:gs pos="0">
+              <a:schemeClr val="phClr">
+                <a:satMod val="103000"/>
+                <a:lumMod val="102000"/>
+                <a:tint val="94000"/>
+              </a:schemeClr>
+            </a:gs>
+            <a:gs pos="50000">
+              <a:schemeClr val="phClr">
+                <a:satMod val="110000"/>
+                <a:lumMod val="100000"/>
+                <a:shade val="100000"/>
+              </a:schemeClr>
+            </a:gs>
+            <a:gs pos="100000">
+              <a:schemeClr val="phClr">
+                <a:lumMod val="99000"/>
+                <a:satMod val="120000"/>
+                <a:shade val="78000"/>
+              </a:schemeClr>
+            </a:gs>
+          </a:gsLst>
+          <a:lin ang="5400000" scaled="0"/>
+        </a:gradFill>
+      </a:fillStyleLst>
+      <a:lnStyleLst>
+        <a:ln w="6350" cap="flat" cmpd="sng" algn="ctr">
+          <a:solidFill>
+            <a:schemeClr val="phClr"/>
+          </a:solidFill>
+          <a:prstDash val="solid"/>
+          <a:miter lim="800000"/>
+        </a:ln>
+        <a:ln w="12700" cap="flat" cmpd="sng" algn="ctr">
+          <a:solidFill>
+            <a:schemeClr val="phClr"/>
+          </a:solidFill>
+          <a:prstDash val="solid"/>
+          <a:miter lim="800000"/>
+        </a:ln>
+        <a:ln w="19050" cap="flat" cmpd="sng" algn="ctr">
+          <a:solidFill>
+            <a:schemeClr val="phClr"/>
+          </a:solidFill>
+          <a:prstDash val="solid"/>
+          <a:miter lim="800000"/>
+        </a:ln>
+      </a:lnStyleLst>
+      <a:effectStyleLst>
+        <a:effectStyle>
+          <a:effectLst/>
+        </a:effectStyle>
+        <a:effectStyle>
+          <a:effectLst/>
+        </a:effectStyle>
+        <a:effectStyle>
+          <a:effectLst>
+            <a:outerShdw blurRad="57150" dist="19050" dir="5400000" algn="ctr" rotWithShape="0">
+              <a:srgbClr val="000000">
+                <a:alpha val="63000"/>
+              </a:srgbClr>
+            </a:outerShdw>
+          </a:effectLst>
+        </a:effectStyle>
+      </a:effectStyleLst>
+      <a:bgFillStyleLst>
+        <a:solidFill>
+          <a:schemeClr val="phClr"/>
+        </a:solidFill>
+        <a:solidFill>
+          <a:schemeClr val="phClr">
+            <a:tint val="95000"/>
+            <a:satMod val="170000"/>
+          </a:schemeClr>
+        </a:solidFill>
+        <a:gradFill rotWithShape="1">
+          <a:gsLst>
+            <a:gs pos="0">
+              <a:schemeClr val="phClr">
+                <a:tint val="93000"/>
+                <a:satMod val="150000"/>
+                <a:shade val="98000"/>
+                <a:lumMod val="102000"/>
+              </a:schemeClr>
+            </a:gs>
+            <a:gs pos="50000">
+              <a:schemeClr val="phClr">
+                <a:tint val="98000"/>
+                <a:satMod val="130000"/>
+                <a:shade val="90000"/>
+                <a:lumMod val="103000"/>
+              </a:schemeClr>
+            </a:gs>
+            <a:gs pos="100000">
+              <a:schemeClr val="phClr">
+                <a:shade val="63000"/>
+                <a:satMod val="120000"/>
+              </a:schemeClr>
+            </a:gs>
+          </a:gsLst>
+          <a:lin ang="5400000" scaled="0"/>
+        </a:gradFill>
+      </a:bgFillStyleLst>
+    </a:fmtScheme>
+  </a:themeElements>
+  <a:objectDefaults/>
+  <a:extraClrSchemeLst/>
+  <a:extLst>
+    <a:ext uri="{05A4C25C-085E-4340-85A3-A5531E510DB2}">
+      <thm15:themeFamily xmlns:thm15="http://schemas.microsoft.com/office/thememl/2012/main" name="Office Theme" id="{62F939B6-93AF-4DB8-9C6B-D6C7DFDC589F}" vid="{4A3C46E8-61CC-4603-A589-7422A47A8E4A}"/>
+    </a:ext>
+  </a:extLst>
+</a:theme>
 </file>